--- a/DraftSlides/Lecture5.pptx
+++ b/DraftSlides/Lecture5.pptx
@@ -6,23 +6,20 @@
     <p:sldMasterId id="2147483711" r:id="rId2"/>
   </p:sldMasterIdLst>
   <p:notesMasterIdLst>
-    <p:notesMasterId r:id="rId17"/>
+    <p:notesMasterId r:id="rId14"/>
   </p:notesMasterIdLst>
   <p:sldIdLst>
     <p:sldId id="405" r:id="rId3"/>
     <p:sldId id="496" r:id="rId4"/>
     <p:sldId id="498" r:id="rId5"/>
     <p:sldId id="1869" r:id="rId6"/>
-    <p:sldId id="1870" r:id="rId7"/>
-    <p:sldId id="1873" r:id="rId8"/>
-    <p:sldId id="1874" r:id="rId9"/>
-    <p:sldId id="1875" r:id="rId10"/>
-    <p:sldId id="1866" r:id="rId11"/>
-    <p:sldId id="1876" r:id="rId12"/>
-    <p:sldId id="1863" r:id="rId13"/>
-    <p:sldId id="1877" r:id="rId14"/>
-    <p:sldId id="1878" r:id="rId15"/>
-    <p:sldId id="513" r:id="rId16"/>
+    <p:sldId id="1875" r:id="rId7"/>
+    <p:sldId id="1866" r:id="rId8"/>
+    <p:sldId id="1876" r:id="rId9"/>
+    <p:sldId id="1863" r:id="rId10"/>
+    <p:sldId id="1877" r:id="rId11"/>
+    <p:sldId id="1878" r:id="rId12"/>
+    <p:sldId id="513" r:id="rId13"/>
   </p:sldIdLst>
   <p:sldSz cx="10077450" cy="7562850"/>
   <p:notesSz cx="6858000" cy="9144000"/>
@@ -152,14 +149,6 @@
 </p:cmAuthorLst>
 </file>
 
-<file path=ppt/revisionInfo.xml><?xml version="1.0" encoding="utf-8"?>
-<p1510:revInfo xmlns:a="http://schemas.openxmlformats.org/drawingml/2006/main" xmlns:r="http://schemas.openxmlformats.org/officeDocument/2006/relationships" xmlns:p1510="http://schemas.microsoft.com/office/powerpoint/2015/10/main">
-  <p1510:revLst>
-    <p1510:client id="{ABE519EC-C726-4B17-827D-435B2DB1A03C}" v="4" dt="2021-09-20T14:27:45.117"/>
-  </p1510:revLst>
-</p1510:revInfo>
-</file>
-
 <file path=ppt/changesInfos/changesInfo1.xml><?xml version="1.0" encoding="utf-8"?>
 <pc:chgInfo xmlns:a="http://schemas.openxmlformats.org/drawingml/2006/main" xmlns:r="http://schemas.openxmlformats.org/officeDocument/2006/relationships" xmlns:ac="http://schemas.microsoft.com/office/drawing/2013/main/command" xmlns:pc="http://schemas.microsoft.com/office/powerpoint/2013/main/command">
   <pc:docChgLst>
@@ -2410,6 +2399,36 @@
             <ac:spMk id="5" creationId="{76645EC5-A991-419C-860F-C4BB509A507B}"/>
           </ac:spMkLst>
         </pc:spChg>
+      </pc:sldChg>
+    </pc:docChg>
+  </pc:docChgLst>
+  <pc:docChgLst>
+    <pc:chgData name="Khattab, Sherif" userId="c83b1e15-36f3-4f46-aceb-05aac24c545e" providerId="ADAL" clId="{E67F4250-9C3E-D640-A95D-DA79C2837899}"/>
+    <pc:docChg chg="delSld">
+      <pc:chgData name="Khattab, Sherif" userId="c83b1e15-36f3-4f46-aceb-05aac24c545e" providerId="ADAL" clId="{E67F4250-9C3E-D640-A95D-DA79C2837899}" dt="2022-01-24T19:06:24.181" v="0" actId="2696"/>
+      <pc:docMkLst>
+        <pc:docMk/>
+      </pc:docMkLst>
+      <pc:sldChg chg="del">
+        <pc:chgData name="Khattab, Sherif" userId="c83b1e15-36f3-4f46-aceb-05aac24c545e" providerId="ADAL" clId="{E67F4250-9C3E-D640-A95D-DA79C2837899}" dt="2022-01-24T19:06:24.181" v="0" actId="2696"/>
+        <pc:sldMkLst>
+          <pc:docMk/>
+          <pc:sldMk cId="1662342598" sldId="1870"/>
+        </pc:sldMkLst>
+      </pc:sldChg>
+      <pc:sldChg chg="del">
+        <pc:chgData name="Khattab, Sherif" userId="c83b1e15-36f3-4f46-aceb-05aac24c545e" providerId="ADAL" clId="{E67F4250-9C3E-D640-A95D-DA79C2837899}" dt="2022-01-24T19:06:24.181" v="0" actId="2696"/>
+        <pc:sldMkLst>
+          <pc:docMk/>
+          <pc:sldMk cId="551485046" sldId="1873"/>
+        </pc:sldMkLst>
+      </pc:sldChg>
+      <pc:sldChg chg="del">
+        <pc:chgData name="Khattab, Sherif" userId="c83b1e15-36f3-4f46-aceb-05aac24c545e" providerId="ADAL" clId="{E67F4250-9C3E-D640-A95D-DA79C2837899}" dt="2022-01-24T19:06:24.181" v="0" actId="2696"/>
+        <pc:sldMkLst>
+          <pc:docMk/>
+          <pc:sldMk cId="868200480" sldId="1874"/>
+        </pc:sldMkLst>
       </pc:sldChg>
     </pc:docChg>
   </pc:docChgLst>
@@ -2560,7 +2579,7 @@
           <a:p>
             <a:fld id="{A845D111-13B1-6540-9222-8BA23A0A1AF2}" type="datetimeFigureOut">
               <a:rPr lang="en-US" smtClean="0"/>
-              <a:t>9/27/2021</a:t>
+              <a:t>1/24/22</a:t>
             </a:fld>
             <a:endParaRPr lang="en-US"/>
           </a:p>
@@ -3343,7 +3362,7 @@
                 <a:tabLst/>
                 <a:defRPr/>
               </a:pPr>
-              <a:t>14</a:t>
+              <a:t>11</a:t>
             </a:fld>
             <a:endParaRPr kumimoji="0" lang="en-US" sz="1200" b="0" i="0" u="none" strike="noStrike" kern="1200" cap="none" spc="0" normalizeH="0" baseline="0" noProof="0">
               <a:ln>
@@ -4611,7 +4630,7 @@
             <a:fld id="{049DC8E1-D369-0F48-9062-BB068AFD07CE}" type="datetime1">
               <a:rPr lang="en-US" smtClean="0"/>
               <a:pPr/>
-              <a:t>9/27/2021</a:t>
+              <a:t>1/24/22</a:t>
             </a:fld>
             <a:endParaRPr lang="en-US"/>
           </a:p>
@@ -8810,6 +8829,1448 @@
           <p:cNvPr id="2" name="Title 1">
             <a:extLst>
               <a:ext uri="{FF2B5EF4-FFF2-40B4-BE49-F238E27FC236}">
+                <a16:creationId xmlns:a16="http://schemas.microsoft.com/office/drawing/2014/main" id="{06A3663B-1BCB-460C-A7AF-44C18D2F5799}"/>
+              </a:ext>
+            </a:extLst>
+          </p:cNvPr>
+          <p:cNvSpPr>
+            <a:spLocks noGrp="1"/>
+          </p:cNvSpPr>
+          <p:nvPr>
+            <p:ph type="title"/>
+          </p:nvPr>
+        </p:nvSpPr>
+        <p:spPr/>
+        <p:txBody>
+          <a:bodyPr/>
+          <a:lstStyle/>
+          <a:p>
+            <a:r>
+              <a:rPr lang="en-US" err="1"/>
+              <a:t>privateBuildTree</a:t>
+            </a:r>
+            <a:r>
+              <a:rPr lang="en-US"/>
+              <a:t> Method</a:t>
+            </a:r>
+          </a:p>
+        </p:txBody>
+      </p:sp>
+      <p:sp>
+        <p:nvSpPr>
+          <p:cNvPr id="4" name="Footer Placeholder 3">
+            <a:extLst>
+              <a:ext uri="{FF2B5EF4-FFF2-40B4-BE49-F238E27FC236}">
+                <a16:creationId xmlns:a16="http://schemas.microsoft.com/office/drawing/2014/main" id="{96CFD46E-CA81-4F04-8FDC-A36AB1F9476B}"/>
+              </a:ext>
+            </a:extLst>
+          </p:cNvPr>
+          <p:cNvSpPr>
+            <a:spLocks noGrp="1"/>
+          </p:cNvSpPr>
+          <p:nvPr>
+            <p:ph type="ftr" idx="11"/>
+          </p:nvPr>
+        </p:nvSpPr>
+        <p:spPr/>
+        <p:txBody>
+          <a:bodyPr/>
+          <a:lstStyle/>
+          <a:p>
+            <a:pPr>
+              <a:defRPr/>
+            </a:pPr>
+            <a:r>
+              <a:rPr lang="en-US">
+                <a:latin typeface="+mn-lt"/>
+              </a:rPr>
+              <a:t>CS 1501 – Algorithms &amp; Data Structures 2 – Sherif Khattab</a:t>
+            </a:r>
+            <a:endParaRPr lang="en-GB"/>
+          </a:p>
+        </p:txBody>
+      </p:sp>
+      <p:sp>
+        <p:nvSpPr>
+          <p:cNvPr id="5" name="Slide Number Placeholder 4">
+            <a:extLst>
+              <a:ext uri="{FF2B5EF4-FFF2-40B4-BE49-F238E27FC236}">
+                <a16:creationId xmlns:a16="http://schemas.microsoft.com/office/drawing/2014/main" id="{3AADC464-32DB-441C-9EA3-7F3F31E0A3AC}"/>
+              </a:ext>
+            </a:extLst>
+          </p:cNvPr>
+          <p:cNvSpPr>
+            <a:spLocks noGrp="1"/>
+          </p:cNvSpPr>
+          <p:nvPr>
+            <p:ph type="sldNum" idx="12"/>
+          </p:nvPr>
+        </p:nvSpPr>
+        <p:spPr/>
+        <p:txBody>
+          <a:bodyPr/>
+          <a:lstStyle/>
+          <a:p>
+            <a:fld id="{65E435D9-63B0-4660-8D04-E83F5E2CA2AE}" type="slidenum">
+              <a:rPr lang="en-GB" altLang="en-US" smtClean="0"/>
+              <a:pPr/>
+              <a:t>10</a:t>
+            </a:fld>
+            <a:endParaRPr lang="en-GB" altLang="en-US"/>
+          </a:p>
+        </p:txBody>
+      </p:sp>
+      <p:pic>
+        <p:nvPicPr>
+          <p:cNvPr id="7" name="Picture 6">
+            <a:extLst>
+              <a:ext uri="{FF2B5EF4-FFF2-40B4-BE49-F238E27FC236}">
+                <a16:creationId xmlns:a16="http://schemas.microsoft.com/office/drawing/2014/main" id="{A4D7DA1F-AAB4-4C1A-8C9D-658ECA4B7F97}"/>
+              </a:ext>
+            </a:extLst>
+          </p:cNvPr>
+          <p:cNvPicPr>
+            <a:picLocks noChangeAspect="1"/>
+          </p:cNvPicPr>
+          <p:nvPr/>
+        </p:nvPicPr>
+        <p:blipFill>
+          <a:blip r:embed="rId2"/>
+          <a:stretch>
+            <a:fillRect/>
+          </a:stretch>
+        </p:blipFill>
+        <p:spPr>
+          <a:xfrm>
+            <a:off x="277473" y="805501"/>
+            <a:ext cx="9635885" cy="6425209"/>
+          </a:xfrm>
+          <a:prstGeom prst="rect">
+            <a:avLst/>
+          </a:prstGeom>
+        </p:spPr>
+      </p:pic>
+    </p:spTree>
+    <p:extLst>
+      <p:ext uri="{BB962C8B-B14F-4D97-AF65-F5344CB8AC3E}">
+        <p14:creationId xmlns:p14="http://schemas.microsoft.com/office/powerpoint/2010/main" val="264922787"/>
+      </p:ext>
+    </p:extLst>
+  </p:cSld>
+  <p:clrMapOvr>
+    <a:masterClrMapping/>
+  </p:clrMapOvr>
+</p:sld>
+</file>
+
+<file path=ppt/slides/slide11.xml><?xml version="1.0" encoding="utf-8"?>
+<p:sld xmlns:a="http://schemas.openxmlformats.org/drawingml/2006/main" xmlns:r="http://schemas.openxmlformats.org/officeDocument/2006/relationships" xmlns:p="http://schemas.openxmlformats.org/presentationml/2006/main">
+  <p:cSld>
+    <p:spTree>
+      <p:nvGrpSpPr>
+        <p:cNvPr id="1" name=""/>
+        <p:cNvGrpSpPr/>
+        <p:nvPr/>
+      </p:nvGrpSpPr>
+      <p:grpSpPr>
+        <a:xfrm>
+          <a:off x="0" y="0"/>
+          <a:ext cx="0" cy="0"/>
+          <a:chOff x="0" y="0"/>
+          <a:chExt cx="0" cy="0"/>
+        </a:xfrm>
+      </p:grpSpPr>
+      <p:sp>
+        <p:nvSpPr>
+          <p:cNvPr id="6" name="Slide Number">
+            <a:extLst>
+              <a:ext uri="{FF2B5EF4-FFF2-40B4-BE49-F238E27FC236}">
+                <a16:creationId xmlns:a16="http://schemas.microsoft.com/office/drawing/2014/main" id="{A84C6658-392F-6A4D-984C-531AB221C723}"/>
+              </a:ext>
+            </a:extLst>
+          </p:cNvPr>
+          <p:cNvSpPr>
+            <a:spLocks noGrp="1"/>
+          </p:cNvSpPr>
+          <p:nvPr>
+            <p:ph type="sldNum" sz="quarter" idx="12"/>
+          </p:nvPr>
+        </p:nvSpPr>
+        <p:spPr/>
+        <p:txBody>
+          <a:bodyPr/>
+          <a:lstStyle/>
+          <a:p>
+            <a:pPr defTabSz="377922">
+              <a:defRPr/>
+            </a:pPr>
+            <a:fld id="{8A7A6979-0714-4377-B894-6BE4C2D6E202}" type="slidenum">
+              <a:rPr lang="en-US">
+                <a:solidFill>
+                  <a:srgbClr val="FFFFFF"/>
+                </a:solidFill>
+              </a:rPr>
+              <a:pPr defTabSz="377922">
+                <a:defRPr/>
+              </a:pPr>
+              <a:t>11</a:t>
+            </a:fld>
+            <a:endParaRPr lang="en-US">
+              <a:solidFill>
+                <a:srgbClr val="FFFFFF"/>
+              </a:solidFill>
+            </a:endParaRPr>
+          </a:p>
+        </p:txBody>
+      </p:sp>
+      <p:sp>
+        <p:nvSpPr>
+          <p:cNvPr id="4" name="Title 1">
+            <a:extLst>
+              <a:ext uri="{FF2B5EF4-FFF2-40B4-BE49-F238E27FC236}">
+                <a16:creationId xmlns:a16="http://schemas.microsoft.com/office/drawing/2014/main" id="{845E174E-D032-44D5-9B3B-60F9C54B9084}"/>
+              </a:ext>
+            </a:extLst>
+          </p:cNvPr>
+          <p:cNvSpPr txBox="1">
+            <a:spLocks/>
+          </p:cNvSpPr>
+          <p:nvPr/>
+        </p:nvSpPr>
+        <p:spPr bwMode="blackWhite">
+          <a:xfrm>
+            <a:off x="505293" y="1533558"/>
+            <a:ext cx="8731166" cy="2060949"/>
+          </a:xfrm>
+          <a:prstGeom prst="rect">
+            <a:avLst/>
+          </a:prstGeom>
+          <a:noFill/>
+          <a:ln w="38100" cap="sq">
+            <a:noFill/>
+            <a:miter lim="800000"/>
+          </a:ln>
+        </p:spPr>
+        <p:txBody>
+          <a:bodyPr vert="horz" wrap="square" lIns="0" tIns="0" rIns="0" bIns="0" rtlCol="0" anchor="t" anchorCtr="0">
+            <a:spAutoFit/>
+          </a:bodyPr>
+          <a:lstStyle>
+            <a:lvl1pPr algn="ctr" defTabSz="914400" rtl="0" eaLnBrk="1" latinLnBrk="0" hangingPunct="1">
+              <a:lnSpc>
+                <a:spcPct val="90000"/>
+              </a:lnSpc>
+              <a:spcBef>
+                <a:spcPct val="0"/>
+              </a:spcBef>
+              <a:buNone/>
+              <a:defRPr sz="8600" b="0" i="0" kern="1200" cap="none" spc="300" baseline="0">
+                <a:solidFill>
+                  <a:schemeClr val="accent2"/>
+                </a:solidFill>
+                <a:latin typeface="United Sans Cond Medium" pitchFamily="2" charset="77"/>
+                <a:ea typeface="+mj-ea"/>
+                <a:cs typeface="+mj-cs"/>
+              </a:defRPr>
+            </a:lvl1pPr>
+          </a:lstStyle>
+          <a:p>
+            <a:pPr defTabSz="755843">
+              <a:defRPr/>
+            </a:pPr>
+            <a:r>
+              <a:rPr lang="en-US" sz="4960" b="1" spc="248">
+                <a:solidFill>
+                  <a:srgbClr val="002060"/>
+                </a:solidFill>
+                <a:latin typeface="Acumin Pro ExtraCondensed" panose="020B0604020202020204" charset="0"/>
+                <a:cs typeface="United Sans Cond Medium" panose="020B0604020202020204" charset="0"/>
+              </a:rPr>
+              <a:t>Please submit your reflections by using the </a:t>
+            </a:r>
+            <a:r>
+              <a:rPr lang="en-US" sz="4960" b="1" spc="248" err="1">
+                <a:solidFill>
+                  <a:srgbClr val="002060"/>
+                </a:solidFill>
+                <a:latin typeface="Acumin Pro ExtraCondensed" panose="020B0604020202020204" charset="0"/>
+                <a:cs typeface="United Sans Cond Medium" panose="020B0604020202020204" charset="0"/>
+              </a:rPr>
+              <a:t>CourseMIRROR</a:t>
+            </a:r>
+            <a:r>
+              <a:rPr lang="en-US" sz="4960" b="1" spc="248">
+                <a:solidFill>
+                  <a:srgbClr val="002060"/>
+                </a:solidFill>
+                <a:latin typeface="Acumin Pro ExtraCondensed" panose="020B0604020202020204" charset="0"/>
+                <a:cs typeface="United Sans Cond Medium" panose="020B0604020202020204" charset="0"/>
+              </a:rPr>
+              <a:t> App</a:t>
+            </a:r>
+          </a:p>
+        </p:txBody>
+      </p:sp>
+      <p:sp>
+        <p:nvSpPr>
+          <p:cNvPr id="5" name="Date Placeholder 3">
+            <a:extLst>
+              <a:ext uri="{FF2B5EF4-FFF2-40B4-BE49-F238E27FC236}">
+                <a16:creationId xmlns:a16="http://schemas.microsoft.com/office/drawing/2014/main" id="{6C566CCB-EA83-4CF7-9EDD-EAD8BA08143B}"/>
+              </a:ext>
+            </a:extLst>
+          </p:cNvPr>
+          <p:cNvSpPr>
+            <a:spLocks noGrp="1"/>
+          </p:cNvSpPr>
+          <p:nvPr>
+            <p:ph type="dt" sz="half" idx="10"/>
+          </p:nvPr>
+        </p:nvSpPr>
+        <p:spPr>
+          <a:xfrm>
+            <a:off x="8292304" y="6073629"/>
+            <a:ext cx="944155" cy="267780"/>
+          </a:xfrm>
+        </p:spPr>
+        <p:txBody>
+          <a:bodyPr/>
+          <a:lstStyle/>
+          <a:p>
+            <a:pPr defTabSz="377922">
+              <a:defRPr/>
+            </a:pPr>
+            <a:fld id="{049DC8E1-D369-0F48-9062-BB068AFD07CE}" type="datetime1">
+              <a:rPr lang="en-US">
+                <a:solidFill>
+                  <a:srgbClr val="FFFFFF">
+                    <a:alpha val="70000"/>
+                  </a:srgbClr>
+                </a:solidFill>
+              </a:rPr>
+              <a:pPr defTabSz="377922">
+                <a:defRPr/>
+              </a:pPr>
+              <a:t>1/24/22</a:t>
+            </a:fld>
+            <a:endParaRPr lang="en-US">
+              <a:solidFill>
+                <a:srgbClr val="FFFFFF">
+                  <a:alpha val="70000"/>
+                </a:srgbClr>
+              </a:solidFill>
+            </a:endParaRPr>
+          </a:p>
+        </p:txBody>
+      </p:sp>
+      <p:sp>
+        <p:nvSpPr>
+          <p:cNvPr id="2" name="TextBox 1">
+            <a:extLst>
+              <a:ext uri="{FF2B5EF4-FFF2-40B4-BE49-F238E27FC236}">
+                <a16:creationId xmlns:a16="http://schemas.microsoft.com/office/drawing/2014/main" id="{1F35FF62-3694-9144-A69E-A1580D1534C9}"/>
+              </a:ext>
+            </a:extLst>
+          </p:cNvPr>
+          <p:cNvSpPr txBox="1"/>
+          <p:nvPr/>
+        </p:nvSpPr>
+        <p:spPr>
+          <a:xfrm>
+            <a:off x="1157123" y="4632545"/>
+            <a:ext cx="7557758" cy="652230"/>
+          </a:xfrm>
+          <a:prstGeom prst="rect">
+            <a:avLst/>
+          </a:prstGeom>
+          <a:noFill/>
+        </p:spPr>
+        <p:txBody>
+          <a:bodyPr wrap="square" rtlCol="0">
+            <a:spAutoFit/>
+          </a:bodyPr>
+          <a:lstStyle/>
+          <a:p>
+            <a:pPr defTabSz="377922">
+              <a:defRPr/>
+            </a:pPr>
+            <a:r>
+              <a:rPr lang="en-US" sz="1819" b="1">
+                <a:solidFill>
+                  <a:srgbClr val="000000"/>
+                </a:solidFill>
+                <a:latin typeface="Times New Roman" panose="02020603050405020304" pitchFamily="18" charset="0"/>
+                <a:cs typeface="Times New Roman" panose="02020603050405020304" pitchFamily="18" charset="0"/>
+              </a:rPr>
+              <a:t>If you are having a problem with </a:t>
+            </a:r>
+            <a:r>
+              <a:rPr lang="en-US" sz="1819" b="1" err="1">
+                <a:solidFill>
+                  <a:srgbClr val="000000"/>
+                </a:solidFill>
+                <a:latin typeface="Times New Roman" panose="02020603050405020304" pitchFamily="18" charset="0"/>
+                <a:cs typeface="Times New Roman" panose="02020603050405020304" pitchFamily="18" charset="0"/>
+              </a:rPr>
+              <a:t>CourseMIRROR</a:t>
+            </a:r>
+            <a:r>
+              <a:rPr lang="en-US" sz="1819" b="1">
+                <a:solidFill>
+                  <a:srgbClr val="000000"/>
+                </a:solidFill>
+                <a:latin typeface="Times New Roman" panose="02020603050405020304" pitchFamily="18" charset="0"/>
+                <a:cs typeface="Times New Roman" panose="02020603050405020304" pitchFamily="18" charset="0"/>
+              </a:rPr>
+              <a:t>, please send an email to </a:t>
+            </a:r>
+            <a:r>
+              <a:rPr lang="en-US" sz="1819" b="1">
+                <a:solidFill>
+                  <a:srgbClr val="0000FF"/>
+                </a:solidFill>
+                <a:latin typeface="Times New Roman" panose="02020603050405020304" pitchFamily="18" charset="0"/>
+                <a:cs typeface="Times New Roman" panose="02020603050405020304" pitchFamily="18" charset="0"/>
+                <a:hlinkClick r:id="rId3">
+                  <a:extLst>
+                    <a:ext uri="{A12FA001-AC4F-418D-AE19-62706E023703}">
+                      <ahyp:hlinkClr xmlns:ahyp="http://schemas.microsoft.com/office/drawing/2018/hyperlinkcolor" val="tx"/>
+                    </a:ext>
+                  </a:extLst>
+                </a:hlinkClick>
+              </a:rPr>
+              <a:t>coursemirror.development@gmail.com</a:t>
+            </a:r>
+            <a:r>
+              <a:rPr lang="en-US" sz="1819" b="1">
+                <a:solidFill>
+                  <a:srgbClr val="0000FF"/>
+                </a:solidFill>
+                <a:latin typeface="Times New Roman" panose="02020603050405020304" pitchFamily="18" charset="0"/>
+                <a:cs typeface="Times New Roman" panose="02020603050405020304" pitchFamily="18" charset="0"/>
+              </a:rPr>
+              <a:t> </a:t>
+            </a:r>
+          </a:p>
+        </p:txBody>
+      </p:sp>
+    </p:spTree>
+    <p:extLst>
+      <p:ext uri="{BB962C8B-B14F-4D97-AF65-F5344CB8AC3E}">
+        <p14:creationId xmlns:p14="http://schemas.microsoft.com/office/powerpoint/2010/main" val="737806260"/>
+      </p:ext>
+    </p:extLst>
+  </p:cSld>
+  <p:clrMapOvr>
+    <a:masterClrMapping/>
+  </p:clrMapOvr>
+</p:sld>
+</file>
+
+<file path=ppt/slides/slide2.xml><?xml version="1.0" encoding="utf-8"?>
+<p:sld xmlns:a="http://schemas.openxmlformats.org/drawingml/2006/main" xmlns:r="http://schemas.openxmlformats.org/officeDocument/2006/relationships" xmlns:p="http://schemas.openxmlformats.org/presentationml/2006/main">
+  <p:cSld>
+    <p:spTree>
+      <p:nvGrpSpPr>
+        <p:cNvPr id="1" name=""/>
+        <p:cNvGrpSpPr/>
+        <p:nvPr/>
+      </p:nvGrpSpPr>
+      <p:grpSpPr>
+        <a:xfrm>
+          <a:off x="0" y="0"/>
+          <a:ext cx="0" cy="0"/>
+          <a:chOff x="0" y="0"/>
+          <a:chExt cx="0" cy="0"/>
+        </a:xfrm>
+      </p:grpSpPr>
+      <p:sp>
+        <p:nvSpPr>
+          <p:cNvPr id="2" name="Title 1">
+            <a:extLst>
+              <a:ext uri="{FF2B5EF4-FFF2-40B4-BE49-F238E27FC236}">
+                <a16:creationId xmlns:a16="http://schemas.microsoft.com/office/drawing/2014/main" id="{AB9EA720-F5B4-463B-B14C-1970BB85B2C8}"/>
+              </a:ext>
+            </a:extLst>
+          </p:cNvPr>
+          <p:cNvSpPr>
+            <a:spLocks noGrp="1"/>
+          </p:cNvSpPr>
+          <p:nvPr>
+            <p:ph type="title"/>
+          </p:nvPr>
+        </p:nvSpPr>
+        <p:spPr/>
+        <p:txBody>
+          <a:bodyPr/>
+          <a:lstStyle/>
+          <a:p>
+            <a:r>
+              <a:rPr lang="en-US"/>
+              <a:t>Announcements</a:t>
+            </a:r>
+          </a:p>
+        </p:txBody>
+      </p:sp>
+      <p:sp>
+        <p:nvSpPr>
+          <p:cNvPr id="3" name="Content Placeholder 2">
+            <a:extLst>
+              <a:ext uri="{FF2B5EF4-FFF2-40B4-BE49-F238E27FC236}">
+                <a16:creationId xmlns:a16="http://schemas.microsoft.com/office/drawing/2014/main" id="{2466C52D-9A48-4683-BE7F-268D8DB7FAAD}"/>
+              </a:ext>
+            </a:extLst>
+          </p:cNvPr>
+          <p:cNvSpPr>
+            <a:spLocks noGrp="1"/>
+          </p:cNvSpPr>
+          <p:nvPr>
+            <p:ph idx="1"/>
+          </p:nvPr>
+        </p:nvSpPr>
+        <p:spPr/>
+        <p:txBody>
+          <a:bodyPr>
+            <a:normAutofit/>
+          </a:bodyPr>
+          <a:lstStyle/>
+          <a:p>
+            <a:r>
+              <a:rPr lang="en-US" dirty="0"/>
+              <a:t>Upcoming deadlines:</a:t>
+            </a:r>
+          </a:p>
+          <a:p>
+            <a:pPr lvl="1"/>
+            <a:r>
+              <a:rPr lang="en-US" dirty="0"/>
+              <a:t>9/24: Homework 3</a:t>
+            </a:r>
+          </a:p>
+          <a:p>
+            <a:pPr lvl="1"/>
+            <a:r>
+              <a:rPr lang="en-US" dirty="0"/>
+              <a:t>10/1: Assignment 1</a:t>
+            </a:r>
+          </a:p>
+        </p:txBody>
+      </p:sp>
+      <p:sp>
+        <p:nvSpPr>
+          <p:cNvPr id="4" name="Footer Placeholder 3">
+            <a:extLst>
+              <a:ext uri="{FF2B5EF4-FFF2-40B4-BE49-F238E27FC236}">
+                <a16:creationId xmlns:a16="http://schemas.microsoft.com/office/drawing/2014/main" id="{1F01509E-F3AE-471C-8BB2-E55078C4C863}"/>
+              </a:ext>
+            </a:extLst>
+          </p:cNvPr>
+          <p:cNvSpPr>
+            <a:spLocks noGrp="1"/>
+          </p:cNvSpPr>
+          <p:nvPr>
+            <p:ph type="ftr" idx="11"/>
+          </p:nvPr>
+        </p:nvSpPr>
+        <p:spPr/>
+        <p:txBody>
+          <a:bodyPr/>
+          <a:lstStyle/>
+          <a:p>
+            <a:pPr defTabSz="457063" fontAlgn="base" hangingPunct="0">
+              <a:spcBef>
+                <a:spcPct val="0"/>
+              </a:spcBef>
+              <a:spcAft>
+                <a:spcPct val="0"/>
+              </a:spcAft>
+              <a:buClr>
+                <a:srgbClr val="000000"/>
+              </a:buClr>
+              <a:buSzPct val="100000"/>
+              <a:defRPr/>
+            </a:pPr>
+            <a:r>
+              <a:rPr lang="en-US">
+                <a:latin typeface="Arial"/>
+              </a:rPr>
+              <a:t>CS 1501 – Algorithms &amp; Data Structures 2 – Sherif Khattab</a:t>
+            </a:r>
+            <a:endParaRPr lang="en-GB"/>
+          </a:p>
+        </p:txBody>
+      </p:sp>
+      <p:sp>
+        <p:nvSpPr>
+          <p:cNvPr id="5" name="Slide Number Placeholder 4">
+            <a:extLst>
+              <a:ext uri="{FF2B5EF4-FFF2-40B4-BE49-F238E27FC236}">
+                <a16:creationId xmlns:a16="http://schemas.microsoft.com/office/drawing/2014/main" id="{481CF72B-4081-461A-85F0-AEE6A7897B6A}"/>
+              </a:ext>
+            </a:extLst>
+          </p:cNvPr>
+          <p:cNvSpPr>
+            <a:spLocks noGrp="1"/>
+          </p:cNvSpPr>
+          <p:nvPr>
+            <p:ph type="sldNum" idx="12"/>
+          </p:nvPr>
+        </p:nvSpPr>
+        <p:spPr/>
+        <p:txBody>
+          <a:bodyPr/>
+          <a:lstStyle/>
+          <a:p>
+            <a:pPr defTabSz="457063" fontAlgn="base" hangingPunct="0">
+              <a:spcBef>
+                <a:spcPct val="0"/>
+              </a:spcBef>
+              <a:spcAft>
+                <a:spcPct val="0"/>
+              </a:spcAft>
+              <a:buClr>
+                <a:srgbClr val="000000"/>
+              </a:buClr>
+              <a:buSzPct val="100000"/>
+            </a:pPr>
+            <a:fld id="{65E435D9-63B0-4660-8D04-E83F5E2CA2AE}" type="slidenum">
+              <a:rPr lang="en-GB" altLang="en-US">
+                <a:cs typeface="Arial" panose="020B0604020202020204" pitchFamily="34" charset="0"/>
+              </a:rPr>
+              <a:pPr defTabSz="457063" fontAlgn="base" hangingPunct="0">
+                <a:spcBef>
+                  <a:spcPct val="0"/>
+                </a:spcBef>
+                <a:spcAft>
+                  <a:spcPct val="0"/>
+                </a:spcAft>
+                <a:buClr>
+                  <a:srgbClr val="000000"/>
+                </a:buClr>
+                <a:buSzPct val="100000"/>
+              </a:pPr>
+              <a:t>2</a:t>
+            </a:fld>
+            <a:endParaRPr lang="en-GB" altLang="en-US">
+              <a:cs typeface="Arial" panose="020B0604020202020204" pitchFamily="34" charset="0"/>
+            </a:endParaRPr>
+          </a:p>
+        </p:txBody>
+      </p:sp>
+    </p:spTree>
+    <p:extLst>
+      <p:ext uri="{BB962C8B-B14F-4D97-AF65-F5344CB8AC3E}">
+        <p14:creationId xmlns:p14="http://schemas.microsoft.com/office/powerpoint/2010/main" val="1068465410"/>
+      </p:ext>
+    </p:extLst>
+  </p:cSld>
+  <p:clrMapOvr>
+    <a:masterClrMapping/>
+  </p:clrMapOvr>
+</p:sld>
+</file>
+
+<file path=ppt/slides/slide3.xml><?xml version="1.0" encoding="utf-8"?>
+<p:sld xmlns:a="http://schemas.openxmlformats.org/drawingml/2006/main" xmlns:r="http://schemas.openxmlformats.org/officeDocument/2006/relationships" xmlns:p="http://schemas.openxmlformats.org/presentationml/2006/main">
+  <p:cSld>
+    <p:spTree>
+      <p:nvGrpSpPr>
+        <p:cNvPr id="1" name=""/>
+        <p:cNvGrpSpPr/>
+        <p:nvPr/>
+      </p:nvGrpSpPr>
+      <p:grpSpPr>
+        <a:xfrm>
+          <a:off x="0" y="0"/>
+          <a:ext cx="0" cy="0"/>
+          <a:chOff x="0" y="0"/>
+          <a:chExt cx="0" cy="0"/>
+        </a:xfrm>
+      </p:grpSpPr>
+      <p:sp>
+        <p:nvSpPr>
+          <p:cNvPr id="2" name="Title 1">
+            <a:extLst>
+              <a:ext uri="{FF2B5EF4-FFF2-40B4-BE49-F238E27FC236}">
+                <a16:creationId xmlns:a16="http://schemas.microsoft.com/office/drawing/2014/main" id="{741EEA9E-5858-4409-A959-87D88423DD63}"/>
+              </a:ext>
+            </a:extLst>
+          </p:cNvPr>
+          <p:cNvSpPr>
+            <a:spLocks noGrp="1"/>
+          </p:cNvSpPr>
+          <p:nvPr>
+            <p:ph type="title"/>
+          </p:nvPr>
+        </p:nvSpPr>
+        <p:spPr/>
+        <p:txBody>
+          <a:bodyPr/>
+          <a:lstStyle/>
+          <a:p>
+            <a:r>
+              <a:rPr lang="en-US"/>
+              <a:t>Last lecture …</a:t>
+            </a:r>
+          </a:p>
+        </p:txBody>
+      </p:sp>
+      <p:sp>
+        <p:nvSpPr>
+          <p:cNvPr id="3" name="Content Placeholder 2">
+            <a:extLst>
+              <a:ext uri="{FF2B5EF4-FFF2-40B4-BE49-F238E27FC236}">
+                <a16:creationId xmlns:a16="http://schemas.microsoft.com/office/drawing/2014/main" id="{F832F02F-5ABF-4702-A259-B8272D97DD79}"/>
+              </a:ext>
+            </a:extLst>
+          </p:cNvPr>
+          <p:cNvSpPr>
+            <a:spLocks noGrp="1"/>
+          </p:cNvSpPr>
+          <p:nvPr>
+            <p:ph idx="1"/>
+          </p:nvPr>
+        </p:nvSpPr>
+        <p:spPr>
+          <a:xfrm>
+            <a:off x="1" y="710107"/>
+            <a:ext cx="10093116" cy="6565419"/>
+          </a:xfrm>
+        </p:spPr>
+        <p:txBody>
+          <a:bodyPr/>
+          <a:lstStyle/>
+          <a:p>
+            <a:r>
+              <a:rPr lang="en-US" dirty="0" err="1"/>
+              <a:t>TreeADT</a:t>
+            </a:r>
+            <a:endParaRPr lang="en-US" dirty="0"/>
+          </a:p>
+          <a:p>
+            <a:pPr lvl="1"/>
+            <a:r>
+              <a:rPr lang="en-US" dirty="0"/>
+              <a:t>Basic definitions</a:t>
+            </a:r>
+          </a:p>
+          <a:p>
+            <a:pPr lvl="1"/>
+            <a:r>
+              <a:rPr lang="en-US" dirty="0"/>
+              <a:t>Tree traversal</a:t>
+            </a:r>
+          </a:p>
+        </p:txBody>
+      </p:sp>
+      <p:sp>
+        <p:nvSpPr>
+          <p:cNvPr id="4" name="Footer Placeholder 3">
+            <a:extLst>
+              <a:ext uri="{FF2B5EF4-FFF2-40B4-BE49-F238E27FC236}">
+                <a16:creationId xmlns:a16="http://schemas.microsoft.com/office/drawing/2014/main" id="{B2742A87-0F03-4848-8AB3-00C3EF0257A1}"/>
+              </a:ext>
+            </a:extLst>
+          </p:cNvPr>
+          <p:cNvSpPr>
+            <a:spLocks noGrp="1"/>
+          </p:cNvSpPr>
+          <p:nvPr>
+            <p:ph type="ftr" idx="11"/>
+          </p:nvPr>
+        </p:nvSpPr>
+        <p:spPr/>
+        <p:txBody>
+          <a:bodyPr/>
+          <a:lstStyle/>
+          <a:p>
+            <a:pPr defTabSz="457063" fontAlgn="base" hangingPunct="0">
+              <a:spcBef>
+                <a:spcPct val="0"/>
+              </a:spcBef>
+              <a:spcAft>
+                <a:spcPct val="0"/>
+              </a:spcAft>
+              <a:buClr>
+                <a:srgbClr val="000000"/>
+              </a:buClr>
+              <a:buSzPct val="100000"/>
+              <a:defRPr/>
+            </a:pPr>
+            <a:r>
+              <a:rPr lang="en-US">
+                <a:latin typeface="Arial"/>
+              </a:rPr>
+              <a:t>CS 1501 – Algorithms &amp; Data Structures 2 – Sherif Khattab</a:t>
+            </a:r>
+            <a:endParaRPr lang="en-GB"/>
+          </a:p>
+        </p:txBody>
+      </p:sp>
+      <p:sp>
+        <p:nvSpPr>
+          <p:cNvPr id="5" name="Slide Number Placeholder 4">
+            <a:extLst>
+              <a:ext uri="{FF2B5EF4-FFF2-40B4-BE49-F238E27FC236}">
+                <a16:creationId xmlns:a16="http://schemas.microsoft.com/office/drawing/2014/main" id="{02DC2457-3542-4F95-B386-215E698016EB}"/>
+              </a:ext>
+            </a:extLst>
+          </p:cNvPr>
+          <p:cNvSpPr>
+            <a:spLocks noGrp="1"/>
+          </p:cNvSpPr>
+          <p:nvPr>
+            <p:ph type="sldNum" idx="12"/>
+          </p:nvPr>
+        </p:nvSpPr>
+        <p:spPr/>
+        <p:txBody>
+          <a:bodyPr/>
+          <a:lstStyle/>
+          <a:p>
+            <a:pPr defTabSz="457063" fontAlgn="base" hangingPunct="0">
+              <a:spcBef>
+                <a:spcPct val="0"/>
+              </a:spcBef>
+              <a:spcAft>
+                <a:spcPct val="0"/>
+              </a:spcAft>
+              <a:buClr>
+                <a:srgbClr val="000000"/>
+              </a:buClr>
+              <a:buSzPct val="100000"/>
+            </a:pPr>
+            <a:fld id="{65E435D9-63B0-4660-8D04-E83F5E2CA2AE}" type="slidenum">
+              <a:rPr lang="en-GB" altLang="en-US">
+                <a:cs typeface="Arial" panose="020B0604020202020204" pitchFamily="34" charset="0"/>
+              </a:rPr>
+              <a:pPr defTabSz="457063" fontAlgn="base" hangingPunct="0">
+                <a:spcBef>
+                  <a:spcPct val="0"/>
+                </a:spcBef>
+                <a:spcAft>
+                  <a:spcPct val="0"/>
+                </a:spcAft>
+                <a:buClr>
+                  <a:srgbClr val="000000"/>
+                </a:buClr>
+                <a:buSzPct val="100000"/>
+              </a:pPr>
+              <a:t>3</a:t>
+            </a:fld>
+            <a:endParaRPr lang="en-GB" altLang="en-US">
+              <a:cs typeface="Arial" panose="020B0604020202020204" pitchFamily="34" charset="0"/>
+            </a:endParaRPr>
+          </a:p>
+        </p:txBody>
+      </p:sp>
+    </p:spTree>
+    <p:extLst>
+      <p:ext uri="{BB962C8B-B14F-4D97-AF65-F5344CB8AC3E}">
+        <p14:creationId xmlns:p14="http://schemas.microsoft.com/office/powerpoint/2010/main" val="2374057061"/>
+      </p:ext>
+    </p:extLst>
+  </p:cSld>
+  <p:clrMapOvr>
+    <a:masterClrMapping/>
+  </p:clrMapOvr>
+</p:sld>
+</file>
+
+<file path=ppt/slides/slide4.xml><?xml version="1.0" encoding="utf-8"?>
+<p:sld xmlns:a="http://schemas.openxmlformats.org/drawingml/2006/main" xmlns:r="http://schemas.openxmlformats.org/officeDocument/2006/relationships" xmlns:p="http://schemas.openxmlformats.org/presentationml/2006/main">
+  <p:cSld>
+    <p:spTree>
+      <p:nvGrpSpPr>
+        <p:cNvPr id="1" name=""/>
+        <p:cNvGrpSpPr/>
+        <p:nvPr/>
+      </p:nvGrpSpPr>
+      <p:grpSpPr>
+        <a:xfrm>
+          <a:off x="0" y="0"/>
+          <a:ext cx="0" cy="0"/>
+          <a:chOff x="0" y="0"/>
+          <a:chExt cx="0" cy="0"/>
+        </a:xfrm>
+      </p:grpSpPr>
+      <p:sp>
+        <p:nvSpPr>
+          <p:cNvPr id="2" name="Title 1">
+            <a:extLst>
+              <a:ext uri="{FF2B5EF4-FFF2-40B4-BE49-F238E27FC236}">
+                <a16:creationId xmlns:a16="http://schemas.microsoft.com/office/drawing/2014/main" id="{09964AE1-DBFC-2848-B191-FE3ED1AFB0DB}"/>
+              </a:ext>
+            </a:extLst>
+          </p:cNvPr>
+          <p:cNvSpPr>
+            <a:spLocks noGrp="1"/>
+          </p:cNvSpPr>
+          <p:nvPr>
+            <p:ph type="title"/>
+          </p:nvPr>
+        </p:nvSpPr>
+        <p:spPr/>
+        <p:txBody>
+          <a:bodyPr/>
+          <a:lstStyle/>
+          <a:p>
+            <a:r>
+              <a:rPr lang="en-US"/>
+              <a:t>This Lecture</a:t>
+            </a:r>
+          </a:p>
+        </p:txBody>
+      </p:sp>
+      <p:sp>
+        <p:nvSpPr>
+          <p:cNvPr id="3" name="Content Placeholder 2">
+            <a:extLst>
+              <a:ext uri="{FF2B5EF4-FFF2-40B4-BE49-F238E27FC236}">
+                <a16:creationId xmlns:a16="http://schemas.microsoft.com/office/drawing/2014/main" id="{BDC81B29-68EF-D34F-B9F6-D9EC25476DFF}"/>
+              </a:ext>
+            </a:extLst>
+          </p:cNvPr>
+          <p:cNvSpPr>
+            <a:spLocks noGrp="1"/>
+          </p:cNvSpPr>
+          <p:nvPr>
+            <p:ph idx="1"/>
+          </p:nvPr>
+        </p:nvSpPr>
+        <p:spPr/>
+        <p:txBody>
+          <a:bodyPr/>
+          <a:lstStyle/>
+          <a:p>
+            <a:r>
+              <a:rPr lang="en-US" dirty="0" err="1"/>
+              <a:t>TreeADT</a:t>
+            </a:r>
+            <a:r>
+              <a:rPr lang="en-US" dirty="0"/>
+              <a:t> Implementation</a:t>
+            </a:r>
+          </a:p>
+          <a:p>
+            <a:pPr lvl="1"/>
+            <a:r>
+              <a:rPr lang="en-US" dirty="0" err="1"/>
+              <a:t>TreeInterface</a:t>
+            </a:r>
+            <a:r>
+              <a:rPr lang="en-US" dirty="0"/>
+              <a:t> and </a:t>
+            </a:r>
+            <a:r>
+              <a:rPr lang="en-US" dirty="0" err="1"/>
+              <a:t>BinaryTreeInterface</a:t>
+            </a:r>
+            <a:endParaRPr lang="en-US" dirty="0"/>
+          </a:p>
+          <a:p>
+            <a:pPr lvl="1"/>
+            <a:r>
+              <a:rPr lang="en-US" dirty="0"/>
+              <a:t>Linked Implementation</a:t>
+            </a:r>
+          </a:p>
+          <a:p>
+            <a:pPr lvl="2"/>
+            <a:r>
+              <a:rPr lang="en-US" dirty="0" err="1"/>
+              <a:t>BinaryNode</a:t>
+            </a:r>
+            <a:endParaRPr lang="en-US" dirty="0"/>
+          </a:p>
+          <a:p>
+            <a:pPr lvl="2"/>
+            <a:r>
+              <a:rPr lang="en-US" dirty="0" err="1"/>
+              <a:t>BinaryTree</a:t>
+            </a:r>
+            <a:endParaRPr lang="en-US" dirty="0"/>
+          </a:p>
+          <a:p>
+            <a:r>
+              <a:rPr lang="en-US" dirty="0" err="1"/>
+              <a:t>BinarySearchTree</a:t>
+            </a:r>
+            <a:endParaRPr lang="en-US" dirty="0"/>
+          </a:p>
+          <a:p>
+            <a:pPr lvl="1"/>
+            <a:r>
+              <a:rPr lang="en-US" dirty="0" err="1"/>
+              <a:t>SearchTreeInterface</a:t>
+            </a:r>
+            <a:endParaRPr lang="en-US" dirty="0"/>
+          </a:p>
+          <a:p>
+            <a:pPr lvl="1"/>
+            <a:r>
+              <a:rPr lang="en-US" dirty="0" err="1"/>
+              <a:t>BinarysearchTree</a:t>
+            </a:r>
+            <a:endParaRPr lang="en-US" dirty="0"/>
+          </a:p>
+        </p:txBody>
+      </p:sp>
+      <p:sp>
+        <p:nvSpPr>
+          <p:cNvPr id="4" name="Footer Placeholder 3">
+            <a:extLst>
+              <a:ext uri="{FF2B5EF4-FFF2-40B4-BE49-F238E27FC236}">
+                <a16:creationId xmlns:a16="http://schemas.microsoft.com/office/drawing/2014/main" id="{C120C3AE-7085-4E4C-910F-0D1895BFDD1A}"/>
+              </a:ext>
+            </a:extLst>
+          </p:cNvPr>
+          <p:cNvSpPr>
+            <a:spLocks noGrp="1"/>
+          </p:cNvSpPr>
+          <p:nvPr>
+            <p:ph type="ftr" idx="11"/>
+          </p:nvPr>
+        </p:nvSpPr>
+        <p:spPr/>
+        <p:txBody>
+          <a:bodyPr/>
+          <a:lstStyle/>
+          <a:p>
+            <a:pPr>
+              <a:defRPr/>
+            </a:pPr>
+            <a:r>
+              <a:rPr lang="en-US">
+                <a:latin typeface="+mn-lt"/>
+              </a:rPr>
+              <a:t>CS 1501 – Algorithms &amp; Data Structures 2 – Sherif Khattab</a:t>
+            </a:r>
+            <a:endParaRPr lang="en-GB"/>
+          </a:p>
+        </p:txBody>
+      </p:sp>
+      <p:sp>
+        <p:nvSpPr>
+          <p:cNvPr id="5" name="Slide Number Placeholder 4">
+            <a:extLst>
+              <a:ext uri="{FF2B5EF4-FFF2-40B4-BE49-F238E27FC236}">
+                <a16:creationId xmlns:a16="http://schemas.microsoft.com/office/drawing/2014/main" id="{575F679D-1AE3-DC4F-8881-2F85B371C831}"/>
+              </a:ext>
+            </a:extLst>
+          </p:cNvPr>
+          <p:cNvSpPr>
+            <a:spLocks noGrp="1"/>
+          </p:cNvSpPr>
+          <p:nvPr>
+            <p:ph type="sldNum" idx="12"/>
+          </p:nvPr>
+        </p:nvSpPr>
+        <p:spPr/>
+        <p:txBody>
+          <a:bodyPr/>
+          <a:lstStyle/>
+          <a:p>
+            <a:fld id="{65E435D9-63B0-4660-8D04-E83F5E2CA2AE}" type="slidenum">
+              <a:rPr lang="en-GB" altLang="en-US" smtClean="0"/>
+              <a:pPr/>
+              <a:t>4</a:t>
+            </a:fld>
+            <a:endParaRPr lang="en-GB" altLang="en-US"/>
+          </a:p>
+        </p:txBody>
+      </p:sp>
+    </p:spTree>
+    <p:extLst>
+      <p:ext uri="{BB962C8B-B14F-4D97-AF65-F5344CB8AC3E}">
+        <p14:creationId xmlns:p14="http://schemas.microsoft.com/office/powerpoint/2010/main" val="4136500716"/>
+      </p:ext>
+    </p:extLst>
+  </p:cSld>
+  <p:clrMapOvr>
+    <a:masterClrMapping/>
+  </p:clrMapOvr>
+</p:sld>
+</file>
+
+<file path=ppt/slides/slide5.xml><?xml version="1.0" encoding="utf-8"?>
+<p:sld xmlns:a="http://schemas.openxmlformats.org/drawingml/2006/main" xmlns:r="http://schemas.openxmlformats.org/officeDocument/2006/relationships" xmlns:p="http://schemas.openxmlformats.org/presentationml/2006/main">
+  <p:cSld>
+    <p:spTree>
+      <p:nvGrpSpPr>
+        <p:cNvPr id="1" name=""/>
+        <p:cNvGrpSpPr/>
+        <p:nvPr/>
+      </p:nvGrpSpPr>
+      <p:grpSpPr>
+        <a:xfrm>
+          <a:off x="0" y="0"/>
+          <a:ext cx="0" cy="0"/>
+          <a:chOff x="0" y="0"/>
+          <a:chExt cx="0" cy="0"/>
+        </a:xfrm>
+      </p:grpSpPr>
+      <p:sp>
+        <p:nvSpPr>
+          <p:cNvPr id="2" name="Title 1">
+            <a:extLst>
+              <a:ext uri="{FF2B5EF4-FFF2-40B4-BE49-F238E27FC236}">
+                <a16:creationId xmlns:a16="http://schemas.microsoft.com/office/drawing/2014/main" id="{DF5041EA-2DD5-456B-AB1E-0FD0B5D9A593}"/>
+              </a:ext>
+            </a:extLst>
+          </p:cNvPr>
+          <p:cNvSpPr>
+            <a:spLocks noGrp="1"/>
+          </p:cNvSpPr>
+          <p:nvPr>
+            <p:ph type="title"/>
+          </p:nvPr>
+        </p:nvSpPr>
+        <p:spPr/>
+        <p:txBody>
+          <a:bodyPr/>
+          <a:lstStyle/>
+          <a:p>
+            <a:r>
+              <a:rPr lang="en-US" err="1"/>
+              <a:t>BinaryNode</a:t>
+            </a:r>
+            <a:endParaRPr lang="en-US"/>
+          </a:p>
+        </p:txBody>
+      </p:sp>
+      <p:sp>
+        <p:nvSpPr>
+          <p:cNvPr id="3" name="Content Placeholder 2">
+            <a:extLst>
+              <a:ext uri="{FF2B5EF4-FFF2-40B4-BE49-F238E27FC236}">
+                <a16:creationId xmlns:a16="http://schemas.microsoft.com/office/drawing/2014/main" id="{A63E7BA2-DEEB-40CC-8411-2C5515C0E39C}"/>
+              </a:ext>
+            </a:extLst>
+          </p:cNvPr>
+          <p:cNvSpPr>
+            <a:spLocks noGrp="1"/>
+          </p:cNvSpPr>
+          <p:nvPr>
+            <p:ph idx="1"/>
+          </p:nvPr>
+        </p:nvSpPr>
+        <p:spPr/>
+        <p:txBody>
+          <a:bodyPr/>
+          <a:lstStyle/>
+          <a:p>
+            <a:endParaRPr lang="en-US"/>
+          </a:p>
+        </p:txBody>
+      </p:sp>
+      <p:sp>
+        <p:nvSpPr>
+          <p:cNvPr id="4" name="Footer Placeholder 3">
+            <a:extLst>
+              <a:ext uri="{FF2B5EF4-FFF2-40B4-BE49-F238E27FC236}">
+                <a16:creationId xmlns:a16="http://schemas.microsoft.com/office/drawing/2014/main" id="{486642C5-7A2E-4251-8440-806154E78C28}"/>
+              </a:ext>
+            </a:extLst>
+          </p:cNvPr>
+          <p:cNvSpPr>
+            <a:spLocks noGrp="1"/>
+          </p:cNvSpPr>
+          <p:nvPr>
+            <p:ph type="ftr" idx="11"/>
+          </p:nvPr>
+        </p:nvSpPr>
+        <p:spPr/>
+        <p:txBody>
+          <a:bodyPr/>
+          <a:lstStyle/>
+          <a:p>
+            <a:pPr>
+              <a:defRPr/>
+            </a:pPr>
+            <a:r>
+              <a:rPr lang="en-US">
+                <a:latin typeface="+mn-lt"/>
+              </a:rPr>
+              <a:t>CS 1501 – Algorithms &amp; Data Structures 2 – Sherif Khattab</a:t>
+            </a:r>
+            <a:endParaRPr lang="en-GB"/>
+          </a:p>
+        </p:txBody>
+      </p:sp>
+      <p:sp>
+        <p:nvSpPr>
+          <p:cNvPr id="5" name="Slide Number Placeholder 4">
+            <a:extLst>
+              <a:ext uri="{FF2B5EF4-FFF2-40B4-BE49-F238E27FC236}">
+                <a16:creationId xmlns:a16="http://schemas.microsoft.com/office/drawing/2014/main" id="{D366DD1B-53BA-42C7-8892-8DF9510C549B}"/>
+              </a:ext>
+            </a:extLst>
+          </p:cNvPr>
+          <p:cNvSpPr>
+            <a:spLocks noGrp="1"/>
+          </p:cNvSpPr>
+          <p:nvPr>
+            <p:ph type="sldNum" idx="12"/>
+          </p:nvPr>
+        </p:nvSpPr>
+        <p:spPr/>
+        <p:txBody>
+          <a:bodyPr/>
+          <a:lstStyle/>
+          <a:p>
+            <a:fld id="{65E435D9-63B0-4660-8D04-E83F5E2CA2AE}" type="slidenum">
+              <a:rPr lang="en-GB" altLang="en-US" smtClean="0"/>
+              <a:pPr/>
+              <a:t>5</a:t>
+            </a:fld>
+            <a:endParaRPr lang="en-GB" altLang="en-US"/>
+          </a:p>
+        </p:txBody>
+      </p:sp>
+      <p:pic>
+        <p:nvPicPr>
+          <p:cNvPr id="7" name="Picture 6">
+            <a:extLst>
+              <a:ext uri="{FF2B5EF4-FFF2-40B4-BE49-F238E27FC236}">
+                <a16:creationId xmlns:a16="http://schemas.microsoft.com/office/drawing/2014/main" id="{989CF90F-86C2-4449-8588-23F8F9FD52CE}"/>
+              </a:ext>
+            </a:extLst>
+          </p:cNvPr>
+          <p:cNvPicPr>
+            <a:picLocks noChangeAspect="1"/>
+          </p:cNvPicPr>
+          <p:nvPr/>
+        </p:nvPicPr>
+        <p:blipFill>
+          <a:blip r:embed="rId2"/>
+          <a:stretch>
+            <a:fillRect/>
+          </a:stretch>
+        </p:blipFill>
+        <p:spPr>
+          <a:xfrm>
+            <a:off x="466658" y="1332012"/>
+            <a:ext cx="8475673" cy="5651579"/>
+          </a:xfrm>
+          <a:prstGeom prst="rect">
+            <a:avLst/>
+          </a:prstGeom>
+        </p:spPr>
+      </p:pic>
+    </p:spTree>
+    <p:extLst>
+      <p:ext uri="{BB962C8B-B14F-4D97-AF65-F5344CB8AC3E}">
+        <p14:creationId xmlns:p14="http://schemas.microsoft.com/office/powerpoint/2010/main" val="532154242"/>
+      </p:ext>
+    </p:extLst>
+  </p:cSld>
+  <p:clrMapOvr>
+    <a:masterClrMapping/>
+  </p:clrMapOvr>
+</p:sld>
+</file>
+
+<file path=ppt/slides/slide6.xml><?xml version="1.0" encoding="utf-8"?>
+<p:sld xmlns:a="http://schemas.openxmlformats.org/drawingml/2006/main" xmlns:r="http://schemas.openxmlformats.org/officeDocument/2006/relationships" xmlns:p="http://schemas.openxmlformats.org/presentationml/2006/main">
+  <p:cSld>
+    <p:spTree>
+      <p:nvGrpSpPr>
+        <p:cNvPr id="1" name=""/>
+        <p:cNvGrpSpPr/>
+        <p:nvPr/>
+      </p:nvGrpSpPr>
+      <p:grpSpPr>
+        <a:xfrm>
+          <a:off x="0" y="0"/>
+          <a:ext cx="0" cy="0"/>
+          <a:chOff x="0" y="0"/>
+          <a:chExt cx="0" cy="0"/>
+        </a:xfrm>
+      </p:grpSpPr>
+      <p:sp>
+        <p:nvSpPr>
+          <p:cNvPr id="2" name="Title 1">
+            <a:extLst>
+              <a:ext uri="{FF2B5EF4-FFF2-40B4-BE49-F238E27FC236}">
+                <a16:creationId xmlns:a16="http://schemas.microsoft.com/office/drawing/2014/main" id="{9D5EF159-613A-48A2-8E13-719516ECD324}"/>
+              </a:ext>
+            </a:extLst>
+          </p:cNvPr>
+          <p:cNvSpPr>
+            <a:spLocks noGrp="1"/>
+          </p:cNvSpPr>
+          <p:nvPr>
+            <p:ph type="title"/>
+          </p:nvPr>
+        </p:nvSpPr>
+        <p:spPr/>
+        <p:txBody>
+          <a:bodyPr/>
+          <a:lstStyle/>
+          <a:p>
+            <a:r>
+              <a:rPr lang="en-US" err="1"/>
+              <a:t>BinaryNode</a:t>
+            </a:r>
+            <a:endParaRPr lang="en-US"/>
+          </a:p>
+        </p:txBody>
+      </p:sp>
+      <p:sp>
+        <p:nvSpPr>
+          <p:cNvPr id="3" name="Content Placeholder 2">
+            <a:extLst>
+              <a:ext uri="{FF2B5EF4-FFF2-40B4-BE49-F238E27FC236}">
+                <a16:creationId xmlns:a16="http://schemas.microsoft.com/office/drawing/2014/main" id="{9630B23B-EDF8-46F5-8C87-C49355EBFABD}"/>
+              </a:ext>
+            </a:extLst>
+          </p:cNvPr>
+          <p:cNvSpPr>
+            <a:spLocks noGrp="1"/>
+          </p:cNvSpPr>
+          <p:nvPr>
+            <p:ph idx="1"/>
+          </p:nvPr>
+        </p:nvSpPr>
+        <p:spPr/>
+        <p:txBody>
+          <a:bodyPr/>
+          <a:lstStyle/>
+          <a:p>
+            <a:endParaRPr lang="en-US"/>
+          </a:p>
+        </p:txBody>
+      </p:sp>
+      <p:sp>
+        <p:nvSpPr>
+          <p:cNvPr id="4" name="Footer Placeholder 3">
+            <a:extLst>
+              <a:ext uri="{FF2B5EF4-FFF2-40B4-BE49-F238E27FC236}">
+                <a16:creationId xmlns:a16="http://schemas.microsoft.com/office/drawing/2014/main" id="{FF0A7A47-C50F-4E4F-B7C7-461AED7BF871}"/>
+              </a:ext>
+            </a:extLst>
+          </p:cNvPr>
+          <p:cNvSpPr>
+            <a:spLocks noGrp="1"/>
+          </p:cNvSpPr>
+          <p:nvPr>
+            <p:ph type="ftr" idx="11"/>
+          </p:nvPr>
+        </p:nvSpPr>
+        <p:spPr/>
+        <p:txBody>
+          <a:bodyPr/>
+          <a:lstStyle/>
+          <a:p>
+            <a:pPr>
+              <a:defRPr/>
+            </a:pPr>
+            <a:r>
+              <a:rPr lang="en-US">
+                <a:latin typeface="+mn-lt"/>
+              </a:rPr>
+              <a:t>CS 1501 – Algorithms &amp; Data Structures 2 – Sherif Khattab</a:t>
+            </a:r>
+            <a:endParaRPr lang="en-GB"/>
+          </a:p>
+        </p:txBody>
+      </p:sp>
+      <p:sp>
+        <p:nvSpPr>
+          <p:cNvPr id="5" name="Slide Number Placeholder 4">
+            <a:extLst>
+              <a:ext uri="{FF2B5EF4-FFF2-40B4-BE49-F238E27FC236}">
+                <a16:creationId xmlns:a16="http://schemas.microsoft.com/office/drawing/2014/main" id="{6E334EAA-08F0-4FED-B329-BC5EB922D661}"/>
+              </a:ext>
+            </a:extLst>
+          </p:cNvPr>
+          <p:cNvSpPr>
+            <a:spLocks noGrp="1"/>
+          </p:cNvSpPr>
+          <p:nvPr>
+            <p:ph type="sldNum" idx="12"/>
+          </p:nvPr>
+        </p:nvSpPr>
+        <p:spPr/>
+        <p:txBody>
+          <a:bodyPr/>
+          <a:lstStyle/>
+          <a:p>
+            <a:fld id="{65E435D9-63B0-4660-8D04-E83F5E2CA2AE}" type="slidenum">
+              <a:rPr lang="en-GB" altLang="en-US" smtClean="0"/>
+              <a:pPr/>
+              <a:t>6</a:t>
+            </a:fld>
+            <a:endParaRPr lang="en-GB" altLang="en-US"/>
+          </a:p>
+        </p:txBody>
+      </p:sp>
+      <p:pic>
+        <p:nvPicPr>
+          <p:cNvPr id="7" name="Picture 6">
+            <a:extLst>
+              <a:ext uri="{FF2B5EF4-FFF2-40B4-BE49-F238E27FC236}">
+                <a16:creationId xmlns:a16="http://schemas.microsoft.com/office/drawing/2014/main" id="{E7C7C68C-77D1-4458-907B-0AFFC59FA628}"/>
+              </a:ext>
+            </a:extLst>
+          </p:cNvPr>
+          <p:cNvPicPr>
+            <a:picLocks noChangeAspect="1"/>
+          </p:cNvPicPr>
+          <p:nvPr/>
+        </p:nvPicPr>
+        <p:blipFill>
+          <a:blip r:embed="rId2"/>
+          <a:stretch>
+            <a:fillRect/>
+          </a:stretch>
+        </p:blipFill>
+        <p:spPr>
+          <a:xfrm>
+            <a:off x="1069911" y="1398523"/>
+            <a:ext cx="7707474" cy="5139344"/>
+          </a:xfrm>
+          <a:prstGeom prst="rect">
+            <a:avLst/>
+          </a:prstGeom>
+        </p:spPr>
+      </p:pic>
+    </p:spTree>
+    <p:extLst>
+      <p:ext uri="{BB962C8B-B14F-4D97-AF65-F5344CB8AC3E}">
+        <p14:creationId xmlns:p14="http://schemas.microsoft.com/office/powerpoint/2010/main" val="1803803003"/>
+      </p:ext>
+    </p:extLst>
+  </p:cSld>
+  <p:clrMapOvr>
+    <a:masterClrMapping/>
+  </p:clrMapOvr>
+</p:sld>
+</file>
+
+<file path=ppt/slides/slide7.xml><?xml version="1.0" encoding="utf-8"?>
+<p:sld xmlns:a="http://schemas.openxmlformats.org/drawingml/2006/main" xmlns:r="http://schemas.openxmlformats.org/officeDocument/2006/relationships" xmlns:p="http://schemas.openxmlformats.org/presentationml/2006/main">
+  <p:cSld>
+    <p:spTree>
+      <p:nvGrpSpPr>
+        <p:cNvPr id="1" name=""/>
+        <p:cNvGrpSpPr/>
+        <p:nvPr/>
+      </p:nvGrpSpPr>
+      <p:grpSpPr>
+        <a:xfrm>
+          <a:off x="0" y="0"/>
+          <a:ext cx="0" cy="0"/>
+          <a:chOff x="0" y="0"/>
+          <a:chExt cx="0" cy="0"/>
+        </a:xfrm>
+      </p:grpSpPr>
+      <p:sp>
+        <p:nvSpPr>
+          <p:cNvPr id="2" name="Title 1">
+            <a:extLst>
+              <a:ext uri="{FF2B5EF4-FFF2-40B4-BE49-F238E27FC236}">
                 <a16:creationId xmlns:a16="http://schemas.microsoft.com/office/drawing/2014/main" id="{0DF8298F-D8C7-41B6-8B7B-1AA6659DE9A9}"/>
               </a:ext>
             </a:extLst>
@@ -8916,7 +10377,7 @@
             <a:fld id="{65E435D9-63B0-4660-8D04-E83F5E2CA2AE}" type="slidenum">
               <a:rPr lang="en-GB" altLang="en-US" smtClean="0"/>
               <a:pPr/>
-              <a:t>10</a:t>
+              <a:t>7</a:t>
             </a:fld>
             <a:endParaRPr lang="en-GB" altLang="en-US"/>
           </a:p>
@@ -8965,7 +10426,7 @@
 </p:sld>
 </file>
 
-<file path=ppt/slides/slide11.xml><?xml version="1.0" encoding="utf-8"?>
+<file path=ppt/slides/slide8.xml><?xml version="1.0" encoding="utf-8"?>
 <p:sld xmlns:a="http://schemas.openxmlformats.org/drawingml/2006/main" xmlns:r="http://schemas.openxmlformats.org/officeDocument/2006/relationships" xmlns:p="http://schemas.openxmlformats.org/presentationml/2006/main">
   <p:cSld>
     <p:spTree>
@@ -9094,7 +10555,7 @@
             <a:fld id="{65E435D9-63B0-4660-8D04-E83F5E2CA2AE}" type="slidenum">
               <a:rPr lang="en-GB" altLang="en-US" smtClean="0"/>
               <a:pPr/>
-              <a:t>11</a:t>
+              <a:t>8</a:t>
             </a:fld>
             <a:endParaRPr lang="en-GB" altLang="en-US"/>
           </a:p>
@@ -9143,7 +10604,7 @@
 </p:sld>
 </file>
 
-<file path=ppt/slides/slide12.xml><?xml version="1.0" encoding="utf-8"?>
+<file path=ppt/slides/slide9.xml><?xml version="1.0" encoding="utf-8"?>
 <p:sld xmlns:a="http://schemas.openxmlformats.org/drawingml/2006/main" xmlns:r="http://schemas.openxmlformats.org/officeDocument/2006/relationships" xmlns:p="http://schemas.openxmlformats.org/presentationml/2006/main">
   <p:cSld>
     <p:spTree>
@@ -9272,7 +10733,7 @@
             <a:fld id="{65E435D9-63B0-4660-8D04-E83F5E2CA2AE}" type="slidenum">
               <a:rPr lang="en-GB" altLang="en-US" smtClean="0"/>
               <a:pPr/>
-              <a:t>12</a:t>
+              <a:t>9</a:t>
             </a:fld>
             <a:endParaRPr lang="en-GB" altLang="en-US"/>
           </a:p>
@@ -9312,1995 +10773,6 @@
     <p:extLst>
       <p:ext uri="{BB962C8B-B14F-4D97-AF65-F5344CB8AC3E}">
         <p14:creationId xmlns:p14="http://schemas.microsoft.com/office/powerpoint/2010/main" val="1370532791"/>
-      </p:ext>
-    </p:extLst>
-  </p:cSld>
-  <p:clrMapOvr>
-    <a:masterClrMapping/>
-  </p:clrMapOvr>
-</p:sld>
-</file>
-
-<file path=ppt/slides/slide13.xml><?xml version="1.0" encoding="utf-8"?>
-<p:sld xmlns:a="http://schemas.openxmlformats.org/drawingml/2006/main" xmlns:r="http://schemas.openxmlformats.org/officeDocument/2006/relationships" xmlns:p="http://schemas.openxmlformats.org/presentationml/2006/main">
-  <p:cSld>
-    <p:spTree>
-      <p:nvGrpSpPr>
-        <p:cNvPr id="1" name=""/>
-        <p:cNvGrpSpPr/>
-        <p:nvPr/>
-      </p:nvGrpSpPr>
-      <p:grpSpPr>
-        <a:xfrm>
-          <a:off x="0" y="0"/>
-          <a:ext cx="0" cy="0"/>
-          <a:chOff x="0" y="0"/>
-          <a:chExt cx="0" cy="0"/>
-        </a:xfrm>
-      </p:grpSpPr>
-      <p:sp>
-        <p:nvSpPr>
-          <p:cNvPr id="2" name="Title 1">
-            <a:extLst>
-              <a:ext uri="{FF2B5EF4-FFF2-40B4-BE49-F238E27FC236}">
-                <a16:creationId xmlns:a16="http://schemas.microsoft.com/office/drawing/2014/main" id="{06A3663B-1BCB-460C-A7AF-44C18D2F5799}"/>
-              </a:ext>
-            </a:extLst>
-          </p:cNvPr>
-          <p:cNvSpPr>
-            <a:spLocks noGrp="1"/>
-          </p:cNvSpPr>
-          <p:nvPr>
-            <p:ph type="title"/>
-          </p:nvPr>
-        </p:nvSpPr>
-        <p:spPr/>
-        <p:txBody>
-          <a:bodyPr/>
-          <a:lstStyle/>
-          <a:p>
-            <a:r>
-              <a:rPr lang="en-US" err="1"/>
-              <a:t>privateBuildTree</a:t>
-            </a:r>
-            <a:r>
-              <a:rPr lang="en-US"/>
-              <a:t> Method</a:t>
-            </a:r>
-          </a:p>
-        </p:txBody>
-      </p:sp>
-      <p:sp>
-        <p:nvSpPr>
-          <p:cNvPr id="4" name="Footer Placeholder 3">
-            <a:extLst>
-              <a:ext uri="{FF2B5EF4-FFF2-40B4-BE49-F238E27FC236}">
-                <a16:creationId xmlns:a16="http://schemas.microsoft.com/office/drawing/2014/main" id="{96CFD46E-CA81-4F04-8FDC-A36AB1F9476B}"/>
-              </a:ext>
-            </a:extLst>
-          </p:cNvPr>
-          <p:cNvSpPr>
-            <a:spLocks noGrp="1"/>
-          </p:cNvSpPr>
-          <p:nvPr>
-            <p:ph type="ftr" idx="11"/>
-          </p:nvPr>
-        </p:nvSpPr>
-        <p:spPr/>
-        <p:txBody>
-          <a:bodyPr/>
-          <a:lstStyle/>
-          <a:p>
-            <a:pPr>
-              <a:defRPr/>
-            </a:pPr>
-            <a:r>
-              <a:rPr lang="en-US">
-                <a:latin typeface="+mn-lt"/>
-              </a:rPr>
-              <a:t>CS 1501 – Algorithms &amp; Data Structures 2 – Sherif Khattab</a:t>
-            </a:r>
-            <a:endParaRPr lang="en-GB"/>
-          </a:p>
-        </p:txBody>
-      </p:sp>
-      <p:sp>
-        <p:nvSpPr>
-          <p:cNvPr id="5" name="Slide Number Placeholder 4">
-            <a:extLst>
-              <a:ext uri="{FF2B5EF4-FFF2-40B4-BE49-F238E27FC236}">
-                <a16:creationId xmlns:a16="http://schemas.microsoft.com/office/drawing/2014/main" id="{3AADC464-32DB-441C-9EA3-7F3F31E0A3AC}"/>
-              </a:ext>
-            </a:extLst>
-          </p:cNvPr>
-          <p:cNvSpPr>
-            <a:spLocks noGrp="1"/>
-          </p:cNvSpPr>
-          <p:nvPr>
-            <p:ph type="sldNum" idx="12"/>
-          </p:nvPr>
-        </p:nvSpPr>
-        <p:spPr/>
-        <p:txBody>
-          <a:bodyPr/>
-          <a:lstStyle/>
-          <a:p>
-            <a:fld id="{65E435D9-63B0-4660-8D04-E83F5E2CA2AE}" type="slidenum">
-              <a:rPr lang="en-GB" altLang="en-US" smtClean="0"/>
-              <a:pPr/>
-              <a:t>13</a:t>
-            </a:fld>
-            <a:endParaRPr lang="en-GB" altLang="en-US"/>
-          </a:p>
-        </p:txBody>
-      </p:sp>
-      <p:pic>
-        <p:nvPicPr>
-          <p:cNvPr id="7" name="Picture 6">
-            <a:extLst>
-              <a:ext uri="{FF2B5EF4-FFF2-40B4-BE49-F238E27FC236}">
-                <a16:creationId xmlns:a16="http://schemas.microsoft.com/office/drawing/2014/main" id="{A4D7DA1F-AAB4-4C1A-8C9D-658ECA4B7F97}"/>
-              </a:ext>
-            </a:extLst>
-          </p:cNvPr>
-          <p:cNvPicPr>
-            <a:picLocks noChangeAspect="1"/>
-          </p:cNvPicPr>
-          <p:nvPr/>
-        </p:nvPicPr>
-        <p:blipFill>
-          <a:blip r:embed="rId2"/>
-          <a:stretch>
-            <a:fillRect/>
-          </a:stretch>
-        </p:blipFill>
-        <p:spPr>
-          <a:xfrm>
-            <a:off x="277473" y="805501"/>
-            <a:ext cx="9635885" cy="6425209"/>
-          </a:xfrm>
-          <a:prstGeom prst="rect">
-            <a:avLst/>
-          </a:prstGeom>
-        </p:spPr>
-      </p:pic>
-    </p:spTree>
-    <p:extLst>
-      <p:ext uri="{BB962C8B-B14F-4D97-AF65-F5344CB8AC3E}">
-        <p14:creationId xmlns:p14="http://schemas.microsoft.com/office/powerpoint/2010/main" val="264922787"/>
-      </p:ext>
-    </p:extLst>
-  </p:cSld>
-  <p:clrMapOvr>
-    <a:masterClrMapping/>
-  </p:clrMapOvr>
-</p:sld>
-</file>
-
-<file path=ppt/slides/slide14.xml><?xml version="1.0" encoding="utf-8"?>
-<p:sld xmlns:a="http://schemas.openxmlformats.org/drawingml/2006/main" xmlns:r="http://schemas.openxmlformats.org/officeDocument/2006/relationships" xmlns:p="http://schemas.openxmlformats.org/presentationml/2006/main">
-  <p:cSld>
-    <p:spTree>
-      <p:nvGrpSpPr>
-        <p:cNvPr id="1" name=""/>
-        <p:cNvGrpSpPr/>
-        <p:nvPr/>
-      </p:nvGrpSpPr>
-      <p:grpSpPr>
-        <a:xfrm>
-          <a:off x="0" y="0"/>
-          <a:ext cx="0" cy="0"/>
-          <a:chOff x="0" y="0"/>
-          <a:chExt cx="0" cy="0"/>
-        </a:xfrm>
-      </p:grpSpPr>
-      <p:sp>
-        <p:nvSpPr>
-          <p:cNvPr id="6" name="Slide Number">
-            <a:extLst>
-              <a:ext uri="{FF2B5EF4-FFF2-40B4-BE49-F238E27FC236}">
-                <a16:creationId xmlns:a16="http://schemas.microsoft.com/office/drawing/2014/main" id="{A84C6658-392F-6A4D-984C-531AB221C723}"/>
-              </a:ext>
-            </a:extLst>
-          </p:cNvPr>
-          <p:cNvSpPr>
-            <a:spLocks noGrp="1"/>
-          </p:cNvSpPr>
-          <p:nvPr>
-            <p:ph type="sldNum" sz="quarter" idx="12"/>
-          </p:nvPr>
-        </p:nvSpPr>
-        <p:spPr/>
-        <p:txBody>
-          <a:bodyPr/>
-          <a:lstStyle/>
-          <a:p>
-            <a:pPr defTabSz="377922">
-              <a:defRPr/>
-            </a:pPr>
-            <a:fld id="{8A7A6979-0714-4377-B894-6BE4C2D6E202}" type="slidenum">
-              <a:rPr lang="en-US">
-                <a:solidFill>
-                  <a:srgbClr val="FFFFFF"/>
-                </a:solidFill>
-              </a:rPr>
-              <a:pPr defTabSz="377922">
-                <a:defRPr/>
-              </a:pPr>
-              <a:t>14</a:t>
-            </a:fld>
-            <a:endParaRPr lang="en-US">
-              <a:solidFill>
-                <a:srgbClr val="FFFFFF"/>
-              </a:solidFill>
-            </a:endParaRPr>
-          </a:p>
-        </p:txBody>
-      </p:sp>
-      <p:sp>
-        <p:nvSpPr>
-          <p:cNvPr id="4" name="Title 1">
-            <a:extLst>
-              <a:ext uri="{FF2B5EF4-FFF2-40B4-BE49-F238E27FC236}">
-                <a16:creationId xmlns:a16="http://schemas.microsoft.com/office/drawing/2014/main" id="{845E174E-D032-44D5-9B3B-60F9C54B9084}"/>
-              </a:ext>
-            </a:extLst>
-          </p:cNvPr>
-          <p:cNvSpPr txBox="1">
-            <a:spLocks/>
-          </p:cNvSpPr>
-          <p:nvPr/>
-        </p:nvSpPr>
-        <p:spPr bwMode="blackWhite">
-          <a:xfrm>
-            <a:off x="505293" y="1533558"/>
-            <a:ext cx="8731166" cy="2060949"/>
-          </a:xfrm>
-          <a:prstGeom prst="rect">
-            <a:avLst/>
-          </a:prstGeom>
-          <a:noFill/>
-          <a:ln w="38100" cap="sq">
-            <a:noFill/>
-            <a:miter lim="800000"/>
-          </a:ln>
-        </p:spPr>
-        <p:txBody>
-          <a:bodyPr vert="horz" wrap="square" lIns="0" tIns="0" rIns="0" bIns="0" rtlCol="0" anchor="t" anchorCtr="0">
-            <a:spAutoFit/>
-          </a:bodyPr>
-          <a:lstStyle>
-            <a:lvl1pPr algn="ctr" defTabSz="914400" rtl="0" eaLnBrk="1" latinLnBrk="0" hangingPunct="1">
-              <a:lnSpc>
-                <a:spcPct val="90000"/>
-              </a:lnSpc>
-              <a:spcBef>
-                <a:spcPct val="0"/>
-              </a:spcBef>
-              <a:buNone/>
-              <a:defRPr sz="8600" b="0" i="0" kern="1200" cap="none" spc="300" baseline="0">
-                <a:solidFill>
-                  <a:schemeClr val="accent2"/>
-                </a:solidFill>
-                <a:latin typeface="United Sans Cond Medium" pitchFamily="2" charset="77"/>
-                <a:ea typeface="+mj-ea"/>
-                <a:cs typeface="+mj-cs"/>
-              </a:defRPr>
-            </a:lvl1pPr>
-          </a:lstStyle>
-          <a:p>
-            <a:pPr defTabSz="755843">
-              <a:defRPr/>
-            </a:pPr>
-            <a:r>
-              <a:rPr lang="en-US" sz="4960" b="1" spc="248">
-                <a:solidFill>
-                  <a:srgbClr val="002060"/>
-                </a:solidFill>
-                <a:latin typeface="Acumin Pro ExtraCondensed" panose="020B0604020202020204" charset="0"/>
-                <a:cs typeface="United Sans Cond Medium" panose="020B0604020202020204" charset="0"/>
-              </a:rPr>
-              <a:t>Please submit your reflections by using the </a:t>
-            </a:r>
-            <a:r>
-              <a:rPr lang="en-US" sz="4960" b="1" spc="248" err="1">
-                <a:solidFill>
-                  <a:srgbClr val="002060"/>
-                </a:solidFill>
-                <a:latin typeface="Acumin Pro ExtraCondensed" panose="020B0604020202020204" charset="0"/>
-                <a:cs typeface="United Sans Cond Medium" panose="020B0604020202020204" charset="0"/>
-              </a:rPr>
-              <a:t>CourseMIRROR</a:t>
-            </a:r>
-            <a:r>
-              <a:rPr lang="en-US" sz="4960" b="1" spc="248">
-                <a:solidFill>
-                  <a:srgbClr val="002060"/>
-                </a:solidFill>
-                <a:latin typeface="Acumin Pro ExtraCondensed" panose="020B0604020202020204" charset="0"/>
-                <a:cs typeface="United Sans Cond Medium" panose="020B0604020202020204" charset="0"/>
-              </a:rPr>
-              <a:t> App</a:t>
-            </a:r>
-          </a:p>
-        </p:txBody>
-      </p:sp>
-      <p:sp>
-        <p:nvSpPr>
-          <p:cNvPr id="5" name="Date Placeholder 3">
-            <a:extLst>
-              <a:ext uri="{FF2B5EF4-FFF2-40B4-BE49-F238E27FC236}">
-                <a16:creationId xmlns:a16="http://schemas.microsoft.com/office/drawing/2014/main" id="{6C566CCB-EA83-4CF7-9EDD-EAD8BA08143B}"/>
-              </a:ext>
-            </a:extLst>
-          </p:cNvPr>
-          <p:cNvSpPr>
-            <a:spLocks noGrp="1"/>
-          </p:cNvSpPr>
-          <p:nvPr>
-            <p:ph type="dt" sz="half" idx="10"/>
-          </p:nvPr>
-        </p:nvSpPr>
-        <p:spPr>
-          <a:xfrm>
-            <a:off x="8292304" y="6073629"/>
-            <a:ext cx="944155" cy="267780"/>
-          </a:xfrm>
-        </p:spPr>
-        <p:txBody>
-          <a:bodyPr/>
-          <a:lstStyle/>
-          <a:p>
-            <a:pPr defTabSz="377922">
-              <a:defRPr/>
-            </a:pPr>
-            <a:fld id="{049DC8E1-D369-0F48-9062-BB068AFD07CE}" type="datetime1">
-              <a:rPr lang="en-US">
-                <a:solidFill>
-                  <a:srgbClr val="FFFFFF">
-                    <a:alpha val="70000"/>
-                  </a:srgbClr>
-                </a:solidFill>
-              </a:rPr>
-              <a:pPr defTabSz="377922">
-                <a:defRPr/>
-              </a:pPr>
-              <a:t>9/27/2021</a:t>
-            </a:fld>
-            <a:endParaRPr lang="en-US">
-              <a:solidFill>
-                <a:srgbClr val="FFFFFF">
-                  <a:alpha val="70000"/>
-                </a:srgbClr>
-              </a:solidFill>
-            </a:endParaRPr>
-          </a:p>
-        </p:txBody>
-      </p:sp>
-      <p:sp>
-        <p:nvSpPr>
-          <p:cNvPr id="2" name="TextBox 1">
-            <a:extLst>
-              <a:ext uri="{FF2B5EF4-FFF2-40B4-BE49-F238E27FC236}">
-                <a16:creationId xmlns:a16="http://schemas.microsoft.com/office/drawing/2014/main" id="{1F35FF62-3694-9144-A69E-A1580D1534C9}"/>
-              </a:ext>
-            </a:extLst>
-          </p:cNvPr>
-          <p:cNvSpPr txBox="1"/>
-          <p:nvPr/>
-        </p:nvSpPr>
-        <p:spPr>
-          <a:xfrm>
-            <a:off x="1157123" y="4632545"/>
-            <a:ext cx="7557758" cy="652230"/>
-          </a:xfrm>
-          <a:prstGeom prst="rect">
-            <a:avLst/>
-          </a:prstGeom>
-          <a:noFill/>
-        </p:spPr>
-        <p:txBody>
-          <a:bodyPr wrap="square" rtlCol="0">
-            <a:spAutoFit/>
-          </a:bodyPr>
-          <a:lstStyle/>
-          <a:p>
-            <a:pPr defTabSz="377922">
-              <a:defRPr/>
-            </a:pPr>
-            <a:r>
-              <a:rPr lang="en-US" sz="1819" b="1">
-                <a:solidFill>
-                  <a:srgbClr val="000000"/>
-                </a:solidFill>
-                <a:latin typeface="Times New Roman" panose="02020603050405020304" pitchFamily="18" charset="0"/>
-                <a:cs typeface="Times New Roman" panose="02020603050405020304" pitchFamily="18" charset="0"/>
-              </a:rPr>
-              <a:t>If you are having a problem with </a:t>
-            </a:r>
-            <a:r>
-              <a:rPr lang="en-US" sz="1819" b="1" err="1">
-                <a:solidFill>
-                  <a:srgbClr val="000000"/>
-                </a:solidFill>
-                <a:latin typeface="Times New Roman" panose="02020603050405020304" pitchFamily="18" charset="0"/>
-                <a:cs typeface="Times New Roman" panose="02020603050405020304" pitchFamily="18" charset="0"/>
-              </a:rPr>
-              <a:t>CourseMIRROR</a:t>
-            </a:r>
-            <a:r>
-              <a:rPr lang="en-US" sz="1819" b="1">
-                <a:solidFill>
-                  <a:srgbClr val="000000"/>
-                </a:solidFill>
-                <a:latin typeface="Times New Roman" panose="02020603050405020304" pitchFamily="18" charset="0"/>
-                <a:cs typeface="Times New Roman" panose="02020603050405020304" pitchFamily="18" charset="0"/>
-              </a:rPr>
-              <a:t>, please send an email to </a:t>
-            </a:r>
-            <a:r>
-              <a:rPr lang="en-US" sz="1819" b="1">
-                <a:solidFill>
-                  <a:srgbClr val="0000FF"/>
-                </a:solidFill>
-                <a:latin typeface="Times New Roman" panose="02020603050405020304" pitchFamily="18" charset="0"/>
-                <a:cs typeface="Times New Roman" panose="02020603050405020304" pitchFamily="18" charset="0"/>
-                <a:hlinkClick r:id="rId3">
-                  <a:extLst>
-                    <a:ext uri="{A12FA001-AC4F-418D-AE19-62706E023703}">
-                      <ahyp:hlinkClr xmlns:ahyp="http://schemas.microsoft.com/office/drawing/2018/hyperlinkcolor" val="tx"/>
-                    </a:ext>
-                  </a:extLst>
-                </a:hlinkClick>
-              </a:rPr>
-              <a:t>coursemirror.development@gmail.com</a:t>
-            </a:r>
-            <a:r>
-              <a:rPr lang="en-US" sz="1819" b="1">
-                <a:solidFill>
-                  <a:srgbClr val="0000FF"/>
-                </a:solidFill>
-                <a:latin typeface="Times New Roman" panose="02020603050405020304" pitchFamily="18" charset="0"/>
-                <a:cs typeface="Times New Roman" panose="02020603050405020304" pitchFamily="18" charset="0"/>
-              </a:rPr>
-              <a:t> </a:t>
-            </a:r>
-          </a:p>
-        </p:txBody>
-      </p:sp>
-    </p:spTree>
-    <p:extLst>
-      <p:ext uri="{BB962C8B-B14F-4D97-AF65-F5344CB8AC3E}">
-        <p14:creationId xmlns:p14="http://schemas.microsoft.com/office/powerpoint/2010/main" val="737806260"/>
-      </p:ext>
-    </p:extLst>
-  </p:cSld>
-  <p:clrMapOvr>
-    <a:masterClrMapping/>
-  </p:clrMapOvr>
-</p:sld>
-</file>
-
-<file path=ppt/slides/slide2.xml><?xml version="1.0" encoding="utf-8"?>
-<p:sld xmlns:a="http://schemas.openxmlformats.org/drawingml/2006/main" xmlns:r="http://schemas.openxmlformats.org/officeDocument/2006/relationships" xmlns:p="http://schemas.openxmlformats.org/presentationml/2006/main">
-  <p:cSld>
-    <p:spTree>
-      <p:nvGrpSpPr>
-        <p:cNvPr id="1" name=""/>
-        <p:cNvGrpSpPr/>
-        <p:nvPr/>
-      </p:nvGrpSpPr>
-      <p:grpSpPr>
-        <a:xfrm>
-          <a:off x="0" y="0"/>
-          <a:ext cx="0" cy="0"/>
-          <a:chOff x="0" y="0"/>
-          <a:chExt cx="0" cy="0"/>
-        </a:xfrm>
-      </p:grpSpPr>
-      <p:sp>
-        <p:nvSpPr>
-          <p:cNvPr id="2" name="Title 1">
-            <a:extLst>
-              <a:ext uri="{FF2B5EF4-FFF2-40B4-BE49-F238E27FC236}">
-                <a16:creationId xmlns:a16="http://schemas.microsoft.com/office/drawing/2014/main" id="{AB9EA720-F5B4-463B-B14C-1970BB85B2C8}"/>
-              </a:ext>
-            </a:extLst>
-          </p:cNvPr>
-          <p:cNvSpPr>
-            <a:spLocks noGrp="1"/>
-          </p:cNvSpPr>
-          <p:nvPr>
-            <p:ph type="title"/>
-          </p:nvPr>
-        </p:nvSpPr>
-        <p:spPr/>
-        <p:txBody>
-          <a:bodyPr/>
-          <a:lstStyle/>
-          <a:p>
-            <a:r>
-              <a:rPr lang="en-US"/>
-              <a:t>Announcements</a:t>
-            </a:r>
-          </a:p>
-        </p:txBody>
-      </p:sp>
-      <p:sp>
-        <p:nvSpPr>
-          <p:cNvPr id="3" name="Content Placeholder 2">
-            <a:extLst>
-              <a:ext uri="{FF2B5EF4-FFF2-40B4-BE49-F238E27FC236}">
-                <a16:creationId xmlns:a16="http://schemas.microsoft.com/office/drawing/2014/main" id="{2466C52D-9A48-4683-BE7F-268D8DB7FAAD}"/>
-              </a:ext>
-            </a:extLst>
-          </p:cNvPr>
-          <p:cNvSpPr>
-            <a:spLocks noGrp="1"/>
-          </p:cNvSpPr>
-          <p:nvPr>
-            <p:ph idx="1"/>
-          </p:nvPr>
-        </p:nvSpPr>
-        <p:spPr/>
-        <p:txBody>
-          <a:bodyPr>
-            <a:normAutofit/>
-          </a:bodyPr>
-          <a:lstStyle/>
-          <a:p>
-            <a:r>
-              <a:rPr lang="en-US" dirty="0"/>
-              <a:t>Upcoming deadlines:</a:t>
-            </a:r>
-          </a:p>
-          <a:p>
-            <a:pPr lvl="1"/>
-            <a:r>
-              <a:rPr lang="en-US" dirty="0"/>
-              <a:t>9/24: Homework 3</a:t>
-            </a:r>
-          </a:p>
-          <a:p>
-            <a:pPr lvl="1"/>
-            <a:r>
-              <a:rPr lang="en-US" dirty="0"/>
-              <a:t>10/1: Assignment 1</a:t>
-            </a:r>
-          </a:p>
-        </p:txBody>
-      </p:sp>
-      <p:sp>
-        <p:nvSpPr>
-          <p:cNvPr id="4" name="Footer Placeholder 3">
-            <a:extLst>
-              <a:ext uri="{FF2B5EF4-FFF2-40B4-BE49-F238E27FC236}">
-                <a16:creationId xmlns:a16="http://schemas.microsoft.com/office/drawing/2014/main" id="{1F01509E-F3AE-471C-8BB2-E55078C4C863}"/>
-              </a:ext>
-            </a:extLst>
-          </p:cNvPr>
-          <p:cNvSpPr>
-            <a:spLocks noGrp="1"/>
-          </p:cNvSpPr>
-          <p:nvPr>
-            <p:ph type="ftr" idx="11"/>
-          </p:nvPr>
-        </p:nvSpPr>
-        <p:spPr/>
-        <p:txBody>
-          <a:bodyPr/>
-          <a:lstStyle/>
-          <a:p>
-            <a:pPr defTabSz="457063" fontAlgn="base" hangingPunct="0">
-              <a:spcBef>
-                <a:spcPct val="0"/>
-              </a:spcBef>
-              <a:spcAft>
-                <a:spcPct val="0"/>
-              </a:spcAft>
-              <a:buClr>
-                <a:srgbClr val="000000"/>
-              </a:buClr>
-              <a:buSzPct val="100000"/>
-              <a:defRPr/>
-            </a:pPr>
-            <a:r>
-              <a:rPr lang="en-US">
-                <a:latin typeface="Arial"/>
-              </a:rPr>
-              <a:t>CS 1501 – Algorithms &amp; Data Structures 2 – Sherif Khattab</a:t>
-            </a:r>
-            <a:endParaRPr lang="en-GB"/>
-          </a:p>
-        </p:txBody>
-      </p:sp>
-      <p:sp>
-        <p:nvSpPr>
-          <p:cNvPr id="5" name="Slide Number Placeholder 4">
-            <a:extLst>
-              <a:ext uri="{FF2B5EF4-FFF2-40B4-BE49-F238E27FC236}">
-                <a16:creationId xmlns:a16="http://schemas.microsoft.com/office/drawing/2014/main" id="{481CF72B-4081-461A-85F0-AEE6A7897B6A}"/>
-              </a:ext>
-            </a:extLst>
-          </p:cNvPr>
-          <p:cNvSpPr>
-            <a:spLocks noGrp="1"/>
-          </p:cNvSpPr>
-          <p:nvPr>
-            <p:ph type="sldNum" idx="12"/>
-          </p:nvPr>
-        </p:nvSpPr>
-        <p:spPr/>
-        <p:txBody>
-          <a:bodyPr/>
-          <a:lstStyle/>
-          <a:p>
-            <a:pPr defTabSz="457063" fontAlgn="base" hangingPunct="0">
-              <a:spcBef>
-                <a:spcPct val="0"/>
-              </a:spcBef>
-              <a:spcAft>
-                <a:spcPct val="0"/>
-              </a:spcAft>
-              <a:buClr>
-                <a:srgbClr val="000000"/>
-              </a:buClr>
-              <a:buSzPct val="100000"/>
-            </a:pPr>
-            <a:fld id="{65E435D9-63B0-4660-8D04-E83F5E2CA2AE}" type="slidenum">
-              <a:rPr lang="en-GB" altLang="en-US">
-                <a:cs typeface="Arial" panose="020B0604020202020204" pitchFamily="34" charset="0"/>
-              </a:rPr>
-              <a:pPr defTabSz="457063" fontAlgn="base" hangingPunct="0">
-                <a:spcBef>
-                  <a:spcPct val="0"/>
-                </a:spcBef>
-                <a:spcAft>
-                  <a:spcPct val="0"/>
-                </a:spcAft>
-                <a:buClr>
-                  <a:srgbClr val="000000"/>
-                </a:buClr>
-                <a:buSzPct val="100000"/>
-              </a:pPr>
-              <a:t>2</a:t>
-            </a:fld>
-            <a:endParaRPr lang="en-GB" altLang="en-US">
-              <a:cs typeface="Arial" panose="020B0604020202020204" pitchFamily="34" charset="0"/>
-            </a:endParaRPr>
-          </a:p>
-        </p:txBody>
-      </p:sp>
-    </p:spTree>
-    <p:extLst>
-      <p:ext uri="{BB962C8B-B14F-4D97-AF65-F5344CB8AC3E}">
-        <p14:creationId xmlns:p14="http://schemas.microsoft.com/office/powerpoint/2010/main" val="1068465410"/>
-      </p:ext>
-    </p:extLst>
-  </p:cSld>
-  <p:clrMapOvr>
-    <a:masterClrMapping/>
-  </p:clrMapOvr>
-</p:sld>
-</file>
-
-<file path=ppt/slides/slide3.xml><?xml version="1.0" encoding="utf-8"?>
-<p:sld xmlns:a="http://schemas.openxmlformats.org/drawingml/2006/main" xmlns:r="http://schemas.openxmlformats.org/officeDocument/2006/relationships" xmlns:p="http://schemas.openxmlformats.org/presentationml/2006/main">
-  <p:cSld>
-    <p:spTree>
-      <p:nvGrpSpPr>
-        <p:cNvPr id="1" name=""/>
-        <p:cNvGrpSpPr/>
-        <p:nvPr/>
-      </p:nvGrpSpPr>
-      <p:grpSpPr>
-        <a:xfrm>
-          <a:off x="0" y="0"/>
-          <a:ext cx="0" cy="0"/>
-          <a:chOff x="0" y="0"/>
-          <a:chExt cx="0" cy="0"/>
-        </a:xfrm>
-      </p:grpSpPr>
-      <p:sp>
-        <p:nvSpPr>
-          <p:cNvPr id="2" name="Title 1">
-            <a:extLst>
-              <a:ext uri="{FF2B5EF4-FFF2-40B4-BE49-F238E27FC236}">
-                <a16:creationId xmlns:a16="http://schemas.microsoft.com/office/drawing/2014/main" id="{741EEA9E-5858-4409-A959-87D88423DD63}"/>
-              </a:ext>
-            </a:extLst>
-          </p:cNvPr>
-          <p:cNvSpPr>
-            <a:spLocks noGrp="1"/>
-          </p:cNvSpPr>
-          <p:nvPr>
-            <p:ph type="title"/>
-          </p:nvPr>
-        </p:nvSpPr>
-        <p:spPr/>
-        <p:txBody>
-          <a:bodyPr/>
-          <a:lstStyle/>
-          <a:p>
-            <a:r>
-              <a:rPr lang="en-US"/>
-              <a:t>Last lecture …</a:t>
-            </a:r>
-          </a:p>
-        </p:txBody>
-      </p:sp>
-      <p:sp>
-        <p:nvSpPr>
-          <p:cNvPr id="3" name="Content Placeholder 2">
-            <a:extLst>
-              <a:ext uri="{FF2B5EF4-FFF2-40B4-BE49-F238E27FC236}">
-                <a16:creationId xmlns:a16="http://schemas.microsoft.com/office/drawing/2014/main" id="{F832F02F-5ABF-4702-A259-B8272D97DD79}"/>
-              </a:ext>
-            </a:extLst>
-          </p:cNvPr>
-          <p:cNvSpPr>
-            <a:spLocks noGrp="1"/>
-          </p:cNvSpPr>
-          <p:nvPr>
-            <p:ph idx="1"/>
-          </p:nvPr>
-        </p:nvSpPr>
-        <p:spPr>
-          <a:xfrm>
-            <a:off x="1" y="710107"/>
-            <a:ext cx="10093116" cy="6565419"/>
-          </a:xfrm>
-        </p:spPr>
-        <p:txBody>
-          <a:bodyPr/>
-          <a:lstStyle/>
-          <a:p>
-            <a:r>
-              <a:rPr lang="en-US" dirty="0" err="1"/>
-              <a:t>TreeADT</a:t>
-            </a:r>
-            <a:endParaRPr lang="en-US" dirty="0"/>
-          </a:p>
-          <a:p>
-            <a:pPr lvl="1"/>
-            <a:r>
-              <a:rPr lang="en-US" dirty="0"/>
-              <a:t>Basic definitions</a:t>
-            </a:r>
-          </a:p>
-          <a:p>
-            <a:pPr lvl="1"/>
-            <a:r>
-              <a:rPr lang="en-US" dirty="0"/>
-              <a:t>Tree traversal</a:t>
-            </a:r>
-          </a:p>
-        </p:txBody>
-      </p:sp>
-      <p:sp>
-        <p:nvSpPr>
-          <p:cNvPr id="4" name="Footer Placeholder 3">
-            <a:extLst>
-              <a:ext uri="{FF2B5EF4-FFF2-40B4-BE49-F238E27FC236}">
-                <a16:creationId xmlns:a16="http://schemas.microsoft.com/office/drawing/2014/main" id="{B2742A87-0F03-4848-8AB3-00C3EF0257A1}"/>
-              </a:ext>
-            </a:extLst>
-          </p:cNvPr>
-          <p:cNvSpPr>
-            <a:spLocks noGrp="1"/>
-          </p:cNvSpPr>
-          <p:nvPr>
-            <p:ph type="ftr" idx="11"/>
-          </p:nvPr>
-        </p:nvSpPr>
-        <p:spPr/>
-        <p:txBody>
-          <a:bodyPr/>
-          <a:lstStyle/>
-          <a:p>
-            <a:pPr defTabSz="457063" fontAlgn="base" hangingPunct="0">
-              <a:spcBef>
-                <a:spcPct val="0"/>
-              </a:spcBef>
-              <a:spcAft>
-                <a:spcPct val="0"/>
-              </a:spcAft>
-              <a:buClr>
-                <a:srgbClr val="000000"/>
-              </a:buClr>
-              <a:buSzPct val="100000"/>
-              <a:defRPr/>
-            </a:pPr>
-            <a:r>
-              <a:rPr lang="en-US">
-                <a:latin typeface="Arial"/>
-              </a:rPr>
-              <a:t>CS 1501 – Algorithms &amp; Data Structures 2 – Sherif Khattab</a:t>
-            </a:r>
-            <a:endParaRPr lang="en-GB"/>
-          </a:p>
-        </p:txBody>
-      </p:sp>
-      <p:sp>
-        <p:nvSpPr>
-          <p:cNvPr id="5" name="Slide Number Placeholder 4">
-            <a:extLst>
-              <a:ext uri="{FF2B5EF4-FFF2-40B4-BE49-F238E27FC236}">
-                <a16:creationId xmlns:a16="http://schemas.microsoft.com/office/drawing/2014/main" id="{02DC2457-3542-4F95-B386-215E698016EB}"/>
-              </a:ext>
-            </a:extLst>
-          </p:cNvPr>
-          <p:cNvSpPr>
-            <a:spLocks noGrp="1"/>
-          </p:cNvSpPr>
-          <p:nvPr>
-            <p:ph type="sldNum" idx="12"/>
-          </p:nvPr>
-        </p:nvSpPr>
-        <p:spPr/>
-        <p:txBody>
-          <a:bodyPr/>
-          <a:lstStyle/>
-          <a:p>
-            <a:pPr defTabSz="457063" fontAlgn="base" hangingPunct="0">
-              <a:spcBef>
-                <a:spcPct val="0"/>
-              </a:spcBef>
-              <a:spcAft>
-                <a:spcPct val="0"/>
-              </a:spcAft>
-              <a:buClr>
-                <a:srgbClr val="000000"/>
-              </a:buClr>
-              <a:buSzPct val="100000"/>
-            </a:pPr>
-            <a:fld id="{65E435D9-63B0-4660-8D04-E83F5E2CA2AE}" type="slidenum">
-              <a:rPr lang="en-GB" altLang="en-US">
-                <a:cs typeface="Arial" panose="020B0604020202020204" pitchFamily="34" charset="0"/>
-              </a:rPr>
-              <a:pPr defTabSz="457063" fontAlgn="base" hangingPunct="0">
-                <a:spcBef>
-                  <a:spcPct val="0"/>
-                </a:spcBef>
-                <a:spcAft>
-                  <a:spcPct val="0"/>
-                </a:spcAft>
-                <a:buClr>
-                  <a:srgbClr val="000000"/>
-                </a:buClr>
-                <a:buSzPct val="100000"/>
-              </a:pPr>
-              <a:t>3</a:t>
-            </a:fld>
-            <a:endParaRPr lang="en-GB" altLang="en-US">
-              <a:cs typeface="Arial" panose="020B0604020202020204" pitchFamily="34" charset="0"/>
-            </a:endParaRPr>
-          </a:p>
-        </p:txBody>
-      </p:sp>
-    </p:spTree>
-    <p:extLst>
-      <p:ext uri="{BB962C8B-B14F-4D97-AF65-F5344CB8AC3E}">
-        <p14:creationId xmlns:p14="http://schemas.microsoft.com/office/powerpoint/2010/main" val="2374057061"/>
-      </p:ext>
-    </p:extLst>
-  </p:cSld>
-  <p:clrMapOvr>
-    <a:masterClrMapping/>
-  </p:clrMapOvr>
-</p:sld>
-</file>
-
-<file path=ppt/slides/slide4.xml><?xml version="1.0" encoding="utf-8"?>
-<p:sld xmlns:a="http://schemas.openxmlformats.org/drawingml/2006/main" xmlns:r="http://schemas.openxmlformats.org/officeDocument/2006/relationships" xmlns:p="http://schemas.openxmlformats.org/presentationml/2006/main">
-  <p:cSld>
-    <p:spTree>
-      <p:nvGrpSpPr>
-        <p:cNvPr id="1" name=""/>
-        <p:cNvGrpSpPr/>
-        <p:nvPr/>
-      </p:nvGrpSpPr>
-      <p:grpSpPr>
-        <a:xfrm>
-          <a:off x="0" y="0"/>
-          <a:ext cx="0" cy="0"/>
-          <a:chOff x="0" y="0"/>
-          <a:chExt cx="0" cy="0"/>
-        </a:xfrm>
-      </p:grpSpPr>
-      <p:sp>
-        <p:nvSpPr>
-          <p:cNvPr id="2" name="Title 1">
-            <a:extLst>
-              <a:ext uri="{FF2B5EF4-FFF2-40B4-BE49-F238E27FC236}">
-                <a16:creationId xmlns:a16="http://schemas.microsoft.com/office/drawing/2014/main" id="{09964AE1-DBFC-2848-B191-FE3ED1AFB0DB}"/>
-              </a:ext>
-            </a:extLst>
-          </p:cNvPr>
-          <p:cNvSpPr>
-            <a:spLocks noGrp="1"/>
-          </p:cNvSpPr>
-          <p:nvPr>
-            <p:ph type="title"/>
-          </p:nvPr>
-        </p:nvSpPr>
-        <p:spPr/>
-        <p:txBody>
-          <a:bodyPr/>
-          <a:lstStyle/>
-          <a:p>
-            <a:r>
-              <a:rPr lang="en-US"/>
-              <a:t>This Lecture</a:t>
-            </a:r>
-          </a:p>
-        </p:txBody>
-      </p:sp>
-      <p:sp>
-        <p:nvSpPr>
-          <p:cNvPr id="3" name="Content Placeholder 2">
-            <a:extLst>
-              <a:ext uri="{FF2B5EF4-FFF2-40B4-BE49-F238E27FC236}">
-                <a16:creationId xmlns:a16="http://schemas.microsoft.com/office/drawing/2014/main" id="{BDC81B29-68EF-D34F-B9F6-D9EC25476DFF}"/>
-              </a:ext>
-            </a:extLst>
-          </p:cNvPr>
-          <p:cNvSpPr>
-            <a:spLocks noGrp="1"/>
-          </p:cNvSpPr>
-          <p:nvPr>
-            <p:ph idx="1"/>
-          </p:nvPr>
-        </p:nvSpPr>
-        <p:spPr/>
-        <p:txBody>
-          <a:bodyPr/>
-          <a:lstStyle/>
-          <a:p>
-            <a:r>
-              <a:rPr lang="en-US" dirty="0" err="1"/>
-              <a:t>TreeADT</a:t>
-            </a:r>
-            <a:r>
-              <a:rPr lang="en-US" dirty="0"/>
-              <a:t> Implementation</a:t>
-            </a:r>
-          </a:p>
-          <a:p>
-            <a:pPr lvl="1"/>
-            <a:r>
-              <a:rPr lang="en-US" dirty="0" err="1"/>
-              <a:t>TreeInterface</a:t>
-            </a:r>
-            <a:r>
-              <a:rPr lang="en-US" dirty="0"/>
-              <a:t> and </a:t>
-            </a:r>
-            <a:r>
-              <a:rPr lang="en-US" dirty="0" err="1"/>
-              <a:t>BinaryTreeInterface</a:t>
-            </a:r>
-            <a:endParaRPr lang="en-US" dirty="0"/>
-          </a:p>
-          <a:p>
-            <a:pPr lvl="1"/>
-            <a:r>
-              <a:rPr lang="en-US" dirty="0"/>
-              <a:t>Linked Implementation</a:t>
-            </a:r>
-          </a:p>
-          <a:p>
-            <a:pPr lvl="2"/>
-            <a:r>
-              <a:rPr lang="en-US" dirty="0" err="1"/>
-              <a:t>BinaryNode</a:t>
-            </a:r>
-            <a:endParaRPr lang="en-US" dirty="0"/>
-          </a:p>
-          <a:p>
-            <a:pPr lvl="2"/>
-            <a:r>
-              <a:rPr lang="en-US" dirty="0" err="1"/>
-              <a:t>BinaryTree</a:t>
-            </a:r>
-            <a:endParaRPr lang="en-US" dirty="0"/>
-          </a:p>
-          <a:p>
-            <a:r>
-              <a:rPr lang="en-US" dirty="0" err="1"/>
-              <a:t>BinarySearchTree</a:t>
-            </a:r>
-            <a:endParaRPr lang="en-US" dirty="0"/>
-          </a:p>
-          <a:p>
-            <a:pPr lvl="1"/>
-            <a:r>
-              <a:rPr lang="en-US" dirty="0" err="1"/>
-              <a:t>SearchTreeInterface</a:t>
-            </a:r>
-            <a:endParaRPr lang="en-US" dirty="0"/>
-          </a:p>
-          <a:p>
-            <a:pPr lvl="1"/>
-            <a:r>
-              <a:rPr lang="en-US" dirty="0" err="1"/>
-              <a:t>BinarysearchTree</a:t>
-            </a:r>
-            <a:endParaRPr lang="en-US" dirty="0"/>
-          </a:p>
-        </p:txBody>
-      </p:sp>
-      <p:sp>
-        <p:nvSpPr>
-          <p:cNvPr id="4" name="Footer Placeholder 3">
-            <a:extLst>
-              <a:ext uri="{FF2B5EF4-FFF2-40B4-BE49-F238E27FC236}">
-                <a16:creationId xmlns:a16="http://schemas.microsoft.com/office/drawing/2014/main" id="{C120C3AE-7085-4E4C-910F-0D1895BFDD1A}"/>
-              </a:ext>
-            </a:extLst>
-          </p:cNvPr>
-          <p:cNvSpPr>
-            <a:spLocks noGrp="1"/>
-          </p:cNvSpPr>
-          <p:nvPr>
-            <p:ph type="ftr" idx="11"/>
-          </p:nvPr>
-        </p:nvSpPr>
-        <p:spPr/>
-        <p:txBody>
-          <a:bodyPr/>
-          <a:lstStyle/>
-          <a:p>
-            <a:pPr>
-              <a:defRPr/>
-            </a:pPr>
-            <a:r>
-              <a:rPr lang="en-US">
-                <a:latin typeface="+mn-lt"/>
-              </a:rPr>
-              <a:t>CS 1501 – Algorithms &amp; Data Structures 2 – Sherif Khattab</a:t>
-            </a:r>
-            <a:endParaRPr lang="en-GB"/>
-          </a:p>
-        </p:txBody>
-      </p:sp>
-      <p:sp>
-        <p:nvSpPr>
-          <p:cNvPr id="5" name="Slide Number Placeholder 4">
-            <a:extLst>
-              <a:ext uri="{FF2B5EF4-FFF2-40B4-BE49-F238E27FC236}">
-                <a16:creationId xmlns:a16="http://schemas.microsoft.com/office/drawing/2014/main" id="{575F679D-1AE3-DC4F-8881-2F85B371C831}"/>
-              </a:ext>
-            </a:extLst>
-          </p:cNvPr>
-          <p:cNvSpPr>
-            <a:spLocks noGrp="1"/>
-          </p:cNvSpPr>
-          <p:nvPr>
-            <p:ph type="sldNum" idx="12"/>
-          </p:nvPr>
-        </p:nvSpPr>
-        <p:spPr/>
-        <p:txBody>
-          <a:bodyPr/>
-          <a:lstStyle/>
-          <a:p>
-            <a:fld id="{65E435D9-63B0-4660-8D04-E83F5E2CA2AE}" type="slidenum">
-              <a:rPr lang="en-GB" altLang="en-US" smtClean="0"/>
-              <a:pPr/>
-              <a:t>4</a:t>
-            </a:fld>
-            <a:endParaRPr lang="en-GB" altLang="en-US"/>
-          </a:p>
-        </p:txBody>
-      </p:sp>
-    </p:spTree>
-    <p:extLst>
-      <p:ext uri="{BB962C8B-B14F-4D97-AF65-F5344CB8AC3E}">
-        <p14:creationId xmlns:p14="http://schemas.microsoft.com/office/powerpoint/2010/main" val="4136500716"/>
-      </p:ext>
-    </p:extLst>
-  </p:cSld>
-  <p:clrMapOvr>
-    <a:masterClrMapping/>
-  </p:clrMapOvr>
-</p:sld>
-</file>
-
-<file path=ppt/slides/slide5.xml><?xml version="1.0" encoding="utf-8"?>
-<p:sld xmlns:a="http://schemas.openxmlformats.org/drawingml/2006/main" xmlns:r="http://schemas.openxmlformats.org/officeDocument/2006/relationships" xmlns:p="http://schemas.openxmlformats.org/presentationml/2006/main">
-  <p:cSld>
-    <p:spTree>
-      <p:nvGrpSpPr>
-        <p:cNvPr id="1" name=""/>
-        <p:cNvGrpSpPr/>
-        <p:nvPr/>
-      </p:nvGrpSpPr>
-      <p:grpSpPr>
-        <a:xfrm>
-          <a:off x="0" y="0"/>
-          <a:ext cx="0" cy="0"/>
-          <a:chOff x="0" y="0"/>
-          <a:chExt cx="0" cy="0"/>
-        </a:xfrm>
-      </p:grpSpPr>
-      <p:sp>
-        <p:nvSpPr>
-          <p:cNvPr id="2" name="Title 1">
-            <a:extLst>
-              <a:ext uri="{FF2B5EF4-FFF2-40B4-BE49-F238E27FC236}">
-                <a16:creationId xmlns:a16="http://schemas.microsoft.com/office/drawing/2014/main" id="{1F459C60-AE8D-4F03-A53F-591951C657C1}"/>
-              </a:ext>
-            </a:extLst>
-          </p:cNvPr>
-          <p:cNvSpPr>
-            <a:spLocks noGrp="1"/>
-          </p:cNvSpPr>
-          <p:nvPr>
-            <p:ph type="title"/>
-          </p:nvPr>
-        </p:nvSpPr>
-        <p:spPr/>
-        <p:txBody>
-          <a:bodyPr/>
-          <a:lstStyle/>
-          <a:p>
-            <a:r>
-              <a:rPr lang="en-US"/>
-              <a:t>Full vs. Complete Tree</a:t>
-            </a:r>
-          </a:p>
-        </p:txBody>
-      </p:sp>
-      <p:sp>
-        <p:nvSpPr>
-          <p:cNvPr id="3" name="Content Placeholder 2">
-            <a:extLst>
-              <a:ext uri="{FF2B5EF4-FFF2-40B4-BE49-F238E27FC236}">
-                <a16:creationId xmlns:a16="http://schemas.microsoft.com/office/drawing/2014/main" id="{530379AE-91D4-4ED1-93DB-A6FBD0812621}"/>
-              </a:ext>
-            </a:extLst>
-          </p:cNvPr>
-          <p:cNvSpPr>
-            <a:spLocks noGrp="1"/>
-          </p:cNvSpPr>
-          <p:nvPr>
-            <p:ph idx="1"/>
-          </p:nvPr>
-        </p:nvSpPr>
-        <p:spPr/>
-        <p:txBody>
-          <a:bodyPr/>
-          <a:lstStyle/>
-          <a:p>
-            <a:endParaRPr lang="en-US"/>
-          </a:p>
-        </p:txBody>
-      </p:sp>
-      <p:sp>
-        <p:nvSpPr>
-          <p:cNvPr id="4" name="Footer Placeholder 3">
-            <a:extLst>
-              <a:ext uri="{FF2B5EF4-FFF2-40B4-BE49-F238E27FC236}">
-                <a16:creationId xmlns:a16="http://schemas.microsoft.com/office/drawing/2014/main" id="{4A93E061-18AA-45C7-B565-BC86FEF8E808}"/>
-              </a:ext>
-            </a:extLst>
-          </p:cNvPr>
-          <p:cNvSpPr>
-            <a:spLocks noGrp="1"/>
-          </p:cNvSpPr>
-          <p:nvPr>
-            <p:ph type="ftr" idx="11"/>
-          </p:nvPr>
-        </p:nvSpPr>
-        <p:spPr/>
-        <p:txBody>
-          <a:bodyPr/>
-          <a:lstStyle/>
-          <a:p>
-            <a:pPr>
-              <a:defRPr/>
-            </a:pPr>
-            <a:r>
-              <a:rPr lang="en-US">
-                <a:latin typeface="+mn-lt"/>
-              </a:rPr>
-              <a:t>CS 1501 – Algorithms &amp; Data Structures 2 – Sherif Khattab</a:t>
-            </a:r>
-            <a:endParaRPr lang="en-GB"/>
-          </a:p>
-        </p:txBody>
-      </p:sp>
-      <p:sp>
-        <p:nvSpPr>
-          <p:cNvPr id="5" name="Slide Number Placeholder 4">
-            <a:extLst>
-              <a:ext uri="{FF2B5EF4-FFF2-40B4-BE49-F238E27FC236}">
-                <a16:creationId xmlns:a16="http://schemas.microsoft.com/office/drawing/2014/main" id="{AF97B27A-0966-46F1-B9B0-69BDD5FB2BAD}"/>
-              </a:ext>
-            </a:extLst>
-          </p:cNvPr>
-          <p:cNvSpPr>
-            <a:spLocks noGrp="1"/>
-          </p:cNvSpPr>
-          <p:nvPr>
-            <p:ph type="sldNum" idx="12"/>
-          </p:nvPr>
-        </p:nvSpPr>
-        <p:spPr/>
-        <p:txBody>
-          <a:bodyPr/>
-          <a:lstStyle/>
-          <a:p>
-            <a:fld id="{65E435D9-63B0-4660-8D04-E83F5E2CA2AE}" type="slidenum">
-              <a:rPr lang="en-GB" altLang="en-US" smtClean="0"/>
-              <a:pPr/>
-              <a:t>5</a:t>
-            </a:fld>
-            <a:endParaRPr lang="en-GB" altLang="en-US"/>
-          </a:p>
-        </p:txBody>
-      </p:sp>
-      <p:pic>
-        <p:nvPicPr>
-          <p:cNvPr id="7" name="Picture 6">
-            <a:extLst>
-              <a:ext uri="{FF2B5EF4-FFF2-40B4-BE49-F238E27FC236}">
-                <a16:creationId xmlns:a16="http://schemas.microsoft.com/office/drawing/2014/main" id="{4AD8F1EB-2406-449A-8779-F17351BB8E15}"/>
-              </a:ext>
-            </a:extLst>
-          </p:cNvPr>
-          <p:cNvPicPr>
-            <a:picLocks noChangeAspect="1"/>
-          </p:cNvPicPr>
-          <p:nvPr/>
-        </p:nvPicPr>
-        <p:blipFill>
-          <a:blip r:embed="rId2"/>
-          <a:stretch>
-            <a:fillRect/>
-          </a:stretch>
-        </p:blipFill>
-        <p:spPr>
-          <a:xfrm>
-            <a:off x="170266" y="741901"/>
-            <a:ext cx="9364849" cy="6244482"/>
-          </a:xfrm>
-          <a:prstGeom prst="rect">
-            <a:avLst/>
-          </a:prstGeom>
-        </p:spPr>
-      </p:pic>
-    </p:spTree>
-    <p:extLst>
-      <p:ext uri="{BB962C8B-B14F-4D97-AF65-F5344CB8AC3E}">
-        <p14:creationId xmlns:p14="http://schemas.microsoft.com/office/powerpoint/2010/main" val="1662342598"/>
-      </p:ext>
-    </p:extLst>
-  </p:cSld>
-  <p:clrMapOvr>
-    <a:masterClrMapping/>
-  </p:clrMapOvr>
-</p:sld>
-</file>
-
-<file path=ppt/slides/slide6.xml><?xml version="1.0" encoding="utf-8"?>
-<p:sld xmlns:a="http://schemas.openxmlformats.org/drawingml/2006/main" xmlns:r="http://schemas.openxmlformats.org/officeDocument/2006/relationships" xmlns:p="http://schemas.openxmlformats.org/presentationml/2006/main">
-  <p:cSld>
-    <p:spTree>
-      <p:nvGrpSpPr>
-        <p:cNvPr id="1" name=""/>
-        <p:cNvGrpSpPr/>
-        <p:nvPr/>
-      </p:nvGrpSpPr>
-      <p:grpSpPr>
-        <a:xfrm>
-          <a:off x="0" y="0"/>
-          <a:ext cx="0" cy="0"/>
-          <a:chOff x="0" y="0"/>
-          <a:chExt cx="0" cy="0"/>
-        </a:xfrm>
-      </p:grpSpPr>
-      <p:sp>
-        <p:nvSpPr>
-          <p:cNvPr id="3" name="Title 2">
-            <a:extLst>
-              <a:ext uri="{FF2B5EF4-FFF2-40B4-BE49-F238E27FC236}">
-                <a16:creationId xmlns:a16="http://schemas.microsoft.com/office/drawing/2014/main" id="{F353DFE7-5E48-4678-88F9-249C85D9FB6B}"/>
-              </a:ext>
-            </a:extLst>
-          </p:cNvPr>
-          <p:cNvSpPr>
-            <a:spLocks noGrp="1"/>
-          </p:cNvSpPr>
-          <p:nvPr>
-            <p:ph type="title"/>
-          </p:nvPr>
-        </p:nvSpPr>
-        <p:spPr/>
-        <p:txBody>
-          <a:bodyPr/>
-          <a:lstStyle/>
-          <a:p>
-            <a:r>
-              <a:rPr lang="en-US" dirty="0"/>
-              <a:t>Tree Interface</a:t>
-            </a:r>
-          </a:p>
-        </p:txBody>
-      </p:sp>
-      <p:sp>
-        <p:nvSpPr>
-          <p:cNvPr id="8" name="Content Placeholder 7">
-            <a:extLst>
-              <a:ext uri="{FF2B5EF4-FFF2-40B4-BE49-F238E27FC236}">
-                <a16:creationId xmlns:a16="http://schemas.microsoft.com/office/drawing/2014/main" id="{9D6B6965-4F82-4738-80C4-F08AD114D3F6}"/>
-              </a:ext>
-            </a:extLst>
-          </p:cNvPr>
-          <p:cNvSpPr>
-            <a:spLocks noGrp="1"/>
-          </p:cNvSpPr>
-          <p:nvPr>
-            <p:ph idx="1"/>
-          </p:nvPr>
-        </p:nvSpPr>
-        <p:spPr/>
-        <p:txBody>
-          <a:bodyPr/>
-          <a:lstStyle/>
-          <a:p>
-            <a:endParaRPr lang="en-US"/>
-          </a:p>
-        </p:txBody>
-      </p:sp>
-      <p:sp>
-        <p:nvSpPr>
-          <p:cNvPr id="4" name="Slide Number Placeholder 3">
-            <a:extLst>
-              <a:ext uri="{FF2B5EF4-FFF2-40B4-BE49-F238E27FC236}">
-                <a16:creationId xmlns:a16="http://schemas.microsoft.com/office/drawing/2014/main" id="{DA4ADD44-E358-497D-A07F-D9946707740D}"/>
-              </a:ext>
-            </a:extLst>
-          </p:cNvPr>
-          <p:cNvSpPr>
-            <a:spLocks noGrp="1"/>
-          </p:cNvSpPr>
-          <p:nvPr>
-            <p:ph type="sldNum" idx="12"/>
-          </p:nvPr>
-        </p:nvSpPr>
-        <p:spPr/>
-        <p:txBody>
-          <a:bodyPr/>
-          <a:lstStyle/>
-          <a:p>
-            <a:fld id="{00000000-1234-1234-1234-123412341234}" type="slidenum">
-              <a:rPr lang="en" smtClean="0"/>
-              <a:pPr/>
-              <a:t>6</a:t>
-            </a:fld>
-            <a:endParaRPr lang="en"/>
-          </a:p>
-        </p:txBody>
-      </p:sp>
-      <p:pic>
-        <p:nvPicPr>
-          <p:cNvPr id="6" name="Picture 5" descr="Text&#10;&#10;Description automatically generated">
-            <a:extLst>
-              <a:ext uri="{FF2B5EF4-FFF2-40B4-BE49-F238E27FC236}">
-                <a16:creationId xmlns:a16="http://schemas.microsoft.com/office/drawing/2014/main" id="{81EA26B8-8DD2-49AA-9483-A5CA3C75C6D7}"/>
-              </a:ext>
-            </a:extLst>
-          </p:cNvPr>
-          <p:cNvPicPr>
-            <a:picLocks noChangeAspect="1"/>
-          </p:cNvPicPr>
-          <p:nvPr/>
-        </p:nvPicPr>
-        <p:blipFill>
-          <a:blip r:embed="rId2"/>
-          <a:stretch>
-            <a:fillRect/>
-          </a:stretch>
-        </p:blipFill>
-        <p:spPr>
-          <a:xfrm>
-            <a:off x="19050" y="1952625"/>
-            <a:ext cx="10039350" cy="3657600"/>
-          </a:xfrm>
-          <a:prstGeom prst="rect">
-            <a:avLst/>
-          </a:prstGeom>
-        </p:spPr>
-      </p:pic>
-      <p:sp>
-        <p:nvSpPr>
-          <p:cNvPr id="9" name="Footer Placeholder 8">
-            <a:extLst>
-              <a:ext uri="{FF2B5EF4-FFF2-40B4-BE49-F238E27FC236}">
-                <a16:creationId xmlns:a16="http://schemas.microsoft.com/office/drawing/2014/main" id="{BB54C99C-B492-4E6B-9CC4-C61404F47E69}"/>
-              </a:ext>
-            </a:extLst>
-          </p:cNvPr>
-          <p:cNvSpPr>
-            <a:spLocks noGrp="1"/>
-          </p:cNvSpPr>
-          <p:nvPr>
-            <p:ph type="ftr" idx="11"/>
-          </p:nvPr>
-        </p:nvSpPr>
-        <p:spPr/>
-        <p:txBody>
-          <a:bodyPr/>
-          <a:lstStyle/>
-          <a:p>
-            <a:pPr>
-              <a:defRPr/>
-            </a:pPr>
-            <a:r>
-              <a:rPr lang="en-US">
-                <a:latin typeface="+mn-lt"/>
-              </a:rPr>
-              <a:t>CS 1501 – Algorithms &amp; Data Structures 2 – Sherif Khattab</a:t>
-            </a:r>
-            <a:endParaRPr lang="en-GB"/>
-          </a:p>
-        </p:txBody>
-      </p:sp>
-    </p:spTree>
-    <p:extLst>
-      <p:ext uri="{BB962C8B-B14F-4D97-AF65-F5344CB8AC3E}">
-        <p14:creationId xmlns:p14="http://schemas.microsoft.com/office/powerpoint/2010/main" val="551485046"/>
-      </p:ext>
-    </p:extLst>
-  </p:cSld>
-  <p:clrMapOvr>
-    <a:masterClrMapping/>
-  </p:clrMapOvr>
-</p:sld>
-</file>
-
-<file path=ppt/slides/slide7.xml><?xml version="1.0" encoding="utf-8"?>
-<p:sld xmlns:a="http://schemas.openxmlformats.org/drawingml/2006/main" xmlns:r="http://schemas.openxmlformats.org/officeDocument/2006/relationships" xmlns:p="http://schemas.openxmlformats.org/presentationml/2006/main">
-  <p:cSld>
-    <p:spTree>
-      <p:nvGrpSpPr>
-        <p:cNvPr id="1" name=""/>
-        <p:cNvGrpSpPr/>
-        <p:nvPr/>
-      </p:nvGrpSpPr>
-      <p:grpSpPr>
-        <a:xfrm>
-          <a:off x="0" y="0"/>
-          <a:ext cx="0" cy="0"/>
-          <a:chOff x="0" y="0"/>
-          <a:chExt cx="0" cy="0"/>
-        </a:xfrm>
-      </p:grpSpPr>
-      <p:sp>
-        <p:nvSpPr>
-          <p:cNvPr id="2" name="Title 1">
-            <a:extLst>
-              <a:ext uri="{FF2B5EF4-FFF2-40B4-BE49-F238E27FC236}">
-                <a16:creationId xmlns:a16="http://schemas.microsoft.com/office/drawing/2014/main" id="{BC3ADD74-EB95-47D3-9ED2-6D8DD55DD99C}"/>
-              </a:ext>
-            </a:extLst>
-          </p:cNvPr>
-          <p:cNvSpPr>
-            <a:spLocks noGrp="1"/>
-          </p:cNvSpPr>
-          <p:nvPr>
-            <p:ph type="title"/>
-          </p:nvPr>
-        </p:nvSpPr>
-        <p:spPr/>
-        <p:txBody>
-          <a:bodyPr/>
-          <a:lstStyle/>
-          <a:p>
-            <a:r>
-              <a:rPr lang="en-US"/>
-              <a:t>Code Walkthrough</a:t>
-            </a:r>
-          </a:p>
-        </p:txBody>
-      </p:sp>
-      <p:sp>
-        <p:nvSpPr>
-          <p:cNvPr id="3" name="Content Placeholder 2">
-            <a:extLst>
-              <a:ext uri="{FF2B5EF4-FFF2-40B4-BE49-F238E27FC236}">
-                <a16:creationId xmlns:a16="http://schemas.microsoft.com/office/drawing/2014/main" id="{A296D1F4-E837-4F96-9F51-0E48E82EFCB0}"/>
-              </a:ext>
-            </a:extLst>
-          </p:cNvPr>
-          <p:cNvSpPr>
-            <a:spLocks noGrp="1"/>
-          </p:cNvSpPr>
-          <p:nvPr>
-            <p:ph idx="1"/>
-          </p:nvPr>
-        </p:nvSpPr>
-        <p:spPr/>
-        <p:txBody>
-          <a:bodyPr/>
-          <a:lstStyle/>
-          <a:p>
-            <a:r>
-              <a:rPr lang="en-US" dirty="0"/>
-              <a:t>Available online at:</a:t>
-            </a:r>
-          </a:p>
-          <a:p>
-            <a:pPr lvl="1"/>
-            <a:r>
-              <a:rPr lang="en-US" dirty="0">
-                <a:hlinkClick r:id="rId2"/>
-              </a:rPr>
-              <a:t>https://cs1501-2221.github.io/handouts/CodeHandouts/TreeADT/Slides</a:t>
-            </a:r>
-            <a:endParaRPr lang="en-US" dirty="0"/>
-          </a:p>
-          <a:p>
-            <a:pPr lvl="1"/>
-            <a:r>
-              <a:rPr lang="en-US" dirty="0"/>
-              <a:t>The slides are under the </a:t>
-            </a:r>
-            <a:r>
-              <a:rPr lang="en-US" dirty="0" err="1"/>
-              <a:t>CodeHandouts</a:t>
-            </a:r>
-            <a:r>
-              <a:rPr lang="en-US" dirty="0"/>
-              <a:t>/</a:t>
-            </a:r>
-            <a:r>
-              <a:rPr lang="en-US" dirty="0" err="1"/>
-              <a:t>TreeADT</a:t>
-            </a:r>
-            <a:r>
-              <a:rPr lang="en-US" dirty="0"/>
-              <a:t>/slides folder in the handout repository</a:t>
-            </a:r>
-          </a:p>
-          <a:p>
-            <a:pPr lvl="1"/>
-            <a:r>
-              <a:rPr lang="en-US" dirty="0">
-                <a:hlinkClick r:id="rId3"/>
-              </a:rPr>
-              <a:t>https://github.com/cs1501-2221/handouts</a:t>
-            </a:r>
-            <a:endParaRPr lang="en-US" dirty="0"/>
-          </a:p>
-        </p:txBody>
-      </p:sp>
-      <p:sp>
-        <p:nvSpPr>
-          <p:cNvPr id="4" name="Footer Placeholder 3">
-            <a:extLst>
-              <a:ext uri="{FF2B5EF4-FFF2-40B4-BE49-F238E27FC236}">
-                <a16:creationId xmlns:a16="http://schemas.microsoft.com/office/drawing/2014/main" id="{59D3D596-6ED7-4EC0-BE08-962951836449}"/>
-              </a:ext>
-            </a:extLst>
-          </p:cNvPr>
-          <p:cNvSpPr>
-            <a:spLocks noGrp="1"/>
-          </p:cNvSpPr>
-          <p:nvPr>
-            <p:ph type="ftr" idx="11"/>
-          </p:nvPr>
-        </p:nvSpPr>
-        <p:spPr/>
-        <p:txBody>
-          <a:bodyPr/>
-          <a:lstStyle/>
-          <a:p>
-            <a:pPr>
-              <a:defRPr/>
-            </a:pPr>
-            <a:r>
-              <a:rPr lang="en-US">
-                <a:latin typeface="+mn-lt"/>
-              </a:rPr>
-              <a:t>CS 1501 – Algorithms &amp; Data Structures 2 – Sherif Khattab</a:t>
-            </a:r>
-            <a:endParaRPr lang="en-GB"/>
-          </a:p>
-        </p:txBody>
-      </p:sp>
-      <p:sp>
-        <p:nvSpPr>
-          <p:cNvPr id="5" name="Slide Number Placeholder 4">
-            <a:extLst>
-              <a:ext uri="{FF2B5EF4-FFF2-40B4-BE49-F238E27FC236}">
-                <a16:creationId xmlns:a16="http://schemas.microsoft.com/office/drawing/2014/main" id="{A865766F-85AB-4B60-A2E9-0EE94ED9DD7A}"/>
-              </a:ext>
-            </a:extLst>
-          </p:cNvPr>
-          <p:cNvSpPr>
-            <a:spLocks noGrp="1"/>
-          </p:cNvSpPr>
-          <p:nvPr>
-            <p:ph type="sldNum" idx="12"/>
-          </p:nvPr>
-        </p:nvSpPr>
-        <p:spPr/>
-        <p:txBody>
-          <a:bodyPr/>
-          <a:lstStyle/>
-          <a:p>
-            <a:fld id="{65E435D9-63B0-4660-8D04-E83F5E2CA2AE}" type="slidenum">
-              <a:rPr lang="en-GB" altLang="en-US" smtClean="0"/>
-              <a:pPr/>
-              <a:t>7</a:t>
-            </a:fld>
-            <a:endParaRPr lang="en-GB" altLang="en-US"/>
-          </a:p>
-        </p:txBody>
-      </p:sp>
-    </p:spTree>
-    <p:extLst>
-      <p:ext uri="{BB962C8B-B14F-4D97-AF65-F5344CB8AC3E}">
-        <p14:creationId xmlns:p14="http://schemas.microsoft.com/office/powerpoint/2010/main" val="868200480"/>
-      </p:ext>
-    </p:extLst>
-  </p:cSld>
-  <p:clrMapOvr>
-    <a:masterClrMapping/>
-  </p:clrMapOvr>
-</p:sld>
-</file>
-
-<file path=ppt/slides/slide8.xml><?xml version="1.0" encoding="utf-8"?>
-<p:sld xmlns:a="http://schemas.openxmlformats.org/drawingml/2006/main" xmlns:r="http://schemas.openxmlformats.org/officeDocument/2006/relationships" xmlns:p="http://schemas.openxmlformats.org/presentationml/2006/main">
-  <p:cSld>
-    <p:spTree>
-      <p:nvGrpSpPr>
-        <p:cNvPr id="1" name=""/>
-        <p:cNvGrpSpPr/>
-        <p:nvPr/>
-      </p:nvGrpSpPr>
-      <p:grpSpPr>
-        <a:xfrm>
-          <a:off x="0" y="0"/>
-          <a:ext cx="0" cy="0"/>
-          <a:chOff x="0" y="0"/>
-          <a:chExt cx="0" cy="0"/>
-        </a:xfrm>
-      </p:grpSpPr>
-      <p:sp>
-        <p:nvSpPr>
-          <p:cNvPr id="2" name="Title 1">
-            <a:extLst>
-              <a:ext uri="{FF2B5EF4-FFF2-40B4-BE49-F238E27FC236}">
-                <a16:creationId xmlns:a16="http://schemas.microsoft.com/office/drawing/2014/main" id="{DF5041EA-2DD5-456B-AB1E-0FD0B5D9A593}"/>
-              </a:ext>
-            </a:extLst>
-          </p:cNvPr>
-          <p:cNvSpPr>
-            <a:spLocks noGrp="1"/>
-          </p:cNvSpPr>
-          <p:nvPr>
-            <p:ph type="title"/>
-          </p:nvPr>
-        </p:nvSpPr>
-        <p:spPr/>
-        <p:txBody>
-          <a:bodyPr/>
-          <a:lstStyle/>
-          <a:p>
-            <a:r>
-              <a:rPr lang="en-US" err="1"/>
-              <a:t>BinaryNode</a:t>
-            </a:r>
-            <a:endParaRPr lang="en-US"/>
-          </a:p>
-        </p:txBody>
-      </p:sp>
-      <p:sp>
-        <p:nvSpPr>
-          <p:cNvPr id="3" name="Content Placeholder 2">
-            <a:extLst>
-              <a:ext uri="{FF2B5EF4-FFF2-40B4-BE49-F238E27FC236}">
-                <a16:creationId xmlns:a16="http://schemas.microsoft.com/office/drawing/2014/main" id="{A63E7BA2-DEEB-40CC-8411-2C5515C0E39C}"/>
-              </a:ext>
-            </a:extLst>
-          </p:cNvPr>
-          <p:cNvSpPr>
-            <a:spLocks noGrp="1"/>
-          </p:cNvSpPr>
-          <p:nvPr>
-            <p:ph idx="1"/>
-          </p:nvPr>
-        </p:nvSpPr>
-        <p:spPr/>
-        <p:txBody>
-          <a:bodyPr/>
-          <a:lstStyle/>
-          <a:p>
-            <a:endParaRPr lang="en-US"/>
-          </a:p>
-        </p:txBody>
-      </p:sp>
-      <p:sp>
-        <p:nvSpPr>
-          <p:cNvPr id="4" name="Footer Placeholder 3">
-            <a:extLst>
-              <a:ext uri="{FF2B5EF4-FFF2-40B4-BE49-F238E27FC236}">
-                <a16:creationId xmlns:a16="http://schemas.microsoft.com/office/drawing/2014/main" id="{486642C5-7A2E-4251-8440-806154E78C28}"/>
-              </a:ext>
-            </a:extLst>
-          </p:cNvPr>
-          <p:cNvSpPr>
-            <a:spLocks noGrp="1"/>
-          </p:cNvSpPr>
-          <p:nvPr>
-            <p:ph type="ftr" idx="11"/>
-          </p:nvPr>
-        </p:nvSpPr>
-        <p:spPr/>
-        <p:txBody>
-          <a:bodyPr/>
-          <a:lstStyle/>
-          <a:p>
-            <a:pPr>
-              <a:defRPr/>
-            </a:pPr>
-            <a:r>
-              <a:rPr lang="en-US">
-                <a:latin typeface="+mn-lt"/>
-              </a:rPr>
-              <a:t>CS 1501 – Algorithms &amp; Data Structures 2 – Sherif Khattab</a:t>
-            </a:r>
-            <a:endParaRPr lang="en-GB"/>
-          </a:p>
-        </p:txBody>
-      </p:sp>
-      <p:sp>
-        <p:nvSpPr>
-          <p:cNvPr id="5" name="Slide Number Placeholder 4">
-            <a:extLst>
-              <a:ext uri="{FF2B5EF4-FFF2-40B4-BE49-F238E27FC236}">
-                <a16:creationId xmlns:a16="http://schemas.microsoft.com/office/drawing/2014/main" id="{D366DD1B-53BA-42C7-8892-8DF9510C549B}"/>
-              </a:ext>
-            </a:extLst>
-          </p:cNvPr>
-          <p:cNvSpPr>
-            <a:spLocks noGrp="1"/>
-          </p:cNvSpPr>
-          <p:nvPr>
-            <p:ph type="sldNum" idx="12"/>
-          </p:nvPr>
-        </p:nvSpPr>
-        <p:spPr/>
-        <p:txBody>
-          <a:bodyPr/>
-          <a:lstStyle/>
-          <a:p>
-            <a:fld id="{65E435D9-63B0-4660-8D04-E83F5E2CA2AE}" type="slidenum">
-              <a:rPr lang="en-GB" altLang="en-US" smtClean="0"/>
-              <a:pPr/>
-              <a:t>8</a:t>
-            </a:fld>
-            <a:endParaRPr lang="en-GB" altLang="en-US"/>
-          </a:p>
-        </p:txBody>
-      </p:sp>
-      <p:pic>
-        <p:nvPicPr>
-          <p:cNvPr id="7" name="Picture 6">
-            <a:extLst>
-              <a:ext uri="{FF2B5EF4-FFF2-40B4-BE49-F238E27FC236}">
-                <a16:creationId xmlns:a16="http://schemas.microsoft.com/office/drawing/2014/main" id="{989CF90F-86C2-4449-8588-23F8F9FD52CE}"/>
-              </a:ext>
-            </a:extLst>
-          </p:cNvPr>
-          <p:cNvPicPr>
-            <a:picLocks noChangeAspect="1"/>
-          </p:cNvPicPr>
-          <p:nvPr/>
-        </p:nvPicPr>
-        <p:blipFill>
-          <a:blip r:embed="rId2"/>
-          <a:stretch>
-            <a:fillRect/>
-          </a:stretch>
-        </p:blipFill>
-        <p:spPr>
-          <a:xfrm>
-            <a:off x="466658" y="1332012"/>
-            <a:ext cx="8475673" cy="5651579"/>
-          </a:xfrm>
-          <a:prstGeom prst="rect">
-            <a:avLst/>
-          </a:prstGeom>
-        </p:spPr>
-      </p:pic>
-    </p:spTree>
-    <p:extLst>
-      <p:ext uri="{BB962C8B-B14F-4D97-AF65-F5344CB8AC3E}">
-        <p14:creationId xmlns:p14="http://schemas.microsoft.com/office/powerpoint/2010/main" val="532154242"/>
-      </p:ext>
-    </p:extLst>
-  </p:cSld>
-  <p:clrMapOvr>
-    <a:masterClrMapping/>
-  </p:clrMapOvr>
-</p:sld>
-</file>
-
-<file path=ppt/slides/slide9.xml><?xml version="1.0" encoding="utf-8"?>
-<p:sld xmlns:a="http://schemas.openxmlformats.org/drawingml/2006/main" xmlns:r="http://schemas.openxmlformats.org/officeDocument/2006/relationships" xmlns:p="http://schemas.openxmlformats.org/presentationml/2006/main">
-  <p:cSld>
-    <p:spTree>
-      <p:nvGrpSpPr>
-        <p:cNvPr id="1" name=""/>
-        <p:cNvGrpSpPr/>
-        <p:nvPr/>
-      </p:nvGrpSpPr>
-      <p:grpSpPr>
-        <a:xfrm>
-          <a:off x="0" y="0"/>
-          <a:ext cx="0" cy="0"/>
-          <a:chOff x="0" y="0"/>
-          <a:chExt cx="0" cy="0"/>
-        </a:xfrm>
-      </p:grpSpPr>
-      <p:sp>
-        <p:nvSpPr>
-          <p:cNvPr id="2" name="Title 1">
-            <a:extLst>
-              <a:ext uri="{FF2B5EF4-FFF2-40B4-BE49-F238E27FC236}">
-                <a16:creationId xmlns:a16="http://schemas.microsoft.com/office/drawing/2014/main" id="{9D5EF159-613A-48A2-8E13-719516ECD324}"/>
-              </a:ext>
-            </a:extLst>
-          </p:cNvPr>
-          <p:cNvSpPr>
-            <a:spLocks noGrp="1"/>
-          </p:cNvSpPr>
-          <p:nvPr>
-            <p:ph type="title"/>
-          </p:nvPr>
-        </p:nvSpPr>
-        <p:spPr/>
-        <p:txBody>
-          <a:bodyPr/>
-          <a:lstStyle/>
-          <a:p>
-            <a:r>
-              <a:rPr lang="en-US" err="1"/>
-              <a:t>BinaryNode</a:t>
-            </a:r>
-            <a:endParaRPr lang="en-US"/>
-          </a:p>
-        </p:txBody>
-      </p:sp>
-      <p:sp>
-        <p:nvSpPr>
-          <p:cNvPr id="3" name="Content Placeholder 2">
-            <a:extLst>
-              <a:ext uri="{FF2B5EF4-FFF2-40B4-BE49-F238E27FC236}">
-                <a16:creationId xmlns:a16="http://schemas.microsoft.com/office/drawing/2014/main" id="{9630B23B-EDF8-46F5-8C87-C49355EBFABD}"/>
-              </a:ext>
-            </a:extLst>
-          </p:cNvPr>
-          <p:cNvSpPr>
-            <a:spLocks noGrp="1"/>
-          </p:cNvSpPr>
-          <p:nvPr>
-            <p:ph idx="1"/>
-          </p:nvPr>
-        </p:nvSpPr>
-        <p:spPr/>
-        <p:txBody>
-          <a:bodyPr/>
-          <a:lstStyle/>
-          <a:p>
-            <a:endParaRPr lang="en-US"/>
-          </a:p>
-        </p:txBody>
-      </p:sp>
-      <p:sp>
-        <p:nvSpPr>
-          <p:cNvPr id="4" name="Footer Placeholder 3">
-            <a:extLst>
-              <a:ext uri="{FF2B5EF4-FFF2-40B4-BE49-F238E27FC236}">
-                <a16:creationId xmlns:a16="http://schemas.microsoft.com/office/drawing/2014/main" id="{FF0A7A47-C50F-4E4F-B7C7-461AED7BF871}"/>
-              </a:ext>
-            </a:extLst>
-          </p:cNvPr>
-          <p:cNvSpPr>
-            <a:spLocks noGrp="1"/>
-          </p:cNvSpPr>
-          <p:nvPr>
-            <p:ph type="ftr" idx="11"/>
-          </p:nvPr>
-        </p:nvSpPr>
-        <p:spPr/>
-        <p:txBody>
-          <a:bodyPr/>
-          <a:lstStyle/>
-          <a:p>
-            <a:pPr>
-              <a:defRPr/>
-            </a:pPr>
-            <a:r>
-              <a:rPr lang="en-US">
-                <a:latin typeface="+mn-lt"/>
-              </a:rPr>
-              <a:t>CS 1501 – Algorithms &amp; Data Structures 2 – Sherif Khattab</a:t>
-            </a:r>
-            <a:endParaRPr lang="en-GB"/>
-          </a:p>
-        </p:txBody>
-      </p:sp>
-      <p:sp>
-        <p:nvSpPr>
-          <p:cNvPr id="5" name="Slide Number Placeholder 4">
-            <a:extLst>
-              <a:ext uri="{FF2B5EF4-FFF2-40B4-BE49-F238E27FC236}">
-                <a16:creationId xmlns:a16="http://schemas.microsoft.com/office/drawing/2014/main" id="{6E334EAA-08F0-4FED-B329-BC5EB922D661}"/>
-              </a:ext>
-            </a:extLst>
-          </p:cNvPr>
-          <p:cNvSpPr>
-            <a:spLocks noGrp="1"/>
-          </p:cNvSpPr>
-          <p:nvPr>
-            <p:ph type="sldNum" idx="12"/>
-          </p:nvPr>
-        </p:nvSpPr>
-        <p:spPr/>
-        <p:txBody>
-          <a:bodyPr/>
-          <a:lstStyle/>
-          <a:p>
-            <a:fld id="{65E435D9-63B0-4660-8D04-E83F5E2CA2AE}" type="slidenum">
-              <a:rPr lang="en-GB" altLang="en-US" smtClean="0"/>
-              <a:pPr/>
-              <a:t>9</a:t>
-            </a:fld>
-            <a:endParaRPr lang="en-GB" altLang="en-US"/>
-          </a:p>
-        </p:txBody>
-      </p:sp>
-      <p:pic>
-        <p:nvPicPr>
-          <p:cNvPr id="7" name="Picture 6">
-            <a:extLst>
-              <a:ext uri="{FF2B5EF4-FFF2-40B4-BE49-F238E27FC236}">
-                <a16:creationId xmlns:a16="http://schemas.microsoft.com/office/drawing/2014/main" id="{E7C7C68C-77D1-4458-907B-0AFFC59FA628}"/>
-              </a:ext>
-            </a:extLst>
-          </p:cNvPr>
-          <p:cNvPicPr>
-            <a:picLocks noChangeAspect="1"/>
-          </p:cNvPicPr>
-          <p:nvPr/>
-        </p:nvPicPr>
-        <p:blipFill>
-          <a:blip r:embed="rId2"/>
-          <a:stretch>
-            <a:fillRect/>
-          </a:stretch>
-        </p:blipFill>
-        <p:spPr>
-          <a:xfrm>
-            <a:off x="1069911" y="1398523"/>
-            <a:ext cx="7707474" cy="5139344"/>
-          </a:xfrm>
-          <a:prstGeom prst="rect">
-            <a:avLst/>
-          </a:prstGeom>
-        </p:spPr>
-      </p:pic>
-    </p:spTree>
-    <p:extLst>
-      <p:ext uri="{BB962C8B-B14F-4D97-AF65-F5344CB8AC3E}">
-        <p14:creationId xmlns:p14="http://schemas.microsoft.com/office/powerpoint/2010/main" val="1803803003"/>
       </p:ext>
     </p:extLst>
   </p:cSld>

--- a/DraftSlides/Lecture5.pptx
+++ b/DraftSlides/Lecture5.pptx
@@ -6,20 +6,14 @@
     <p:sldMasterId id="2147483711" r:id="rId2"/>
   </p:sldMasterIdLst>
   <p:notesMasterIdLst>
-    <p:notesMasterId r:id="rId14"/>
+    <p:notesMasterId r:id="rId8"/>
   </p:notesMasterIdLst>
   <p:sldIdLst>
     <p:sldId id="405" r:id="rId3"/>
     <p:sldId id="496" r:id="rId4"/>
     <p:sldId id="498" r:id="rId5"/>
     <p:sldId id="1869" r:id="rId6"/>
-    <p:sldId id="1875" r:id="rId7"/>
-    <p:sldId id="1866" r:id="rId8"/>
-    <p:sldId id="1876" r:id="rId9"/>
-    <p:sldId id="1863" r:id="rId10"/>
-    <p:sldId id="1877" r:id="rId11"/>
-    <p:sldId id="1878" r:id="rId12"/>
-    <p:sldId id="513" r:id="rId13"/>
+    <p:sldId id="513" r:id="rId7"/>
   </p:sldIdLst>
   <p:sldSz cx="10077450" cy="7562850"/>
   <p:notesSz cx="6858000" cy="9144000"/>
@@ -152,20 +146,215 @@
 <file path=ppt/changesInfos/changesInfo1.xml><?xml version="1.0" encoding="utf-8"?>
 <pc:chgInfo xmlns:a="http://schemas.openxmlformats.org/drawingml/2006/main" xmlns:r="http://schemas.openxmlformats.org/officeDocument/2006/relationships" xmlns:ac="http://schemas.microsoft.com/office/drawing/2013/main/command" xmlns:pc="http://schemas.microsoft.com/office/powerpoint/2013/main/command">
   <pc:docChgLst>
-    <pc:chgData name="Khattab, Sherif" userId="c83b1e15-36f3-4f46-aceb-05aac24c545e" providerId="ADAL" clId="{D639D9AC-2645-5840-A06B-951E41DBCC5A}"/>
-    <pc:docChg chg="undo custSel delSld modSld">
-      <pc:chgData name="Khattab, Sherif" userId="c83b1e15-36f3-4f46-aceb-05aac24c545e" providerId="ADAL" clId="{D639D9AC-2645-5840-A06B-951E41DBCC5A}" dt="2021-02-08T04:24:08.584" v="447" actId="20577"/>
+    <pc:chgData name="Sherif Khattab" userId="c83b1e15-36f3-4f46-aceb-05aac24c545e" providerId="ADAL" clId="{2DAB129D-2F8E-4311-A3C4-D0586044F1CD}"/>
+    <pc:docChg chg="custSel addSld modSld sldOrd">
+      <pc:chgData name="Sherif Khattab" userId="c83b1e15-36f3-4f46-aceb-05aac24c545e" providerId="ADAL" clId="{2DAB129D-2F8E-4311-A3C4-D0586044F1CD}" dt="2021-02-09T00:35:03.824" v="260" actId="1076"/>
+      <pc:docMkLst>
+        <pc:docMk/>
+      </pc:docMkLst>
+      <pc:sldChg chg="addSp delSp modSp new mod ord">
+        <pc:chgData name="Sherif Khattab" userId="c83b1e15-36f3-4f46-aceb-05aac24c545e" providerId="ADAL" clId="{2DAB129D-2F8E-4311-A3C4-D0586044F1CD}" dt="2021-02-09T00:33:20.031" v="239" actId="14100"/>
+        <pc:sldMkLst>
+          <pc:docMk/>
+          <pc:sldMk cId="1022518262" sldId="1862"/>
+        </pc:sldMkLst>
+        <pc:spChg chg="mod">
+          <ac:chgData name="Sherif Khattab" userId="c83b1e15-36f3-4f46-aceb-05aac24c545e" providerId="ADAL" clId="{2DAB129D-2F8E-4311-A3C4-D0586044F1CD}" dt="2021-02-09T00:28:37.633" v="30" actId="20577"/>
+          <ac:spMkLst>
+            <pc:docMk/>
+            <pc:sldMk cId="1022518262" sldId="1862"/>
+            <ac:spMk id="2" creationId="{47C1F164-3257-4902-AB0C-27EBB3026824}"/>
+          </ac:spMkLst>
+        </pc:spChg>
+        <pc:spChg chg="del">
+          <ac:chgData name="Sherif Khattab" userId="c83b1e15-36f3-4f46-aceb-05aac24c545e" providerId="ADAL" clId="{2DAB129D-2F8E-4311-A3C4-D0586044F1CD}" dt="2021-02-09T00:28:32.065" v="27" actId="478"/>
+          <ac:spMkLst>
+            <pc:docMk/>
+            <pc:sldMk cId="1022518262" sldId="1862"/>
+            <ac:spMk id="3" creationId="{FED903DB-A1C8-4B76-B383-4B669EEA1282}"/>
+          </ac:spMkLst>
+        </pc:spChg>
+        <pc:picChg chg="add del mod">
+          <ac:chgData name="Sherif Khattab" userId="c83b1e15-36f3-4f46-aceb-05aac24c545e" providerId="ADAL" clId="{2DAB129D-2F8E-4311-A3C4-D0586044F1CD}" dt="2021-02-09T00:33:11.859" v="235" actId="478"/>
+          <ac:picMkLst>
+            <pc:docMk/>
+            <pc:sldMk cId="1022518262" sldId="1862"/>
+            <ac:picMk id="7" creationId="{3EA2ED64-E4FD-4642-9ADF-DFAE1D8D0F34}"/>
+          </ac:picMkLst>
+        </pc:picChg>
+        <pc:picChg chg="add mod">
+          <ac:chgData name="Sherif Khattab" userId="c83b1e15-36f3-4f46-aceb-05aac24c545e" providerId="ADAL" clId="{2DAB129D-2F8E-4311-A3C4-D0586044F1CD}" dt="2021-02-09T00:33:20.031" v="239" actId="14100"/>
+          <ac:picMkLst>
+            <pc:docMk/>
+            <pc:sldMk cId="1022518262" sldId="1862"/>
+            <ac:picMk id="9" creationId="{962B7712-2FE5-4588-87C0-5CF42C1D010C}"/>
+          </ac:picMkLst>
+        </pc:picChg>
+      </pc:sldChg>
+      <pc:sldChg chg="addSp modSp new mod">
+        <pc:chgData name="Sherif Khattab" userId="c83b1e15-36f3-4f46-aceb-05aac24c545e" providerId="ADAL" clId="{2DAB129D-2F8E-4311-A3C4-D0586044F1CD}" dt="2021-02-09T00:29:16.582" v="46" actId="1076"/>
+        <pc:sldMkLst>
+          <pc:docMk/>
+          <pc:sldMk cId="3261945428" sldId="1863"/>
+        </pc:sldMkLst>
+        <pc:spChg chg="mod">
+          <ac:chgData name="Sherif Khattab" userId="c83b1e15-36f3-4f46-aceb-05aac24c545e" providerId="ADAL" clId="{2DAB129D-2F8E-4311-A3C4-D0586044F1CD}" dt="2021-02-09T00:29:07.949" v="43" actId="20577"/>
+          <ac:spMkLst>
+            <pc:docMk/>
+            <pc:sldMk cId="3261945428" sldId="1863"/>
+            <ac:spMk id="2" creationId="{B85703BB-0C2C-440E-97CB-D0AAD5594168}"/>
+          </ac:spMkLst>
+        </pc:spChg>
+        <pc:picChg chg="add mod">
+          <ac:chgData name="Sherif Khattab" userId="c83b1e15-36f3-4f46-aceb-05aac24c545e" providerId="ADAL" clId="{2DAB129D-2F8E-4311-A3C4-D0586044F1CD}" dt="2021-02-09T00:29:16.582" v="46" actId="1076"/>
+          <ac:picMkLst>
+            <pc:docMk/>
+            <pc:sldMk cId="3261945428" sldId="1863"/>
+            <ac:picMk id="7" creationId="{94B8E0FC-8E9F-47F8-97F4-40484260D97A}"/>
+          </ac:picMkLst>
+        </pc:picChg>
+      </pc:sldChg>
+      <pc:sldChg chg="addSp delSp modSp new mod">
+        <pc:chgData name="Sherif Khattab" userId="c83b1e15-36f3-4f46-aceb-05aac24c545e" providerId="ADAL" clId="{2DAB129D-2F8E-4311-A3C4-D0586044F1CD}" dt="2021-02-09T00:35:03.824" v="260" actId="1076"/>
+        <pc:sldMkLst>
+          <pc:docMk/>
+          <pc:sldMk cId="1783824730" sldId="1864"/>
+        </pc:sldMkLst>
+        <pc:spChg chg="mod">
+          <ac:chgData name="Sherif Khattab" userId="c83b1e15-36f3-4f46-aceb-05aac24c545e" providerId="ADAL" clId="{2DAB129D-2F8E-4311-A3C4-D0586044F1CD}" dt="2021-02-09T00:30:19.750" v="87" actId="20577"/>
+          <ac:spMkLst>
+            <pc:docMk/>
+            <pc:sldMk cId="1783824730" sldId="1864"/>
+            <ac:spMk id="2" creationId="{A4441F81-F0D4-4E8E-86E7-D8569D627F98}"/>
+          </ac:spMkLst>
+        </pc:spChg>
+        <pc:spChg chg="mod">
+          <ac:chgData name="Sherif Khattab" userId="c83b1e15-36f3-4f46-aceb-05aac24c545e" providerId="ADAL" clId="{2DAB129D-2F8E-4311-A3C4-D0586044F1CD}" dt="2021-02-09T00:34:29.724" v="254" actId="5793"/>
+          <ac:spMkLst>
+            <pc:docMk/>
+            <pc:sldMk cId="1783824730" sldId="1864"/>
+            <ac:spMk id="3" creationId="{38B6972C-0D0C-46D2-B4AE-D234C6DD0EA5}"/>
+          </ac:spMkLst>
+        </pc:spChg>
+        <pc:picChg chg="add mod">
+          <ac:chgData name="Sherif Khattab" userId="c83b1e15-36f3-4f46-aceb-05aac24c545e" providerId="ADAL" clId="{2DAB129D-2F8E-4311-A3C4-D0586044F1CD}" dt="2021-02-09T00:34:15.141" v="251" actId="1076"/>
+          <ac:picMkLst>
+            <pc:docMk/>
+            <pc:sldMk cId="1783824730" sldId="1864"/>
+            <ac:picMk id="7" creationId="{EEBD0001-CAB0-4E99-99A4-CB2BA5B5BD9F}"/>
+          </ac:picMkLst>
+        </pc:picChg>
+        <pc:picChg chg="add del mod">
+          <ac:chgData name="Sherif Khattab" userId="c83b1e15-36f3-4f46-aceb-05aac24c545e" providerId="ADAL" clId="{2DAB129D-2F8E-4311-A3C4-D0586044F1CD}" dt="2021-02-09T00:34:55.617" v="255" actId="478"/>
+          <ac:picMkLst>
+            <pc:docMk/>
+            <pc:sldMk cId="1783824730" sldId="1864"/>
+            <ac:picMk id="9" creationId="{E041D292-66D9-4EB9-BDB8-A781BCABF8FB}"/>
+          </ac:picMkLst>
+        </pc:picChg>
+        <pc:picChg chg="add mod">
+          <ac:chgData name="Sherif Khattab" userId="c83b1e15-36f3-4f46-aceb-05aac24c545e" providerId="ADAL" clId="{2DAB129D-2F8E-4311-A3C4-D0586044F1CD}" dt="2021-02-09T00:35:03.824" v="260" actId="1076"/>
+          <ac:picMkLst>
+            <pc:docMk/>
+            <pc:sldMk cId="1783824730" sldId="1864"/>
+            <ac:picMk id="11" creationId="{89ABCD76-ABDF-4899-9CAE-1BEE867436DB}"/>
+          </ac:picMkLst>
+        </pc:picChg>
+      </pc:sldChg>
+      <pc:sldChg chg="addSp modSp new mod">
+        <pc:chgData name="Sherif Khattab" userId="c83b1e15-36f3-4f46-aceb-05aac24c545e" providerId="ADAL" clId="{2DAB129D-2F8E-4311-A3C4-D0586044F1CD}" dt="2021-02-09T00:31:29.473" v="198" actId="20577"/>
+        <pc:sldMkLst>
+          <pc:docMk/>
+          <pc:sldMk cId="523721688" sldId="1865"/>
+        </pc:sldMkLst>
+        <pc:spChg chg="mod">
+          <ac:chgData name="Sherif Khattab" userId="c83b1e15-36f3-4f46-aceb-05aac24c545e" providerId="ADAL" clId="{2DAB129D-2F8E-4311-A3C4-D0586044F1CD}" dt="2021-02-09T00:31:10.562" v="156" actId="20577"/>
+          <ac:spMkLst>
+            <pc:docMk/>
+            <pc:sldMk cId="523721688" sldId="1865"/>
+            <ac:spMk id="2" creationId="{736670F7-21F8-415D-80C1-BCDCE2F33B7E}"/>
+          </ac:spMkLst>
+        </pc:spChg>
+        <pc:spChg chg="mod">
+          <ac:chgData name="Sherif Khattab" userId="c83b1e15-36f3-4f46-aceb-05aac24c545e" providerId="ADAL" clId="{2DAB129D-2F8E-4311-A3C4-D0586044F1CD}" dt="2021-02-09T00:31:29.473" v="198" actId="20577"/>
+          <ac:spMkLst>
+            <pc:docMk/>
+            <pc:sldMk cId="523721688" sldId="1865"/>
+            <ac:spMk id="3" creationId="{CCB838CB-D4EE-4AB3-B701-A57D1107BD7D}"/>
+          </ac:spMkLst>
+        </pc:spChg>
+        <pc:picChg chg="add mod">
+          <ac:chgData name="Sherif Khattab" userId="c83b1e15-36f3-4f46-aceb-05aac24c545e" providerId="ADAL" clId="{2DAB129D-2F8E-4311-A3C4-D0586044F1CD}" dt="2021-02-09T00:31:16.752" v="159" actId="1076"/>
+          <ac:picMkLst>
+            <pc:docMk/>
+            <pc:sldMk cId="523721688" sldId="1865"/>
+            <ac:picMk id="7" creationId="{55247AE8-4A9F-4E4E-A9AE-6B18B38BE185}"/>
+          </ac:picMkLst>
+        </pc:picChg>
+      </pc:sldChg>
+      <pc:sldChg chg="addSp modSp new mod">
+        <pc:chgData name="Sherif Khattab" userId="c83b1e15-36f3-4f46-aceb-05aac24c545e" providerId="ADAL" clId="{2DAB129D-2F8E-4311-A3C4-D0586044F1CD}" dt="2021-02-09T00:32:01.205" v="212" actId="1076"/>
+        <pc:sldMkLst>
+          <pc:docMk/>
+          <pc:sldMk cId="1803803003" sldId="1866"/>
+        </pc:sldMkLst>
+        <pc:spChg chg="mod">
+          <ac:chgData name="Sherif Khattab" userId="c83b1e15-36f3-4f46-aceb-05aac24c545e" providerId="ADAL" clId="{2DAB129D-2F8E-4311-A3C4-D0586044F1CD}" dt="2021-02-09T00:31:55.244" v="209" actId="20577"/>
+          <ac:spMkLst>
+            <pc:docMk/>
+            <pc:sldMk cId="1803803003" sldId="1866"/>
+            <ac:spMk id="2" creationId="{9D5EF159-613A-48A2-8E13-719516ECD324}"/>
+          </ac:spMkLst>
+        </pc:spChg>
+        <pc:picChg chg="add mod">
+          <ac:chgData name="Sherif Khattab" userId="c83b1e15-36f3-4f46-aceb-05aac24c545e" providerId="ADAL" clId="{2DAB129D-2F8E-4311-A3C4-D0586044F1CD}" dt="2021-02-09T00:32:01.205" v="212" actId="1076"/>
+          <ac:picMkLst>
+            <pc:docMk/>
+            <pc:sldMk cId="1803803003" sldId="1866"/>
+            <ac:picMk id="7" creationId="{E7C7C68C-77D1-4458-907B-0AFFC59FA628}"/>
+          </ac:picMkLst>
+        </pc:picChg>
+      </pc:sldChg>
+      <pc:sldChg chg="addSp modSp new mod">
+        <pc:chgData name="Sherif Khattab" userId="c83b1e15-36f3-4f46-aceb-05aac24c545e" providerId="ADAL" clId="{2DAB129D-2F8E-4311-A3C4-D0586044F1CD}" dt="2021-02-09T00:32:30.633" v="234" actId="1076"/>
+        <pc:sldMkLst>
+          <pc:docMk/>
+          <pc:sldMk cId="2678322925" sldId="1867"/>
+        </pc:sldMkLst>
+        <pc:spChg chg="mod">
+          <ac:chgData name="Sherif Khattab" userId="c83b1e15-36f3-4f46-aceb-05aac24c545e" providerId="ADAL" clId="{2DAB129D-2F8E-4311-A3C4-D0586044F1CD}" dt="2021-02-09T00:32:24.825" v="231" actId="20577"/>
+          <ac:spMkLst>
+            <pc:docMk/>
+            <pc:sldMk cId="2678322925" sldId="1867"/>
+            <ac:spMk id="2" creationId="{9EA0D00B-6A03-42AC-8115-1DE4BCAE4DFA}"/>
+          </ac:spMkLst>
+        </pc:spChg>
+        <pc:picChg chg="add mod">
+          <ac:chgData name="Sherif Khattab" userId="c83b1e15-36f3-4f46-aceb-05aac24c545e" providerId="ADAL" clId="{2DAB129D-2F8E-4311-A3C4-D0586044F1CD}" dt="2021-02-09T00:32:30.633" v="234" actId="1076"/>
+          <ac:picMkLst>
+            <pc:docMk/>
+            <pc:sldMk cId="2678322925" sldId="1867"/>
+            <ac:picMk id="7" creationId="{4C5246CB-983F-454C-B528-1724F990B42B}"/>
+          </ac:picMkLst>
+        </pc:picChg>
+      </pc:sldChg>
+    </pc:docChg>
+  </pc:docChgLst>
+  <pc:docChgLst>
+    <pc:chgData name="Khattab, Sherif" userId="c83b1e15-36f3-4f46-aceb-05aac24c545e" providerId="ADAL" clId="{49366C86-6EFE-464C-B6B0-D941AB16FD34}"/>
+    <pc:docChg chg="modSld">
+      <pc:chgData name="Khattab, Sherif" userId="c83b1e15-36f3-4f46-aceb-05aac24c545e" providerId="ADAL" clId="{49366C86-6EFE-464C-B6B0-D941AB16FD34}" dt="2021-01-29T15:46:30.108" v="13" actId="20577"/>
       <pc:docMkLst>
         <pc:docMk/>
       </pc:docMkLst>
       <pc:sldChg chg="modSp mod">
-        <pc:chgData name="Khattab, Sherif" userId="c83b1e15-36f3-4f46-aceb-05aac24c545e" providerId="ADAL" clId="{D639D9AC-2645-5840-A06B-951E41DBCC5A}" dt="2021-02-08T04:08:57.997" v="205" actId="20577"/>
+        <pc:chgData name="Khattab, Sherif" userId="c83b1e15-36f3-4f46-aceb-05aac24c545e" providerId="ADAL" clId="{49366C86-6EFE-464C-B6B0-D941AB16FD34}" dt="2021-01-29T15:46:30.108" v="13" actId="20577"/>
         <pc:sldMkLst>
           <pc:docMk/>
           <pc:sldMk cId="1068465410" sldId="496"/>
         </pc:sldMkLst>
         <pc:spChg chg="mod">
-          <ac:chgData name="Khattab, Sherif" userId="c83b1e15-36f3-4f46-aceb-05aac24c545e" providerId="ADAL" clId="{D639D9AC-2645-5840-A06B-951E41DBCC5A}" dt="2021-02-08T04:08:57.997" v="205" actId="20577"/>
+          <ac:chgData name="Khattab, Sherif" userId="c83b1e15-36f3-4f46-aceb-05aac24c545e" providerId="ADAL" clId="{49366C86-6EFE-464C-B6B0-D941AB16FD34}" dt="2021-01-29T15:46:30.108" v="13" actId="20577"/>
           <ac:spMkLst>
             <pc:docMk/>
             <pc:sldMk cId="1068465410" sldId="496"/>
@@ -173,14 +362,288 @@
           </ac:spMkLst>
         </pc:spChg>
       </pc:sldChg>
-      <pc:sldChg chg="modSp">
-        <pc:chgData name="Khattab, Sherif" userId="c83b1e15-36f3-4f46-aceb-05aac24c545e" providerId="ADAL" clId="{D639D9AC-2645-5840-A06B-951E41DBCC5A}" dt="2021-02-08T04:09:27.212" v="207"/>
+    </pc:docChg>
+  </pc:docChgLst>
+  <pc:docChgLst>
+    <pc:chgData name="Khattab, Sherif" userId="c83b1e15-36f3-4f46-aceb-05aac24c545e" providerId="ADAL" clId="{E67F4250-9C3E-D640-A95D-DA79C2837899}"/>
+    <pc:docChg chg="delSld">
+      <pc:chgData name="Khattab, Sherif" userId="c83b1e15-36f3-4f46-aceb-05aac24c545e" providerId="ADAL" clId="{E67F4250-9C3E-D640-A95D-DA79C2837899}" dt="2022-01-24T19:06:24.181" v="0" actId="2696"/>
+      <pc:docMkLst>
+        <pc:docMk/>
+      </pc:docMkLst>
+      <pc:sldChg chg="del">
+        <pc:chgData name="Khattab, Sherif" userId="c83b1e15-36f3-4f46-aceb-05aac24c545e" providerId="ADAL" clId="{E67F4250-9C3E-D640-A95D-DA79C2837899}" dt="2022-01-24T19:06:24.181" v="0" actId="2696"/>
+        <pc:sldMkLst>
+          <pc:docMk/>
+          <pc:sldMk cId="1662342598" sldId="1870"/>
+        </pc:sldMkLst>
+      </pc:sldChg>
+      <pc:sldChg chg="del">
+        <pc:chgData name="Khattab, Sherif" userId="c83b1e15-36f3-4f46-aceb-05aac24c545e" providerId="ADAL" clId="{E67F4250-9C3E-D640-A95D-DA79C2837899}" dt="2022-01-24T19:06:24.181" v="0" actId="2696"/>
+        <pc:sldMkLst>
+          <pc:docMk/>
+          <pc:sldMk cId="551485046" sldId="1873"/>
+        </pc:sldMkLst>
+      </pc:sldChg>
+      <pc:sldChg chg="del">
+        <pc:chgData name="Khattab, Sherif" userId="c83b1e15-36f3-4f46-aceb-05aac24c545e" providerId="ADAL" clId="{E67F4250-9C3E-D640-A95D-DA79C2837899}" dt="2022-01-24T19:06:24.181" v="0" actId="2696"/>
+        <pc:sldMkLst>
+          <pc:docMk/>
+          <pc:sldMk cId="868200480" sldId="1874"/>
+        </pc:sldMkLst>
+      </pc:sldChg>
+    </pc:docChg>
+  </pc:docChgLst>
+  <pc:docChgLst>
+    <pc:chgData name="Khattab, Sherif" userId="c83b1e15-36f3-4f46-aceb-05aac24c545e" providerId="ADAL" clId="{FB7609DE-4E49-B943-8CC1-A94C3EC91022}"/>
+    <pc:docChg chg="undo custSel addSld delSld modSld">
+      <pc:chgData name="Khattab, Sherif" userId="c83b1e15-36f3-4f46-aceb-05aac24c545e" providerId="ADAL" clId="{FB7609DE-4E49-B943-8CC1-A94C3EC91022}" dt="2021-01-27T20:12:41.246" v="980"/>
+      <pc:docMkLst>
+        <pc:docMk/>
+      </pc:docMkLst>
+      <pc:sldChg chg="del">
+        <pc:chgData name="Khattab, Sherif" userId="c83b1e15-36f3-4f46-aceb-05aac24c545e" providerId="ADAL" clId="{FB7609DE-4E49-B943-8CC1-A94C3EC91022}" dt="2021-01-27T13:56:14.317" v="377" actId="2696"/>
+        <pc:sldMkLst>
+          <pc:docMk/>
+          <pc:sldMk cId="1152327425" sldId="257"/>
+        </pc:sldMkLst>
+      </pc:sldChg>
+      <pc:sldChg chg="del">
+        <pc:chgData name="Khattab, Sherif" userId="c83b1e15-36f3-4f46-aceb-05aac24c545e" providerId="ADAL" clId="{FB7609DE-4E49-B943-8CC1-A94C3EC91022}" dt="2021-01-27T13:56:14.317" v="377" actId="2696"/>
+        <pc:sldMkLst>
+          <pc:docMk/>
+          <pc:sldMk cId="2472493573" sldId="258"/>
+        </pc:sldMkLst>
+      </pc:sldChg>
+      <pc:sldChg chg="modSp del mod">
+        <pc:chgData name="Khattab, Sherif" userId="c83b1e15-36f3-4f46-aceb-05aac24c545e" providerId="ADAL" clId="{FB7609DE-4E49-B943-8CC1-A94C3EC91022}" dt="2021-01-27T13:56:14.317" v="377" actId="2696"/>
+        <pc:sldMkLst>
+          <pc:docMk/>
+          <pc:sldMk cId="1382941772" sldId="260"/>
+        </pc:sldMkLst>
+        <pc:spChg chg="mod">
+          <ac:chgData name="Khattab, Sherif" userId="c83b1e15-36f3-4f46-aceb-05aac24c545e" providerId="ADAL" clId="{FB7609DE-4E49-B943-8CC1-A94C3EC91022}" dt="2021-01-27T13:54:03.796" v="185" actId="27636"/>
+          <ac:spMkLst>
+            <pc:docMk/>
+            <pc:sldMk cId="1382941772" sldId="260"/>
+            <ac:spMk id="165" creationId="{00000000-0000-0000-0000-000000000000}"/>
+          </ac:spMkLst>
+        </pc:spChg>
+      </pc:sldChg>
+      <pc:sldChg chg="del">
+        <pc:chgData name="Khattab, Sherif" userId="c83b1e15-36f3-4f46-aceb-05aac24c545e" providerId="ADAL" clId="{FB7609DE-4E49-B943-8CC1-A94C3EC91022}" dt="2021-01-27T13:56:14.317" v="377" actId="2696"/>
+        <pc:sldMkLst>
+          <pc:docMk/>
+          <pc:sldMk cId="3392764763" sldId="274"/>
+        </pc:sldMkLst>
+      </pc:sldChg>
+      <pc:sldChg chg="modSp del mod">
+        <pc:chgData name="Khattab, Sherif" userId="c83b1e15-36f3-4f46-aceb-05aac24c545e" providerId="ADAL" clId="{FB7609DE-4E49-B943-8CC1-A94C3EC91022}" dt="2021-01-27T13:56:14.317" v="377" actId="2696"/>
+        <pc:sldMkLst>
+          <pc:docMk/>
+          <pc:sldMk cId="445949216" sldId="281"/>
+        </pc:sldMkLst>
+        <pc:spChg chg="mod">
+          <ac:chgData name="Khattab, Sherif" userId="c83b1e15-36f3-4f46-aceb-05aac24c545e" providerId="ADAL" clId="{FB7609DE-4E49-B943-8CC1-A94C3EC91022}" dt="2021-01-27T13:54:03.697" v="184" actId="27636"/>
+          <ac:spMkLst>
+            <pc:docMk/>
+            <pc:sldMk cId="445949216" sldId="281"/>
+            <ac:spMk id="263" creationId="{00000000-0000-0000-0000-000000000000}"/>
+          </ac:spMkLst>
+        </pc:spChg>
+      </pc:sldChg>
+      <pc:sldChg chg="add del">
+        <pc:chgData name="Khattab, Sherif" userId="c83b1e15-36f3-4f46-aceb-05aac24c545e" providerId="ADAL" clId="{FB7609DE-4E49-B943-8CC1-A94C3EC91022}" dt="2021-01-27T14:09:07.490" v="857"/>
+        <pc:sldMkLst>
+          <pc:docMk/>
+          <pc:sldMk cId="1315177585" sldId="281"/>
+        </pc:sldMkLst>
+      </pc:sldChg>
+      <pc:sldChg chg="modSp add mod">
+        <pc:chgData name="Khattab, Sherif" userId="c83b1e15-36f3-4f46-aceb-05aac24c545e" providerId="ADAL" clId="{FB7609DE-4E49-B943-8CC1-A94C3EC91022}" dt="2021-01-27T14:09:17.824" v="864" actId="20577"/>
+        <pc:sldMkLst>
+          <pc:docMk/>
+          <pc:sldMk cId="2805000757" sldId="281"/>
+        </pc:sldMkLst>
+        <pc:spChg chg="mod">
+          <ac:chgData name="Khattab, Sherif" userId="c83b1e15-36f3-4f46-aceb-05aac24c545e" providerId="ADAL" clId="{FB7609DE-4E49-B943-8CC1-A94C3EC91022}" dt="2021-01-27T14:09:17.824" v="864" actId="20577"/>
+          <ac:spMkLst>
+            <pc:docMk/>
+            <pc:sldMk cId="2805000757" sldId="281"/>
+            <ac:spMk id="460" creationId="{00000000-0000-0000-0000-000000000000}"/>
+          </ac:spMkLst>
+        </pc:spChg>
+      </pc:sldChg>
+      <pc:sldChg chg="modSp add mod">
+        <pc:chgData name="Khattab, Sherif" userId="c83b1e15-36f3-4f46-aceb-05aac24c545e" providerId="ADAL" clId="{FB7609DE-4E49-B943-8CC1-A94C3EC91022}" dt="2021-01-27T14:09:22.594" v="867" actId="20577"/>
+        <pc:sldMkLst>
+          <pc:docMk/>
+          <pc:sldMk cId="644336610" sldId="282"/>
+        </pc:sldMkLst>
+        <pc:spChg chg="mod">
+          <ac:chgData name="Khattab, Sherif" userId="c83b1e15-36f3-4f46-aceb-05aac24c545e" providerId="ADAL" clId="{FB7609DE-4E49-B943-8CC1-A94C3EC91022}" dt="2021-01-27T14:09:22.594" v="867" actId="20577"/>
+          <ac:spMkLst>
+            <pc:docMk/>
+            <pc:sldMk cId="644336610" sldId="282"/>
+            <ac:spMk id="467" creationId="{00000000-0000-0000-0000-000000000000}"/>
+          </ac:spMkLst>
+        </pc:spChg>
+      </pc:sldChg>
+      <pc:sldChg chg="add del">
+        <pc:chgData name="Khattab, Sherif" userId="c83b1e15-36f3-4f46-aceb-05aac24c545e" providerId="ADAL" clId="{FB7609DE-4E49-B943-8CC1-A94C3EC91022}" dt="2021-01-27T14:09:07.490" v="857"/>
+        <pc:sldMkLst>
+          <pc:docMk/>
+          <pc:sldMk cId="2784934943" sldId="282"/>
+        </pc:sldMkLst>
+      </pc:sldChg>
+      <pc:sldChg chg="add del">
+        <pc:chgData name="Khattab, Sherif" userId="c83b1e15-36f3-4f46-aceb-05aac24c545e" providerId="ADAL" clId="{FB7609DE-4E49-B943-8CC1-A94C3EC91022}" dt="2021-01-27T14:09:07.490" v="857"/>
+        <pc:sldMkLst>
+          <pc:docMk/>
+          <pc:sldMk cId="3013231227" sldId="283"/>
+        </pc:sldMkLst>
+      </pc:sldChg>
+      <pc:sldChg chg="modSp add mod">
+        <pc:chgData name="Khattab, Sherif" userId="c83b1e15-36f3-4f46-aceb-05aac24c545e" providerId="ADAL" clId="{FB7609DE-4E49-B943-8CC1-A94C3EC91022}" dt="2021-01-27T14:09:29.143" v="874" actId="20577"/>
+        <pc:sldMkLst>
+          <pc:docMk/>
+          <pc:sldMk cId="3275560456" sldId="283"/>
+        </pc:sldMkLst>
+        <pc:spChg chg="mod">
+          <ac:chgData name="Khattab, Sherif" userId="c83b1e15-36f3-4f46-aceb-05aac24c545e" providerId="ADAL" clId="{FB7609DE-4E49-B943-8CC1-A94C3EC91022}" dt="2021-01-27T14:09:29.143" v="874" actId="20577"/>
+          <ac:spMkLst>
+            <pc:docMk/>
+            <pc:sldMk cId="3275560456" sldId="283"/>
+            <ac:spMk id="474" creationId="{00000000-0000-0000-0000-000000000000}"/>
+          </ac:spMkLst>
+        </pc:spChg>
+      </pc:sldChg>
+      <pc:sldChg chg="del">
+        <pc:chgData name="Khattab, Sherif" userId="c83b1e15-36f3-4f46-aceb-05aac24c545e" providerId="ADAL" clId="{FB7609DE-4E49-B943-8CC1-A94C3EC91022}" dt="2021-01-27T13:56:14.317" v="377" actId="2696"/>
+        <pc:sldMkLst>
+          <pc:docMk/>
+          <pc:sldMk cId="2865696446" sldId="285"/>
+        </pc:sldMkLst>
+      </pc:sldChg>
+      <pc:sldChg chg="del">
+        <pc:chgData name="Khattab, Sherif" userId="c83b1e15-36f3-4f46-aceb-05aac24c545e" providerId="ADAL" clId="{FB7609DE-4E49-B943-8CC1-A94C3EC91022}" dt="2021-01-27T13:56:14.317" v="377" actId="2696"/>
+        <pc:sldMkLst>
+          <pc:docMk/>
+          <pc:sldMk cId="214968552" sldId="287"/>
+        </pc:sldMkLst>
+      </pc:sldChg>
+      <pc:sldChg chg="del">
+        <pc:chgData name="Khattab, Sherif" userId="c83b1e15-36f3-4f46-aceb-05aac24c545e" providerId="ADAL" clId="{FB7609DE-4E49-B943-8CC1-A94C3EC91022}" dt="2021-01-27T13:56:14.317" v="377" actId="2696"/>
+        <pc:sldMkLst>
+          <pc:docMk/>
+          <pc:sldMk cId="1092592367" sldId="391"/>
+        </pc:sldMkLst>
+      </pc:sldChg>
+      <pc:sldChg chg="add">
+        <pc:chgData name="Khattab, Sherif" userId="c83b1e15-36f3-4f46-aceb-05aac24c545e" providerId="ADAL" clId="{FB7609DE-4E49-B943-8CC1-A94C3EC91022}" dt="2021-01-27T14:05:33.759" v="837"/>
+        <pc:sldMkLst>
+          <pc:docMk/>
+          <pc:sldMk cId="1273787362" sldId="392"/>
+        </pc:sldMkLst>
+      </pc:sldChg>
+      <pc:sldChg chg="del">
+        <pc:chgData name="Khattab, Sherif" userId="c83b1e15-36f3-4f46-aceb-05aac24c545e" providerId="ADAL" clId="{FB7609DE-4E49-B943-8CC1-A94C3EC91022}" dt="2021-01-27T13:56:14.317" v="377" actId="2696"/>
+        <pc:sldMkLst>
+          <pc:docMk/>
+          <pc:sldMk cId="4280497035" sldId="392"/>
+        </pc:sldMkLst>
+      </pc:sldChg>
+      <pc:sldChg chg="modSp mod">
+        <pc:chgData name="Khattab, Sherif" userId="c83b1e15-36f3-4f46-aceb-05aac24c545e" providerId="ADAL" clId="{FB7609DE-4E49-B943-8CC1-A94C3EC91022}" dt="2021-01-27T13:54:03.989" v="186" actId="27636"/>
+        <pc:sldMkLst>
+          <pc:docMk/>
+          <pc:sldMk cId="811987457" sldId="394"/>
+        </pc:sldMkLst>
+        <pc:spChg chg="mod">
+          <ac:chgData name="Khattab, Sherif" userId="c83b1e15-36f3-4f46-aceb-05aac24c545e" providerId="ADAL" clId="{FB7609DE-4E49-B943-8CC1-A94C3EC91022}" dt="2021-01-27T13:54:03.989" v="186" actId="27636"/>
+          <ac:spMkLst>
+            <pc:docMk/>
+            <pc:sldMk cId="811987457" sldId="394"/>
+            <ac:spMk id="263" creationId="{00000000-0000-0000-0000-000000000000}"/>
+          </ac:spMkLst>
+        </pc:spChg>
+      </pc:sldChg>
+      <pc:sldChg chg="modSp mod modAnim">
+        <pc:chgData name="Khattab, Sherif" userId="c83b1e15-36f3-4f46-aceb-05aac24c545e" providerId="ADAL" clId="{FB7609DE-4E49-B943-8CC1-A94C3EC91022}" dt="2021-01-27T20:12:41.246" v="980"/>
+        <pc:sldMkLst>
+          <pc:docMk/>
+          <pc:sldMk cId="3756086896" sldId="402"/>
+        </pc:sldMkLst>
+        <pc:spChg chg="mod">
+          <ac:chgData name="Khattab, Sherif" userId="c83b1e15-36f3-4f46-aceb-05aac24c545e" providerId="ADAL" clId="{FB7609DE-4E49-B943-8CC1-A94C3EC91022}" dt="2021-01-27T20:12:06.756" v="976" actId="14100"/>
+          <ac:spMkLst>
+            <pc:docMk/>
+            <pc:sldMk cId="3756086896" sldId="402"/>
+            <ac:spMk id="2" creationId="{2701C75F-4DC8-2144-BA02-D9E72D4D689E}"/>
+          </ac:spMkLst>
+        </pc:spChg>
+        <pc:picChg chg="mod">
+          <ac:chgData name="Khattab, Sherif" userId="c83b1e15-36f3-4f46-aceb-05aac24c545e" providerId="ADAL" clId="{FB7609DE-4E49-B943-8CC1-A94C3EC91022}" dt="2021-01-27T20:12:17.725" v="978" actId="1076"/>
+          <ac:picMkLst>
+            <pc:docMk/>
+            <pc:sldMk cId="3756086896" sldId="402"/>
+            <ac:picMk id="8" creationId="{789DE477-7E78-B64D-B4B9-045378CD8882}"/>
+          </ac:picMkLst>
+        </pc:picChg>
+      </pc:sldChg>
+      <pc:sldChg chg="modSp mod">
+        <pc:chgData name="Khattab, Sherif" userId="c83b1e15-36f3-4f46-aceb-05aac24c545e" providerId="ADAL" clId="{FB7609DE-4E49-B943-8CC1-A94C3EC91022}" dt="2021-01-27T13:54:04.173" v="187" actId="27636"/>
+        <pc:sldMkLst>
+          <pc:docMk/>
+          <pc:sldMk cId="1876792183" sldId="403"/>
+        </pc:sldMkLst>
+        <pc:spChg chg="mod">
+          <ac:chgData name="Khattab, Sherif" userId="c83b1e15-36f3-4f46-aceb-05aac24c545e" providerId="ADAL" clId="{FB7609DE-4E49-B943-8CC1-A94C3EC91022}" dt="2021-01-27T13:54:04.173" v="187" actId="27636"/>
+          <ac:spMkLst>
+            <pc:docMk/>
+            <pc:sldMk cId="1876792183" sldId="403"/>
+            <ac:spMk id="421" creationId="{00000000-0000-0000-0000-000000000000}"/>
+          </ac:spMkLst>
+        </pc:spChg>
+      </pc:sldChg>
+      <pc:sldChg chg="delSp modSp mod">
+        <pc:chgData name="Khattab, Sherif" userId="c83b1e15-36f3-4f46-aceb-05aac24c545e" providerId="ADAL" clId="{FB7609DE-4E49-B943-8CC1-A94C3EC91022}" dt="2021-01-27T13:53:37.035" v="111" actId="478"/>
+        <pc:sldMkLst>
+          <pc:docMk/>
+          <pc:sldMk cId="1894775455" sldId="405"/>
+        </pc:sldMkLst>
+        <pc:spChg chg="del mod">
+          <ac:chgData name="Khattab, Sherif" userId="c83b1e15-36f3-4f46-aceb-05aac24c545e" providerId="ADAL" clId="{FB7609DE-4E49-B943-8CC1-A94C3EC91022}" dt="2021-01-27T13:53:37.035" v="111" actId="478"/>
+          <ac:spMkLst>
+            <pc:docMk/>
+            <pc:sldMk cId="1894775455" sldId="405"/>
+            <ac:spMk id="5" creationId="{16306A4B-84B5-E84E-B29D-41318FA00D6C}"/>
+          </ac:spMkLst>
+        </pc:spChg>
+      </pc:sldChg>
+      <pc:sldChg chg="modSp mod">
+        <pc:chgData name="Khattab, Sherif" userId="c83b1e15-36f3-4f46-aceb-05aac24c545e" providerId="ADAL" clId="{FB7609DE-4E49-B943-8CC1-A94C3EC91022}" dt="2021-01-27T14:04:12.076" v="827" actId="20577"/>
+        <pc:sldMkLst>
+          <pc:docMk/>
+          <pc:sldMk cId="1068465410" sldId="496"/>
+        </pc:sldMkLst>
+        <pc:spChg chg="mod">
+          <ac:chgData name="Khattab, Sherif" userId="c83b1e15-36f3-4f46-aceb-05aac24c545e" providerId="ADAL" clId="{FB7609DE-4E49-B943-8CC1-A94C3EC91022}" dt="2021-01-27T14:04:12.076" v="827" actId="20577"/>
+          <ac:spMkLst>
+            <pc:docMk/>
+            <pc:sldMk cId="1068465410" sldId="496"/>
+            <ac:spMk id="3" creationId="{2466C52D-9A48-4683-BE7F-268D8DB7FAAD}"/>
+          </ac:spMkLst>
+        </pc:spChg>
+      </pc:sldChg>
+      <pc:sldChg chg="modSp mod">
+        <pc:chgData name="Khattab, Sherif" userId="c83b1e15-36f3-4f46-aceb-05aac24c545e" providerId="ADAL" clId="{FB7609DE-4E49-B943-8CC1-A94C3EC91022}" dt="2021-01-27T13:55:41.322" v="376" actId="20577"/>
         <pc:sldMkLst>
           <pc:docMk/>
           <pc:sldMk cId="2374057061" sldId="498"/>
         </pc:sldMkLst>
         <pc:spChg chg="mod">
-          <ac:chgData name="Khattab, Sherif" userId="c83b1e15-36f3-4f46-aceb-05aac24c545e" providerId="ADAL" clId="{D639D9AC-2645-5840-A06B-951E41DBCC5A}" dt="2021-02-08T04:09:27.212" v="207"/>
+          <ac:chgData name="Khattab, Sherif" userId="c83b1e15-36f3-4f46-aceb-05aac24c545e" providerId="ADAL" clId="{FB7609DE-4E49-B943-8CC1-A94C3EC91022}" dt="2021-01-27T13:55:41.322" v="376" actId="20577"/>
           <ac:spMkLst>
             <pc:docMk/>
             <pc:sldMk cId="2374057061" sldId="498"/>
@@ -189,13 +652,13 @@
         </pc:spChg>
       </pc:sldChg>
       <pc:sldChg chg="modSp mod">
-        <pc:chgData name="Khattab, Sherif" userId="c83b1e15-36f3-4f46-aceb-05aac24c545e" providerId="ADAL" clId="{D639D9AC-2645-5840-A06B-951E41DBCC5A}" dt="2021-02-08T04:23:35.246" v="406" actId="20577"/>
+        <pc:chgData name="Khattab, Sherif" userId="c83b1e15-36f3-4f46-aceb-05aac24c545e" providerId="ADAL" clId="{FB7609DE-4E49-B943-8CC1-A94C3EC91022}" dt="2021-01-27T14:11:15.598" v="969" actId="6549"/>
         <pc:sldMkLst>
           <pc:docMk/>
           <pc:sldMk cId="2823856332" sldId="499"/>
         </pc:sldMkLst>
         <pc:spChg chg="mod">
-          <ac:chgData name="Khattab, Sherif" userId="c83b1e15-36f3-4f46-aceb-05aac24c545e" providerId="ADAL" clId="{D639D9AC-2645-5840-A06B-951E41DBCC5A}" dt="2021-02-08T04:23:35.246" v="406" actId="20577"/>
+          <ac:chgData name="Khattab, Sherif" userId="c83b1e15-36f3-4f46-aceb-05aac24c545e" providerId="ADAL" clId="{FB7609DE-4E49-B943-8CC1-A94C3EC91022}" dt="2021-01-27T14:11:15.598" v="969" actId="6549"/>
           <ac:spMkLst>
             <pc:docMk/>
             <pc:sldMk cId="2823856332" sldId="499"/>
@@ -203,14 +666,139 @@
           </ac:spMkLst>
         </pc:spChg>
       </pc:sldChg>
-      <pc:sldChg chg="modSp mod">
-        <pc:chgData name="Khattab, Sherif" userId="c83b1e15-36f3-4f46-aceb-05aac24c545e" providerId="ADAL" clId="{D639D9AC-2645-5840-A06B-951E41DBCC5A}" dt="2021-02-08T04:24:08.584" v="447" actId="20577"/>
+      <pc:sldChg chg="del">
+        <pc:chgData name="Khattab, Sherif" userId="c83b1e15-36f3-4f46-aceb-05aac24c545e" providerId="ADAL" clId="{FB7609DE-4E49-B943-8CC1-A94C3EC91022}" dt="2021-01-27T13:56:14.317" v="377" actId="2696"/>
+        <pc:sldMkLst>
+          <pc:docMk/>
+          <pc:sldMk cId="58097193" sldId="500"/>
+        </pc:sldMkLst>
+      </pc:sldChg>
+      <pc:sldChg chg="del">
+        <pc:chgData name="Khattab, Sherif" userId="c83b1e15-36f3-4f46-aceb-05aac24c545e" providerId="ADAL" clId="{FB7609DE-4E49-B943-8CC1-A94C3EC91022}" dt="2021-01-27T13:56:14.317" v="377" actId="2696"/>
+        <pc:sldMkLst>
+          <pc:docMk/>
+          <pc:sldMk cId="1226087183" sldId="501"/>
+        </pc:sldMkLst>
+      </pc:sldChg>
+      <pc:sldChg chg="del">
+        <pc:chgData name="Khattab, Sherif" userId="c83b1e15-36f3-4f46-aceb-05aac24c545e" providerId="ADAL" clId="{FB7609DE-4E49-B943-8CC1-A94C3EC91022}" dt="2021-01-27T13:56:14.317" v="377" actId="2696"/>
+        <pc:sldMkLst>
+          <pc:docMk/>
+          <pc:sldMk cId="1196699890" sldId="502"/>
+        </pc:sldMkLst>
+      </pc:sldChg>
+      <pc:sldChg chg="modSp new mod">
+        <pc:chgData name="Khattab, Sherif" userId="c83b1e15-36f3-4f46-aceb-05aac24c545e" providerId="ADAL" clId="{FB7609DE-4E49-B943-8CC1-A94C3EC91022}" dt="2021-01-27T13:56:32.763" v="390" actId="20577"/>
+        <pc:sldMkLst>
+          <pc:docMk/>
+          <pc:sldMk cId="1128397823" sldId="504"/>
+        </pc:sldMkLst>
+        <pc:spChg chg="mod">
+          <ac:chgData name="Khattab, Sherif" userId="c83b1e15-36f3-4f46-aceb-05aac24c545e" providerId="ADAL" clId="{FB7609DE-4E49-B943-8CC1-A94C3EC91022}" dt="2021-01-27T13:56:32.763" v="390" actId="20577"/>
+          <ac:spMkLst>
+            <pc:docMk/>
+            <pc:sldMk cId="1128397823" sldId="504"/>
+            <ac:spMk id="2" creationId="{F3177E1A-980D-FE4C-9AD4-B7D0A5ECA2A9}"/>
+          </ac:spMkLst>
+        </pc:spChg>
+      </pc:sldChg>
+      <pc:sldChg chg="modSp new mod">
+        <pc:chgData name="Khattab, Sherif" userId="c83b1e15-36f3-4f46-aceb-05aac24c545e" providerId="ADAL" clId="{FB7609DE-4E49-B943-8CC1-A94C3EC91022}" dt="2021-01-27T13:56:42.853" v="403" actId="20577"/>
+        <pc:sldMkLst>
+          <pc:docMk/>
+          <pc:sldMk cId="729670177" sldId="505"/>
+        </pc:sldMkLst>
+        <pc:spChg chg="mod">
+          <ac:chgData name="Khattab, Sherif" userId="c83b1e15-36f3-4f46-aceb-05aac24c545e" providerId="ADAL" clId="{FB7609DE-4E49-B943-8CC1-A94C3EC91022}" dt="2021-01-27T13:56:42.853" v="403" actId="20577"/>
+          <ac:spMkLst>
+            <pc:docMk/>
+            <pc:sldMk cId="729670177" sldId="505"/>
+            <ac:spMk id="2" creationId="{4BE0AA09-81BB-B44F-B753-EDAACC6AD9AC}"/>
+          </ac:spMkLst>
+        </pc:spChg>
+      </pc:sldChg>
+      <pc:sldChg chg="modSp new mod">
+        <pc:chgData name="Khattab, Sherif" userId="c83b1e15-36f3-4f46-aceb-05aac24c545e" providerId="ADAL" clId="{FB7609DE-4E49-B943-8CC1-A94C3EC91022}" dt="2021-01-27T13:58:28.393" v="659" actId="20577"/>
+        <pc:sldMkLst>
+          <pc:docMk/>
+          <pc:sldMk cId="700442057" sldId="506"/>
+        </pc:sldMkLst>
+        <pc:spChg chg="mod">
+          <ac:chgData name="Khattab, Sherif" userId="c83b1e15-36f3-4f46-aceb-05aac24c545e" providerId="ADAL" clId="{FB7609DE-4E49-B943-8CC1-A94C3EC91022}" dt="2021-01-27T13:57:10.490" v="430" actId="5793"/>
+          <ac:spMkLst>
+            <pc:docMk/>
+            <pc:sldMk cId="700442057" sldId="506"/>
+            <ac:spMk id="2" creationId="{09964AE1-DBFC-2848-B191-FE3ED1AFB0DB}"/>
+          </ac:spMkLst>
+        </pc:spChg>
+        <pc:spChg chg="mod">
+          <ac:chgData name="Khattab, Sherif" userId="c83b1e15-36f3-4f46-aceb-05aac24c545e" providerId="ADAL" clId="{FB7609DE-4E49-B943-8CC1-A94C3EC91022}" dt="2021-01-27T13:58:28.393" v="659" actId="20577"/>
+          <ac:spMkLst>
+            <pc:docMk/>
+            <pc:sldMk cId="700442057" sldId="506"/>
+            <ac:spMk id="3" creationId="{BDC81B29-68EF-D34F-B9F6-D9EC25476DFF}"/>
+          </ac:spMkLst>
+        </pc:spChg>
+      </pc:sldChg>
+      <pc:sldChg chg="modSp new mod">
+        <pc:chgData name="Khattab, Sherif" userId="c83b1e15-36f3-4f46-aceb-05aac24c545e" providerId="ADAL" clId="{FB7609DE-4E49-B943-8CC1-A94C3EC91022}" dt="2021-01-27T14:05:53.018" v="854" actId="20577"/>
+        <pc:sldMkLst>
+          <pc:docMk/>
+          <pc:sldMk cId="1569011807" sldId="507"/>
+        </pc:sldMkLst>
+        <pc:spChg chg="mod">
+          <ac:chgData name="Khattab, Sherif" userId="c83b1e15-36f3-4f46-aceb-05aac24c545e" providerId="ADAL" clId="{FB7609DE-4E49-B943-8CC1-A94C3EC91022}" dt="2021-01-27T14:05:53.018" v="854" actId="20577"/>
+          <ac:spMkLst>
+            <pc:docMk/>
+            <pc:sldMk cId="1569011807" sldId="507"/>
+            <ac:spMk id="2" creationId="{AA9BE831-E41C-204F-984D-A478257E1ABD}"/>
+          </ac:spMkLst>
+        </pc:spChg>
+      </pc:sldChg>
+      <pc:sldChg chg="add">
+        <pc:chgData name="Khattab, Sherif" userId="c83b1e15-36f3-4f46-aceb-05aac24c545e" providerId="ADAL" clId="{FB7609DE-4E49-B943-8CC1-A94C3EC91022}" dt="2021-01-27T14:07:02.063" v="855"/>
+        <pc:sldMkLst>
+          <pc:docMk/>
+          <pc:sldMk cId="2496682011" sldId="1747"/>
+        </pc:sldMkLst>
+      </pc:sldChg>
+      <pc:sldChg chg="add">
+        <pc:chgData name="Khattab, Sherif" userId="c83b1e15-36f3-4f46-aceb-05aac24c545e" providerId="ADAL" clId="{FB7609DE-4E49-B943-8CC1-A94C3EC91022}" dt="2021-01-27T14:07:02.063" v="855"/>
+        <pc:sldMkLst>
+          <pc:docMk/>
+          <pc:sldMk cId="1456819960" sldId="1749"/>
+        </pc:sldMkLst>
+      </pc:sldChg>
+      <pc:sldChg chg="add">
+        <pc:chgData name="Khattab, Sherif" userId="c83b1e15-36f3-4f46-aceb-05aac24c545e" providerId="ADAL" clId="{FB7609DE-4E49-B943-8CC1-A94C3EC91022}" dt="2021-01-27T14:07:02.063" v="855"/>
+        <pc:sldMkLst>
+          <pc:docMk/>
+          <pc:sldMk cId="2838362889" sldId="1756"/>
+        </pc:sldMkLst>
+      </pc:sldChg>
+      <pc:sldChg chg="add">
+        <pc:chgData name="Khattab, Sherif" userId="c83b1e15-36f3-4f46-aceb-05aac24c545e" providerId="ADAL" clId="{FB7609DE-4E49-B943-8CC1-A94C3EC91022}" dt="2021-01-27T14:07:02.063" v="855"/>
+        <pc:sldMkLst>
+          <pc:docMk/>
+          <pc:sldMk cId="2537966333" sldId="1859"/>
+        </pc:sldMkLst>
+      </pc:sldChg>
+      <pc:sldChg chg="modSp add mod">
+        <pc:chgData name="Khattab, Sherif" userId="c83b1e15-36f3-4f46-aceb-05aac24c545e" providerId="ADAL" clId="{FB7609DE-4E49-B943-8CC1-A94C3EC91022}" dt="2021-01-27T14:11:01.914" v="940" actId="20577"/>
         <pc:sldMkLst>
           <pc:docMk/>
           <pc:sldMk cId="1241308872" sldId="1860"/>
         </pc:sldMkLst>
         <pc:spChg chg="mod">
-          <ac:chgData name="Khattab, Sherif" userId="c83b1e15-36f3-4f46-aceb-05aac24c545e" providerId="ADAL" clId="{D639D9AC-2645-5840-A06B-951E41DBCC5A}" dt="2021-02-08T04:24:08.584" v="447" actId="20577"/>
+          <ac:chgData name="Khattab, Sherif" userId="c83b1e15-36f3-4f46-aceb-05aac24c545e" providerId="ADAL" clId="{FB7609DE-4E49-B943-8CC1-A94C3EC91022}" dt="2021-01-27T14:10:32.881" v="886" actId="5793"/>
+          <ac:spMkLst>
+            <pc:docMk/>
+            <pc:sldMk cId="1241308872" sldId="1860"/>
+            <ac:spMk id="2" creationId="{09964AE1-DBFC-2848-B191-FE3ED1AFB0DB}"/>
+          </ac:spMkLst>
+        </pc:spChg>
+        <pc:spChg chg="mod">
+          <ac:chgData name="Khattab, Sherif" userId="c83b1e15-36f3-4f46-aceb-05aac24c545e" providerId="ADAL" clId="{FB7609DE-4E49-B943-8CC1-A94C3EC91022}" dt="2021-01-27T14:11:01.914" v="940" actId="20577"/>
           <ac:spMkLst>
             <pc:docMk/>
             <pc:sldMk cId="1241308872" sldId="1860"/>
@@ -218,76 +806,958 @@
           </ac:spMkLst>
         </pc:spChg>
       </pc:sldChg>
+    </pc:docChg>
+  </pc:docChgLst>
+  <pc:docChgLst>
+    <pc:chgData name="Khattab, Sherif" userId="c83b1e15-36f3-4f46-aceb-05aac24c545e" providerId="ADAL" clId="{D9395055-DE12-BC48-8F10-9F1A3F35F535}"/>
+    <pc:docChg chg="custSel modSld">
+      <pc:chgData name="Khattab, Sherif" userId="c83b1e15-36f3-4f46-aceb-05aac24c545e" providerId="ADAL" clId="{D9395055-DE12-BC48-8F10-9F1A3F35F535}" dt="2021-09-01T05:38:03.723" v="10" actId="478"/>
+      <pc:docMkLst>
+        <pc:docMk/>
+      </pc:docMkLst>
+      <pc:sldChg chg="delSp modSp mod">
+        <pc:chgData name="Khattab, Sherif" userId="c83b1e15-36f3-4f46-aceb-05aac24c545e" providerId="ADAL" clId="{D9395055-DE12-BC48-8F10-9F1A3F35F535}" dt="2021-09-01T05:38:03.723" v="10" actId="478"/>
+        <pc:sldMkLst>
+          <pc:docMk/>
+          <pc:sldMk cId="1894775455" sldId="405"/>
+        </pc:sldMkLst>
+        <pc:spChg chg="mod">
+          <ac:chgData name="Khattab, Sherif" userId="c83b1e15-36f3-4f46-aceb-05aac24c545e" providerId="ADAL" clId="{D9395055-DE12-BC48-8F10-9F1A3F35F535}" dt="2021-09-01T05:37:56.576" v="8" actId="20577"/>
+          <ac:spMkLst>
+            <pc:docMk/>
+            <pc:sldMk cId="1894775455" sldId="405"/>
+            <ac:spMk id="3" creationId="{00000000-0000-0000-0000-000000000000}"/>
+          </ac:spMkLst>
+        </pc:spChg>
+        <pc:spChg chg="del mod">
+          <ac:chgData name="Khattab, Sherif" userId="c83b1e15-36f3-4f46-aceb-05aac24c545e" providerId="ADAL" clId="{D9395055-DE12-BC48-8F10-9F1A3F35F535}" dt="2021-09-01T05:38:03.723" v="10" actId="478"/>
+          <ac:spMkLst>
+            <pc:docMk/>
+            <pc:sldMk cId="1894775455" sldId="405"/>
+            <ac:spMk id="5" creationId="{76645EC5-A991-419C-860F-C4BB509A507B}"/>
+          </ac:spMkLst>
+        </pc:spChg>
+      </pc:sldChg>
+    </pc:docChg>
+  </pc:docChgLst>
+  <pc:docChgLst>
+    <pc:chgData name="Khattab, Sherif" userId="c83b1e15-36f3-4f46-aceb-05aac24c545e" providerId="ADAL" clId="{ABE519EC-C726-4B17-827D-435B2DB1A03C}"/>
+    <pc:docChg chg="undo custSel addSld delSld modSld sldOrd delMainMaster">
+      <pc:chgData name="Khattab, Sherif" userId="c83b1e15-36f3-4f46-aceb-05aac24c545e" providerId="ADAL" clId="{ABE519EC-C726-4B17-827D-435B2DB1A03C}" dt="2021-09-27T14:30:25.442" v="63" actId="47"/>
+      <pc:docMkLst>
+        <pc:docMk/>
+      </pc:docMkLst>
+      <pc:sldChg chg="modSp mod">
+        <pc:chgData name="Khattab, Sherif" userId="c83b1e15-36f3-4f46-aceb-05aac24c545e" providerId="ADAL" clId="{ABE519EC-C726-4B17-827D-435B2DB1A03C}" dt="2021-09-20T14:25:10.389" v="21" actId="6549"/>
+        <pc:sldMkLst>
+          <pc:docMk/>
+          <pc:sldMk cId="1068465410" sldId="496"/>
+        </pc:sldMkLst>
+        <pc:spChg chg="mod">
+          <ac:chgData name="Khattab, Sherif" userId="c83b1e15-36f3-4f46-aceb-05aac24c545e" providerId="ADAL" clId="{ABE519EC-C726-4B17-827D-435B2DB1A03C}" dt="2021-09-20T14:25:10.389" v="21" actId="6549"/>
+          <ac:spMkLst>
+            <pc:docMk/>
+            <pc:sldMk cId="1068465410" sldId="496"/>
+            <ac:spMk id="3" creationId="{2466C52D-9A48-4683-BE7F-268D8DB7FAAD}"/>
+          </ac:spMkLst>
+        </pc:spChg>
+      </pc:sldChg>
+      <pc:sldChg chg="modSp mod">
+        <pc:chgData name="Khattab, Sherif" userId="c83b1e15-36f3-4f46-aceb-05aac24c545e" providerId="ADAL" clId="{ABE519EC-C726-4B17-827D-435B2DB1A03C}" dt="2021-09-20T14:25:52.899" v="48" actId="20577"/>
+        <pc:sldMkLst>
+          <pc:docMk/>
+          <pc:sldMk cId="2374057061" sldId="498"/>
+        </pc:sldMkLst>
+        <pc:spChg chg="mod">
+          <ac:chgData name="Khattab, Sherif" userId="c83b1e15-36f3-4f46-aceb-05aac24c545e" providerId="ADAL" clId="{ABE519EC-C726-4B17-827D-435B2DB1A03C}" dt="2021-09-20T14:25:52.899" v="48" actId="20577"/>
+          <ac:spMkLst>
+            <pc:docMk/>
+            <pc:sldMk cId="2374057061" sldId="498"/>
+            <ac:spMk id="3" creationId="{F832F02F-5ABF-4702-A259-B8272D97DD79}"/>
+          </ac:spMkLst>
+        </pc:spChg>
+      </pc:sldChg>
       <pc:sldChg chg="del">
-        <pc:chgData name="Khattab, Sherif" userId="c83b1e15-36f3-4f46-aceb-05aac24c545e" providerId="ADAL" clId="{D639D9AC-2645-5840-A06B-951E41DBCC5A}" dt="2021-02-08T04:10:13.044" v="233" actId="2696"/>
-        <pc:sldMkLst>
-          <pc:docMk/>
-          <pc:sldMk cId="264922787" sldId="1862"/>
+        <pc:chgData name="Khattab, Sherif" userId="c83b1e15-36f3-4f46-aceb-05aac24c545e" providerId="ADAL" clId="{ABE519EC-C726-4B17-827D-435B2DB1A03C}" dt="2021-09-27T14:30:25.442" v="63" actId="47"/>
+        <pc:sldMkLst>
+          <pc:docMk/>
+          <pc:sldMk cId="2823856332" sldId="499"/>
+        </pc:sldMkLst>
+      </pc:sldChg>
+      <pc:sldChg chg="add">
+        <pc:chgData name="Khattab, Sherif" userId="c83b1e15-36f3-4f46-aceb-05aac24c545e" providerId="ADAL" clId="{ABE519EC-C726-4B17-827D-435B2DB1A03C}" dt="2021-09-15T23:55:28.612" v="1"/>
+        <pc:sldMkLst>
+          <pc:docMk/>
+          <pc:sldMk cId="737806260" sldId="513"/>
         </pc:sldMkLst>
       </pc:sldChg>
       <pc:sldChg chg="del">
-        <pc:chgData name="Khattab, Sherif" userId="c83b1e15-36f3-4f46-aceb-05aac24c545e" providerId="ADAL" clId="{D639D9AC-2645-5840-A06B-951E41DBCC5A}" dt="2021-02-08T04:10:13.715" v="234" actId="2696"/>
-        <pc:sldMkLst>
-          <pc:docMk/>
-          <pc:sldMk cId="1489909952" sldId="1863"/>
+        <pc:chgData name="Khattab, Sherif" userId="c83b1e15-36f3-4f46-aceb-05aac24c545e" providerId="ADAL" clId="{ABE519EC-C726-4B17-827D-435B2DB1A03C}" dt="2021-09-20T14:27:15.220" v="51" actId="47"/>
+        <pc:sldMkLst>
+          <pc:docMk/>
+          <pc:sldMk cId="1241308872" sldId="1860"/>
         </pc:sldMkLst>
       </pc:sldChg>
       <pc:sldChg chg="del">
-        <pc:chgData name="Khattab, Sherif" userId="c83b1e15-36f3-4f46-aceb-05aac24c545e" providerId="ADAL" clId="{D639D9AC-2645-5840-A06B-951E41DBCC5A}" dt="2021-02-08T04:10:12.577" v="232" actId="2696"/>
-        <pc:sldMkLst>
-          <pc:docMk/>
-          <pc:sldMk cId="1370532791" sldId="1864"/>
+        <pc:chgData name="Khattab, Sherif" userId="c83b1e15-36f3-4f46-aceb-05aac24c545e" providerId="ADAL" clId="{ABE519EC-C726-4B17-827D-435B2DB1A03C}" dt="2021-09-20T14:27:17.269" v="52" actId="47"/>
+        <pc:sldMkLst>
+          <pc:docMk/>
+          <pc:sldMk cId="2592895379" sldId="1861"/>
         </pc:sldMkLst>
       </pc:sldChg>
       <pc:sldChg chg="del">
-        <pc:chgData name="Khattab, Sherif" userId="c83b1e15-36f3-4f46-aceb-05aac24c545e" providerId="ADAL" clId="{D639D9AC-2645-5840-A06B-951E41DBCC5A}" dt="2021-02-08T04:10:12.009" v="231" actId="2696"/>
-        <pc:sldMkLst>
-          <pc:docMk/>
-          <pc:sldMk cId="1323836943" sldId="1865"/>
+        <pc:chgData name="Khattab, Sherif" userId="c83b1e15-36f3-4f46-aceb-05aac24c545e" providerId="ADAL" clId="{ABE519EC-C726-4B17-827D-435B2DB1A03C}" dt="2021-09-20T14:27:22.359" v="53" actId="47"/>
+        <pc:sldMkLst>
+          <pc:docMk/>
+          <pc:sldMk cId="1022518262" sldId="1862"/>
+        </pc:sldMkLst>
+      </pc:sldChg>
+      <pc:sldChg chg="add">
+        <pc:chgData name="Khattab, Sherif" userId="c83b1e15-36f3-4f46-aceb-05aac24c545e" providerId="ADAL" clId="{ABE519EC-C726-4B17-827D-435B2DB1A03C}" dt="2021-09-20T14:27:45.116" v="57"/>
+        <pc:sldMkLst>
+          <pc:docMk/>
+          <pc:sldMk cId="2477686467" sldId="1863"/>
         </pc:sldMkLst>
       </pc:sldChg>
       <pc:sldChg chg="del">
-        <pc:chgData name="Khattab, Sherif" userId="c83b1e15-36f3-4f46-aceb-05aac24c545e" providerId="ADAL" clId="{D639D9AC-2645-5840-A06B-951E41DBCC5A}" dt="2021-02-08T04:10:11.344" v="230" actId="2696"/>
-        <pc:sldMkLst>
-          <pc:docMk/>
-          <pc:sldMk cId="532154242" sldId="1866"/>
+        <pc:chgData name="Khattab, Sherif" userId="c83b1e15-36f3-4f46-aceb-05aac24c545e" providerId="ADAL" clId="{ABE519EC-C726-4B17-827D-435B2DB1A03C}" dt="2021-09-20T14:27:38.060" v="56" actId="2696"/>
+        <pc:sldMkLst>
+          <pc:docMk/>
+          <pc:sldMk cId="3261945428" sldId="1863"/>
         </pc:sldMkLst>
       </pc:sldChg>
       <pc:sldChg chg="del">
-        <pc:chgData name="Khattab, Sherif" userId="c83b1e15-36f3-4f46-aceb-05aac24c545e" providerId="ADAL" clId="{D639D9AC-2645-5840-A06B-951E41DBCC5A}" dt="2021-02-08T04:10:02.367" v="229" actId="2696"/>
-        <pc:sldMkLst>
-          <pc:docMk/>
-          <pc:sldMk cId="3722720517" sldId="1867"/>
+        <pc:chgData name="Khattab, Sherif" userId="c83b1e15-36f3-4f46-aceb-05aac24c545e" providerId="ADAL" clId="{ABE519EC-C726-4B17-827D-435B2DB1A03C}" dt="2021-09-20T14:27:29.766" v="54" actId="2696"/>
+        <pc:sldMkLst>
+          <pc:docMk/>
+          <pc:sldMk cId="1783824730" sldId="1864"/>
+        </pc:sldMkLst>
+      </pc:sldChg>
+      <pc:sldChg chg="add del">
+        <pc:chgData name="Khattab, Sherif" userId="c83b1e15-36f3-4f46-aceb-05aac24c545e" providerId="ADAL" clId="{ABE519EC-C726-4B17-827D-435B2DB1A03C}" dt="2021-09-22T14:37:41.216" v="62" actId="47"/>
+        <pc:sldMkLst>
+          <pc:docMk/>
+          <pc:sldMk cId="3648821903" sldId="1864"/>
         </pc:sldMkLst>
       </pc:sldChg>
       <pc:sldChg chg="del">
-        <pc:chgData name="Khattab, Sherif" userId="c83b1e15-36f3-4f46-aceb-05aac24c545e" providerId="ADAL" clId="{D639D9AC-2645-5840-A06B-951E41DBCC5A}" dt="2021-02-08T04:10:02.367" v="229" actId="2696"/>
-        <pc:sldMkLst>
-          <pc:docMk/>
-          <pc:sldMk cId="999154987" sldId="1868"/>
-        </pc:sldMkLst>
-      </pc:sldChg>
+        <pc:chgData name="Khattab, Sherif" userId="c83b1e15-36f3-4f46-aceb-05aac24c545e" providerId="ADAL" clId="{ABE519EC-C726-4B17-827D-435B2DB1A03C}" dt="2021-09-20T14:27:29.766" v="54" actId="2696"/>
+        <pc:sldMkLst>
+          <pc:docMk/>
+          <pc:sldMk cId="523721688" sldId="1865"/>
+        </pc:sldMkLst>
+      </pc:sldChg>
+      <pc:sldChg chg="add del">
+        <pc:chgData name="Khattab, Sherif" userId="c83b1e15-36f3-4f46-aceb-05aac24c545e" providerId="ADAL" clId="{ABE519EC-C726-4B17-827D-435B2DB1A03C}" dt="2021-09-22T14:37:41.216" v="62" actId="47"/>
+        <pc:sldMkLst>
+          <pc:docMk/>
+          <pc:sldMk cId="3910073379" sldId="1865"/>
+        </pc:sldMkLst>
+      </pc:sldChg>
+      <pc:sldChg chg="ord">
+        <pc:chgData name="Khattab, Sherif" userId="c83b1e15-36f3-4f46-aceb-05aac24c545e" providerId="ADAL" clId="{ABE519EC-C726-4B17-827D-435B2DB1A03C}" dt="2021-09-20T14:26:58.530" v="50"/>
+        <pc:sldMkLst>
+          <pc:docMk/>
+          <pc:sldMk cId="1803803003" sldId="1866"/>
+        </pc:sldMkLst>
+      </pc:sldChg>
+      <pc:sldChg chg="add del ord">
+        <pc:chgData name="Khattab, Sherif" userId="c83b1e15-36f3-4f46-aceb-05aac24c545e" providerId="ADAL" clId="{ABE519EC-C726-4B17-827D-435B2DB1A03C}" dt="2021-09-22T14:37:41.216" v="62" actId="47"/>
+        <pc:sldMkLst>
+          <pc:docMk/>
+          <pc:sldMk cId="2678322925" sldId="1867"/>
+        </pc:sldMkLst>
+      </pc:sldChg>
+      <pc:sldChg chg="add del">
+        <pc:chgData name="Khattab, Sherif" userId="c83b1e15-36f3-4f46-aceb-05aac24c545e" providerId="ADAL" clId="{ABE519EC-C726-4B17-827D-435B2DB1A03C}" dt="2021-09-27T14:30:25.442" v="63" actId="47"/>
+        <pc:sldMkLst>
+          <pc:docMk/>
+          <pc:sldMk cId="187683480" sldId="1868"/>
+        </pc:sldMkLst>
+      </pc:sldChg>
+      <pc:sldChg chg="modSp add mod">
+        <pc:chgData name="Khattab, Sherif" userId="c83b1e15-36f3-4f46-aceb-05aac24c545e" providerId="ADAL" clId="{ABE519EC-C726-4B17-827D-435B2DB1A03C}" dt="2021-09-20T14:25:49.359" v="45" actId="21"/>
+        <pc:sldMkLst>
+          <pc:docMk/>
+          <pc:sldMk cId="4136500716" sldId="1869"/>
+        </pc:sldMkLst>
+        <pc:spChg chg="mod">
+          <ac:chgData name="Khattab, Sherif" userId="c83b1e15-36f3-4f46-aceb-05aac24c545e" providerId="ADAL" clId="{ABE519EC-C726-4B17-827D-435B2DB1A03C}" dt="2021-09-20T14:25:49.359" v="45" actId="21"/>
+          <ac:spMkLst>
+            <pc:docMk/>
+            <pc:sldMk cId="4136500716" sldId="1869"/>
+            <ac:spMk id="3" creationId="{BDC81B29-68EF-D34F-B9F6-D9EC25476DFF}"/>
+          </ac:spMkLst>
+        </pc:spChg>
+      </pc:sldChg>
+      <pc:sldChg chg="add">
+        <pc:chgData name="Khattab, Sherif" userId="c83b1e15-36f3-4f46-aceb-05aac24c545e" providerId="ADAL" clId="{ABE519EC-C726-4B17-827D-435B2DB1A03C}" dt="2021-09-15T23:55:28.612" v="1"/>
+        <pc:sldMkLst>
+          <pc:docMk/>
+          <pc:sldMk cId="1662342598" sldId="1870"/>
+        </pc:sldMkLst>
+      </pc:sldChg>
+      <pc:sldChg chg="add">
+        <pc:chgData name="Khattab, Sherif" userId="c83b1e15-36f3-4f46-aceb-05aac24c545e" providerId="ADAL" clId="{ABE519EC-C726-4B17-827D-435B2DB1A03C}" dt="2021-09-15T23:55:28.612" v="1"/>
+        <pc:sldMkLst>
+          <pc:docMk/>
+          <pc:sldMk cId="551485046" sldId="1873"/>
+        </pc:sldMkLst>
+      </pc:sldChg>
+      <pc:sldChg chg="add">
+        <pc:chgData name="Khattab, Sherif" userId="c83b1e15-36f3-4f46-aceb-05aac24c545e" providerId="ADAL" clId="{ABE519EC-C726-4B17-827D-435B2DB1A03C}" dt="2021-09-15T23:55:28.612" v="1"/>
+        <pc:sldMkLst>
+          <pc:docMk/>
+          <pc:sldMk cId="868200480" sldId="1874"/>
+        </pc:sldMkLst>
+      </pc:sldChg>
+      <pc:sldChg chg="add">
+        <pc:chgData name="Khattab, Sherif" userId="c83b1e15-36f3-4f46-aceb-05aac24c545e" providerId="ADAL" clId="{ABE519EC-C726-4B17-827D-435B2DB1A03C}" dt="2021-09-15T23:55:28.612" v="1"/>
+        <pc:sldMkLst>
+          <pc:docMk/>
+          <pc:sldMk cId="532154242" sldId="1875"/>
+        </pc:sldMkLst>
+      </pc:sldChg>
+      <pc:sldChg chg="add">
+        <pc:chgData name="Khattab, Sherif" userId="c83b1e15-36f3-4f46-aceb-05aac24c545e" providerId="ADAL" clId="{ABE519EC-C726-4B17-827D-435B2DB1A03C}" dt="2021-09-15T23:55:28.612" v="1"/>
+        <pc:sldMkLst>
+          <pc:docMk/>
+          <pc:sldMk cId="1323836943" sldId="1876"/>
+        </pc:sldMkLst>
+      </pc:sldChg>
+      <pc:sldChg chg="add">
+        <pc:chgData name="Khattab, Sherif" userId="c83b1e15-36f3-4f46-aceb-05aac24c545e" providerId="ADAL" clId="{ABE519EC-C726-4B17-827D-435B2DB1A03C}" dt="2021-09-15T23:55:28.612" v="1"/>
+        <pc:sldMkLst>
+          <pc:docMk/>
+          <pc:sldMk cId="1370532791" sldId="1877"/>
+        </pc:sldMkLst>
+      </pc:sldChg>
+      <pc:sldChg chg="add del">
+        <pc:chgData name="Khattab, Sherif" userId="c83b1e15-36f3-4f46-aceb-05aac24c545e" providerId="ADAL" clId="{ABE519EC-C726-4B17-827D-435B2DB1A03C}" dt="2021-09-22T14:37:08.452" v="61" actId="2696"/>
+        <pc:sldMkLst>
+          <pc:docMk/>
+          <pc:sldMk cId="264922787" sldId="1878"/>
+        </pc:sldMkLst>
+      </pc:sldChg>
+      <pc:sldChg chg="add del">
+        <pc:chgData name="Khattab, Sherif" userId="c83b1e15-36f3-4f46-aceb-05aac24c545e" providerId="ADAL" clId="{ABE519EC-C726-4B17-827D-435B2DB1A03C}" dt="2021-09-22T14:37:41.216" v="62" actId="47"/>
+        <pc:sldMkLst>
+          <pc:docMk/>
+          <pc:sldMk cId="1489909952" sldId="1879"/>
+        </pc:sldMkLst>
+      </pc:sldChg>
+      <pc:sldMasterChg chg="del delSldLayout">
+        <pc:chgData name="Khattab, Sherif" userId="c83b1e15-36f3-4f46-aceb-05aac24c545e" providerId="ADAL" clId="{ABE519EC-C726-4B17-827D-435B2DB1A03C}" dt="2021-09-20T14:27:17.269" v="52" actId="47"/>
+        <pc:sldMasterMkLst>
+          <pc:docMk/>
+          <pc:sldMasterMk cId="2216678085" sldId="2147483660"/>
+        </pc:sldMasterMkLst>
+        <pc:sldLayoutChg chg="del">
+          <pc:chgData name="Khattab, Sherif" userId="c83b1e15-36f3-4f46-aceb-05aac24c545e" providerId="ADAL" clId="{ABE519EC-C726-4B17-827D-435B2DB1A03C}" dt="2021-09-20T14:27:17.269" v="52" actId="47"/>
+          <pc:sldLayoutMkLst>
+            <pc:docMk/>
+            <pc:sldMasterMk cId="2216678085" sldId="2147483660"/>
+            <pc:sldLayoutMk cId="2237080337" sldId="2147483661"/>
+          </pc:sldLayoutMkLst>
+        </pc:sldLayoutChg>
+        <pc:sldLayoutChg chg="del">
+          <pc:chgData name="Khattab, Sherif" userId="c83b1e15-36f3-4f46-aceb-05aac24c545e" providerId="ADAL" clId="{ABE519EC-C726-4B17-827D-435B2DB1A03C}" dt="2021-09-20T14:27:17.269" v="52" actId="47"/>
+          <pc:sldLayoutMkLst>
+            <pc:docMk/>
+            <pc:sldMasterMk cId="2216678085" sldId="2147483660"/>
+            <pc:sldLayoutMk cId="3508980253" sldId="2147483662"/>
+          </pc:sldLayoutMkLst>
+        </pc:sldLayoutChg>
+        <pc:sldLayoutChg chg="del">
+          <pc:chgData name="Khattab, Sherif" userId="c83b1e15-36f3-4f46-aceb-05aac24c545e" providerId="ADAL" clId="{ABE519EC-C726-4B17-827D-435B2DB1A03C}" dt="2021-09-20T14:27:17.269" v="52" actId="47"/>
+          <pc:sldLayoutMkLst>
+            <pc:docMk/>
+            <pc:sldMasterMk cId="2216678085" sldId="2147483660"/>
+            <pc:sldLayoutMk cId="317282064" sldId="2147483663"/>
+          </pc:sldLayoutMkLst>
+        </pc:sldLayoutChg>
+        <pc:sldLayoutChg chg="del">
+          <pc:chgData name="Khattab, Sherif" userId="c83b1e15-36f3-4f46-aceb-05aac24c545e" providerId="ADAL" clId="{ABE519EC-C726-4B17-827D-435B2DB1A03C}" dt="2021-09-20T14:27:17.269" v="52" actId="47"/>
+          <pc:sldLayoutMkLst>
+            <pc:docMk/>
+            <pc:sldMasterMk cId="2216678085" sldId="2147483660"/>
+            <pc:sldLayoutMk cId="1126679005" sldId="2147483664"/>
+          </pc:sldLayoutMkLst>
+        </pc:sldLayoutChg>
+        <pc:sldLayoutChg chg="del">
+          <pc:chgData name="Khattab, Sherif" userId="c83b1e15-36f3-4f46-aceb-05aac24c545e" providerId="ADAL" clId="{ABE519EC-C726-4B17-827D-435B2DB1A03C}" dt="2021-09-20T14:27:17.269" v="52" actId="47"/>
+          <pc:sldLayoutMkLst>
+            <pc:docMk/>
+            <pc:sldMasterMk cId="2216678085" sldId="2147483660"/>
+            <pc:sldLayoutMk cId="2755636992" sldId="2147483665"/>
+          </pc:sldLayoutMkLst>
+        </pc:sldLayoutChg>
+        <pc:sldLayoutChg chg="del">
+          <pc:chgData name="Khattab, Sherif" userId="c83b1e15-36f3-4f46-aceb-05aac24c545e" providerId="ADAL" clId="{ABE519EC-C726-4B17-827D-435B2DB1A03C}" dt="2021-09-20T14:27:17.269" v="52" actId="47"/>
+          <pc:sldLayoutMkLst>
+            <pc:docMk/>
+            <pc:sldMasterMk cId="2216678085" sldId="2147483660"/>
+            <pc:sldLayoutMk cId="1050763418" sldId="2147483666"/>
+          </pc:sldLayoutMkLst>
+        </pc:sldLayoutChg>
+        <pc:sldLayoutChg chg="del">
+          <pc:chgData name="Khattab, Sherif" userId="c83b1e15-36f3-4f46-aceb-05aac24c545e" providerId="ADAL" clId="{ABE519EC-C726-4B17-827D-435B2DB1A03C}" dt="2021-09-20T14:27:17.269" v="52" actId="47"/>
+          <pc:sldLayoutMkLst>
+            <pc:docMk/>
+            <pc:sldMasterMk cId="2216678085" sldId="2147483660"/>
+            <pc:sldLayoutMk cId="3479151805" sldId="2147483667"/>
+          </pc:sldLayoutMkLst>
+        </pc:sldLayoutChg>
+        <pc:sldLayoutChg chg="del">
+          <pc:chgData name="Khattab, Sherif" userId="c83b1e15-36f3-4f46-aceb-05aac24c545e" providerId="ADAL" clId="{ABE519EC-C726-4B17-827D-435B2DB1A03C}" dt="2021-09-20T14:27:17.269" v="52" actId="47"/>
+          <pc:sldLayoutMkLst>
+            <pc:docMk/>
+            <pc:sldMasterMk cId="2216678085" sldId="2147483660"/>
+            <pc:sldLayoutMk cId="1515180900" sldId="2147483668"/>
+          </pc:sldLayoutMkLst>
+        </pc:sldLayoutChg>
+        <pc:sldLayoutChg chg="del">
+          <pc:chgData name="Khattab, Sherif" userId="c83b1e15-36f3-4f46-aceb-05aac24c545e" providerId="ADAL" clId="{ABE519EC-C726-4B17-827D-435B2DB1A03C}" dt="2021-09-20T14:27:17.269" v="52" actId="47"/>
+          <pc:sldLayoutMkLst>
+            <pc:docMk/>
+            <pc:sldMasterMk cId="2216678085" sldId="2147483660"/>
+            <pc:sldLayoutMk cId="4267323919" sldId="2147483669"/>
+          </pc:sldLayoutMkLst>
+        </pc:sldLayoutChg>
+        <pc:sldLayoutChg chg="del">
+          <pc:chgData name="Khattab, Sherif" userId="c83b1e15-36f3-4f46-aceb-05aac24c545e" providerId="ADAL" clId="{ABE519EC-C726-4B17-827D-435B2DB1A03C}" dt="2021-09-20T14:27:17.269" v="52" actId="47"/>
+          <pc:sldLayoutMkLst>
+            <pc:docMk/>
+            <pc:sldMasterMk cId="2216678085" sldId="2147483660"/>
+            <pc:sldLayoutMk cId="1587668989" sldId="2147483670"/>
+          </pc:sldLayoutMkLst>
+        </pc:sldLayoutChg>
+        <pc:sldLayoutChg chg="del">
+          <pc:chgData name="Khattab, Sherif" userId="c83b1e15-36f3-4f46-aceb-05aac24c545e" providerId="ADAL" clId="{ABE519EC-C726-4B17-827D-435B2DB1A03C}" dt="2021-09-20T14:27:17.269" v="52" actId="47"/>
+          <pc:sldLayoutMkLst>
+            <pc:docMk/>
+            <pc:sldMasterMk cId="2216678085" sldId="2147483660"/>
+            <pc:sldLayoutMk cId="3654514396" sldId="2147483671"/>
+          </pc:sldLayoutMkLst>
+        </pc:sldLayoutChg>
+        <pc:sldLayoutChg chg="del">
+          <pc:chgData name="Khattab, Sherif" userId="c83b1e15-36f3-4f46-aceb-05aac24c545e" providerId="ADAL" clId="{ABE519EC-C726-4B17-827D-435B2DB1A03C}" dt="2021-09-20T14:27:17.269" v="52" actId="47"/>
+          <pc:sldLayoutMkLst>
+            <pc:docMk/>
+            <pc:sldMasterMk cId="2216678085" sldId="2147483660"/>
+            <pc:sldLayoutMk cId="3908350061" sldId="2147483672"/>
+          </pc:sldLayoutMkLst>
+        </pc:sldLayoutChg>
+        <pc:sldLayoutChg chg="del">
+          <pc:chgData name="Khattab, Sherif" userId="c83b1e15-36f3-4f46-aceb-05aac24c545e" providerId="ADAL" clId="{ABE519EC-C726-4B17-827D-435B2DB1A03C}" dt="2021-09-20T14:27:17.269" v="52" actId="47"/>
+          <pc:sldLayoutMkLst>
+            <pc:docMk/>
+            <pc:sldMasterMk cId="2216678085" sldId="2147483660"/>
+            <pc:sldLayoutMk cId="3397595700" sldId="2147483673"/>
+          </pc:sldLayoutMkLst>
+        </pc:sldLayoutChg>
+        <pc:sldLayoutChg chg="del">
+          <pc:chgData name="Khattab, Sherif" userId="c83b1e15-36f3-4f46-aceb-05aac24c545e" providerId="ADAL" clId="{ABE519EC-C726-4B17-827D-435B2DB1A03C}" dt="2021-09-20T14:27:17.269" v="52" actId="47"/>
+          <pc:sldLayoutMkLst>
+            <pc:docMk/>
+            <pc:sldMasterMk cId="2216678085" sldId="2147483660"/>
+            <pc:sldLayoutMk cId="527993675" sldId="2147483674"/>
+          </pc:sldLayoutMkLst>
+        </pc:sldLayoutChg>
+        <pc:sldLayoutChg chg="del">
+          <pc:chgData name="Khattab, Sherif" userId="c83b1e15-36f3-4f46-aceb-05aac24c545e" providerId="ADAL" clId="{ABE519EC-C726-4B17-827D-435B2DB1A03C}" dt="2021-09-20T14:27:17.269" v="52" actId="47"/>
+          <pc:sldLayoutMkLst>
+            <pc:docMk/>
+            <pc:sldMasterMk cId="2216678085" sldId="2147483660"/>
+            <pc:sldLayoutMk cId="1222346262" sldId="2147483675"/>
+          </pc:sldLayoutMkLst>
+        </pc:sldLayoutChg>
+        <pc:sldLayoutChg chg="del">
+          <pc:chgData name="Khattab, Sherif" userId="c83b1e15-36f3-4f46-aceb-05aac24c545e" providerId="ADAL" clId="{ABE519EC-C726-4B17-827D-435B2DB1A03C}" dt="2021-09-20T14:27:17.269" v="52" actId="47"/>
+          <pc:sldLayoutMkLst>
+            <pc:docMk/>
+            <pc:sldMasterMk cId="2216678085" sldId="2147483660"/>
+            <pc:sldLayoutMk cId="837065623" sldId="2147483676"/>
+          </pc:sldLayoutMkLst>
+        </pc:sldLayoutChg>
+        <pc:sldLayoutChg chg="del">
+          <pc:chgData name="Khattab, Sherif" userId="c83b1e15-36f3-4f46-aceb-05aac24c545e" providerId="ADAL" clId="{ABE519EC-C726-4B17-827D-435B2DB1A03C}" dt="2021-09-20T14:27:17.269" v="52" actId="47"/>
+          <pc:sldLayoutMkLst>
+            <pc:docMk/>
+            <pc:sldMasterMk cId="2216678085" sldId="2147483660"/>
+            <pc:sldLayoutMk cId="2253026247" sldId="2147483677"/>
+          </pc:sldLayoutMkLst>
+        </pc:sldLayoutChg>
+        <pc:sldLayoutChg chg="del">
+          <pc:chgData name="Khattab, Sherif" userId="c83b1e15-36f3-4f46-aceb-05aac24c545e" providerId="ADAL" clId="{ABE519EC-C726-4B17-827D-435B2DB1A03C}" dt="2021-09-20T14:27:17.269" v="52" actId="47"/>
+          <pc:sldLayoutMkLst>
+            <pc:docMk/>
+            <pc:sldMasterMk cId="2216678085" sldId="2147483660"/>
+            <pc:sldLayoutMk cId="511186802" sldId="2147483678"/>
+          </pc:sldLayoutMkLst>
+        </pc:sldLayoutChg>
+        <pc:sldLayoutChg chg="del">
+          <pc:chgData name="Khattab, Sherif" userId="c83b1e15-36f3-4f46-aceb-05aac24c545e" providerId="ADAL" clId="{ABE519EC-C726-4B17-827D-435B2DB1A03C}" dt="2021-09-20T14:27:17.269" v="52" actId="47"/>
+          <pc:sldLayoutMkLst>
+            <pc:docMk/>
+            <pc:sldMasterMk cId="2216678085" sldId="2147483660"/>
+            <pc:sldLayoutMk cId="2360601784" sldId="2147483679"/>
+          </pc:sldLayoutMkLst>
+        </pc:sldLayoutChg>
+        <pc:sldLayoutChg chg="del">
+          <pc:chgData name="Khattab, Sherif" userId="c83b1e15-36f3-4f46-aceb-05aac24c545e" providerId="ADAL" clId="{ABE519EC-C726-4B17-827D-435B2DB1A03C}" dt="2021-09-20T14:27:17.269" v="52" actId="47"/>
+          <pc:sldLayoutMkLst>
+            <pc:docMk/>
+            <pc:sldMasterMk cId="2216678085" sldId="2147483660"/>
+            <pc:sldLayoutMk cId="1111290244" sldId="2147483680"/>
+          </pc:sldLayoutMkLst>
+        </pc:sldLayoutChg>
+        <pc:sldLayoutChg chg="del">
+          <pc:chgData name="Khattab, Sherif" userId="c83b1e15-36f3-4f46-aceb-05aac24c545e" providerId="ADAL" clId="{ABE519EC-C726-4B17-827D-435B2DB1A03C}" dt="2021-09-20T14:27:17.269" v="52" actId="47"/>
+          <pc:sldLayoutMkLst>
+            <pc:docMk/>
+            <pc:sldMasterMk cId="2216678085" sldId="2147483660"/>
+            <pc:sldLayoutMk cId="480430714" sldId="2147483681"/>
+          </pc:sldLayoutMkLst>
+        </pc:sldLayoutChg>
+        <pc:sldLayoutChg chg="del">
+          <pc:chgData name="Khattab, Sherif" userId="c83b1e15-36f3-4f46-aceb-05aac24c545e" providerId="ADAL" clId="{ABE519EC-C726-4B17-827D-435B2DB1A03C}" dt="2021-09-20T14:27:17.269" v="52" actId="47"/>
+          <pc:sldLayoutMkLst>
+            <pc:docMk/>
+            <pc:sldMasterMk cId="2216678085" sldId="2147483660"/>
+            <pc:sldLayoutMk cId="3488805783" sldId="2147483682"/>
+          </pc:sldLayoutMkLst>
+        </pc:sldLayoutChg>
+        <pc:sldLayoutChg chg="del">
+          <pc:chgData name="Khattab, Sherif" userId="c83b1e15-36f3-4f46-aceb-05aac24c545e" providerId="ADAL" clId="{ABE519EC-C726-4B17-827D-435B2DB1A03C}" dt="2021-09-20T14:27:17.269" v="52" actId="47"/>
+          <pc:sldLayoutMkLst>
+            <pc:docMk/>
+            <pc:sldMasterMk cId="2216678085" sldId="2147483660"/>
+            <pc:sldLayoutMk cId="3219130692" sldId="2147483683"/>
+          </pc:sldLayoutMkLst>
+        </pc:sldLayoutChg>
+        <pc:sldLayoutChg chg="del">
+          <pc:chgData name="Khattab, Sherif" userId="c83b1e15-36f3-4f46-aceb-05aac24c545e" providerId="ADAL" clId="{ABE519EC-C726-4B17-827D-435B2DB1A03C}" dt="2021-09-20T14:27:17.269" v="52" actId="47"/>
+          <pc:sldLayoutMkLst>
+            <pc:docMk/>
+            <pc:sldMasterMk cId="2216678085" sldId="2147483660"/>
+            <pc:sldLayoutMk cId="2653694361" sldId="2147483684"/>
+          </pc:sldLayoutMkLst>
+        </pc:sldLayoutChg>
+        <pc:sldLayoutChg chg="del">
+          <pc:chgData name="Khattab, Sherif" userId="c83b1e15-36f3-4f46-aceb-05aac24c545e" providerId="ADAL" clId="{ABE519EC-C726-4B17-827D-435B2DB1A03C}" dt="2021-09-20T14:27:17.269" v="52" actId="47"/>
+          <pc:sldLayoutMkLst>
+            <pc:docMk/>
+            <pc:sldMasterMk cId="2216678085" sldId="2147483660"/>
+            <pc:sldLayoutMk cId="2060246161" sldId="2147483685"/>
+          </pc:sldLayoutMkLst>
+        </pc:sldLayoutChg>
+        <pc:sldLayoutChg chg="del">
+          <pc:chgData name="Khattab, Sherif" userId="c83b1e15-36f3-4f46-aceb-05aac24c545e" providerId="ADAL" clId="{ABE519EC-C726-4B17-827D-435B2DB1A03C}" dt="2021-09-20T14:27:17.269" v="52" actId="47"/>
+          <pc:sldLayoutMkLst>
+            <pc:docMk/>
+            <pc:sldMasterMk cId="2216678085" sldId="2147483660"/>
+            <pc:sldLayoutMk cId="1666826863" sldId="2147483686"/>
+          </pc:sldLayoutMkLst>
+        </pc:sldLayoutChg>
+      </pc:sldMasterChg>
+    </pc:docChg>
+  </pc:docChgLst>
+  <pc:docChgLst>
+    <pc:chgData name="Khattab, Sherif" userId="c83b1e15-36f3-4f46-aceb-05aac24c545e" providerId="ADAL" clId="{9BA15C20-14B1-413E-8179-1AAA42FBF59B}"/>
+    <pc:docChg chg="undo custSel addSld delSld modSld delMainMaster">
+      <pc:chgData name="Khattab, Sherif" userId="c83b1e15-36f3-4f46-aceb-05aac24c545e" providerId="ADAL" clId="{9BA15C20-14B1-413E-8179-1AAA42FBF59B}" dt="2021-02-02T05:52:23.656" v="257" actId="700"/>
+      <pc:docMkLst>
+        <pc:docMk/>
+      </pc:docMkLst>
       <pc:sldChg chg="del">
-        <pc:chgData name="Khattab, Sherif" userId="c83b1e15-36f3-4f46-aceb-05aac24c545e" providerId="ADAL" clId="{D639D9AC-2645-5840-A06B-951E41DBCC5A}" dt="2021-02-08T04:10:02.367" v="229" actId="2696"/>
-        <pc:sldMkLst>
-          <pc:docMk/>
-          <pc:sldMk cId="1641437393" sldId="1869"/>
-        </pc:sldMkLst>
+        <pc:chgData name="Khattab, Sherif" userId="c83b1e15-36f3-4f46-aceb-05aac24c545e" providerId="ADAL" clId="{9BA15C20-14B1-413E-8179-1AAA42FBF59B}" dt="2021-02-01T14:23:45.710" v="132" actId="47"/>
+        <pc:sldMkLst>
+          <pc:docMk/>
+          <pc:sldMk cId="62956611" sldId="259"/>
+        </pc:sldMkLst>
+      </pc:sldChg>
+      <pc:sldChg chg="addSp modSp mod modClrScheme chgLayout">
+        <pc:chgData name="Khattab, Sherif" userId="c83b1e15-36f3-4f46-aceb-05aac24c545e" providerId="ADAL" clId="{9BA15C20-14B1-413E-8179-1AAA42FBF59B}" dt="2021-02-02T05:52:23.656" v="257" actId="700"/>
+        <pc:sldMkLst>
+          <pc:docMk/>
+          <pc:sldMk cId="2805000757" sldId="281"/>
+        </pc:sldMkLst>
+        <pc:spChg chg="add mod ord">
+          <ac:chgData name="Khattab, Sherif" userId="c83b1e15-36f3-4f46-aceb-05aac24c545e" providerId="ADAL" clId="{9BA15C20-14B1-413E-8179-1AAA42FBF59B}" dt="2021-02-02T05:52:23.656" v="257" actId="700"/>
+          <ac:spMkLst>
+            <pc:docMk/>
+            <pc:sldMk cId="2805000757" sldId="281"/>
+            <ac:spMk id="2" creationId="{90B60445-6D45-4707-BE57-B39027B8E7D3}"/>
+          </ac:spMkLst>
+        </pc:spChg>
+        <pc:spChg chg="mod ord">
+          <ac:chgData name="Khattab, Sherif" userId="c83b1e15-36f3-4f46-aceb-05aac24c545e" providerId="ADAL" clId="{9BA15C20-14B1-413E-8179-1AAA42FBF59B}" dt="2021-02-02T05:52:23.656" v="257" actId="700"/>
+          <ac:spMkLst>
+            <pc:docMk/>
+            <pc:sldMk cId="2805000757" sldId="281"/>
+            <ac:spMk id="460" creationId="{00000000-0000-0000-0000-000000000000}"/>
+          </ac:spMkLst>
+        </pc:spChg>
+        <pc:spChg chg="mod ord">
+          <ac:chgData name="Khattab, Sherif" userId="c83b1e15-36f3-4f46-aceb-05aac24c545e" providerId="ADAL" clId="{9BA15C20-14B1-413E-8179-1AAA42FBF59B}" dt="2021-02-02T05:52:23.656" v="257" actId="700"/>
+          <ac:spMkLst>
+            <pc:docMk/>
+            <pc:sldMk cId="2805000757" sldId="281"/>
+            <ac:spMk id="462" creationId="{00000000-0000-0000-0000-000000000000}"/>
+          </ac:spMkLst>
+        </pc:spChg>
+      </pc:sldChg>
+      <pc:sldChg chg="addSp modSp mod modClrScheme chgLayout">
+        <pc:chgData name="Khattab, Sherif" userId="c83b1e15-36f3-4f46-aceb-05aac24c545e" providerId="ADAL" clId="{9BA15C20-14B1-413E-8179-1AAA42FBF59B}" dt="2021-02-02T05:52:23.656" v="257" actId="700"/>
+        <pc:sldMkLst>
+          <pc:docMk/>
+          <pc:sldMk cId="644336610" sldId="282"/>
+        </pc:sldMkLst>
+        <pc:spChg chg="add mod ord">
+          <ac:chgData name="Khattab, Sherif" userId="c83b1e15-36f3-4f46-aceb-05aac24c545e" providerId="ADAL" clId="{9BA15C20-14B1-413E-8179-1AAA42FBF59B}" dt="2021-02-02T05:52:23.656" v="257" actId="700"/>
+          <ac:spMkLst>
+            <pc:docMk/>
+            <pc:sldMk cId="644336610" sldId="282"/>
+            <ac:spMk id="2" creationId="{18F6F50C-692C-4BB7-90E4-04D1641EEC95}"/>
+          </ac:spMkLst>
+        </pc:spChg>
+        <pc:spChg chg="mod ord">
+          <ac:chgData name="Khattab, Sherif" userId="c83b1e15-36f3-4f46-aceb-05aac24c545e" providerId="ADAL" clId="{9BA15C20-14B1-413E-8179-1AAA42FBF59B}" dt="2021-02-02T05:52:23.656" v="257" actId="700"/>
+          <ac:spMkLst>
+            <pc:docMk/>
+            <pc:sldMk cId="644336610" sldId="282"/>
+            <ac:spMk id="467" creationId="{00000000-0000-0000-0000-000000000000}"/>
+          </ac:spMkLst>
+        </pc:spChg>
+        <pc:spChg chg="mod ord">
+          <ac:chgData name="Khattab, Sherif" userId="c83b1e15-36f3-4f46-aceb-05aac24c545e" providerId="ADAL" clId="{9BA15C20-14B1-413E-8179-1AAA42FBF59B}" dt="2021-02-02T05:52:23.656" v="257" actId="700"/>
+          <ac:spMkLst>
+            <pc:docMk/>
+            <pc:sldMk cId="644336610" sldId="282"/>
+            <ac:spMk id="469" creationId="{00000000-0000-0000-0000-000000000000}"/>
+          </ac:spMkLst>
+        </pc:spChg>
+      </pc:sldChg>
+      <pc:sldChg chg="addSp modSp mod modClrScheme chgLayout">
+        <pc:chgData name="Khattab, Sherif" userId="c83b1e15-36f3-4f46-aceb-05aac24c545e" providerId="ADAL" clId="{9BA15C20-14B1-413E-8179-1AAA42FBF59B}" dt="2021-02-02T05:52:23.656" v="257" actId="700"/>
+        <pc:sldMkLst>
+          <pc:docMk/>
+          <pc:sldMk cId="3275560456" sldId="283"/>
+        </pc:sldMkLst>
+        <pc:spChg chg="add mod ord">
+          <ac:chgData name="Khattab, Sherif" userId="c83b1e15-36f3-4f46-aceb-05aac24c545e" providerId="ADAL" clId="{9BA15C20-14B1-413E-8179-1AAA42FBF59B}" dt="2021-02-02T05:52:23.656" v="257" actId="700"/>
+          <ac:spMkLst>
+            <pc:docMk/>
+            <pc:sldMk cId="3275560456" sldId="283"/>
+            <ac:spMk id="2" creationId="{D0F334F8-8818-4FCC-8B65-BD40D9C391AB}"/>
+          </ac:spMkLst>
+        </pc:spChg>
+        <pc:spChg chg="mod ord">
+          <ac:chgData name="Khattab, Sherif" userId="c83b1e15-36f3-4f46-aceb-05aac24c545e" providerId="ADAL" clId="{9BA15C20-14B1-413E-8179-1AAA42FBF59B}" dt="2021-02-02T05:52:23.656" v="257" actId="700"/>
+          <ac:spMkLst>
+            <pc:docMk/>
+            <pc:sldMk cId="3275560456" sldId="283"/>
+            <ac:spMk id="474" creationId="{00000000-0000-0000-0000-000000000000}"/>
+          </ac:spMkLst>
+        </pc:spChg>
+        <pc:spChg chg="mod ord">
+          <ac:chgData name="Khattab, Sherif" userId="c83b1e15-36f3-4f46-aceb-05aac24c545e" providerId="ADAL" clId="{9BA15C20-14B1-413E-8179-1AAA42FBF59B}" dt="2021-02-02T05:52:23.656" v="257" actId="700"/>
+          <ac:spMkLst>
+            <pc:docMk/>
+            <pc:sldMk cId="3275560456" sldId="283"/>
+            <ac:spMk id="476" creationId="{00000000-0000-0000-0000-000000000000}"/>
+          </ac:spMkLst>
+        </pc:spChg>
       </pc:sldChg>
       <pc:sldChg chg="del">
-        <pc:chgData name="Khattab, Sherif" userId="c83b1e15-36f3-4f46-aceb-05aac24c545e" providerId="ADAL" clId="{D639D9AC-2645-5840-A06B-951E41DBCC5A}" dt="2021-02-08T04:10:02.367" v="229" actId="2696"/>
-        <pc:sldMkLst>
-          <pc:docMk/>
-          <pc:sldMk cId="1421544106" sldId="1870"/>
+        <pc:chgData name="Khattab, Sherif" userId="c83b1e15-36f3-4f46-aceb-05aac24c545e" providerId="ADAL" clId="{9BA15C20-14B1-413E-8179-1AAA42FBF59B}" dt="2021-02-01T14:23:45.710" v="132" actId="47"/>
+        <pc:sldMkLst>
+          <pc:docMk/>
+          <pc:sldMk cId="1273787362" sldId="392"/>
         </pc:sldMkLst>
       </pc:sldChg>
       <pc:sldChg chg="del">
-        <pc:chgData name="Khattab, Sherif" userId="c83b1e15-36f3-4f46-aceb-05aac24c545e" providerId="ADAL" clId="{D639D9AC-2645-5840-A06B-951E41DBCC5A}" dt="2021-02-08T04:10:02.367" v="229" actId="2696"/>
-        <pc:sldMkLst>
-          <pc:docMk/>
-          <pc:sldMk cId="2873396926" sldId="1871"/>
-        </pc:sldMkLst>
-      </pc:sldChg>
+        <pc:chgData name="Khattab, Sherif" userId="c83b1e15-36f3-4f46-aceb-05aac24c545e" providerId="ADAL" clId="{9BA15C20-14B1-413E-8179-1AAA42FBF59B}" dt="2021-02-01T14:23:45.710" v="132" actId="47"/>
+        <pc:sldMkLst>
+          <pc:docMk/>
+          <pc:sldMk cId="2401930262" sldId="393"/>
+        </pc:sldMkLst>
+      </pc:sldChg>
+      <pc:sldChg chg="del">
+        <pc:chgData name="Khattab, Sherif" userId="c83b1e15-36f3-4f46-aceb-05aac24c545e" providerId="ADAL" clId="{9BA15C20-14B1-413E-8179-1AAA42FBF59B}" dt="2021-02-01T14:23:45.710" v="132" actId="47"/>
+        <pc:sldMkLst>
+          <pc:docMk/>
+          <pc:sldMk cId="811987457" sldId="394"/>
+        </pc:sldMkLst>
+      </pc:sldChg>
+      <pc:sldChg chg="del">
+        <pc:chgData name="Khattab, Sherif" userId="c83b1e15-36f3-4f46-aceb-05aac24c545e" providerId="ADAL" clId="{9BA15C20-14B1-413E-8179-1AAA42FBF59B}" dt="2021-02-01T14:23:45.710" v="132" actId="47"/>
+        <pc:sldMkLst>
+          <pc:docMk/>
+          <pc:sldMk cId="2890204605" sldId="395"/>
+        </pc:sldMkLst>
+      </pc:sldChg>
+      <pc:sldChg chg="del">
+        <pc:chgData name="Khattab, Sherif" userId="c83b1e15-36f3-4f46-aceb-05aac24c545e" providerId="ADAL" clId="{9BA15C20-14B1-413E-8179-1AAA42FBF59B}" dt="2021-02-01T14:23:45.710" v="132" actId="47"/>
+        <pc:sldMkLst>
+          <pc:docMk/>
+          <pc:sldMk cId="2597936913" sldId="396"/>
+        </pc:sldMkLst>
+      </pc:sldChg>
+      <pc:sldChg chg="del">
+        <pc:chgData name="Khattab, Sherif" userId="c83b1e15-36f3-4f46-aceb-05aac24c545e" providerId="ADAL" clId="{9BA15C20-14B1-413E-8179-1AAA42FBF59B}" dt="2021-02-01T14:23:45.710" v="132" actId="47"/>
+        <pc:sldMkLst>
+          <pc:docMk/>
+          <pc:sldMk cId="3574743674" sldId="397"/>
+        </pc:sldMkLst>
+      </pc:sldChg>
+      <pc:sldChg chg="del">
+        <pc:chgData name="Khattab, Sherif" userId="c83b1e15-36f3-4f46-aceb-05aac24c545e" providerId="ADAL" clId="{9BA15C20-14B1-413E-8179-1AAA42FBF59B}" dt="2021-02-01T14:23:45.710" v="132" actId="47"/>
+        <pc:sldMkLst>
+          <pc:docMk/>
+          <pc:sldMk cId="777795780" sldId="398"/>
+        </pc:sldMkLst>
+      </pc:sldChg>
+      <pc:sldChg chg="del">
+        <pc:chgData name="Khattab, Sherif" userId="c83b1e15-36f3-4f46-aceb-05aac24c545e" providerId="ADAL" clId="{9BA15C20-14B1-413E-8179-1AAA42FBF59B}" dt="2021-02-01T14:23:45.710" v="132" actId="47"/>
+        <pc:sldMkLst>
+          <pc:docMk/>
+          <pc:sldMk cId="2945536741" sldId="399"/>
+        </pc:sldMkLst>
+      </pc:sldChg>
+      <pc:sldChg chg="del">
+        <pc:chgData name="Khattab, Sherif" userId="c83b1e15-36f3-4f46-aceb-05aac24c545e" providerId="ADAL" clId="{9BA15C20-14B1-413E-8179-1AAA42FBF59B}" dt="2021-02-01T14:23:45.710" v="132" actId="47"/>
+        <pc:sldMkLst>
+          <pc:docMk/>
+          <pc:sldMk cId="3261447239" sldId="400"/>
+        </pc:sldMkLst>
+      </pc:sldChg>
+      <pc:sldChg chg="del">
+        <pc:chgData name="Khattab, Sherif" userId="c83b1e15-36f3-4f46-aceb-05aac24c545e" providerId="ADAL" clId="{9BA15C20-14B1-413E-8179-1AAA42FBF59B}" dt="2021-02-01T14:23:45.710" v="132" actId="47"/>
+        <pc:sldMkLst>
+          <pc:docMk/>
+          <pc:sldMk cId="225707824" sldId="401"/>
+        </pc:sldMkLst>
+      </pc:sldChg>
+      <pc:sldChg chg="del">
+        <pc:chgData name="Khattab, Sherif" userId="c83b1e15-36f3-4f46-aceb-05aac24c545e" providerId="ADAL" clId="{9BA15C20-14B1-413E-8179-1AAA42FBF59B}" dt="2021-02-01T14:23:45.710" v="132" actId="47"/>
+        <pc:sldMkLst>
+          <pc:docMk/>
+          <pc:sldMk cId="3756086896" sldId="402"/>
+        </pc:sldMkLst>
+      </pc:sldChg>
+      <pc:sldChg chg="del">
+        <pc:chgData name="Khattab, Sherif" userId="c83b1e15-36f3-4f46-aceb-05aac24c545e" providerId="ADAL" clId="{9BA15C20-14B1-413E-8179-1AAA42FBF59B}" dt="2021-02-01T14:23:45.710" v="132" actId="47"/>
+        <pc:sldMkLst>
+          <pc:docMk/>
+          <pc:sldMk cId="1876792183" sldId="403"/>
+        </pc:sldMkLst>
+      </pc:sldChg>
+      <pc:sldChg chg="add">
+        <pc:chgData name="Khattab, Sherif" userId="c83b1e15-36f3-4f46-aceb-05aac24c545e" providerId="ADAL" clId="{9BA15C20-14B1-413E-8179-1AAA42FBF59B}" dt="2021-02-02T05:50:13.749" v="236"/>
+        <pc:sldMkLst>
+          <pc:docMk/>
+          <pc:sldMk cId="2952566816" sldId="403"/>
+        </pc:sldMkLst>
+      </pc:sldChg>
+      <pc:sldChg chg="del">
+        <pc:chgData name="Khattab, Sherif" userId="c83b1e15-36f3-4f46-aceb-05aac24c545e" providerId="ADAL" clId="{9BA15C20-14B1-413E-8179-1AAA42FBF59B}" dt="2021-02-01T14:23:45.710" v="132" actId="47"/>
+        <pc:sldMkLst>
+          <pc:docMk/>
+          <pc:sldMk cId="318118368" sldId="404"/>
+        </pc:sldMkLst>
+      </pc:sldChg>
+      <pc:sldChg chg="add">
+        <pc:chgData name="Khattab, Sherif" userId="c83b1e15-36f3-4f46-aceb-05aac24c545e" providerId="ADAL" clId="{9BA15C20-14B1-413E-8179-1AAA42FBF59B}" dt="2021-02-02T05:50:13.749" v="236"/>
+        <pc:sldMkLst>
+          <pc:docMk/>
+          <pc:sldMk cId="3854579775" sldId="404"/>
+        </pc:sldMkLst>
+      </pc:sldChg>
+      <pc:sldChg chg="modSp mod">
+        <pc:chgData name="Khattab, Sherif" userId="c83b1e15-36f3-4f46-aceb-05aac24c545e" providerId="ADAL" clId="{9BA15C20-14B1-413E-8179-1AAA42FBF59B}" dt="2021-02-01T14:22:54.010" v="46" actId="20577"/>
+        <pc:sldMkLst>
+          <pc:docMk/>
+          <pc:sldMk cId="1068465410" sldId="496"/>
+        </pc:sldMkLst>
+        <pc:spChg chg="mod">
+          <ac:chgData name="Khattab, Sherif" userId="c83b1e15-36f3-4f46-aceb-05aac24c545e" providerId="ADAL" clId="{9BA15C20-14B1-413E-8179-1AAA42FBF59B}" dt="2021-02-01T14:22:54.010" v="46" actId="20577"/>
+          <ac:spMkLst>
+            <pc:docMk/>
+            <pc:sldMk cId="1068465410" sldId="496"/>
+            <ac:spMk id="3" creationId="{2466C52D-9A48-4683-BE7F-268D8DB7FAAD}"/>
+          </ac:spMkLst>
+        </pc:spChg>
+      </pc:sldChg>
+      <pc:sldChg chg="modSp mod">
+        <pc:chgData name="Khattab, Sherif" userId="c83b1e15-36f3-4f46-aceb-05aac24c545e" providerId="ADAL" clId="{9BA15C20-14B1-413E-8179-1AAA42FBF59B}" dt="2021-02-01T14:23:17.298" v="87" actId="20577"/>
+        <pc:sldMkLst>
+          <pc:docMk/>
+          <pc:sldMk cId="2374057061" sldId="498"/>
+        </pc:sldMkLst>
+        <pc:spChg chg="mod">
+          <ac:chgData name="Khattab, Sherif" userId="c83b1e15-36f3-4f46-aceb-05aac24c545e" providerId="ADAL" clId="{9BA15C20-14B1-413E-8179-1AAA42FBF59B}" dt="2021-02-01T14:23:17.298" v="87" actId="20577"/>
+          <ac:spMkLst>
+            <pc:docMk/>
+            <pc:sldMk cId="2374057061" sldId="498"/>
+            <ac:spMk id="3" creationId="{F832F02F-5ABF-4702-A259-B8272D97DD79}"/>
+          </ac:spMkLst>
+        </pc:spChg>
+      </pc:sldChg>
+      <pc:sldChg chg="modSp mod">
+        <pc:chgData name="Khattab, Sherif" userId="c83b1e15-36f3-4f46-aceb-05aac24c545e" providerId="ADAL" clId="{9BA15C20-14B1-413E-8179-1AAA42FBF59B}" dt="2021-02-01T14:23:31.138" v="131" actId="20577"/>
+        <pc:sldMkLst>
+          <pc:docMk/>
+          <pc:sldMk cId="2823856332" sldId="499"/>
+        </pc:sldMkLst>
+        <pc:spChg chg="mod">
+          <ac:chgData name="Khattab, Sherif" userId="c83b1e15-36f3-4f46-aceb-05aac24c545e" providerId="ADAL" clId="{9BA15C20-14B1-413E-8179-1AAA42FBF59B}" dt="2021-02-01T14:23:31.138" v="131" actId="20577"/>
+          <ac:spMkLst>
+            <pc:docMk/>
+            <pc:sldMk cId="2823856332" sldId="499"/>
+            <ac:spMk id="3" creationId="{E1064C43-9078-4C76-A016-C8AE45AE9774}"/>
+          </ac:spMkLst>
+        </pc:spChg>
+      </pc:sldChg>
+      <pc:sldChg chg="del">
+        <pc:chgData name="Khattab, Sherif" userId="c83b1e15-36f3-4f46-aceb-05aac24c545e" providerId="ADAL" clId="{9BA15C20-14B1-413E-8179-1AAA42FBF59B}" dt="2021-02-01T14:23:45.710" v="132" actId="47"/>
+        <pc:sldMkLst>
+          <pc:docMk/>
+          <pc:sldMk cId="2435766761" sldId="503"/>
+        </pc:sldMkLst>
+      </pc:sldChg>
+      <pc:sldChg chg="del">
+        <pc:chgData name="Khattab, Sherif" userId="c83b1e15-36f3-4f46-aceb-05aac24c545e" providerId="ADAL" clId="{9BA15C20-14B1-413E-8179-1AAA42FBF59B}" dt="2021-02-01T14:23:45.710" v="132" actId="47"/>
+        <pc:sldMkLst>
+          <pc:docMk/>
+          <pc:sldMk cId="1128397823" sldId="504"/>
+        </pc:sldMkLst>
+      </pc:sldChg>
+      <pc:sldChg chg="del">
+        <pc:chgData name="Khattab, Sherif" userId="c83b1e15-36f3-4f46-aceb-05aac24c545e" providerId="ADAL" clId="{9BA15C20-14B1-413E-8179-1AAA42FBF59B}" dt="2021-02-01T14:23:45.710" v="132" actId="47"/>
+        <pc:sldMkLst>
+          <pc:docMk/>
+          <pc:sldMk cId="729670177" sldId="505"/>
+        </pc:sldMkLst>
+      </pc:sldChg>
+      <pc:sldChg chg="del">
+        <pc:chgData name="Khattab, Sherif" userId="c83b1e15-36f3-4f46-aceb-05aac24c545e" providerId="ADAL" clId="{9BA15C20-14B1-413E-8179-1AAA42FBF59B}" dt="2021-02-01T14:23:45.710" v="132" actId="47"/>
+        <pc:sldMkLst>
+          <pc:docMk/>
+          <pc:sldMk cId="700442057" sldId="506"/>
+        </pc:sldMkLst>
+      </pc:sldChg>
+      <pc:sldChg chg="del">
+        <pc:chgData name="Khattab, Sherif" userId="c83b1e15-36f3-4f46-aceb-05aac24c545e" providerId="ADAL" clId="{9BA15C20-14B1-413E-8179-1AAA42FBF59B}" dt="2021-02-01T14:23:45.710" v="132" actId="47"/>
+        <pc:sldMkLst>
+          <pc:docMk/>
+          <pc:sldMk cId="1569011807" sldId="507"/>
+        </pc:sldMkLst>
+      </pc:sldChg>
+      <pc:sldChg chg="modSp mod">
+        <pc:chgData name="Khattab, Sherif" userId="c83b1e15-36f3-4f46-aceb-05aac24c545e" providerId="ADAL" clId="{9BA15C20-14B1-413E-8179-1AAA42FBF59B}" dt="2021-02-01T14:24:09.100" v="194" actId="20577"/>
+        <pc:sldMkLst>
+          <pc:docMk/>
+          <pc:sldMk cId="1241308872" sldId="1860"/>
+        </pc:sldMkLst>
+        <pc:spChg chg="mod">
+          <ac:chgData name="Khattab, Sherif" userId="c83b1e15-36f3-4f46-aceb-05aac24c545e" providerId="ADAL" clId="{9BA15C20-14B1-413E-8179-1AAA42FBF59B}" dt="2021-02-01T14:23:53.950" v="150" actId="20577"/>
+          <ac:spMkLst>
+            <pc:docMk/>
+            <pc:sldMk cId="1241308872" sldId="1860"/>
+            <ac:spMk id="2" creationId="{09964AE1-DBFC-2848-B191-FE3ED1AFB0DB}"/>
+          </ac:spMkLst>
+        </pc:spChg>
+        <pc:spChg chg="mod">
+          <ac:chgData name="Khattab, Sherif" userId="c83b1e15-36f3-4f46-aceb-05aac24c545e" providerId="ADAL" clId="{9BA15C20-14B1-413E-8179-1AAA42FBF59B}" dt="2021-02-01T14:24:09.100" v="194" actId="20577"/>
+          <ac:spMkLst>
+            <pc:docMk/>
+            <pc:sldMk cId="1241308872" sldId="1860"/>
+            <ac:spMk id="3" creationId="{BDC81B29-68EF-D34F-B9F6-D9EC25476DFF}"/>
+          </ac:spMkLst>
+        </pc:spChg>
+      </pc:sldChg>
+      <pc:sldChg chg="addSp delSp modSp new mod">
+        <pc:chgData name="Khattab, Sherif" userId="c83b1e15-36f3-4f46-aceb-05aac24c545e" providerId="ADAL" clId="{9BA15C20-14B1-413E-8179-1AAA42FBF59B}" dt="2021-02-02T05:45:31.755" v="218" actId="478"/>
+        <pc:sldMkLst>
+          <pc:docMk/>
+          <pc:sldMk cId="2854800105" sldId="1861"/>
+        </pc:sldMkLst>
+        <pc:spChg chg="mod">
+          <ac:chgData name="Khattab, Sherif" userId="c83b1e15-36f3-4f46-aceb-05aac24c545e" providerId="ADAL" clId="{9BA15C20-14B1-413E-8179-1AAA42FBF59B}" dt="2021-02-02T05:43:16.467" v="210" actId="20577"/>
+          <ac:spMkLst>
+            <pc:docMk/>
+            <pc:sldMk cId="2854800105" sldId="1861"/>
+            <ac:spMk id="2" creationId="{664D60B9-2E56-4B3E-9E8A-86555E3EF1DD}"/>
+          </ac:spMkLst>
+        </pc:spChg>
+        <pc:spChg chg="mod">
+          <ac:chgData name="Khattab, Sherif" userId="c83b1e15-36f3-4f46-aceb-05aac24c545e" providerId="ADAL" clId="{9BA15C20-14B1-413E-8179-1AAA42FBF59B}" dt="2021-02-02T05:43:32.843" v="212" actId="14100"/>
+          <ac:spMkLst>
+            <pc:docMk/>
+            <pc:sldMk cId="2854800105" sldId="1861"/>
+            <ac:spMk id="3" creationId="{FFAFB52B-2E6F-46B9-B30A-1F102EA7AC52}"/>
+          </ac:spMkLst>
+        </pc:spChg>
+        <pc:picChg chg="add del mod">
+          <ac:chgData name="Khattab, Sherif" userId="c83b1e15-36f3-4f46-aceb-05aac24c545e" providerId="ADAL" clId="{9BA15C20-14B1-413E-8179-1AAA42FBF59B}" dt="2021-02-02T05:45:31.755" v="218" actId="478"/>
+          <ac:picMkLst>
+            <pc:docMk/>
+            <pc:sldMk cId="2854800105" sldId="1861"/>
+            <ac:picMk id="8" creationId="{A8410650-E031-4506-B009-6B6B36361F4D}"/>
+          </ac:picMkLst>
+        </pc:picChg>
+        <pc:inkChg chg="add del">
+          <ac:chgData name="Khattab, Sherif" userId="c83b1e15-36f3-4f46-aceb-05aac24c545e" providerId="ADAL" clId="{9BA15C20-14B1-413E-8179-1AAA42FBF59B}" dt="2021-02-02T05:43:50.762" v="213" actId="478"/>
+          <ac:inkMkLst>
+            <pc:docMk/>
+            <pc:sldMk cId="2854800105" sldId="1861"/>
+            <ac:inkMk id="6" creationId="{859A672F-7507-4DF0-965B-F17FE4605304}"/>
+          </ac:inkMkLst>
+        </pc:inkChg>
+      </pc:sldChg>
+      <pc:sldChg chg="addSp delSp modSp new mod">
+        <pc:chgData name="Khattab, Sherif" userId="c83b1e15-36f3-4f46-aceb-05aac24c545e" providerId="ADAL" clId="{9BA15C20-14B1-413E-8179-1AAA42FBF59B}" dt="2021-02-02T05:48:55.725" v="235" actId="14100"/>
+        <pc:sldMkLst>
+          <pc:docMk/>
+          <pc:sldMk cId="3808489731" sldId="1862"/>
+        </pc:sldMkLst>
+        <pc:spChg chg="mod">
+          <ac:chgData name="Khattab, Sherif" userId="c83b1e15-36f3-4f46-aceb-05aac24c545e" providerId="ADAL" clId="{9BA15C20-14B1-413E-8179-1AAA42FBF59B}" dt="2021-02-02T05:45:43.092" v="231" actId="20577"/>
+          <ac:spMkLst>
+            <pc:docMk/>
+            <pc:sldMk cId="3808489731" sldId="1862"/>
+            <ac:spMk id="2" creationId="{3DC95D2F-92E9-4462-B3AA-611F9058730E}"/>
+          </ac:spMkLst>
+        </pc:spChg>
+        <pc:spChg chg="del">
+          <ac:chgData name="Khattab, Sherif" userId="c83b1e15-36f3-4f46-aceb-05aac24c545e" providerId="ADAL" clId="{9BA15C20-14B1-413E-8179-1AAA42FBF59B}" dt="2021-02-02T05:48:48.329" v="232"/>
+          <ac:spMkLst>
+            <pc:docMk/>
+            <pc:sldMk cId="3808489731" sldId="1862"/>
+            <ac:spMk id="3" creationId="{55884909-15C6-4E5B-94F2-1B32C5FBD943}"/>
+          </ac:spMkLst>
+        </pc:spChg>
+        <pc:picChg chg="add mod">
+          <ac:chgData name="Khattab, Sherif" userId="c83b1e15-36f3-4f46-aceb-05aac24c545e" providerId="ADAL" clId="{9BA15C20-14B1-413E-8179-1AAA42FBF59B}" dt="2021-02-02T05:48:55.725" v="235" actId="14100"/>
+          <ac:picMkLst>
+            <pc:docMk/>
+            <pc:sldMk cId="3808489731" sldId="1862"/>
+            <ac:picMk id="7" creationId="{326EE136-F0FD-4B64-9C67-19A711011E37}"/>
+          </ac:picMkLst>
+        </pc:picChg>
+      </pc:sldChg>
+      <pc:sldChg chg="addSp delSp modSp new mod modClrScheme chgLayout">
+        <pc:chgData name="Khattab, Sherif" userId="c83b1e15-36f3-4f46-aceb-05aac24c545e" providerId="ADAL" clId="{9BA15C20-14B1-413E-8179-1AAA42FBF59B}" dt="2021-02-02T05:52:15" v="256" actId="700"/>
+        <pc:sldMkLst>
+          <pc:docMk/>
+          <pc:sldMk cId="551485046" sldId="1863"/>
+        </pc:sldMkLst>
+        <pc:spChg chg="del">
+          <ac:chgData name="Khattab, Sherif" userId="c83b1e15-36f3-4f46-aceb-05aac24c545e" providerId="ADAL" clId="{9BA15C20-14B1-413E-8179-1AAA42FBF59B}" dt="2021-02-02T05:52:09.705" v="255" actId="700"/>
+          <ac:spMkLst>
+            <pc:docMk/>
+            <pc:sldMk cId="551485046" sldId="1863"/>
+            <ac:spMk id="2" creationId="{32EEE0CB-7A9C-4E62-B3D4-ABE532AA6220}"/>
+          </ac:spMkLst>
+        </pc:spChg>
+        <pc:spChg chg="mod ord">
+          <ac:chgData name="Khattab, Sherif" userId="c83b1e15-36f3-4f46-aceb-05aac24c545e" providerId="ADAL" clId="{9BA15C20-14B1-413E-8179-1AAA42FBF59B}" dt="2021-02-02T05:52:15" v="256" actId="700"/>
+          <ac:spMkLst>
+            <pc:docMk/>
+            <pc:sldMk cId="551485046" sldId="1863"/>
+            <ac:spMk id="3" creationId="{F353DFE7-5E48-4678-88F9-249C85D9FB6B}"/>
+          </ac:spMkLst>
+        </pc:spChg>
+        <pc:spChg chg="mod ord">
+          <ac:chgData name="Khattab, Sherif" userId="c83b1e15-36f3-4f46-aceb-05aac24c545e" providerId="ADAL" clId="{9BA15C20-14B1-413E-8179-1AAA42FBF59B}" dt="2021-02-02T05:52:15" v="256" actId="700"/>
+          <ac:spMkLst>
+            <pc:docMk/>
+            <pc:sldMk cId="551485046" sldId="1863"/>
+            <ac:spMk id="4" creationId="{DA4ADD44-E358-497D-A07F-D9946707740D}"/>
+          </ac:spMkLst>
+        </pc:spChg>
+        <pc:spChg chg="add del mod ord">
+          <ac:chgData name="Khattab, Sherif" userId="c83b1e15-36f3-4f46-aceb-05aac24c545e" providerId="ADAL" clId="{9BA15C20-14B1-413E-8179-1AAA42FBF59B}" dt="2021-02-02T05:52:15" v="256" actId="700"/>
+          <ac:spMkLst>
+            <pc:docMk/>
+            <pc:sldMk cId="551485046" sldId="1863"/>
+            <ac:spMk id="7" creationId="{FE8C3318-9D7C-4940-B839-50ED315D246E}"/>
+          </ac:spMkLst>
+        </pc:spChg>
+        <pc:spChg chg="add mod ord">
+          <ac:chgData name="Khattab, Sherif" userId="c83b1e15-36f3-4f46-aceb-05aac24c545e" providerId="ADAL" clId="{9BA15C20-14B1-413E-8179-1AAA42FBF59B}" dt="2021-02-02T05:52:15" v="256" actId="700"/>
+          <ac:spMkLst>
+            <pc:docMk/>
+            <pc:sldMk cId="551485046" sldId="1863"/>
+            <ac:spMk id="8" creationId="{9D6B6965-4F82-4738-80C4-F08AD114D3F6}"/>
+          </ac:spMkLst>
+        </pc:spChg>
+        <pc:picChg chg="add mod">
+          <ac:chgData name="Khattab, Sherif" userId="c83b1e15-36f3-4f46-aceb-05aac24c545e" providerId="ADAL" clId="{9BA15C20-14B1-413E-8179-1AAA42FBF59B}" dt="2021-02-02T05:51:20.087" v="254" actId="962"/>
+          <ac:picMkLst>
+            <pc:docMk/>
+            <pc:sldMk cId="551485046" sldId="1863"/>
+            <ac:picMk id="6" creationId="{81EA26B8-8DD2-49AA-9483-A5CA3C75C6D7}"/>
+          </ac:picMkLst>
+        </pc:picChg>
+      </pc:sldChg>
+      <pc:sldMasterChg chg="del delSldLayout">
+        <pc:chgData name="Khattab, Sherif" userId="c83b1e15-36f3-4f46-aceb-05aac24c545e" providerId="ADAL" clId="{9BA15C20-14B1-413E-8179-1AAA42FBF59B}" dt="2021-02-02T05:52:23.656" v="257" actId="700"/>
+        <pc:sldMasterMkLst>
+          <pc:docMk/>
+          <pc:sldMasterMk cId="809665058" sldId="2147483714"/>
+        </pc:sldMasterMkLst>
+        <pc:sldLayoutChg chg="del">
+          <pc:chgData name="Khattab, Sherif" userId="c83b1e15-36f3-4f46-aceb-05aac24c545e" providerId="ADAL" clId="{9BA15C20-14B1-413E-8179-1AAA42FBF59B}" dt="2021-02-02T05:52:23.656" v="257" actId="700"/>
+          <pc:sldLayoutMkLst>
+            <pc:docMk/>
+            <pc:sldMasterMk cId="809665058" sldId="2147483714"/>
+            <pc:sldLayoutMk cId="455426626" sldId="2147483715"/>
+          </pc:sldLayoutMkLst>
+        </pc:sldLayoutChg>
+        <pc:sldLayoutChg chg="del">
+          <pc:chgData name="Khattab, Sherif" userId="c83b1e15-36f3-4f46-aceb-05aac24c545e" providerId="ADAL" clId="{9BA15C20-14B1-413E-8179-1AAA42FBF59B}" dt="2021-02-02T05:52:23.656" v="257" actId="700"/>
+          <pc:sldLayoutMkLst>
+            <pc:docMk/>
+            <pc:sldMasterMk cId="809665058" sldId="2147483714"/>
+            <pc:sldLayoutMk cId="2429756440" sldId="2147483716"/>
+          </pc:sldLayoutMkLst>
+        </pc:sldLayoutChg>
+        <pc:sldLayoutChg chg="del">
+          <pc:chgData name="Khattab, Sherif" userId="c83b1e15-36f3-4f46-aceb-05aac24c545e" providerId="ADAL" clId="{9BA15C20-14B1-413E-8179-1AAA42FBF59B}" dt="2021-02-02T05:52:23.656" v="257" actId="700"/>
+          <pc:sldLayoutMkLst>
+            <pc:docMk/>
+            <pc:sldMasterMk cId="809665058" sldId="2147483714"/>
+            <pc:sldLayoutMk cId="2438262767" sldId="2147483717"/>
+          </pc:sldLayoutMkLst>
+        </pc:sldLayoutChg>
+        <pc:sldLayoutChg chg="del">
+          <pc:chgData name="Khattab, Sherif" userId="c83b1e15-36f3-4f46-aceb-05aac24c545e" providerId="ADAL" clId="{9BA15C20-14B1-413E-8179-1AAA42FBF59B}" dt="2021-02-02T05:52:23.656" v="257" actId="700"/>
+          <pc:sldLayoutMkLst>
+            <pc:docMk/>
+            <pc:sldMasterMk cId="809665058" sldId="2147483714"/>
+            <pc:sldLayoutMk cId="3492704835" sldId="2147483718"/>
+          </pc:sldLayoutMkLst>
+        </pc:sldLayoutChg>
+        <pc:sldLayoutChg chg="del">
+          <pc:chgData name="Khattab, Sherif" userId="c83b1e15-36f3-4f46-aceb-05aac24c545e" providerId="ADAL" clId="{9BA15C20-14B1-413E-8179-1AAA42FBF59B}" dt="2021-02-02T05:52:23.656" v="257" actId="700"/>
+          <pc:sldLayoutMkLst>
+            <pc:docMk/>
+            <pc:sldMasterMk cId="809665058" sldId="2147483714"/>
+            <pc:sldLayoutMk cId="637508127" sldId="2147483719"/>
+          </pc:sldLayoutMkLst>
+        </pc:sldLayoutChg>
+        <pc:sldLayoutChg chg="del">
+          <pc:chgData name="Khattab, Sherif" userId="c83b1e15-36f3-4f46-aceb-05aac24c545e" providerId="ADAL" clId="{9BA15C20-14B1-413E-8179-1AAA42FBF59B}" dt="2021-02-02T05:52:23.656" v="257" actId="700"/>
+          <pc:sldLayoutMkLst>
+            <pc:docMk/>
+            <pc:sldMasterMk cId="809665058" sldId="2147483714"/>
+            <pc:sldLayoutMk cId="4039971989" sldId="2147483720"/>
+          </pc:sldLayoutMkLst>
+        </pc:sldLayoutChg>
+      </pc:sldMasterChg>
     </pc:docChg>
   </pc:docChgLst>
   <pc:docChgLst>
@@ -818,20 +2288,20 @@
     </pc:docChg>
   </pc:docChgLst>
   <pc:docChgLst>
-    <pc:chgData name="Khattab, Sherif" userId="c83b1e15-36f3-4f46-aceb-05aac24c545e" providerId="ADAL" clId="{ABE519EC-C726-4B17-827D-435B2DB1A03C}"/>
-    <pc:docChg chg="undo custSel addSld delSld modSld sldOrd delMainMaster">
-      <pc:chgData name="Khattab, Sherif" userId="c83b1e15-36f3-4f46-aceb-05aac24c545e" providerId="ADAL" clId="{ABE519EC-C726-4B17-827D-435B2DB1A03C}" dt="2021-09-27T14:30:25.442" v="63" actId="47"/>
+    <pc:chgData name="Khattab, Sherif" userId="c83b1e15-36f3-4f46-aceb-05aac24c545e" providerId="ADAL" clId="{D639D9AC-2645-5840-A06B-951E41DBCC5A}"/>
+    <pc:docChg chg="undo custSel delSld modSld">
+      <pc:chgData name="Khattab, Sherif" userId="c83b1e15-36f3-4f46-aceb-05aac24c545e" providerId="ADAL" clId="{D639D9AC-2645-5840-A06B-951E41DBCC5A}" dt="2021-02-08T04:24:08.584" v="447" actId="20577"/>
       <pc:docMkLst>
         <pc:docMk/>
       </pc:docMkLst>
       <pc:sldChg chg="modSp mod">
-        <pc:chgData name="Khattab, Sherif" userId="c83b1e15-36f3-4f46-aceb-05aac24c545e" providerId="ADAL" clId="{ABE519EC-C726-4B17-827D-435B2DB1A03C}" dt="2021-09-20T14:25:10.389" v="21" actId="6549"/>
+        <pc:chgData name="Khattab, Sherif" userId="c83b1e15-36f3-4f46-aceb-05aac24c545e" providerId="ADAL" clId="{D639D9AC-2645-5840-A06B-951E41DBCC5A}" dt="2021-02-08T04:08:57.997" v="205" actId="20577"/>
         <pc:sldMkLst>
           <pc:docMk/>
           <pc:sldMk cId="1068465410" sldId="496"/>
         </pc:sldMkLst>
         <pc:spChg chg="mod">
-          <ac:chgData name="Khattab, Sherif" userId="c83b1e15-36f3-4f46-aceb-05aac24c545e" providerId="ADAL" clId="{ABE519EC-C726-4B17-827D-435B2DB1A03C}" dt="2021-09-20T14:25:10.389" v="21" actId="6549"/>
+          <ac:chgData name="Khattab, Sherif" userId="c83b1e15-36f3-4f46-aceb-05aac24c545e" providerId="ADAL" clId="{D639D9AC-2645-5840-A06B-951E41DBCC5A}" dt="2021-02-08T04:08:57.997" v="205" actId="20577"/>
           <ac:spMkLst>
             <pc:docMk/>
             <pc:sldMk cId="1068465410" sldId="496"/>
@@ -839,14 +2309,14 @@
           </ac:spMkLst>
         </pc:spChg>
       </pc:sldChg>
-      <pc:sldChg chg="modSp mod">
-        <pc:chgData name="Khattab, Sherif" userId="c83b1e15-36f3-4f46-aceb-05aac24c545e" providerId="ADAL" clId="{ABE519EC-C726-4B17-827D-435B2DB1A03C}" dt="2021-09-20T14:25:52.899" v="48" actId="20577"/>
+      <pc:sldChg chg="modSp">
+        <pc:chgData name="Khattab, Sherif" userId="c83b1e15-36f3-4f46-aceb-05aac24c545e" providerId="ADAL" clId="{D639D9AC-2645-5840-A06B-951E41DBCC5A}" dt="2021-02-08T04:09:27.212" v="207"/>
         <pc:sldMkLst>
           <pc:docMk/>
           <pc:sldMk cId="2374057061" sldId="498"/>
         </pc:sldMkLst>
         <pc:spChg chg="mod">
-          <ac:chgData name="Khattab, Sherif" userId="c83b1e15-36f3-4f46-aceb-05aac24c545e" providerId="ADAL" clId="{ABE519EC-C726-4B17-827D-435B2DB1A03C}" dt="2021-09-20T14:25:52.899" v="48" actId="20577"/>
+          <ac:chgData name="Khattab, Sherif" userId="c83b1e15-36f3-4f46-aceb-05aac24c545e" providerId="ADAL" clId="{D639D9AC-2645-5840-A06B-951E41DBCC5A}" dt="2021-02-08T04:09:27.212" v="207"/>
           <ac:spMkLst>
             <pc:docMk/>
             <pc:sldMk cId="2374057061" sldId="498"/>
@@ -854,837 +2324,14 @@
           </ac:spMkLst>
         </pc:spChg>
       </pc:sldChg>
-      <pc:sldChg chg="del">
-        <pc:chgData name="Khattab, Sherif" userId="c83b1e15-36f3-4f46-aceb-05aac24c545e" providerId="ADAL" clId="{ABE519EC-C726-4B17-827D-435B2DB1A03C}" dt="2021-09-27T14:30:25.442" v="63" actId="47"/>
+      <pc:sldChg chg="modSp mod">
+        <pc:chgData name="Khattab, Sherif" userId="c83b1e15-36f3-4f46-aceb-05aac24c545e" providerId="ADAL" clId="{D639D9AC-2645-5840-A06B-951E41DBCC5A}" dt="2021-02-08T04:23:35.246" v="406" actId="20577"/>
         <pc:sldMkLst>
           <pc:docMk/>
           <pc:sldMk cId="2823856332" sldId="499"/>
         </pc:sldMkLst>
-      </pc:sldChg>
-      <pc:sldChg chg="add">
-        <pc:chgData name="Khattab, Sherif" userId="c83b1e15-36f3-4f46-aceb-05aac24c545e" providerId="ADAL" clId="{ABE519EC-C726-4B17-827D-435B2DB1A03C}" dt="2021-09-15T23:55:28.612" v="1"/>
-        <pc:sldMkLst>
-          <pc:docMk/>
-          <pc:sldMk cId="737806260" sldId="513"/>
-        </pc:sldMkLst>
-      </pc:sldChg>
-      <pc:sldChg chg="del">
-        <pc:chgData name="Khattab, Sherif" userId="c83b1e15-36f3-4f46-aceb-05aac24c545e" providerId="ADAL" clId="{ABE519EC-C726-4B17-827D-435B2DB1A03C}" dt="2021-09-20T14:27:15.220" v="51" actId="47"/>
-        <pc:sldMkLst>
-          <pc:docMk/>
-          <pc:sldMk cId="1241308872" sldId="1860"/>
-        </pc:sldMkLst>
-      </pc:sldChg>
-      <pc:sldChg chg="del">
-        <pc:chgData name="Khattab, Sherif" userId="c83b1e15-36f3-4f46-aceb-05aac24c545e" providerId="ADAL" clId="{ABE519EC-C726-4B17-827D-435B2DB1A03C}" dt="2021-09-20T14:27:17.269" v="52" actId="47"/>
-        <pc:sldMkLst>
-          <pc:docMk/>
-          <pc:sldMk cId="2592895379" sldId="1861"/>
-        </pc:sldMkLst>
-      </pc:sldChg>
-      <pc:sldChg chg="del">
-        <pc:chgData name="Khattab, Sherif" userId="c83b1e15-36f3-4f46-aceb-05aac24c545e" providerId="ADAL" clId="{ABE519EC-C726-4B17-827D-435B2DB1A03C}" dt="2021-09-20T14:27:22.359" v="53" actId="47"/>
-        <pc:sldMkLst>
-          <pc:docMk/>
-          <pc:sldMk cId="1022518262" sldId="1862"/>
-        </pc:sldMkLst>
-      </pc:sldChg>
-      <pc:sldChg chg="add">
-        <pc:chgData name="Khattab, Sherif" userId="c83b1e15-36f3-4f46-aceb-05aac24c545e" providerId="ADAL" clId="{ABE519EC-C726-4B17-827D-435B2DB1A03C}" dt="2021-09-20T14:27:45.116" v="57"/>
-        <pc:sldMkLst>
-          <pc:docMk/>
-          <pc:sldMk cId="2477686467" sldId="1863"/>
-        </pc:sldMkLst>
-      </pc:sldChg>
-      <pc:sldChg chg="del">
-        <pc:chgData name="Khattab, Sherif" userId="c83b1e15-36f3-4f46-aceb-05aac24c545e" providerId="ADAL" clId="{ABE519EC-C726-4B17-827D-435B2DB1A03C}" dt="2021-09-20T14:27:38.060" v="56" actId="2696"/>
-        <pc:sldMkLst>
-          <pc:docMk/>
-          <pc:sldMk cId="3261945428" sldId="1863"/>
-        </pc:sldMkLst>
-      </pc:sldChg>
-      <pc:sldChg chg="del">
-        <pc:chgData name="Khattab, Sherif" userId="c83b1e15-36f3-4f46-aceb-05aac24c545e" providerId="ADAL" clId="{ABE519EC-C726-4B17-827D-435B2DB1A03C}" dt="2021-09-20T14:27:29.766" v="54" actId="2696"/>
-        <pc:sldMkLst>
-          <pc:docMk/>
-          <pc:sldMk cId="1783824730" sldId="1864"/>
-        </pc:sldMkLst>
-      </pc:sldChg>
-      <pc:sldChg chg="add del">
-        <pc:chgData name="Khattab, Sherif" userId="c83b1e15-36f3-4f46-aceb-05aac24c545e" providerId="ADAL" clId="{ABE519EC-C726-4B17-827D-435B2DB1A03C}" dt="2021-09-22T14:37:41.216" v="62" actId="47"/>
-        <pc:sldMkLst>
-          <pc:docMk/>
-          <pc:sldMk cId="3648821903" sldId="1864"/>
-        </pc:sldMkLst>
-      </pc:sldChg>
-      <pc:sldChg chg="del">
-        <pc:chgData name="Khattab, Sherif" userId="c83b1e15-36f3-4f46-aceb-05aac24c545e" providerId="ADAL" clId="{ABE519EC-C726-4B17-827D-435B2DB1A03C}" dt="2021-09-20T14:27:29.766" v="54" actId="2696"/>
-        <pc:sldMkLst>
-          <pc:docMk/>
-          <pc:sldMk cId="523721688" sldId="1865"/>
-        </pc:sldMkLst>
-      </pc:sldChg>
-      <pc:sldChg chg="add del">
-        <pc:chgData name="Khattab, Sherif" userId="c83b1e15-36f3-4f46-aceb-05aac24c545e" providerId="ADAL" clId="{ABE519EC-C726-4B17-827D-435B2DB1A03C}" dt="2021-09-22T14:37:41.216" v="62" actId="47"/>
-        <pc:sldMkLst>
-          <pc:docMk/>
-          <pc:sldMk cId="3910073379" sldId="1865"/>
-        </pc:sldMkLst>
-      </pc:sldChg>
-      <pc:sldChg chg="ord">
-        <pc:chgData name="Khattab, Sherif" userId="c83b1e15-36f3-4f46-aceb-05aac24c545e" providerId="ADAL" clId="{ABE519EC-C726-4B17-827D-435B2DB1A03C}" dt="2021-09-20T14:26:58.530" v="50"/>
-        <pc:sldMkLst>
-          <pc:docMk/>
-          <pc:sldMk cId="1803803003" sldId="1866"/>
-        </pc:sldMkLst>
-      </pc:sldChg>
-      <pc:sldChg chg="add del ord">
-        <pc:chgData name="Khattab, Sherif" userId="c83b1e15-36f3-4f46-aceb-05aac24c545e" providerId="ADAL" clId="{ABE519EC-C726-4B17-827D-435B2DB1A03C}" dt="2021-09-22T14:37:41.216" v="62" actId="47"/>
-        <pc:sldMkLst>
-          <pc:docMk/>
-          <pc:sldMk cId="2678322925" sldId="1867"/>
-        </pc:sldMkLst>
-      </pc:sldChg>
-      <pc:sldChg chg="add del">
-        <pc:chgData name="Khattab, Sherif" userId="c83b1e15-36f3-4f46-aceb-05aac24c545e" providerId="ADAL" clId="{ABE519EC-C726-4B17-827D-435B2DB1A03C}" dt="2021-09-27T14:30:25.442" v="63" actId="47"/>
-        <pc:sldMkLst>
-          <pc:docMk/>
-          <pc:sldMk cId="187683480" sldId="1868"/>
-        </pc:sldMkLst>
-      </pc:sldChg>
-      <pc:sldChg chg="modSp add mod">
-        <pc:chgData name="Khattab, Sherif" userId="c83b1e15-36f3-4f46-aceb-05aac24c545e" providerId="ADAL" clId="{ABE519EC-C726-4B17-827D-435B2DB1A03C}" dt="2021-09-20T14:25:49.359" v="45" actId="21"/>
-        <pc:sldMkLst>
-          <pc:docMk/>
-          <pc:sldMk cId="4136500716" sldId="1869"/>
-        </pc:sldMkLst>
         <pc:spChg chg="mod">
-          <ac:chgData name="Khattab, Sherif" userId="c83b1e15-36f3-4f46-aceb-05aac24c545e" providerId="ADAL" clId="{ABE519EC-C726-4B17-827D-435B2DB1A03C}" dt="2021-09-20T14:25:49.359" v="45" actId="21"/>
-          <ac:spMkLst>
-            <pc:docMk/>
-            <pc:sldMk cId="4136500716" sldId="1869"/>
-            <ac:spMk id="3" creationId="{BDC81B29-68EF-D34F-B9F6-D9EC25476DFF}"/>
-          </ac:spMkLst>
-        </pc:spChg>
-      </pc:sldChg>
-      <pc:sldChg chg="add">
-        <pc:chgData name="Khattab, Sherif" userId="c83b1e15-36f3-4f46-aceb-05aac24c545e" providerId="ADAL" clId="{ABE519EC-C726-4B17-827D-435B2DB1A03C}" dt="2021-09-15T23:55:28.612" v="1"/>
-        <pc:sldMkLst>
-          <pc:docMk/>
-          <pc:sldMk cId="1662342598" sldId="1870"/>
-        </pc:sldMkLst>
-      </pc:sldChg>
-      <pc:sldChg chg="add">
-        <pc:chgData name="Khattab, Sherif" userId="c83b1e15-36f3-4f46-aceb-05aac24c545e" providerId="ADAL" clId="{ABE519EC-C726-4B17-827D-435B2DB1A03C}" dt="2021-09-15T23:55:28.612" v="1"/>
-        <pc:sldMkLst>
-          <pc:docMk/>
-          <pc:sldMk cId="551485046" sldId="1873"/>
-        </pc:sldMkLst>
-      </pc:sldChg>
-      <pc:sldChg chg="add">
-        <pc:chgData name="Khattab, Sherif" userId="c83b1e15-36f3-4f46-aceb-05aac24c545e" providerId="ADAL" clId="{ABE519EC-C726-4B17-827D-435B2DB1A03C}" dt="2021-09-15T23:55:28.612" v="1"/>
-        <pc:sldMkLst>
-          <pc:docMk/>
-          <pc:sldMk cId="868200480" sldId="1874"/>
-        </pc:sldMkLst>
-      </pc:sldChg>
-      <pc:sldChg chg="add">
-        <pc:chgData name="Khattab, Sherif" userId="c83b1e15-36f3-4f46-aceb-05aac24c545e" providerId="ADAL" clId="{ABE519EC-C726-4B17-827D-435B2DB1A03C}" dt="2021-09-15T23:55:28.612" v="1"/>
-        <pc:sldMkLst>
-          <pc:docMk/>
-          <pc:sldMk cId="532154242" sldId="1875"/>
-        </pc:sldMkLst>
-      </pc:sldChg>
-      <pc:sldChg chg="add">
-        <pc:chgData name="Khattab, Sherif" userId="c83b1e15-36f3-4f46-aceb-05aac24c545e" providerId="ADAL" clId="{ABE519EC-C726-4B17-827D-435B2DB1A03C}" dt="2021-09-15T23:55:28.612" v="1"/>
-        <pc:sldMkLst>
-          <pc:docMk/>
-          <pc:sldMk cId="1323836943" sldId="1876"/>
-        </pc:sldMkLst>
-      </pc:sldChg>
-      <pc:sldChg chg="add">
-        <pc:chgData name="Khattab, Sherif" userId="c83b1e15-36f3-4f46-aceb-05aac24c545e" providerId="ADAL" clId="{ABE519EC-C726-4B17-827D-435B2DB1A03C}" dt="2021-09-15T23:55:28.612" v="1"/>
-        <pc:sldMkLst>
-          <pc:docMk/>
-          <pc:sldMk cId="1370532791" sldId="1877"/>
-        </pc:sldMkLst>
-      </pc:sldChg>
-      <pc:sldChg chg="add del">
-        <pc:chgData name="Khattab, Sherif" userId="c83b1e15-36f3-4f46-aceb-05aac24c545e" providerId="ADAL" clId="{ABE519EC-C726-4B17-827D-435B2DB1A03C}" dt="2021-09-22T14:37:08.452" v="61" actId="2696"/>
-        <pc:sldMkLst>
-          <pc:docMk/>
-          <pc:sldMk cId="264922787" sldId="1878"/>
-        </pc:sldMkLst>
-      </pc:sldChg>
-      <pc:sldChg chg="add del">
-        <pc:chgData name="Khattab, Sherif" userId="c83b1e15-36f3-4f46-aceb-05aac24c545e" providerId="ADAL" clId="{ABE519EC-C726-4B17-827D-435B2DB1A03C}" dt="2021-09-22T14:37:41.216" v="62" actId="47"/>
-        <pc:sldMkLst>
-          <pc:docMk/>
-          <pc:sldMk cId="1489909952" sldId="1879"/>
-        </pc:sldMkLst>
-      </pc:sldChg>
-      <pc:sldMasterChg chg="del delSldLayout">
-        <pc:chgData name="Khattab, Sherif" userId="c83b1e15-36f3-4f46-aceb-05aac24c545e" providerId="ADAL" clId="{ABE519EC-C726-4B17-827D-435B2DB1A03C}" dt="2021-09-20T14:27:17.269" v="52" actId="47"/>
-        <pc:sldMasterMkLst>
-          <pc:docMk/>
-          <pc:sldMasterMk cId="2216678085" sldId="2147483660"/>
-        </pc:sldMasterMkLst>
-        <pc:sldLayoutChg chg="del">
-          <pc:chgData name="Khattab, Sherif" userId="c83b1e15-36f3-4f46-aceb-05aac24c545e" providerId="ADAL" clId="{ABE519EC-C726-4B17-827D-435B2DB1A03C}" dt="2021-09-20T14:27:17.269" v="52" actId="47"/>
-          <pc:sldLayoutMkLst>
-            <pc:docMk/>
-            <pc:sldMasterMk cId="2216678085" sldId="2147483660"/>
-            <pc:sldLayoutMk cId="2237080337" sldId="2147483661"/>
-          </pc:sldLayoutMkLst>
-        </pc:sldLayoutChg>
-        <pc:sldLayoutChg chg="del">
-          <pc:chgData name="Khattab, Sherif" userId="c83b1e15-36f3-4f46-aceb-05aac24c545e" providerId="ADAL" clId="{ABE519EC-C726-4B17-827D-435B2DB1A03C}" dt="2021-09-20T14:27:17.269" v="52" actId="47"/>
-          <pc:sldLayoutMkLst>
-            <pc:docMk/>
-            <pc:sldMasterMk cId="2216678085" sldId="2147483660"/>
-            <pc:sldLayoutMk cId="3508980253" sldId="2147483662"/>
-          </pc:sldLayoutMkLst>
-        </pc:sldLayoutChg>
-        <pc:sldLayoutChg chg="del">
-          <pc:chgData name="Khattab, Sherif" userId="c83b1e15-36f3-4f46-aceb-05aac24c545e" providerId="ADAL" clId="{ABE519EC-C726-4B17-827D-435B2DB1A03C}" dt="2021-09-20T14:27:17.269" v="52" actId="47"/>
-          <pc:sldLayoutMkLst>
-            <pc:docMk/>
-            <pc:sldMasterMk cId="2216678085" sldId="2147483660"/>
-            <pc:sldLayoutMk cId="317282064" sldId="2147483663"/>
-          </pc:sldLayoutMkLst>
-        </pc:sldLayoutChg>
-        <pc:sldLayoutChg chg="del">
-          <pc:chgData name="Khattab, Sherif" userId="c83b1e15-36f3-4f46-aceb-05aac24c545e" providerId="ADAL" clId="{ABE519EC-C726-4B17-827D-435B2DB1A03C}" dt="2021-09-20T14:27:17.269" v="52" actId="47"/>
-          <pc:sldLayoutMkLst>
-            <pc:docMk/>
-            <pc:sldMasterMk cId="2216678085" sldId="2147483660"/>
-            <pc:sldLayoutMk cId="1126679005" sldId="2147483664"/>
-          </pc:sldLayoutMkLst>
-        </pc:sldLayoutChg>
-        <pc:sldLayoutChg chg="del">
-          <pc:chgData name="Khattab, Sherif" userId="c83b1e15-36f3-4f46-aceb-05aac24c545e" providerId="ADAL" clId="{ABE519EC-C726-4B17-827D-435B2DB1A03C}" dt="2021-09-20T14:27:17.269" v="52" actId="47"/>
-          <pc:sldLayoutMkLst>
-            <pc:docMk/>
-            <pc:sldMasterMk cId="2216678085" sldId="2147483660"/>
-            <pc:sldLayoutMk cId="2755636992" sldId="2147483665"/>
-          </pc:sldLayoutMkLst>
-        </pc:sldLayoutChg>
-        <pc:sldLayoutChg chg="del">
-          <pc:chgData name="Khattab, Sherif" userId="c83b1e15-36f3-4f46-aceb-05aac24c545e" providerId="ADAL" clId="{ABE519EC-C726-4B17-827D-435B2DB1A03C}" dt="2021-09-20T14:27:17.269" v="52" actId="47"/>
-          <pc:sldLayoutMkLst>
-            <pc:docMk/>
-            <pc:sldMasterMk cId="2216678085" sldId="2147483660"/>
-            <pc:sldLayoutMk cId="1050763418" sldId="2147483666"/>
-          </pc:sldLayoutMkLst>
-        </pc:sldLayoutChg>
-        <pc:sldLayoutChg chg="del">
-          <pc:chgData name="Khattab, Sherif" userId="c83b1e15-36f3-4f46-aceb-05aac24c545e" providerId="ADAL" clId="{ABE519EC-C726-4B17-827D-435B2DB1A03C}" dt="2021-09-20T14:27:17.269" v="52" actId="47"/>
-          <pc:sldLayoutMkLst>
-            <pc:docMk/>
-            <pc:sldMasterMk cId="2216678085" sldId="2147483660"/>
-            <pc:sldLayoutMk cId="3479151805" sldId="2147483667"/>
-          </pc:sldLayoutMkLst>
-        </pc:sldLayoutChg>
-        <pc:sldLayoutChg chg="del">
-          <pc:chgData name="Khattab, Sherif" userId="c83b1e15-36f3-4f46-aceb-05aac24c545e" providerId="ADAL" clId="{ABE519EC-C726-4B17-827D-435B2DB1A03C}" dt="2021-09-20T14:27:17.269" v="52" actId="47"/>
-          <pc:sldLayoutMkLst>
-            <pc:docMk/>
-            <pc:sldMasterMk cId="2216678085" sldId="2147483660"/>
-            <pc:sldLayoutMk cId="1515180900" sldId="2147483668"/>
-          </pc:sldLayoutMkLst>
-        </pc:sldLayoutChg>
-        <pc:sldLayoutChg chg="del">
-          <pc:chgData name="Khattab, Sherif" userId="c83b1e15-36f3-4f46-aceb-05aac24c545e" providerId="ADAL" clId="{ABE519EC-C726-4B17-827D-435B2DB1A03C}" dt="2021-09-20T14:27:17.269" v="52" actId="47"/>
-          <pc:sldLayoutMkLst>
-            <pc:docMk/>
-            <pc:sldMasterMk cId="2216678085" sldId="2147483660"/>
-            <pc:sldLayoutMk cId="4267323919" sldId="2147483669"/>
-          </pc:sldLayoutMkLst>
-        </pc:sldLayoutChg>
-        <pc:sldLayoutChg chg="del">
-          <pc:chgData name="Khattab, Sherif" userId="c83b1e15-36f3-4f46-aceb-05aac24c545e" providerId="ADAL" clId="{ABE519EC-C726-4B17-827D-435B2DB1A03C}" dt="2021-09-20T14:27:17.269" v="52" actId="47"/>
-          <pc:sldLayoutMkLst>
-            <pc:docMk/>
-            <pc:sldMasterMk cId="2216678085" sldId="2147483660"/>
-            <pc:sldLayoutMk cId="1587668989" sldId="2147483670"/>
-          </pc:sldLayoutMkLst>
-        </pc:sldLayoutChg>
-        <pc:sldLayoutChg chg="del">
-          <pc:chgData name="Khattab, Sherif" userId="c83b1e15-36f3-4f46-aceb-05aac24c545e" providerId="ADAL" clId="{ABE519EC-C726-4B17-827D-435B2DB1A03C}" dt="2021-09-20T14:27:17.269" v="52" actId="47"/>
-          <pc:sldLayoutMkLst>
-            <pc:docMk/>
-            <pc:sldMasterMk cId="2216678085" sldId="2147483660"/>
-            <pc:sldLayoutMk cId="3654514396" sldId="2147483671"/>
-          </pc:sldLayoutMkLst>
-        </pc:sldLayoutChg>
-        <pc:sldLayoutChg chg="del">
-          <pc:chgData name="Khattab, Sherif" userId="c83b1e15-36f3-4f46-aceb-05aac24c545e" providerId="ADAL" clId="{ABE519EC-C726-4B17-827D-435B2DB1A03C}" dt="2021-09-20T14:27:17.269" v="52" actId="47"/>
-          <pc:sldLayoutMkLst>
-            <pc:docMk/>
-            <pc:sldMasterMk cId="2216678085" sldId="2147483660"/>
-            <pc:sldLayoutMk cId="3908350061" sldId="2147483672"/>
-          </pc:sldLayoutMkLst>
-        </pc:sldLayoutChg>
-        <pc:sldLayoutChg chg="del">
-          <pc:chgData name="Khattab, Sherif" userId="c83b1e15-36f3-4f46-aceb-05aac24c545e" providerId="ADAL" clId="{ABE519EC-C726-4B17-827D-435B2DB1A03C}" dt="2021-09-20T14:27:17.269" v="52" actId="47"/>
-          <pc:sldLayoutMkLst>
-            <pc:docMk/>
-            <pc:sldMasterMk cId="2216678085" sldId="2147483660"/>
-            <pc:sldLayoutMk cId="3397595700" sldId="2147483673"/>
-          </pc:sldLayoutMkLst>
-        </pc:sldLayoutChg>
-        <pc:sldLayoutChg chg="del">
-          <pc:chgData name="Khattab, Sherif" userId="c83b1e15-36f3-4f46-aceb-05aac24c545e" providerId="ADAL" clId="{ABE519EC-C726-4B17-827D-435B2DB1A03C}" dt="2021-09-20T14:27:17.269" v="52" actId="47"/>
-          <pc:sldLayoutMkLst>
-            <pc:docMk/>
-            <pc:sldMasterMk cId="2216678085" sldId="2147483660"/>
-            <pc:sldLayoutMk cId="527993675" sldId="2147483674"/>
-          </pc:sldLayoutMkLst>
-        </pc:sldLayoutChg>
-        <pc:sldLayoutChg chg="del">
-          <pc:chgData name="Khattab, Sherif" userId="c83b1e15-36f3-4f46-aceb-05aac24c545e" providerId="ADAL" clId="{ABE519EC-C726-4B17-827D-435B2DB1A03C}" dt="2021-09-20T14:27:17.269" v="52" actId="47"/>
-          <pc:sldLayoutMkLst>
-            <pc:docMk/>
-            <pc:sldMasterMk cId="2216678085" sldId="2147483660"/>
-            <pc:sldLayoutMk cId="1222346262" sldId="2147483675"/>
-          </pc:sldLayoutMkLst>
-        </pc:sldLayoutChg>
-        <pc:sldLayoutChg chg="del">
-          <pc:chgData name="Khattab, Sherif" userId="c83b1e15-36f3-4f46-aceb-05aac24c545e" providerId="ADAL" clId="{ABE519EC-C726-4B17-827D-435B2DB1A03C}" dt="2021-09-20T14:27:17.269" v="52" actId="47"/>
-          <pc:sldLayoutMkLst>
-            <pc:docMk/>
-            <pc:sldMasterMk cId="2216678085" sldId="2147483660"/>
-            <pc:sldLayoutMk cId="837065623" sldId="2147483676"/>
-          </pc:sldLayoutMkLst>
-        </pc:sldLayoutChg>
-        <pc:sldLayoutChg chg="del">
-          <pc:chgData name="Khattab, Sherif" userId="c83b1e15-36f3-4f46-aceb-05aac24c545e" providerId="ADAL" clId="{ABE519EC-C726-4B17-827D-435B2DB1A03C}" dt="2021-09-20T14:27:17.269" v="52" actId="47"/>
-          <pc:sldLayoutMkLst>
-            <pc:docMk/>
-            <pc:sldMasterMk cId="2216678085" sldId="2147483660"/>
-            <pc:sldLayoutMk cId="2253026247" sldId="2147483677"/>
-          </pc:sldLayoutMkLst>
-        </pc:sldLayoutChg>
-        <pc:sldLayoutChg chg="del">
-          <pc:chgData name="Khattab, Sherif" userId="c83b1e15-36f3-4f46-aceb-05aac24c545e" providerId="ADAL" clId="{ABE519EC-C726-4B17-827D-435B2DB1A03C}" dt="2021-09-20T14:27:17.269" v="52" actId="47"/>
-          <pc:sldLayoutMkLst>
-            <pc:docMk/>
-            <pc:sldMasterMk cId="2216678085" sldId="2147483660"/>
-            <pc:sldLayoutMk cId="511186802" sldId="2147483678"/>
-          </pc:sldLayoutMkLst>
-        </pc:sldLayoutChg>
-        <pc:sldLayoutChg chg="del">
-          <pc:chgData name="Khattab, Sherif" userId="c83b1e15-36f3-4f46-aceb-05aac24c545e" providerId="ADAL" clId="{ABE519EC-C726-4B17-827D-435B2DB1A03C}" dt="2021-09-20T14:27:17.269" v="52" actId="47"/>
-          <pc:sldLayoutMkLst>
-            <pc:docMk/>
-            <pc:sldMasterMk cId="2216678085" sldId="2147483660"/>
-            <pc:sldLayoutMk cId="2360601784" sldId="2147483679"/>
-          </pc:sldLayoutMkLst>
-        </pc:sldLayoutChg>
-        <pc:sldLayoutChg chg="del">
-          <pc:chgData name="Khattab, Sherif" userId="c83b1e15-36f3-4f46-aceb-05aac24c545e" providerId="ADAL" clId="{ABE519EC-C726-4B17-827D-435B2DB1A03C}" dt="2021-09-20T14:27:17.269" v="52" actId="47"/>
-          <pc:sldLayoutMkLst>
-            <pc:docMk/>
-            <pc:sldMasterMk cId="2216678085" sldId="2147483660"/>
-            <pc:sldLayoutMk cId="1111290244" sldId="2147483680"/>
-          </pc:sldLayoutMkLst>
-        </pc:sldLayoutChg>
-        <pc:sldLayoutChg chg="del">
-          <pc:chgData name="Khattab, Sherif" userId="c83b1e15-36f3-4f46-aceb-05aac24c545e" providerId="ADAL" clId="{ABE519EC-C726-4B17-827D-435B2DB1A03C}" dt="2021-09-20T14:27:17.269" v="52" actId="47"/>
-          <pc:sldLayoutMkLst>
-            <pc:docMk/>
-            <pc:sldMasterMk cId="2216678085" sldId="2147483660"/>
-            <pc:sldLayoutMk cId="480430714" sldId="2147483681"/>
-          </pc:sldLayoutMkLst>
-        </pc:sldLayoutChg>
-        <pc:sldLayoutChg chg="del">
-          <pc:chgData name="Khattab, Sherif" userId="c83b1e15-36f3-4f46-aceb-05aac24c545e" providerId="ADAL" clId="{ABE519EC-C726-4B17-827D-435B2DB1A03C}" dt="2021-09-20T14:27:17.269" v="52" actId="47"/>
-          <pc:sldLayoutMkLst>
-            <pc:docMk/>
-            <pc:sldMasterMk cId="2216678085" sldId="2147483660"/>
-            <pc:sldLayoutMk cId="3488805783" sldId="2147483682"/>
-          </pc:sldLayoutMkLst>
-        </pc:sldLayoutChg>
-        <pc:sldLayoutChg chg="del">
-          <pc:chgData name="Khattab, Sherif" userId="c83b1e15-36f3-4f46-aceb-05aac24c545e" providerId="ADAL" clId="{ABE519EC-C726-4B17-827D-435B2DB1A03C}" dt="2021-09-20T14:27:17.269" v="52" actId="47"/>
-          <pc:sldLayoutMkLst>
-            <pc:docMk/>
-            <pc:sldMasterMk cId="2216678085" sldId="2147483660"/>
-            <pc:sldLayoutMk cId="3219130692" sldId="2147483683"/>
-          </pc:sldLayoutMkLst>
-        </pc:sldLayoutChg>
-        <pc:sldLayoutChg chg="del">
-          <pc:chgData name="Khattab, Sherif" userId="c83b1e15-36f3-4f46-aceb-05aac24c545e" providerId="ADAL" clId="{ABE519EC-C726-4B17-827D-435B2DB1A03C}" dt="2021-09-20T14:27:17.269" v="52" actId="47"/>
-          <pc:sldLayoutMkLst>
-            <pc:docMk/>
-            <pc:sldMasterMk cId="2216678085" sldId="2147483660"/>
-            <pc:sldLayoutMk cId="2653694361" sldId="2147483684"/>
-          </pc:sldLayoutMkLst>
-        </pc:sldLayoutChg>
-        <pc:sldLayoutChg chg="del">
-          <pc:chgData name="Khattab, Sherif" userId="c83b1e15-36f3-4f46-aceb-05aac24c545e" providerId="ADAL" clId="{ABE519EC-C726-4B17-827D-435B2DB1A03C}" dt="2021-09-20T14:27:17.269" v="52" actId="47"/>
-          <pc:sldLayoutMkLst>
-            <pc:docMk/>
-            <pc:sldMasterMk cId="2216678085" sldId="2147483660"/>
-            <pc:sldLayoutMk cId="2060246161" sldId="2147483685"/>
-          </pc:sldLayoutMkLst>
-        </pc:sldLayoutChg>
-        <pc:sldLayoutChg chg="del">
-          <pc:chgData name="Khattab, Sherif" userId="c83b1e15-36f3-4f46-aceb-05aac24c545e" providerId="ADAL" clId="{ABE519EC-C726-4B17-827D-435B2DB1A03C}" dt="2021-09-20T14:27:17.269" v="52" actId="47"/>
-          <pc:sldLayoutMkLst>
-            <pc:docMk/>
-            <pc:sldMasterMk cId="2216678085" sldId="2147483660"/>
-            <pc:sldLayoutMk cId="1666826863" sldId="2147483686"/>
-          </pc:sldLayoutMkLst>
-        </pc:sldLayoutChg>
-      </pc:sldMasterChg>
-    </pc:docChg>
-  </pc:docChgLst>
-  <pc:docChgLst>
-    <pc:chgData name="Sherif Khattab" userId="c83b1e15-36f3-4f46-aceb-05aac24c545e" providerId="ADAL" clId="{2DAB129D-2F8E-4311-A3C4-D0586044F1CD}"/>
-    <pc:docChg chg="custSel addSld modSld sldOrd">
-      <pc:chgData name="Sherif Khattab" userId="c83b1e15-36f3-4f46-aceb-05aac24c545e" providerId="ADAL" clId="{2DAB129D-2F8E-4311-A3C4-D0586044F1CD}" dt="2021-02-09T00:35:03.824" v="260" actId="1076"/>
-      <pc:docMkLst>
-        <pc:docMk/>
-      </pc:docMkLst>
-      <pc:sldChg chg="addSp delSp modSp new mod ord">
-        <pc:chgData name="Sherif Khattab" userId="c83b1e15-36f3-4f46-aceb-05aac24c545e" providerId="ADAL" clId="{2DAB129D-2F8E-4311-A3C4-D0586044F1CD}" dt="2021-02-09T00:33:20.031" v="239" actId="14100"/>
-        <pc:sldMkLst>
-          <pc:docMk/>
-          <pc:sldMk cId="1022518262" sldId="1862"/>
-        </pc:sldMkLst>
-        <pc:spChg chg="mod">
-          <ac:chgData name="Sherif Khattab" userId="c83b1e15-36f3-4f46-aceb-05aac24c545e" providerId="ADAL" clId="{2DAB129D-2F8E-4311-A3C4-D0586044F1CD}" dt="2021-02-09T00:28:37.633" v="30" actId="20577"/>
-          <ac:spMkLst>
-            <pc:docMk/>
-            <pc:sldMk cId="1022518262" sldId="1862"/>
-            <ac:spMk id="2" creationId="{47C1F164-3257-4902-AB0C-27EBB3026824}"/>
-          </ac:spMkLst>
-        </pc:spChg>
-        <pc:spChg chg="del">
-          <ac:chgData name="Sherif Khattab" userId="c83b1e15-36f3-4f46-aceb-05aac24c545e" providerId="ADAL" clId="{2DAB129D-2F8E-4311-A3C4-D0586044F1CD}" dt="2021-02-09T00:28:32.065" v="27" actId="478"/>
-          <ac:spMkLst>
-            <pc:docMk/>
-            <pc:sldMk cId="1022518262" sldId="1862"/>
-            <ac:spMk id="3" creationId="{FED903DB-A1C8-4B76-B383-4B669EEA1282}"/>
-          </ac:spMkLst>
-        </pc:spChg>
-        <pc:picChg chg="add del mod">
-          <ac:chgData name="Sherif Khattab" userId="c83b1e15-36f3-4f46-aceb-05aac24c545e" providerId="ADAL" clId="{2DAB129D-2F8E-4311-A3C4-D0586044F1CD}" dt="2021-02-09T00:33:11.859" v="235" actId="478"/>
-          <ac:picMkLst>
-            <pc:docMk/>
-            <pc:sldMk cId="1022518262" sldId="1862"/>
-            <ac:picMk id="7" creationId="{3EA2ED64-E4FD-4642-9ADF-DFAE1D8D0F34}"/>
-          </ac:picMkLst>
-        </pc:picChg>
-        <pc:picChg chg="add mod">
-          <ac:chgData name="Sherif Khattab" userId="c83b1e15-36f3-4f46-aceb-05aac24c545e" providerId="ADAL" clId="{2DAB129D-2F8E-4311-A3C4-D0586044F1CD}" dt="2021-02-09T00:33:20.031" v="239" actId="14100"/>
-          <ac:picMkLst>
-            <pc:docMk/>
-            <pc:sldMk cId="1022518262" sldId="1862"/>
-            <ac:picMk id="9" creationId="{962B7712-2FE5-4588-87C0-5CF42C1D010C}"/>
-          </ac:picMkLst>
-        </pc:picChg>
-      </pc:sldChg>
-      <pc:sldChg chg="addSp modSp new mod">
-        <pc:chgData name="Sherif Khattab" userId="c83b1e15-36f3-4f46-aceb-05aac24c545e" providerId="ADAL" clId="{2DAB129D-2F8E-4311-A3C4-D0586044F1CD}" dt="2021-02-09T00:29:16.582" v="46" actId="1076"/>
-        <pc:sldMkLst>
-          <pc:docMk/>
-          <pc:sldMk cId="3261945428" sldId="1863"/>
-        </pc:sldMkLst>
-        <pc:spChg chg="mod">
-          <ac:chgData name="Sherif Khattab" userId="c83b1e15-36f3-4f46-aceb-05aac24c545e" providerId="ADAL" clId="{2DAB129D-2F8E-4311-A3C4-D0586044F1CD}" dt="2021-02-09T00:29:07.949" v="43" actId="20577"/>
-          <ac:spMkLst>
-            <pc:docMk/>
-            <pc:sldMk cId="3261945428" sldId="1863"/>
-            <ac:spMk id="2" creationId="{B85703BB-0C2C-440E-97CB-D0AAD5594168}"/>
-          </ac:spMkLst>
-        </pc:spChg>
-        <pc:picChg chg="add mod">
-          <ac:chgData name="Sherif Khattab" userId="c83b1e15-36f3-4f46-aceb-05aac24c545e" providerId="ADAL" clId="{2DAB129D-2F8E-4311-A3C4-D0586044F1CD}" dt="2021-02-09T00:29:16.582" v="46" actId="1076"/>
-          <ac:picMkLst>
-            <pc:docMk/>
-            <pc:sldMk cId="3261945428" sldId="1863"/>
-            <ac:picMk id="7" creationId="{94B8E0FC-8E9F-47F8-97F4-40484260D97A}"/>
-          </ac:picMkLst>
-        </pc:picChg>
-      </pc:sldChg>
-      <pc:sldChg chg="addSp delSp modSp new mod">
-        <pc:chgData name="Sherif Khattab" userId="c83b1e15-36f3-4f46-aceb-05aac24c545e" providerId="ADAL" clId="{2DAB129D-2F8E-4311-A3C4-D0586044F1CD}" dt="2021-02-09T00:35:03.824" v="260" actId="1076"/>
-        <pc:sldMkLst>
-          <pc:docMk/>
-          <pc:sldMk cId="1783824730" sldId="1864"/>
-        </pc:sldMkLst>
-        <pc:spChg chg="mod">
-          <ac:chgData name="Sherif Khattab" userId="c83b1e15-36f3-4f46-aceb-05aac24c545e" providerId="ADAL" clId="{2DAB129D-2F8E-4311-A3C4-D0586044F1CD}" dt="2021-02-09T00:30:19.750" v="87" actId="20577"/>
-          <ac:spMkLst>
-            <pc:docMk/>
-            <pc:sldMk cId="1783824730" sldId="1864"/>
-            <ac:spMk id="2" creationId="{A4441F81-F0D4-4E8E-86E7-D8569D627F98}"/>
-          </ac:spMkLst>
-        </pc:spChg>
-        <pc:spChg chg="mod">
-          <ac:chgData name="Sherif Khattab" userId="c83b1e15-36f3-4f46-aceb-05aac24c545e" providerId="ADAL" clId="{2DAB129D-2F8E-4311-A3C4-D0586044F1CD}" dt="2021-02-09T00:34:29.724" v="254" actId="5793"/>
-          <ac:spMkLst>
-            <pc:docMk/>
-            <pc:sldMk cId="1783824730" sldId="1864"/>
-            <ac:spMk id="3" creationId="{38B6972C-0D0C-46D2-B4AE-D234C6DD0EA5}"/>
-          </ac:spMkLst>
-        </pc:spChg>
-        <pc:picChg chg="add mod">
-          <ac:chgData name="Sherif Khattab" userId="c83b1e15-36f3-4f46-aceb-05aac24c545e" providerId="ADAL" clId="{2DAB129D-2F8E-4311-A3C4-D0586044F1CD}" dt="2021-02-09T00:34:15.141" v="251" actId="1076"/>
-          <ac:picMkLst>
-            <pc:docMk/>
-            <pc:sldMk cId="1783824730" sldId="1864"/>
-            <ac:picMk id="7" creationId="{EEBD0001-CAB0-4E99-99A4-CB2BA5B5BD9F}"/>
-          </ac:picMkLst>
-        </pc:picChg>
-        <pc:picChg chg="add del mod">
-          <ac:chgData name="Sherif Khattab" userId="c83b1e15-36f3-4f46-aceb-05aac24c545e" providerId="ADAL" clId="{2DAB129D-2F8E-4311-A3C4-D0586044F1CD}" dt="2021-02-09T00:34:55.617" v="255" actId="478"/>
-          <ac:picMkLst>
-            <pc:docMk/>
-            <pc:sldMk cId="1783824730" sldId="1864"/>
-            <ac:picMk id="9" creationId="{E041D292-66D9-4EB9-BDB8-A781BCABF8FB}"/>
-          </ac:picMkLst>
-        </pc:picChg>
-        <pc:picChg chg="add mod">
-          <ac:chgData name="Sherif Khattab" userId="c83b1e15-36f3-4f46-aceb-05aac24c545e" providerId="ADAL" clId="{2DAB129D-2F8E-4311-A3C4-D0586044F1CD}" dt="2021-02-09T00:35:03.824" v="260" actId="1076"/>
-          <ac:picMkLst>
-            <pc:docMk/>
-            <pc:sldMk cId="1783824730" sldId="1864"/>
-            <ac:picMk id="11" creationId="{89ABCD76-ABDF-4899-9CAE-1BEE867436DB}"/>
-          </ac:picMkLst>
-        </pc:picChg>
-      </pc:sldChg>
-      <pc:sldChg chg="addSp modSp new mod">
-        <pc:chgData name="Sherif Khattab" userId="c83b1e15-36f3-4f46-aceb-05aac24c545e" providerId="ADAL" clId="{2DAB129D-2F8E-4311-A3C4-D0586044F1CD}" dt="2021-02-09T00:31:29.473" v="198" actId="20577"/>
-        <pc:sldMkLst>
-          <pc:docMk/>
-          <pc:sldMk cId="523721688" sldId="1865"/>
-        </pc:sldMkLst>
-        <pc:spChg chg="mod">
-          <ac:chgData name="Sherif Khattab" userId="c83b1e15-36f3-4f46-aceb-05aac24c545e" providerId="ADAL" clId="{2DAB129D-2F8E-4311-A3C4-D0586044F1CD}" dt="2021-02-09T00:31:10.562" v="156" actId="20577"/>
-          <ac:spMkLst>
-            <pc:docMk/>
-            <pc:sldMk cId="523721688" sldId="1865"/>
-            <ac:spMk id="2" creationId="{736670F7-21F8-415D-80C1-BCDCE2F33B7E}"/>
-          </ac:spMkLst>
-        </pc:spChg>
-        <pc:spChg chg="mod">
-          <ac:chgData name="Sherif Khattab" userId="c83b1e15-36f3-4f46-aceb-05aac24c545e" providerId="ADAL" clId="{2DAB129D-2F8E-4311-A3C4-D0586044F1CD}" dt="2021-02-09T00:31:29.473" v="198" actId="20577"/>
-          <ac:spMkLst>
-            <pc:docMk/>
-            <pc:sldMk cId="523721688" sldId="1865"/>
-            <ac:spMk id="3" creationId="{CCB838CB-D4EE-4AB3-B701-A57D1107BD7D}"/>
-          </ac:spMkLst>
-        </pc:spChg>
-        <pc:picChg chg="add mod">
-          <ac:chgData name="Sherif Khattab" userId="c83b1e15-36f3-4f46-aceb-05aac24c545e" providerId="ADAL" clId="{2DAB129D-2F8E-4311-A3C4-D0586044F1CD}" dt="2021-02-09T00:31:16.752" v="159" actId="1076"/>
-          <ac:picMkLst>
-            <pc:docMk/>
-            <pc:sldMk cId="523721688" sldId="1865"/>
-            <ac:picMk id="7" creationId="{55247AE8-4A9F-4E4E-A9AE-6B18B38BE185}"/>
-          </ac:picMkLst>
-        </pc:picChg>
-      </pc:sldChg>
-      <pc:sldChg chg="addSp modSp new mod">
-        <pc:chgData name="Sherif Khattab" userId="c83b1e15-36f3-4f46-aceb-05aac24c545e" providerId="ADAL" clId="{2DAB129D-2F8E-4311-A3C4-D0586044F1CD}" dt="2021-02-09T00:32:01.205" v="212" actId="1076"/>
-        <pc:sldMkLst>
-          <pc:docMk/>
-          <pc:sldMk cId="1803803003" sldId="1866"/>
-        </pc:sldMkLst>
-        <pc:spChg chg="mod">
-          <ac:chgData name="Sherif Khattab" userId="c83b1e15-36f3-4f46-aceb-05aac24c545e" providerId="ADAL" clId="{2DAB129D-2F8E-4311-A3C4-D0586044F1CD}" dt="2021-02-09T00:31:55.244" v="209" actId="20577"/>
-          <ac:spMkLst>
-            <pc:docMk/>
-            <pc:sldMk cId="1803803003" sldId="1866"/>
-            <ac:spMk id="2" creationId="{9D5EF159-613A-48A2-8E13-719516ECD324}"/>
-          </ac:spMkLst>
-        </pc:spChg>
-        <pc:picChg chg="add mod">
-          <ac:chgData name="Sherif Khattab" userId="c83b1e15-36f3-4f46-aceb-05aac24c545e" providerId="ADAL" clId="{2DAB129D-2F8E-4311-A3C4-D0586044F1CD}" dt="2021-02-09T00:32:01.205" v="212" actId="1076"/>
-          <ac:picMkLst>
-            <pc:docMk/>
-            <pc:sldMk cId="1803803003" sldId="1866"/>
-            <ac:picMk id="7" creationId="{E7C7C68C-77D1-4458-907B-0AFFC59FA628}"/>
-          </ac:picMkLst>
-        </pc:picChg>
-      </pc:sldChg>
-      <pc:sldChg chg="addSp modSp new mod">
-        <pc:chgData name="Sherif Khattab" userId="c83b1e15-36f3-4f46-aceb-05aac24c545e" providerId="ADAL" clId="{2DAB129D-2F8E-4311-A3C4-D0586044F1CD}" dt="2021-02-09T00:32:30.633" v="234" actId="1076"/>
-        <pc:sldMkLst>
-          <pc:docMk/>
-          <pc:sldMk cId="2678322925" sldId="1867"/>
-        </pc:sldMkLst>
-        <pc:spChg chg="mod">
-          <ac:chgData name="Sherif Khattab" userId="c83b1e15-36f3-4f46-aceb-05aac24c545e" providerId="ADAL" clId="{2DAB129D-2F8E-4311-A3C4-D0586044F1CD}" dt="2021-02-09T00:32:24.825" v="231" actId="20577"/>
-          <ac:spMkLst>
-            <pc:docMk/>
-            <pc:sldMk cId="2678322925" sldId="1867"/>
-            <ac:spMk id="2" creationId="{9EA0D00B-6A03-42AC-8115-1DE4BCAE4DFA}"/>
-          </ac:spMkLst>
-        </pc:spChg>
-        <pc:picChg chg="add mod">
-          <ac:chgData name="Sherif Khattab" userId="c83b1e15-36f3-4f46-aceb-05aac24c545e" providerId="ADAL" clId="{2DAB129D-2F8E-4311-A3C4-D0586044F1CD}" dt="2021-02-09T00:32:30.633" v="234" actId="1076"/>
-          <ac:picMkLst>
-            <pc:docMk/>
-            <pc:sldMk cId="2678322925" sldId="1867"/>
-            <ac:picMk id="7" creationId="{4C5246CB-983F-454C-B528-1724F990B42B}"/>
-          </ac:picMkLst>
-        </pc:picChg>
-      </pc:sldChg>
-    </pc:docChg>
-  </pc:docChgLst>
-  <pc:docChgLst>
-    <pc:chgData name="Khattab, Sherif" userId="c83b1e15-36f3-4f46-aceb-05aac24c545e" providerId="ADAL" clId="{9BA15C20-14B1-413E-8179-1AAA42FBF59B}"/>
-    <pc:docChg chg="undo custSel addSld delSld modSld delMainMaster">
-      <pc:chgData name="Khattab, Sherif" userId="c83b1e15-36f3-4f46-aceb-05aac24c545e" providerId="ADAL" clId="{9BA15C20-14B1-413E-8179-1AAA42FBF59B}" dt="2021-02-02T05:52:23.656" v="257" actId="700"/>
-      <pc:docMkLst>
-        <pc:docMk/>
-      </pc:docMkLst>
-      <pc:sldChg chg="del">
-        <pc:chgData name="Khattab, Sherif" userId="c83b1e15-36f3-4f46-aceb-05aac24c545e" providerId="ADAL" clId="{9BA15C20-14B1-413E-8179-1AAA42FBF59B}" dt="2021-02-01T14:23:45.710" v="132" actId="47"/>
-        <pc:sldMkLst>
-          <pc:docMk/>
-          <pc:sldMk cId="62956611" sldId="259"/>
-        </pc:sldMkLst>
-      </pc:sldChg>
-      <pc:sldChg chg="addSp modSp mod modClrScheme chgLayout">
-        <pc:chgData name="Khattab, Sherif" userId="c83b1e15-36f3-4f46-aceb-05aac24c545e" providerId="ADAL" clId="{9BA15C20-14B1-413E-8179-1AAA42FBF59B}" dt="2021-02-02T05:52:23.656" v="257" actId="700"/>
-        <pc:sldMkLst>
-          <pc:docMk/>
-          <pc:sldMk cId="2805000757" sldId="281"/>
-        </pc:sldMkLst>
-        <pc:spChg chg="add mod ord">
-          <ac:chgData name="Khattab, Sherif" userId="c83b1e15-36f3-4f46-aceb-05aac24c545e" providerId="ADAL" clId="{9BA15C20-14B1-413E-8179-1AAA42FBF59B}" dt="2021-02-02T05:52:23.656" v="257" actId="700"/>
-          <ac:spMkLst>
-            <pc:docMk/>
-            <pc:sldMk cId="2805000757" sldId="281"/>
-            <ac:spMk id="2" creationId="{90B60445-6D45-4707-BE57-B39027B8E7D3}"/>
-          </ac:spMkLst>
-        </pc:spChg>
-        <pc:spChg chg="mod ord">
-          <ac:chgData name="Khattab, Sherif" userId="c83b1e15-36f3-4f46-aceb-05aac24c545e" providerId="ADAL" clId="{9BA15C20-14B1-413E-8179-1AAA42FBF59B}" dt="2021-02-02T05:52:23.656" v="257" actId="700"/>
-          <ac:spMkLst>
-            <pc:docMk/>
-            <pc:sldMk cId="2805000757" sldId="281"/>
-            <ac:spMk id="460" creationId="{00000000-0000-0000-0000-000000000000}"/>
-          </ac:spMkLst>
-        </pc:spChg>
-        <pc:spChg chg="mod ord">
-          <ac:chgData name="Khattab, Sherif" userId="c83b1e15-36f3-4f46-aceb-05aac24c545e" providerId="ADAL" clId="{9BA15C20-14B1-413E-8179-1AAA42FBF59B}" dt="2021-02-02T05:52:23.656" v="257" actId="700"/>
-          <ac:spMkLst>
-            <pc:docMk/>
-            <pc:sldMk cId="2805000757" sldId="281"/>
-            <ac:spMk id="462" creationId="{00000000-0000-0000-0000-000000000000}"/>
-          </ac:spMkLst>
-        </pc:spChg>
-      </pc:sldChg>
-      <pc:sldChg chg="addSp modSp mod modClrScheme chgLayout">
-        <pc:chgData name="Khattab, Sherif" userId="c83b1e15-36f3-4f46-aceb-05aac24c545e" providerId="ADAL" clId="{9BA15C20-14B1-413E-8179-1AAA42FBF59B}" dt="2021-02-02T05:52:23.656" v="257" actId="700"/>
-        <pc:sldMkLst>
-          <pc:docMk/>
-          <pc:sldMk cId="644336610" sldId="282"/>
-        </pc:sldMkLst>
-        <pc:spChg chg="add mod ord">
-          <ac:chgData name="Khattab, Sherif" userId="c83b1e15-36f3-4f46-aceb-05aac24c545e" providerId="ADAL" clId="{9BA15C20-14B1-413E-8179-1AAA42FBF59B}" dt="2021-02-02T05:52:23.656" v="257" actId="700"/>
-          <ac:spMkLst>
-            <pc:docMk/>
-            <pc:sldMk cId="644336610" sldId="282"/>
-            <ac:spMk id="2" creationId="{18F6F50C-692C-4BB7-90E4-04D1641EEC95}"/>
-          </ac:spMkLst>
-        </pc:spChg>
-        <pc:spChg chg="mod ord">
-          <ac:chgData name="Khattab, Sherif" userId="c83b1e15-36f3-4f46-aceb-05aac24c545e" providerId="ADAL" clId="{9BA15C20-14B1-413E-8179-1AAA42FBF59B}" dt="2021-02-02T05:52:23.656" v="257" actId="700"/>
-          <ac:spMkLst>
-            <pc:docMk/>
-            <pc:sldMk cId="644336610" sldId="282"/>
-            <ac:spMk id="467" creationId="{00000000-0000-0000-0000-000000000000}"/>
-          </ac:spMkLst>
-        </pc:spChg>
-        <pc:spChg chg="mod ord">
-          <ac:chgData name="Khattab, Sherif" userId="c83b1e15-36f3-4f46-aceb-05aac24c545e" providerId="ADAL" clId="{9BA15C20-14B1-413E-8179-1AAA42FBF59B}" dt="2021-02-02T05:52:23.656" v="257" actId="700"/>
-          <ac:spMkLst>
-            <pc:docMk/>
-            <pc:sldMk cId="644336610" sldId="282"/>
-            <ac:spMk id="469" creationId="{00000000-0000-0000-0000-000000000000}"/>
-          </ac:spMkLst>
-        </pc:spChg>
-      </pc:sldChg>
-      <pc:sldChg chg="addSp modSp mod modClrScheme chgLayout">
-        <pc:chgData name="Khattab, Sherif" userId="c83b1e15-36f3-4f46-aceb-05aac24c545e" providerId="ADAL" clId="{9BA15C20-14B1-413E-8179-1AAA42FBF59B}" dt="2021-02-02T05:52:23.656" v="257" actId="700"/>
-        <pc:sldMkLst>
-          <pc:docMk/>
-          <pc:sldMk cId="3275560456" sldId="283"/>
-        </pc:sldMkLst>
-        <pc:spChg chg="add mod ord">
-          <ac:chgData name="Khattab, Sherif" userId="c83b1e15-36f3-4f46-aceb-05aac24c545e" providerId="ADAL" clId="{9BA15C20-14B1-413E-8179-1AAA42FBF59B}" dt="2021-02-02T05:52:23.656" v="257" actId="700"/>
-          <ac:spMkLst>
-            <pc:docMk/>
-            <pc:sldMk cId="3275560456" sldId="283"/>
-            <ac:spMk id="2" creationId="{D0F334F8-8818-4FCC-8B65-BD40D9C391AB}"/>
-          </ac:spMkLst>
-        </pc:spChg>
-        <pc:spChg chg="mod ord">
-          <ac:chgData name="Khattab, Sherif" userId="c83b1e15-36f3-4f46-aceb-05aac24c545e" providerId="ADAL" clId="{9BA15C20-14B1-413E-8179-1AAA42FBF59B}" dt="2021-02-02T05:52:23.656" v="257" actId="700"/>
-          <ac:spMkLst>
-            <pc:docMk/>
-            <pc:sldMk cId="3275560456" sldId="283"/>
-            <ac:spMk id="474" creationId="{00000000-0000-0000-0000-000000000000}"/>
-          </ac:spMkLst>
-        </pc:spChg>
-        <pc:spChg chg="mod ord">
-          <ac:chgData name="Khattab, Sherif" userId="c83b1e15-36f3-4f46-aceb-05aac24c545e" providerId="ADAL" clId="{9BA15C20-14B1-413E-8179-1AAA42FBF59B}" dt="2021-02-02T05:52:23.656" v="257" actId="700"/>
-          <ac:spMkLst>
-            <pc:docMk/>
-            <pc:sldMk cId="3275560456" sldId="283"/>
-            <ac:spMk id="476" creationId="{00000000-0000-0000-0000-000000000000}"/>
-          </ac:spMkLst>
-        </pc:spChg>
-      </pc:sldChg>
-      <pc:sldChg chg="del">
-        <pc:chgData name="Khattab, Sherif" userId="c83b1e15-36f3-4f46-aceb-05aac24c545e" providerId="ADAL" clId="{9BA15C20-14B1-413E-8179-1AAA42FBF59B}" dt="2021-02-01T14:23:45.710" v="132" actId="47"/>
-        <pc:sldMkLst>
-          <pc:docMk/>
-          <pc:sldMk cId="1273787362" sldId="392"/>
-        </pc:sldMkLst>
-      </pc:sldChg>
-      <pc:sldChg chg="del">
-        <pc:chgData name="Khattab, Sherif" userId="c83b1e15-36f3-4f46-aceb-05aac24c545e" providerId="ADAL" clId="{9BA15C20-14B1-413E-8179-1AAA42FBF59B}" dt="2021-02-01T14:23:45.710" v="132" actId="47"/>
-        <pc:sldMkLst>
-          <pc:docMk/>
-          <pc:sldMk cId="2401930262" sldId="393"/>
-        </pc:sldMkLst>
-      </pc:sldChg>
-      <pc:sldChg chg="del">
-        <pc:chgData name="Khattab, Sherif" userId="c83b1e15-36f3-4f46-aceb-05aac24c545e" providerId="ADAL" clId="{9BA15C20-14B1-413E-8179-1AAA42FBF59B}" dt="2021-02-01T14:23:45.710" v="132" actId="47"/>
-        <pc:sldMkLst>
-          <pc:docMk/>
-          <pc:sldMk cId="811987457" sldId="394"/>
-        </pc:sldMkLst>
-      </pc:sldChg>
-      <pc:sldChg chg="del">
-        <pc:chgData name="Khattab, Sherif" userId="c83b1e15-36f3-4f46-aceb-05aac24c545e" providerId="ADAL" clId="{9BA15C20-14B1-413E-8179-1AAA42FBF59B}" dt="2021-02-01T14:23:45.710" v="132" actId="47"/>
-        <pc:sldMkLst>
-          <pc:docMk/>
-          <pc:sldMk cId="2890204605" sldId="395"/>
-        </pc:sldMkLst>
-      </pc:sldChg>
-      <pc:sldChg chg="del">
-        <pc:chgData name="Khattab, Sherif" userId="c83b1e15-36f3-4f46-aceb-05aac24c545e" providerId="ADAL" clId="{9BA15C20-14B1-413E-8179-1AAA42FBF59B}" dt="2021-02-01T14:23:45.710" v="132" actId="47"/>
-        <pc:sldMkLst>
-          <pc:docMk/>
-          <pc:sldMk cId="2597936913" sldId="396"/>
-        </pc:sldMkLst>
-      </pc:sldChg>
-      <pc:sldChg chg="del">
-        <pc:chgData name="Khattab, Sherif" userId="c83b1e15-36f3-4f46-aceb-05aac24c545e" providerId="ADAL" clId="{9BA15C20-14B1-413E-8179-1AAA42FBF59B}" dt="2021-02-01T14:23:45.710" v="132" actId="47"/>
-        <pc:sldMkLst>
-          <pc:docMk/>
-          <pc:sldMk cId="3574743674" sldId="397"/>
-        </pc:sldMkLst>
-      </pc:sldChg>
-      <pc:sldChg chg="del">
-        <pc:chgData name="Khattab, Sherif" userId="c83b1e15-36f3-4f46-aceb-05aac24c545e" providerId="ADAL" clId="{9BA15C20-14B1-413E-8179-1AAA42FBF59B}" dt="2021-02-01T14:23:45.710" v="132" actId="47"/>
-        <pc:sldMkLst>
-          <pc:docMk/>
-          <pc:sldMk cId="777795780" sldId="398"/>
-        </pc:sldMkLst>
-      </pc:sldChg>
-      <pc:sldChg chg="del">
-        <pc:chgData name="Khattab, Sherif" userId="c83b1e15-36f3-4f46-aceb-05aac24c545e" providerId="ADAL" clId="{9BA15C20-14B1-413E-8179-1AAA42FBF59B}" dt="2021-02-01T14:23:45.710" v="132" actId="47"/>
-        <pc:sldMkLst>
-          <pc:docMk/>
-          <pc:sldMk cId="2945536741" sldId="399"/>
-        </pc:sldMkLst>
-      </pc:sldChg>
-      <pc:sldChg chg="del">
-        <pc:chgData name="Khattab, Sherif" userId="c83b1e15-36f3-4f46-aceb-05aac24c545e" providerId="ADAL" clId="{9BA15C20-14B1-413E-8179-1AAA42FBF59B}" dt="2021-02-01T14:23:45.710" v="132" actId="47"/>
-        <pc:sldMkLst>
-          <pc:docMk/>
-          <pc:sldMk cId="3261447239" sldId="400"/>
-        </pc:sldMkLst>
-      </pc:sldChg>
-      <pc:sldChg chg="del">
-        <pc:chgData name="Khattab, Sherif" userId="c83b1e15-36f3-4f46-aceb-05aac24c545e" providerId="ADAL" clId="{9BA15C20-14B1-413E-8179-1AAA42FBF59B}" dt="2021-02-01T14:23:45.710" v="132" actId="47"/>
-        <pc:sldMkLst>
-          <pc:docMk/>
-          <pc:sldMk cId="225707824" sldId="401"/>
-        </pc:sldMkLst>
-      </pc:sldChg>
-      <pc:sldChg chg="del">
-        <pc:chgData name="Khattab, Sherif" userId="c83b1e15-36f3-4f46-aceb-05aac24c545e" providerId="ADAL" clId="{9BA15C20-14B1-413E-8179-1AAA42FBF59B}" dt="2021-02-01T14:23:45.710" v="132" actId="47"/>
-        <pc:sldMkLst>
-          <pc:docMk/>
-          <pc:sldMk cId="3756086896" sldId="402"/>
-        </pc:sldMkLst>
-      </pc:sldChg>
-      <pc:sldChg chg="del">
-        <pc:chgData name="Khattab, Sherif" userId="c83b1e15-36f3-4f46-aceb-05aac24c545e" providerId="ADAL" clId="{9BA15C20-14B1-413E-8179-1AAA42FBF59B}" dt="2021-02-01T14:23:45.710" v="132" actId="47"/>
-        <pc:sldMkLst>
-          <pc:docMk/>
-          <pc:sldMk cId="1876792183" sldId="403"/>
-        </pc:sldMkLst>
-      </pc:sldChg>
-      <pc:sldChg chg="add">
-        <pc:chgData name="Khattab, Sherif" userId="c83b1e15-36f3-4f46-aceb-05aac24c545e" providerId="ADAL" clId="{9BA15C20-14B1-413E-8179-1AAA42FBF59B}" dt="2021-02-02T05:50:13.749" v="236"/>
-        <pc:sldMkLst>
-          <pc:docMk/>
-          <pc:sldMk cId="2952566816" sldId="403"/>
-        </pc:sldMkLst>
-      </pc:sldChg>
-      <pc:sldChg chg="del">
-        <pc:chgData name="Khattab, Sherif" userId="c83b1e15-36f3-4f46-aceb-05aac24c545e" providerId="ADAL" clId="{9BA15C20-14B1-413E-8179-1AAA42FBF59B}" dt="2021-02-01T14:23:45.710" v="132" actId="47"/>
-        <pc:sldMkLst>
-          <pc:docMk/>
-          <pc:sldMk cId="318118368" sldId="404"/>
-        </pc:sldMkLst>
-      </pc:sldChg>
-      <pc:sldChg chg="add">
-        <pc:chgData name="Khattab, Sherif" userId="c83b1e15-36f3-4f46-aceb-05aac24c545e" providerId="ADAL" clId="{9BA15C20-14B1-413E-8179-1AAA42FBF59B}" dt="2021-02-02T05:50:13.749" v="236"/>
-        <pc:sldMkLst>
-          <pc:docMk/>
-          <pc:sldMk cId="3854579775" sldId="404"/>
-        </pc:sldMkLst>
-      </pc:sldChg>
-      <pc:sldChg chg="modSp mod">
-        <pc:chgData name="Khattab, Sherif" userId="c83b1e15-36f3-4f46-aceb-05aac24c545e" providerId="ADAL" clId="{9BA15C20-14B1-413E-8179-1AAA42FBF59B}" dt="2021-02-01T14:22:54.010" v="46" actId="20577"/>
-        <pc:sldMkLst>
-          <pc:docMk/>
-          <pc:sldMk cId="1068465410" sldId="496"/>
-        </pc:sldMkLst>
-        <pc:spChg chg="mod">
-          <ac:chgData name="Khattab, Sherif" userId="c83b1e15-36f3-4f46-aceb-05aac24c545e" providerId="ADAL" clId="{9BA15C20-14B1-413E-8179-1AAA42FBF59B}" dt="2021-02-01T14:22:54.010" v="46" actId="20577"/>
-          <ac:spMkLst>
-            <pc:docMk/>
-            <pc:sldMk cId="1068465410" sldId="496"/>
-            <ac:spMk id="3" creationId="{2466C52D-9A48-4683-BE7F-268D8DB7FAAD}"/>
-          </ac:spMkLst>
-        </pc:spChg>
-      </pc:sldChg>
-      <pc:sldChg chg="modSp mod">
-        <pc:chgData name="Khattab, Sherif" userId="c83b1e15-36f3-4f46-aceb-05aac24c545e" providerId="ADAL" clId="{9BA15C20-14B1-413E-8179-1AAA42FBF59B}" dt="2021-02-01T14:23:17.298" v="87" actId="20577"/>
-        <pc:sldMkLst>
-          <pc:docMk/>
-          <pc:sldMk cId="2374057061" sldId="498"/>
-        </pc:sldMkLst>
-        <pc:spChg chg="mod">
-          <ac:chgData name="Khattab, Sherif" userId="c83b1e15-36f3-4f46-aceb-05aac24c545e" providerId="ADAL" clId="{9BA15C20-14B1-413E-8179-1AAA42FBF59B}" dt="2021-02-01T14:23:17.298" v="87" actId="20577"/>
-          <ac:spMkLst>
-            <pc:docMk/>
-            <pc:sldMk cId="2374057061" sldId="498"/>
-            <ac:spMk id="3" creationId="{F832F02F-5ABF-4702-A259-B8272D97DD79}"/>
-          </ac:spMkLst>
-        </pc:spChg>
-      </pc:sldChg>
-      <pc:sldChg chg="modSp mod">
-        <pc:chgData name="Khattab, Sherif" userId="c83b1e15-36f3-4f46-aceb-05aac24c545e" providerId="ADAL" clId="{9BA15C20-14B1-413E-8179-1AAA42FBF59B}" dt="2021-02-01T14:23:31.138" v="131" actId="20577"/>
-        <pc:sldMkLst>
-          <pc:docMk/>
-          <pc:sldMk cId="2823856332" sldId="499"/>
-        </pc:sldMkLst>
-        <pc:spChg chg="mod">
-          <ac:chgData name="Khattab, Sherif" userId="c83b1e15-36f3-4f46-aceb-05aac24c545e" providerId="ADAL" clId="{9BA15C20-14B1-413E-8179-1AAA42FBF59B}" dt="2021-02-01T14:23:31.138" v="131" actId="20577"/>
+          <ac:chgData name="Khattab, Sherif" userId="c83b1e15-36f3-4f46-aceb-05aac24c545e" providerId="ADAL" clId="{D639D9AC-2645-5840-A06B-951E41DBCC5A}" dt="2021-02-08T04:23:35.246" v="406" actId="20577"/>
           <ac:spMkLst>
             <pc:docMk/>
             <pc:sldMk cId="2823856332" sldId="499"/>
@@ -1692,57 +2339,14 @@
           </ac:spMkLst>
         </pc:spChg>
       </pc:sldChg>
-      <pc:sldChg chg="del">
-        <pc:chgData name="Khattab, Sherif" userId="c83b1e15-36f3-4f46-aceb-05aac24c545e" providerId="ADAL" clId="{9BA15C20-14B1-413E-8179-1AAA42FBF59B}" dt="2021-02-01T14:23:45.710" v="132" actId="47"/>
-        <pc:sldMkLst>
-          <pc:docMk/>
-          <pc:sldMk cId="2435766761" sldId="503"/>
-        </pc:sldMkLst>
-      </pc:sldChg>
-      <pc:sldChg chg="del">
-        <pc:chgData name="Khattab, Sherif" userId="c83b1e15-36f3-4f46-aceb-05aac24c545e" providerId="ADAL" clId="{9BA15C20-14B1-413E-8179-1AAA42FBF59B}" dt="2021-02-01T14:23:45.710" v="132" actId="47"/>
-        <pc:sldMkLst>
-          <pc:docMk/>
-          <pc:sldMk cId="1128397823" sldId="504"/>
-        </pc:sldMkLst>
-      </pc:sldChg>
-      <pc:sldChg chg="del">
-        <pc:chgData name="Khattab, Sherif" userId="c83b1e15-36f3-4f46-aceb-05aac24c545e" providerId="ADAL" clId="{9BA15C20-14B1-413E-8179-1AAA42FBF59B}" dt="2021-02-01T14:23:45.710" v="132" actId="47"/>
-        <pc:sldMkLst>
-          <pc:docMk/>
-          <pc:sldMk cId="729670177" sldId="505"/>
-        </pc:sldMkLst>
-      </pc:sldChg>
-      <pc:sldChg chg="del">
-        <pc:chgData name="Khattab, Sherif" userId="c83b1e15-36f3-4f46-aceb-05aac24c545e" providerId="ADAL" clId="{9BA15C20-14B1-413E-8179-1AAA42FBF59B}" dt="2021-02-01T14:23:45.710" v="132" actId="47"/>
-        <pc:sldMkLst>
-          <pc:docMk/>
-          <pc:sldMk cId="700442057" sldId="506"/>
-        </pc:sldMkLst>
-      </pc:sldChg>
-      <pc:sldChg chg="del">
-        <pc:chgData name="Khattab, Sherif" userId="c83b1e15-36f3-4f46-aceb-05aac24c545e" providerId="ADAL" clId="{9BA15C20-14B1-413E-8179-1AAA42FBF59B}" dt="2021-02-01T14:23:45.710" v="132" actId="47"/>
-        <pc:sldMkLst>
-          <pc:docMk/>
-          <pc:sldMk cId="1569011807" sldId="507"/>
-        </pc:sldMkLst>
-      </pc:sldChg>
       <pc:sldChg chg="modSp mod">
-        <pc:chgData name="Khattab, Sherif" userId="c83b1e15-36f3-4f46-aceb-05aac24c545e" providerId="ADAL" clId="{9BA15C20-14B1-413E-8179-1AAA42FBF59B}" dt="2021-02-01T14:24:09.100" v="194" actId="20577"/>
+        <pc:chgData name="Khattab, Sherif" userId="c83b1e15-36f3-4f46-aceb-05aac24c545e" providerId="ADAL" clId="{D639D9AC-2645-5840-A06B-951E41DBCC5A}" dt="2021-02-08T04:24:08.584" v="447" actId="20577"/>
         <pc:sldMkLst>
           <pc:docMk/>
           <pc:sldMk cId="1241308872" sldId="1860"/>
         </pc:sldMkLst>
         <pc:spChg chg="mod">
-          <ac:chgData name="Khattab, Sherif" userId="c83b1e15-36f3-4f46-aceb-05aac24c545e" providerId="ADAL" clId="{9BA15C20-14B1-413E-8179-1AAA42FBF59B}" dt="2021-02-01T14:23:53.950" v="150" actId="20577"/>
-          <ac:spMkLst>
-            <pc:docMk/>
-            <pc:sldMk cId="1241308872" sldId="1860"/>
-            <ac:spMk id="2" creationId="{09964AE1-DBFC-2848-B191-FE3ED1AFB0DB}"/>
-          </ac:spMkLst>
-        </pc:spChg>
-        <pc:spChg chg="mod">
-          <ac:chgData name="Khattab, Sherif" userId="c83b1e15-36f3-4f46-aceb-05aac24c545e" providerId="ADAL" clId="{9BA15C20-14B1-413E-8179-1AAA42FBF59B}" dt="2021-02-01T14:24:09.100" v="194" actId="20577"/>
+          <ac:chgData name="Khattab, Sherif" userId="c83b1e15-36f3-4f46-aceb-05aac24c545e" providerId="ADAL" clId="{D639D9AC-2645-5840-A06B-951E41DBCC5A}" dt="2021-02-08T04:24:08.584" v="447" actId="20577"/>
           <ac:spMkLst>
             <pc:docMk/>
             <pc:sldMk cId="1241308872" sldId="1860"/>
@@ -1750,684 +2354,74 @@
           </ac:spMkLst>
         </pc:spChg>
       </pc:sldChg>
-      <pc:sldChg chg="addSp delSp modSp new mod">
-        <pc:chgData name="Khattab, Sherif" userId="c83b1e15-36f3-4f46-aceb-05aac24c545e" providerId="ADAL" clId="{9BA15C20-14B1-413E-8179-1AAA42FBF59B}" dt="2021-02-02T05:45:31.755" v="218" actId="478"/>
-        <pc:sldMkLst>
-          <pc:docMk/>
-          <pc:sldMk cId="2854800105" sldId="1861"/>
-        </pc:sldMkLst>
-        <pc:spChg chg="mod">
-          <ac:chgData name="Khattab, Sherif" userId="c83b1e15-36f3-4f46-aceb-05aac24c545e" providerId="ADAL" clId="{9BA15C20-14B1-413E-8179-1AAA42FBF59B}" dt="2021-02-02T05:43:16.467" v="210" actId="20577"/>
-          <ac:spMkLst>
-            <pc:docMk/>
-            <pc:sldMk cId="2854800105" sldId="1861"/>
-            <ac:spMk id="2" creationId="{664D60B9-2E56-4B3E-9E8A-86555E3EF1DD}"/>
-          </ac:spMkLst>
-        </pc:spChg>
-        <pc:spChg chg="mod">
-          <ac:chgData name="Khattab, Sherif" userId="c83b1e15-36f3-4f46-aceb-05aac24c545e" providerId="ADAL" clId="{9BA15C20-14B1-413E-8179-1AAA42FBF59B}" dt="2021-02-02T05:43:32.843" v="212" actId="14100"/>
-          <ac:spMkLst>
-            <pc:docMk/>
-            <pc:sldMk cId="2854800105" sldId="1861"/>
-            <ac:spMk id="3" creationId="{FFAFB52B-2E6F-46B9-B30A-1F102EA7AC52}"/>
-          </ac:spMkLst>
-        </pc:spChg>
-        <pc:picChg chg="add del mod">
-          <ac:chgData name="Khattab, Sherif" userId="c83b1e15-36f3-4f46-aceb-05aac24c545e" providerId="ADAL" clId="{9BA15C20-14B1-413E-8179-1AAA42FBF59B}" dt="2021-02-02T05:45:31.755" v="218" actId="478"/>
-          <ac:picMkLst>
-            <pc:docMk/>
-            <pc:sldMk cId="2854800105" sldId="1861"/>
-            <ac:picMk id="8" creationId="{A8410650-E031-4506-B009-6B6B36361F4D}"/>
-          </ac:picMkLst>
-        </pc:picChg>
-        <pc:inkChg chg="add del">
-          <ac:chgData name="Khattab, Sherif" userId="c83b1e15-36f3-4f46-aceb-05aac24c545e" providerId="ADAL" clId="{9BA15C20-14B1-413E-8179-1AAA42FBF59B}" dt="2021-02-02T05:43:50.762" v="213" actId="478"/>
-          <ac:inkMkLst>
-            <pc:docMk/>
-            <pc:sldMk cId="2854800105" sldId="1861"/>
-            <ac:inkMk id="6" creationId="{859A672F-7507-4DF0-965B-F17FE4605304}"/>
-          </ac:inkMkLst>
-        </pc:inkChg>
-      </pc:sldChg>
-      <pc:sldChg chg="addSp delSp modSp new mod">
-        <pc:chgData name="Khattab, Sherif" userId="c83b1e15-36f3-4f46-aceb-05aac24c545e" providerId="ADAL" clId="{9BA15C20-14B1-413E-8179-1AAA42FBF59B}" dt="2021-02-02T05:48:55.725" v="235" actId="14100"/>
-        <pc:sldMkLst>
-          <pc:docMk/>
-          <pc:sldMk cId="3808489731" sldId="1862"/>
-        </pc:sldMkLst>
-        <pc:spChg chg="mod">
-          <ac:chgData name="Khattab, Sherif" userId="c83b1e15-36f3-4f46-aceb-05aac24c545e" providerId="ADAL" clId="{9BA15C20-14B1-413E-8179-1AAA42FBF59B}" dt="2021-02-02T05:45:43.092" v="231" actId="20577"/>
-          <ac:spMkLst>
-            <pc:docMk/>
-            <pc:sldMk cId="3808489731" sldId="1862"/>
-            <ac:spMk id="2" creationId="{3DC95D2F-92E9-4462-B3AA-611F9058730E}"/>
-          </ac:spMkLst>
-        </pc:spChg>
-        <pc:spChg chg="del">
-          <ac:chgData name="Khattab, Sherif" userId="c83b1e15-36f3-4f46-aceb-05aac24c545e" providerId="ADAL" clId="{9BA15C20-14B1-413E-8179-1AAA42FBF59B}" dt="2021-02-02T05:48:48.329" v="232"/>
-          <ac:spMkLst>
-            <pc:docMk/>
-            <pc:sldMk cId="3808489731" sldId="1862"/>
-            <ac:spMk id="3" creationId="{55884909-15C6-4E5B-94F2-1B32C5FBD943}"/>
-          </ac:spMkLst>
-        </pc:spChg>
-        <pc:picChg chg="add mod">
-          <ac:chgData name="Khattab, Sherif" userId="c83b1e15-36f3-4f46-aceb-05aac24c545e" providerId="ADAL" clId="{9BA15C20-14B1-413E-8179-1AAA42FBF59B}" dt="2021-02-02T05:48:55.725" v="235" actId="14100"/>
-          <ac:picMkLst>
-            <pc:docMk/>
-            <pc:sldMk cId="3808489731" sldId="1862"/>
-            <ac:picMk id="7" creationId="{326EE136-F0FD-4B64-9C67-19A711011E37}"/>
-          </ac:picMkLst>
-        </pc:picChg>
-      </pc:sldChg>
-      <pc:sldChg chg="addSp delSp modSp new mod modClrScheme chgLayout">
-        <pc:chgData name="Khattab, Sherif" userId="c83b1e15-36f3-4f46-aceb-05aac24c545e" providerId="ADAL" clId="{9BA15C20-14B1-413E-8179-1AAA42FBF59B}" dt="2021-02-02T05:52:15" v="256" actId="700"/>
-        <pc:sldMkLst>
-          <pc:docMk/>
-          <pc:sldMk cId="551485046" sldId="1863"/>
-        </pc:sldMkLst>
-        <pc:spChg chg="del">
-          <ac:chgData name="Khattab, Sherif" userId="c83b1e15-36f3-4f46-aceb-05aac24c545e" providerId="ADAL" clId="{9BA15C20-14B1-413E-8179-1AAA42FBF59B}" dt="2021-02-02T05:52:09.705" v="255" actId="700"/>
-          <ac:spMkLst>
-            <pc:docMk/>
-            <pc:sldMk cId="551485046" sldId="1863"/>
-            <ac:spMk id="2" creationId="{32EEE0CB-7A9C-4E62-B3D4-ABE532AA6220}"/>
-          </ac:spMkLst>
-        </pc:spChg>
-        <pc:spChg chg="mod ord">
-          <ac:chgData name="Khattab, Sherif" userId="c83b1e15-36f3-4f46-aceb-05aac24c545e" providerId="ADAL" clId="{9BA15C20-14B1-413E-8179-1AAA42FBF59B}" dt="2021-02-02T05:52:15" v="256" actId="700"/>
-          <ac:spMkLst>
-            <pc:docMk/>
-            <pc:sldMk cId="551485046" sldId="1863"/>
-            <ac:spMk id="3" creationId="{F353DFE7-5E48-4678-88F9-249C85D9FB6B}"/>
-          </ac:spMkLst>
-        </pc:spChg>
-        <pc:spChg chg="mod ord">
-          <ac:chgData name="Khattab, Sherif" userId="c83b1e15-36f3-4f46-aceb-05aac24c545e" providerId="ADAL" clId="{9BA15C20-14B1-413E-8179-1AAA42FBF59B}" dt="2021-02-02T05:52:15" v="256" actId="700"/>
-          <ac:spMkLst>
-            <pc:docMk/>
-            <pc:sldMk cId="551485046" sldId="1863"/>
-            <ac:spMk id="4" creationId="{DA4ADD44-E358-497D-A07F-D9946707740D}"/>
-          </ac:spMkLst>
-        </pc:spChg>
-        <pc:spChg chg="add del mod ord">
-          <ac:chgData name="Khattab, Sherif" userId="c83b1e15-36f3-4f46-aceb-05aac24c545e" providerId="ADAL" clId="{9BA15C20-14B1-413E-8179-1AAA42FBF59B}" dt="2021-02-02T05:52:15" v="256" actId="700"/>
-          <ac:spMkLst>
-            <pc:docMk/>
-            <pc:sldMk cId="551485046" sldId="1863"/>
-            <ac:spMk id="7" creationId="{FE8C3318-9D7C-4940-B839-50ED315D246E}"/>
-          </ac:spMkLst>
-        </pc:spChg>
-        <pc:spChg chg="add mod ord">
-          <ac:chgData name="Khattab, Sherif" userId="c83b1e15-36f3-4f46-aceb-05aac24c545e" providerId="ADAL" clId="{9BA15C20-14B1-413E-8179-1AAA42FBF59B}" dt="2021-02-02T05:52:15" v="256" actId="700"/>
-          <ac:spMkLst>
-            <pc:docMk/>
-            <pc:sldMk cId="551485046" sldId="1863"/>
-            <ac:spMk id="8" creationId="{9D6B6965-4F82-4738-80C4-F08AD114D3F6}"/>
-          </ac:spMkLst>
-        </pc:spChg>
-        <pc:picChg chg="add mod">
-          <ac:chgData name="Khattab, Sherif" userId="c83b1e15-36f3-4f46-aceb-05aac24c545e" providerId="ADAL" clId="{9BA15C20-14B1-413E-8179-1AAA42FBF59B}" dt="2021-02-02T05:51:20.087" v="254" actId="962"/>
-          <ac:picMkLst>
-            <pc:docMk/>
-            <pc:sldMk cId="551485046" sldId="1863"/>
-            <ac:picMk id="6" creationId="{81EA26B8-8DD2-49AA-9483-A5CA3C75C6D7}"/>
-          </ac:picMkLst>
-        </pc:picChg>
-      </pc:sldChg>
-      <pc:sldMasterChg chg="del delSldLayout">
-        <pc:chgData name="Khattab, Sherif" userId="c83b1e15-36f3-4f46-aceb-05aac24c545e" providerId="ADAL" clId="{9BA15C20-14B1-413E-8179-1AAA42FBF59B}" dt="2021-02-02T05:52:23.656" v="257" actId="700"/>
-        <pc:sldMasterMkLst>
-          <pc:docMk/>
-          <pc:sldMasterMk cId="809665058" sldId="2147483714"/>
-        </pc:sldMasterMkLst>
-        <pc:sldLayoutChg chg="del">
-          <pc:chgData name="Khattab, Sherif" userId="c83b1e15-36f3-4f46-aceb-05aac24c545e" providerId="ADAL" clId="{9BA15C20-14B1-413E-8179-1AAA42FBF59B}" dt="2021-02-02T05:52:23.656" v="257" actId="700"/>
-          <pc:sldLayoutMkLst>
-            <pc:docMk/>
-            <pc:sldMasterMk cId="809665058" sldId="2147483714"/>
-            <pc:sldLayoutMk cId="455426626" sldId="2147483715"/>
-          </pc:sldLayoutMkLst>
-        </pc:sldLayoutChg>
-        <pc:sldLayoutChg chg="del">
-          <pc:chgData name="Khattab, Sherif" userId="c83b1e15-36f3-4f46-aceb-05aac24c545e" providerId="ADAL" clId="{9BA15C20-14B1-413E-8179-1AAA42FBF59B}" dt="2021-02-02T05:52:23.656" v="257" actId="700"/>
-          <pc:sldLayoutMkLst>
-            <pc:docMk/>
-            <pc:sldMasterMk cId="809665058" sldId="2147483714"/>
-            <pc:sldLayoutMk cId="2429756440" sldId="2147483716"/>
-          </pc:sldLayoutMkLst>
-        </pc:sldLayoutChg>
-        <pc:sldLayoutChg chg="del">
-          <pc:chgData name="Khattab, Sherif" userId="c83b1e15-36f3-4f46-aceb-05aac24c545e" providerId="ADAL" clId="{9BA15C20-14B1-413E-8179-1AAA42FBF59B}" dt="2021-02-02T05:52:23.656" v="257" actId="700"/>
-          <pc:sldLayoutMkLst>
-            <pc:docMk/>
-            <pc:sldMasterMk cId="809665058" sldId="2147483714"/>
-            <pc:sldLayoutMk cId="2438262767" sldId="2147483717"/>
-          </pc:sldLayoutMkLst>
-        </pc:sldLayoutChg>
-        <pc:sldLayoutChg chg="del">
-          <pc:chgData name="Khattab, Sherif" userId="c83b1e15-36f3-4f46-aceb-05aac24c545e" providerId="ADAL" clId="{9BA15C20-14B1-413E-8179-1AAA42FBF59B}" dt="2021-02-02T05:52:23.656" v="257" actId="700"/>
-          <pc:sldLayoutMkLst>
-            <pc:docMk/>
-            <pc:sldMasterMk cId="809665058" sldId="2147483714"/>
-            <pc:sldLayoutMk cId="3492704835" sldId="2147483718"/>
-          </pc:sldLayoutMkLst>
-        </pc:sldLayoutChg>
-        <pc:sldLayoutChg chg="del">
-          <pc:chgData name="Khattab, Sherif" userId="c83b1e15-36f3-4f46-aceb-05aac24c545e" providerId="ADAL" clId="{9BA15C20-14B1-413E-8179-1AAA42FBF59B}" dt="2021-02-02T05:52:23.656" v="257" actId="700"/>
-          <pc:sldLayoutMkLst>
-            <pc:docMk/>
-            <pc:sldMasterMk cId="809665058" sldId="2147483714"/>
-            <pc:sldLayoutMk cId="637508127" sldId="2147483719"/>
-          </pc:sldLayoutMkLst>
-        </pc:sldLayoutChg>
-        <pc:sldLayoutChg chg="del">
-          <pc:chgData name="Khattab, Sherif" userId="c83b1e15-36f3-4f46-aceb-05aac24c545e" providerId="ADAL" clId="{9BA15C20-14B1-413E-8179-1AAA42FBF59B}" dt="2021-02-02T05:52:23.656" v="257" actId="700"/>
-          <pc:sldLayoutMkLst>
-            <pc:docMk/>
-            <pc:sldMasterMk cId="809665058" sldId="2147483714"/>
-            <pc:sldLayoutMk cId="4039971989" sldId="2147483720"/>
-          </pc:sldLayoutMkLst>
-        </pc:sldLayoutChg>
-      </pc:sldMasterChg>
-    </pc:docChg>
-  </pc:docChgLst>
-  <pc:docChgLst>
-    <pc:chgData name="Khattab, Sherif" userId="c83b1e15-36f3-4f46-aceb-05aac24c545e" providerId="ADAL" clId="{49366C86-6EFE-464C-B6B0-D941AB16FD34}"/>
-    <pc:docChg chg="modSld">
-      <pc:chgData name="Khattab, Sherif" userId="c83b1e15-36f3-4f46-aceb-05aac24c545e" providerId="ADAL" clId="{49366C86-6EFE-464C-B6B0-D941AB16FD34}" dt="2021-01-29T15:46:30.108" v="13" actId="20577"/>
-      <pc:docMkLst>
-        <pc:docMk/>
-      </pc:docMkLst>
-      <pc:sldChg chg="modSp mod">
-        <pc:chgData name="Khattab, Sherif" userId="c83b1e15-36f3-4f46-aceb-05aac24c545e" providerId="ADAL" clId="{49366C86-6EFE-464C-B6B0-D941AB16FD34}" dt="2021-01-29T15:46:30.108" v="13" actId="20577"/>
-        <pc:sldMkLst>
-          <pc:docMk/>
-          <pc:sldMk cId="1068465410" sldId="496"/>
-        </pc:sldMkLst>
-        <pc:spChg chg="mod">
-          <ac:chgData name="Khattab, Sherif" userId="c83b1e15-36f3-4f46-aceb-05aac24c545e" providerId="ADAL" clId="{49366C86-6EFE-464C-B6B0-D941AB16FD34}" dt="2021-01-29T15:46:30.108" v="13" actId="20577"/>
-          <ac:spMkLst>
-            <pc:docMk/>
-            <pc:sldMk cId="1068465410" sldId="496"/>
-            <ac:spMk id="3" creationId="{2466C52D-9A48-4683-BE7F-268D8DB7FAAD}"/>
-          </ac:spMkLst>
-        </pc:spChg>
-      </pc:sldChg>
-    </pc:docChg>
-  </pc:docChgLst>
-  <pc:docChgLst>
-    <pc:chgData name="Khattab, Sherif" userId="c83b1e15-36f3-4f46-aceb-05aac24c545e" providerId="ADAL" clId="{FB7609DE-4E49-B943-8CC1-A94C3EC91022}"/>
-    <pc:docChg chg="undo custSel addSld delSld modSld">
-      <pc:chgData name="Khattab, Sherif" userId="c83b1e15-36f3-4f46-aceb-05aac24c545e" providerId="ADAL" clId="{FB7609DE-4E49-B943-8CC1-A94C3EC91022}" dt="2021-01-27T20:12:41.246" v="980"/>
-      <pc:docMkLst>
-        <pc:docMk/>
-      </pc:docMkLst>
       <pc:sldChg chg="del">
-        <pc:chgData name="Khattab, Sherif" userId="c83b1e15-36f3-4f46-aceb-05aac24c545e" providerId="ADAL" clId="{FB7609DE-4E49-B943-8CC1-A94C3EC91022}" dt="2021-01-27T13:56:14.317" v="377" actId="2696"/>
-        <pc:sldMkLst>
-          <pc:docMk/>
-          <pc:sldMk cId="1152327425" sldId="257"/>
+        <pc:chgData name="Khattab, Sherif" userId="c83b1e15-36f3-4f46-aceb-05aac24c545e" providerId="ADAL" clId="{D639D9AC-2645-5840-A06B-951E41DBCC5A}" dt="2021-02-08T04:10:13.044" v="233" actId="2696"/>
+        <pc:sldMkLst>
+          <pc:docMk/>
+          <pc:sldMk cId="264922787" sldId="1862"/>
         </pc:sldMkLst>
       </pc:sldChg>
       <pc:sldChg chg="del">
-        <pc:chgData name="Khattab, Sherif" userId="c83b1e15-36f3-4f46-aceb-05aac24c545e" providerId="ADAL" clId="{FB7609DE-4E49-B943-8CC1-A94C3EC91022}" dt="2021-01-27T13:56:14.317" v="377" actId="2696"/>
-        <pc:sldMkLst>
-          <pc:docMk/>
-          <pc:sldMk cId="2472493573" sldId="258"/>
-        </pc:sldMkLst>
-      </pc:sldChg>
-      <pc:sldChg chg="modSp del mod">
-        <pc:chgData name="Khattab, Sherif" userId="c83b1e15-36f3-4f46-aceb-05aac24c545e" providerId="ADAL" clId="{FB7609DE-4E49-B943-8CC1-A94C3EC91022}" dt="2021-01-27T13:56:14.317" v="377" actId="2696"/>
-        <pc:sldMkLst>
-          <pc:docMk/>
-          <pc:sldMk cId="1382941772" sldId="260"/>
-        </pc:sldMkLst>
-        <pc:spChg chg="mod">
-          <ac:chgData name="Khattab, Sherif" userId="c83b1e15-36f3-4f46-aceb-05aac24c545e" providerId="ADAL" clId="{FB7609DE-4E49-B943-8CC1-A94C3EC91022}" dt="2021-01-27T13:54:03.796" v="185" actId="27636"/>
-          <ac:spMkLst>
-            <pc:docMk/>
-            <pc:sldMk cId="1382941772" sldId="260"/>
-            <ac:spMk id="165" creationId="{00000000-0000-0000-0000-000000000000}"/>
-          </ac:spMkLst>
-        </pc:spChg>
+        <pc:chgData name="Khattab, Sherif" userId="c83b1e15-36f3-4f46-aceb-05aac24c545e" providerId="ADAL" clId="{D639D9AC-2645-5840-A06B-951E41DBCC5A}" dt="2021-02-08T04:10:13.715" v="234" actId="2696"/>
+        <pc:sldMkLst>
+          <pc:docMk/>
+          <pc:sldMk cId="1489909952" sldId="1863"/>
+        </pc:sldMkLst>
       </pc:sldChg>
       <pc:sldChg chg="del">
-        <pc:chgData name="Khattab, Sherif" userId="c83b1e15-36f3-4f46-aceb-05aac24c545e" providerId="ADAL" clId="{FB7609DE-4E49-B943-8CC1-A94C3EC91022}" dt="2021-01-27T13:56:14.317" v="377" actId="2696"/>
-        <pc:sldMkLst>
-          <pc:docMk/>
-          <pc:sldMk cId="3392764763" sldId="274"/>
-        </pc:sldMkLst>
-      </pc:sldChg>
-      <pc:sldChg chg="modSp del mod">
-        <pc:chgData name="Khattab, Sherif" userId="c83b1e15-36f3-4f46-aceb-05aac24c545e" providerId="ADAL" clId="{FB7609DE-4E49-B943-8CC1-A94C3EC91022}" dt="2021-01-27T13:56:14.317" v="377" actId="2696"/>
-        <pc:sldMkLst>
-          <pc:docMk/>
-          <pc:sldMk cId="445949216" sldId="281"/>
-        </pc:sldMkLst>
-        <pc:spChg chg="mod">
-          <ac:chgData name="Khattab, Sherif" userId="c83b1e15-36f3-4f46-aceb-05aac24c545e" providerId="ADAL" clId="{FB7609DE-4E49-B943-8CC1-A94C3EC91022}" dt="2021-01-27T13:54:03.697" v="184" actId="27636"/>
-          <ac:spMkLst>
-            <pc:docMk/>
-            <pc:sldMk cId="445949216" sldId="281"/>
-            <ac:spMk id="263" creationId="{00000000-0000-0000-0000-000000000000}"/>
-          </ac:spMkLst>
-        </pc:spChg>
-      </pc:sldChg>
-      <pc:sldChg chg="add del">
-        <pc:chgData name="Khattab, Sherif" userId="c83b1e15-36f3-4f46-aceb-05aac24c545e" providerId="ADAL" clId="{FB7609DE-4E49-B943-8CC1-A94C3EC91022}" dt="2021-01-27T14:09:07.490" v="857"/>
-        <pc:sldMkLst>
-          <pc:docMk/>
-          <pc:sldMk cId="1315177585" sldId="281"/>
-        </pc:sldMkLst>
-      </pc:sldChg>
-      <pc:sldChg chg="modSp add mod">
-        <pc:chgData name="Khattab, Sherif" userId="c83b1e15-36f3-4f46-aceb-05aac24c545e" providerId="ADAL" clId="{FB7609DE-4E49-B943-8CC1-A94C3EC91022}" dt="2021-01-27T14:09:17.824" v="864" actId="20577"/>
-        <pc:sldMkLst>
-          <pc:docMk/>
-          <pc:sldMk cId="2805000757" sldId="281"/>
-        </pc:sldMkLst>
-        <pc:spChg chg="mod">
-          <ac:chgData name="Khattab, Sherif" userId="c83b1e15-36f3-4f46-aceb-05aac24c545e" providerId="ADAL" clId="{FB7609DE-4E49-B943-8CC1-A94C3EC91022}" dt="2021-01-27T14:09:17.824" v="864" actId="20577"/>
-          <ac:spMkLst>
-            <pc:docMk/>
-            <pc:sldMk cId="2805000757" sldId="281"/>
-            <ac:spMk id="460" creationId="{00000000-0000-0000-0000-000000000000}"/>
-          </ac:spMkLst>
-        </pc:spChg>
-      </pc:sldChg>
-      <pc:sldChg chg="modSp add mod">
-        <pc:chgData name="Khattab, Sherif" userId="c83b1e15-36f3-4f46-aceb-05aac24c545e" providerId="ADAL" clId="{FB7609DE-4E49-B943-8CC1-A94C3EC91022}" dt="2021-01-27T14:09:22.594" v="867" actId="20577"/>
-        <pc:sldMkLst>
-          <pc:docMk/>
-          <pc:sldMk cId="644336610" sldId="282"/>
-        </pc:sldMkLst>
-        <pc:spChg chg="mod">
-          <ac:chgData name="Khattab, Sherif" userId="c83b1e15-36f3-4f46-aceb-05aac24c545e" providerId="ADAL" clId="{FB7609DE-4E49-B943-8CC1-A94C3EC91022}" dt="2021-01-27T14:09:22.594" v="867" actId="20577"/>
-          <ac:spMkLst>
-            <pc:docMk/>
-            <pc:sldMk cId="644336610" sldId="282"/>
-            <ac:spMk id="467" creationId="{00000000-0000-0000-0000-000000000000}"/>
-          </ac:spMkLst>
-        </pc:spChg>
-      </pc:sldChg>
-      <pc:sldChg chg="add del">
-        <pc:chgData name="Khattab, Sherif" userId="c83b1e15-36f3-4f46-aceb-05aac24c545e" providerId="ADAL" clId="{FB7609DE-4E49-B943-8CC1-A94C3EC91022}" dt="2021-01-27T14:09:07.490" v="857"/>
-        <pc:sldMkLst>
-          <pc:docMk/>
-          <pc:sldMk cId="2784934943" sldId="282"/>
-        </pc:sldMkLst>
-      </pc:sldChg>
-      <pc:sldChg chg="add del">
-        <pc:chgData name="Khattab, Sherif" userId="c83b1e15-36f3-4f46-aceb-05aac24c545e" providerId="ADAL" clId="{FB7609DE-4E49-B943-8CC1-A94C3EC91022}" dt="2021-01-27T14:09:07.490" v="857"/>
-        <pc:sldMkLst>
-          <pc:docMk/>
-          <pc:sldMk cId="3013231227" sldId="283"/>
-        </pc:sldMkLst>
-      </pc:sldChg>
-      <pc:sldChg chg="modSp add mod">
-        <pc:chgData name="Khattab, Sherif" userId="c83b1e15-36f3-4f46-aceb-05aac24c545e" providerId="ADAL" clId="{FB7609DE-4E49-B943-8CC1-A94C3EC91022}" dt="2021-01-27T14:09:29.143" v="874" actId="20577"/>
-        <pc:sldMkLst>
-          <pc:docMk/>
-          <pc:sldMk cId="3275560456" sldId="283"/>
-        </pc:sldMkLst>
-        <pc:spChg chg="mod">
-          <ac:chgData name="Khattab, Sherif" userId="c83b1e15-36f3-4f46-aceb-05aac24c545e" providerId="ADAL" clId="{FB7609DE-4E49-B943-8CC1-A94C3EC91022}" dt="2021-01-27T14:09:29.143" v="874" actId="20577"/>
-          <ac:spMkLst>
-            <pc:docMk/>
-            <pc:sldMk cId="3275560456" sldId="283"/>
-            <ac:spMk id="474" creationId="{00000000-0000-0000-0000-000000000000}"/>
-          </ac:spMkLst>
-        </pc:spChg>
+        <pc:chgData name="Khattab, Sherif" userId="c83b1e15-36f3-4f46-aceb-05aac24c545e" providerId="ADAL" clId="{D639D9AC-2645-5840-A06B-951E41DBCC5A}" dt="2021-02-08T04:10:12.577" v="232" actId="2696"/>
+        <pc:sldMkLst>
+          <pc:docMk/>
+          <pc:sldMk cId="1370532791" sldId="1864"/>
+        </pc:sldMkLst>
       </pc:sldChg>
       <pc:sldChg chg="del">
-        <pc:chgData name="Khattab, Sherif" userId="c83b1e15-36f3-4f46-aceb-05aac24c545e" providerId="ADAL" clId="{FB7609DE-4E49-B943-8CC1-A94C3EC91022}" dt="2021-01-27T13:56:14.317" v="377" actId="2696"/>
-        <pc:sldMkLst>
-          <pc:docMk/>
-          <pc:sldMk cId="2865696446" sldId="285"/>
+        <pc:chgData name="Khattab, Sherif" userId="c83b1e15-36f3-4f46-aceb-05aac24c545e" providerId="ADAL" clId="{D639D9AC-2645-5840-A06B-951E41DBCC5A}" dt="2021-02-08T04:10:12.009" v="231" actId="2696"/>
+        <pc:sldMkLst>
+          <pc:docMk/>
+          <pc:sldMk cId="1323836943" sldId="1865"/>
         </pc:sldMkLst>
       </pc:sldChg>
       <pc:sldChg chg="del">
-        <pc:chgData name="Khattab, Sherif" userId="c83b1e15-36f3-4f46-aceb-05aac24c545e" providerId="ADAL" clId="{FB7609DE-4E49-B943-8CC1-A94C3EC91022}" dt="2021-01-27T13:56:14.317" v="377" actId="2696"/>
-        <pc:sldMkLst>
-          <pc:docMk/>
-          <pc:sldMk cId="214968552" sldId="287"/>
+        <pc:chgData name="Khattab, Sherif" userId="c83b1e15-36f3-4f46-aceb-05aac24c545e" providerId="ADAL" clId="{D639D9AC-2645-5840-A06B-951E41DBCC5A}" dt="2021-02-08T04:10:11.344" v="230" actId="2696"/>
+        <pc:sldMkLst>
+          <pc:docMk/>
+          <pc:sldMk cId="532154242" sldId="1866"/>
         </pc:sldMkLst>
       </pc:sldChg>
       <pc:sldChg chg="del">
-        <pc:chgData name="Khattab, Sherif" userId="c83b1e15-36f3-4f46-aceb-05aac24c545e" providerId="ADAL" clId="{FB7609DE-4E49-B943-8CC1-A94C3EC91022}" dt="2021-01-27T13:56:14.317" v="377" actId="2696"/>
-        <pc:sldMkLst>
-          <pc:docMk/>
-          <pc:sldMk cId="1092592367" sldId="391"/>
-        </pc:sldMkLst>
-      </pc:sldChg>
-      <pc:sldChg chg="add">
-        <pc:chgData name="Khattab, Sherif" userId="c83b1e15-36f3-4f46-aceb-05aac24c545e" providerId="ADAL" clId="{FB7609DE-4E49-B943-8CC1-A94C3EC91022}" dt="2021-01-27T14:05:33.759" v="837"/>
-        <pc:sldMkLst>
-          <pc:docMk/>
-          <pc:sldMk cId="1273787362" sldId="392"/>
+        <pc:chgData name="Khattab, Sherif" userId="c83b1e15-36f3-4f46-aceb-05aac24c545e" providerId="ADAL" clId="{D639D9AC-2645-5840-A06B-951E41DBCC5A}" dt="2021-02-08T04:10:02.367" v="229" actId="2696"/>
+        <pc:sldMkLst>
+          <pc:docMk/>
+          <pc:sldMk cId="3722720517" sldId="1867"/>
         </pc:sldMkLst>
       </pc:sldChg>
       <pc:sldChg chg="del">
-        <pc:chgData name="Khattab, Sherif" userId="c83b1e15-36f3-4f46-aceb-05aac24c545e" providerId="ADAL" clId="{FB7609DE-4E49-B943-8CC1-A94C3EC91022}" dt="2021-01-27T13:56:14.317" v="377" actId="2696"/>
-        <pc:sldMkLst>
-          <pc:docMk/>
-          <pc:sldMk cId="4280497035" sldId="392"/>
-        </pc:sldMkLst>
-      </pc:sldChg>
-      <pc:sldChg chg="modSp mod">
-        <pc:chgData name="Khattab, Sherif" userId="c83b1e15-36f3-4f46-aceb-05aac24c545e" providerId="ADAL" clId="{FB7609DE-4E49-B943-8CC1-A94C3EC91022}" dt="2021-01-27T13:54:03.989" v="186" actId="27636"/>
-        <pc:sldMkLst>
-          <pc:docMk/>
-          <pc:sldMk cId="811987457" sldId="394"/>
-        </pc:sldMkLst>
-        <pc:spChg chg="mod">
-          <ac:chgData name="Khattab, Sherif" userId="c83b1e15-36f3-4f46-aceb-05aac24c545e" providerId="ADAL" clId="{FB7609DE-4E49-B943-8CC1-A94C3EC91022}" dt="2021-01-27T13:54:03.989" v="186" actId="27636"/>
-          <ac:spMkLst>
-            <pc:docMk/>
-            <pc:sldMk cId="811987457" sldId="394"/>
-            <ac:spMk id="263" creationId="{00000000-0000-0000-0000-000000000000}"/>
-          </ac:spMkLst>
-        </pc:spChg>
-      </pc:sldChg>
-      <pc:sldChg chg="modSp mod modAnim">
-        <pc:chgData name="Khattab, Sherif" userId="c83b1e15-36f3-4f46-aceb-05aac24c545e" providerId="ADAL" clId="{FB7609DE-4E49-B943-8CC1-A94C3EC91022}" dt="2021-01-27T20:12:41.246" v="980"/>
-        <pc:sldMkLst>
-          <pc:docMk/>
-          <pc:sldMk cId="3756086896" sldId="402"/>
-        </pc:sldMkLst>
-        <pc:spChg chg="mod">
-          <ac:chgData name="Khattab, Sherif" userId="c83b1e15-36f3-4f46-aceb-05aac24c545e" providerId="ADAL" clId="{FB7609DE-4E49-B943-8CC1-A94C3EC91022}" dt="2021-01-27T20:12:06.756" v="976" actId="14100"/>
-          <ac:spMkLst>
-            <pc:docMk/>
-            <pc:sldMk cId="3756086896" sldId="402"/>
-            <ac:spMk id="2" creationId="{2701C75F-4DC8-2144-BA02-D9E72D4D689E}"/>
-          </ac:spMkLst>
-        </pc:spChg>
-        <pc:picChg chg="mod">
-          <ac:chgData name="Khattab, Sherif" userId="c83b1e15-36f3-4f46-aceb-05aac24c545e" providerId="ADAL" clId="{FB7609DE-4E49-B943-8CC1-A94C3EC91022}" dt="2021-01-27T20:12:17.725" v="978" actId="1076"/>
-          <ac:picMkLst>
-            <pc:docMk/>
-            <pc:sldMk cId="3756086896" sldId="402"/>
-            <ac:picMk id="8" creationId="{789DE477-7E78-B64D-B4B9-045378CD8882}"/>
-          </ac:picMkLst>
-        </pc:picChg>
-      </pc:sldChg>
-      <pc:sldChg chg="modSp mod">
-        <pc:chgData name="Khattab, Sherif" userId="c83b1e15-36f3-4f46-aceb-05aac24c545e" providerId="ADAL" clId="{FB7609DE-4E49-B943-8CC1-A94C3EC91022}" dt="2021-01-27T13:54:04.173" v="187" actId="27636"/>
-        <pc:sldMkLst>
-          <pc:docMk/>
-          <pc:sldMk cId="1876792183" sldId="403"/>
-        </pc:sldMkLst>
-        <pc:spChg chg="mod">
-          <ac:chgData name="Khattab, Sherif" userId="c83b1e15-36f3-4f46-aceb-05aac24c545e" providerId="ADAL" clId="{FB7609DE-4E49-B943-8CC1-A94C3EC91022}" dt="2021-01-27T13:54:04.173" v="187" actId="27636"/>
-          <ac:spMkLst>
-            <pc:docMk/>
-            <pc:sldMk cId="1876792183" sldId="403"/>
-            <ac:spMk id="421" creationId="{00000000-0000-0000-0000-000000000000}"/>
-          </ac:spMkLst>
-        </pc:spChg>
-      </pc:sldChg>
-      <pc:sldChg chg="delSp modSp mod">
-        <pc:chgData name="Khattab, Sherif" userId="c83b1e15-36f3-4f46-aceb-05aac24c545e" providerId="ADAL" clId="{FB7609DE-4E49-B943-8CC1-A94C3EC91022}" dt="2021-01-27T13:53:37.035" v="111" actId="478"/>
-        <pc:sldMkLst>
-          <pc:docMk/>
-          <pc:sldMk cId="1894775455" sldId="405"/>
-        </pc:sldMkLst>
-        <pc:spChg chg="del mod">
-          <ac:chgData name="Khattab, Sherif" userId="c83b1e15-36f3-4f46-aceb-05aac24c545e" providerId="ADAL" clId="{FB7609DE-4E49-B943-8CC1-A94C3EC91022}" dt="2021-01-27T13:53:37.035" v="111" actId="478"/>
-          <ac:spMkLst>
-            <pc:docMk/>
-            <pc:sldMk cId="1894775455" sldId="405"/>
-            <ac:spMk id="5" creationId="{16306A4B-84B5-E84E-B29D-41318FA00D6C}"/>
-          </ac:spMkLst>
-        </pc:spChg>
-      </pc:sldChg>
-      <pc:sldChg chg="modSp mod">
-        <pc:chgData name="Khattab, Sherif" userId="c83b1e15-36f3-4f46-aceb-05aac24c545e" providerId="ADAL" clId="{FB7609DE-4E49-B943-8CC1-A94C3EC91022}" dt="2021-01-27T14:04:12.076" v="827" actId="20577"/>
-        <pc:sldMkLst>
-          <pc:docMk/>
-          <pc:sldMk cId="1068465410" sldId="496"/>
-        </pc:sldMkLst>
-        <pc:spChg chg="mod">
-          <ac:chgData name="Khattab, Sherif" userId="c83b1e15-36f3-4f46-aceb-05aac24c545e" providerId="ADAL" clId="{FB7609DE-4E49-B943-8CC1-A94C3EC91022}" dt="2021-01-27T14:04:12.076" v="827" actId="20577"/>
-          <ac:spMkLst>
-            <pc:docMk/>
-            <pc:sldMk cId="1068465410" sldId="496"/>
-            <ac:spMk id="3" creationId="{2466C52D-9A48-4683-BE7F-268D8DB7FAAD}"/>
-          </ac:spMkLst>
-        </pc:spChg>
-      </pc:sldChg>
-      <pc:sldChg chg="modSp mod">
-        <pc:chgData name="Khattab, Sherif" userId="c83b1e15-36f3-4f46-aceb-05aac24c545e" providerId="ADAL" clId="{FB7609DE-4E49-B943-8CC1-A94C3EC91022}" dt="2021-01-27T13:55:41.322" v="376" actId="20577"/>
-        <pc:sldMkLst>
-          <pc:docMk/>
-          <pc:sldMk cId="2374057061" sldId="498"/>
-        </pc:sldMkLst>
-        <pc:spChg chg="mod">
-          <ac:chgData name="Khattab, Sherif" userId="c83b1e15-36f3-4f46-aceb-05aac24c545e" providerId="ADAL" clId="{FB7609DE-4E49-B943-8CC1-A94C3EC91022}" dt="2021-01-27T13:55:41.322" v="376" actId="20577"/>
-          <ac:spMkLst>
-            <pc:docMk/>
-            <pc:sldMk cId="2374057061" sldId="498"/>
-            <ac:spMk id="3" creationId="{F832F02F-5ABF-4702-A259-B8272D97DD79}"/>
-          </ac:spMkLst>
-        </pc:spChg>
-      </pc:sldChg>
-      <pc:sldChg chg="modSp mod">
-        <pc:chgData name="Khattab, Sherif" userId="c83b1e15-36f3-4f46-aceb-05aac24c545e" providerId="ADAL" clId="{FB7609DE-4E49-B943-8CC1-A94C3EC91022}" dt="2021-01-27T14:11:15.598" v="969" actId="6549"/>
-        <pc:sldMkLst>
-          <pc:docMk/>
-          <pc:sldMk cId="2823856332" sldId="499"/>
-        </pc:sldMkLst>
-        <pc:spChg chg="mod">
-          <ac:chgData name="Khattab, Sherif" userId="c83b1e15-36f3-4f46-aceb-05aac24c545e" providerId="ADAL" clId="{FB7609DE-4E49-B943-8CC1-A94C3EC91022}" dt="2021-01-27T14:11:15.598" v="969" actId="6549"/>
-          <ac:spMkLst>
-            <pc:docMk/>
-            <pc:sldMk cId="2823856332" sldId="499"/>
-            <ac:spMk id="3" creationId="{E1064C43-9078-4C76-A016-C8AE45AE9774}"/>
-          </ac:spMkLst>
-        </pc:spChg>
+        <pc:chgData name="Khattab, Sherif" userId="c83b1e15-36f3-4f46-aceb-05aac24c545e" providerId="ADAL" clId="{D639D9AC-2645-5840-A06B-951E41DBCC5A}" dt="2021-02-08T04:10:02.367" v="229" actId="2696"/>
+        <pc:sldMkLst>
+          <pc:docMk/>
+          <pc:sldMk cId="999154987" sldId="1868"/>
+        </pc:sldMkLst>
       </pc:sldChg>
       <pc:sldChg chg="del">
-        <pc:chgData name="Khattab, Sherif" userId="c83b1e15-36f3-4f46-aceb-05aac24c545e" providerId="ADAL" clId="{FB7609DE-4E49-B943-8CC1-A94C3EC91022}" dt="2021-01-27T13:56:14.317" v="377" actId="2696"/>
-        <pc:sldMkLst>
-          <pc:docMk/>
-          <pc:sldMk cId="58097193" sldId="500"/>
+        <pc:chgData name="Khattab, Sherif" userId="c83b1e15-36f3-4f46-aceb-05aac24c545e" providerId="ADAL" clId="{D639D9AC-2645-5840-A06B-951E41DBCC5A}" dt="2021-02-08T04:10:02.367" v="229" actId="2696"/>
+        <pc:sldMkLst>
+          <pc:docMk/>
+          <pc:sldMk cId="1641437393" sldId="1869"/>
         </pc:sldMkLst>
       </pc:sldChg>
       <pc:sldChg chg="del">
-        <pc:chgData name="Khattab, Sherif" userId="c83b1e15-36f3-4f46-aceb-05aac24c545e" providerId="ADAL" clId="{FB7609DE-4E49-B943-8CC1-A94C3EC91022}" dt="2021-01-27T13:56:14.317" v="377" actId="2696"/>
-        <pc:sldMkLst>
-          <pc:docMk/>
-          <pc:sldMk cId="1226087183" sldId="501"/>
+        <pc:chgData name="Khattab, Sherif" userId="c83b1e15-36f3-4f46-aceb-05aac24c545e" providerId="ADAL" clId="{D639D9AC-2645-5840-A06B-951E41DBCC5A}" dt="2021-02-08T04:10:02.367" v="229" actId="2696"/>
+        <pc:sldMkLst>
+          <pc:docMk/>
+          <pc:sldMk cId="1421544106" sldId="1870"/>
         </pc:sldMkLst>
       </pc:sldChg>
       <pc:sldChg chg="del">
-        <pc:chgData name="Khattab, Sherif" userId="c83b1e15-36f3-4f46-aceb-05aac24c545e" providerId="ADAL" clId="{FB7609DE-4E49-B943-8CC1-A94C3EC91022}" dt="2021-01-27T13:56:14.317" v="377" actId="2696"/>
-        <pc:sldMkLst>
-          <pc:docMk/>
-          <pc:sldMk cId="1196699890" sldId="502"/>
-        </pc:sldMkLst>
-      </pc:sldChg>
-      <pc:sldChg chg="modSp new mod">
-        <pc:chgData name="Khattab, Sherif" userId="c83b1e15-36f3-4f46-aceb-05aac24c545e" providerId="ADAL" clId="{FB7609DE-4E49-B943-8CC1-A94C3EC91022}" dt="2021-01-27T13:56:32.763" v="390" actId="20577"/>
-        <pc:sldMkLst>
-          <pc:docMk/>
-          <pc:sldMk cId="1128397823" sldId="504"/>
-        </pc:sldMkLst>
-        <pc:spChg chg="mod">
-          <ac:chgData name="Khattab, Sherif" userId="c83b1e15-36f3-4f46-aceb-05aac24c545e" providerId="ADAL" clId="{FB7609DE-4E49-B943-8CC1-A94C3EC91022}" dt="2021-01-27T13:56:32.763" v="390" actId="20577"/>
-          <ac:spMkLst>
-            <pc:docMk/>
-            <pc:sldMk cId="1128397823" sldId="504"/>
-            <ac:spMk id="2" creationId="{F3177E1A-980D-FE4C-9AD4-B7D0A5ECA2A9}"/>
-          </ac:spMkLst>
-        </pc:spChg>
-      </pc:sldChg>
-      <pc:sldChg chg="modSp new mod">
-        <pc:chgData name="Khattab, Sherif" userId="c83b1e15-36f3-4f46-aceb-05aac24c545e" providerId="ADAL" clId="{FB7609DE-4E49-B943-8CC1-A94C3EC91022}" dt="2021-01-27T13:56:42.853" v="403" actId="20577"/>
-        <pc:sldMkLst>
-          <pc:docMk/>
-          <pc:sldMk cId="729670177" sldId="505"/>
-        </pc:sldMkLst>
-        <pc:spChg chg="mod">
-          <ac:chgData name="Khattab, Sherif" userId="c83b1e15-36f3-4f46-aceb-05aac24c545e" providerId="ADAL" clId="{FB7609DE-4E49-B943-8CC1-A94C3EC91022}" dt="2021-01-27T13:56:42.853" v="403" actId="20577"/>
-          <ac:spMkLst>
-            <pc:docMk/>
-            <pc:sldMk cId="729670177" sldId="505"/>
-            <ac:spMk id="2" creationId="{4BE0AA09-81BB-B44F-B753-EDAACC6AD9AC}"/>
-          </ac:spMkLst>
-        </pc:spChg>
-      </pc:sldChg>
-      <pc:sldChg chg="modSp new mod">
-        <pc:chgData name="Khattab, Sherif" userId="c83b1e15-36f3-4f46-aceb-05aac24c545e" providerId="ADAL" clId="{FB7609DE-4E49-B943-8CC1-A94C3EC91022}" dt="2021-01-27T13:58:28.393" v="659" actId="20577"/>
-        <pc:sldMkLst>
-          <pc:docMk/>
-          <pc:sldMk cId="700442057" sldId="506"/>
-        </pc:sldMkLst>
-        <pc:spChg chg="mod">
-          <ac:chgData name="Khattab, Sherif" userId="c83b1e15-36f3-4f46-aceb-05aac24c545e" providerId="ADAL" clId="{FB7609DE-4E49-B943-8CC1-A94C3EC91022}" dt="2021-01-27T13:57:10.490" v="430" actId="5793"/>
-          <ac:spMkLst>
-            <pc:docMk/>
-            <pc:sldMk cId="700442057" sldId="506"/>
-            <ac:spMk id="2" creationId="{09964AE1-DBFC-2848-B191-FE3ED1AFB0DB}"/>
-          </ac:spMkLst>
-        </pc:spChg>
-        <pc:spChg chg="mod">
-          <ac:chgData name="Khattab, Sherif" userId="c83b1e15-36f3-4f46-aceb-05aac24c545e" providerId="ADAL" clId="{FB7609DE-4E49-B943-8CC1-A94C3EC91022}" dt="2021-01-27T13:58:28.393" v="659" actId="20577"/>
-          <ac:spMkLst>
-            <pc:docMk/>
-            <pc:sldMk cId="700442057" sldId="506"/>
-            <ac:spMk id="3" creationId="{BDC81B29-68EF-D34F-B9F6-D9EC25476DFF}"/>
-          </ac:spMkLst>
-        </pc:spChg>
-      </pc:sldChg>
-      <pc:sldChg chg="modSp new mod">
-        <pc:chgData name="Khattab, Sherif" userId="c83b1e15-36f3-4f46-aceb-05aac24c545e" providerId="ADAL" clId="{FB7609DE-4E49-B943-8CC1-A94C3EC91022}" dt="2021-01-27T14:05:53.018" v="854" actId="20577"/>
-        <pc:sldMkLst>
-          <pc:docMk/>
-          <pc:sldMk cId="1569011807" sldId="507"/>
-        </pc:sldMkLst>
-        <pc:spChg chg="mod">
-          <ac:chgData name="Khattab, Sherif" userId="c83b1e15-36f3-4f46-aceb-05aac24c545e" providerId="ADAL" clId="{FB7609DE-4E49-B943-8CC1-A94C3EC91022}" dt="2021-01-27T14:05:53.018" v="854" actId="20577"/>
-          <ac:spMkLst>
-            <pc:docMk/>
-            <pc:sldMk cId="1569011807" sldId="507"/>
-            <ac:spMk id="2" creationId="{AA9BE831-E41C-204F-984D-A478257E1ABD}"/>
-          </ac:spMkLst>
-        </pc:spChg>
-      </pc:sldChg>
-      <pc:sldChg chg="add">
-        <pc:chgData name="Khattab, Sherif" userId="c83b1e15-36f3-4f46-aceb-05aac24c545e" providerId="ADAL" clId="{FB7609DE-4E49-B943-8CC1-A94C3EC91022}" dt="2021-01-27T14:07:02.063" v="855"/>
-        <pc:sldMkLst>
-          <pc:docMk/>
-          <pc:sldMk cId="2496682011" sldId="1747"/>
-        </pc:sldMkLst>
-      </pc:sldChg>
-      <pc:sldChg chg="add">
-        <pc:chgData name="Khattab, Sherif" userId="c83b1e15-36f3-4f46-aceb-05aac24c545e" providerId="ADAL" clId="{FB7609DE-4E49-B943-8CC1-A94C3EC91022}" dt="2021-01-27T14:07:02.063" v="855"/>
-        <pc:sldMkLst>
-          <pc:docMk/>
-          <pc:sldMk cId="1456819960" sldId="1749"/>
-        </pc:sldMkLst>
-      </pc:sldChg>
-      <pc:sldChg chg="add">
-        <pc:chgData name="Khattab, Sherif" userId="c83b1e15-36f3-4f46-aceb-05aac24c545e" providerId="ADAL" clId="{FB7609DE-4E49-B943-8CC1-A94C3EC91022}" dt="2021-01-27T14:07:02.063" v="855"/>
-        <pc:sldMkLst>
-          <pc:docMk/>
-          <pc:sldMk cId="2838362889" sldId="1756"/>
-        </pc:sldMkLst>
-      </pc:sldChg>
-      <pc:sldChg chg="add">
-        <pc:chgData name="Khattab, Sherif" userId="c83b1e15-36f3-4f46-aceb-05aac24c545e" providerId="ADAL" clId="{FB7609DE-4E49-B943-8CC1-A94C3EC91022}" dt="2021-01-27T14:07:02.063" v="855"/>
-        <pc:sldMkLst>
-          <pc:docMk/>
-          <pc:sldMk cId="2537966333" sldId="1859"/>
-        </pc:sldMkLst>
-      </pc:sldChg>
-      <pc:sldChg chg="modSp add mod">
-        <pc:chgData name="Khattab, Sherif" userId="c83b1e15-36f3-4f46-aceb-05aac24c545e" providerId="ADAL" clId="{FB7609DE-4E49-B943-8CC1-A94C3EC91022}" dt="2021-01-27T14:11:01.914" v="940" actId="20577"/>
-        <pc:sldMkLst>
-          <pc:docMk/>
-          <pc:sldMk cId="1241308872" sldId="1860"/>
-        </pc:sldMkLst>
-        <pc:spChg chg="mod">
-          <ac:chgData name="Khattab, Sherif" userId="c83b1e15-36f3-4f46-aceb-05aac24c545e" providerId="ADAL" clId="{FB7609DE-4E49-B943-8CC1-A94C3EC91022}" dt="2021-01-27T14:10:32.881" v="886" actId="5793"/>
-          <ac:spMkLst>
-            <pc:docMk/>
-            <pc:sldMk cId="1241308872" sldId="1860"/>
-            <ac:spMk id="2" creationId="{09964AE1-DBFC-2848-B191-FE3ED1AFB0DB}"/>
-          </ac:spMkLst>
-        </pc:spChg>
-        <pc:spChg chg="mod">
-          <ac:chgData name="Khattab, Sherif" userId="c83b1e15-36f3-4f46-aceb-05aac24c545e" providerId="ADAL" clId="{FB7609DE-4E49-B943-8CC1-A94C3EC91022}" dt="2021-01-27T14:11:01.914" v="940" actId="20577"/>
-          <ac:spMkLst>
-            <pc:docMk/>
-            <pc:sldMk cId="1241308872" sldId="1860"/>
-            <ac:spMk id="3" creationId="{BDC81B29-68EF-D34F-B9F6-D9EC25476DFF}"/>
-          </ac:spMkLst>
-        </pc:spChg>
-      </pc:sldChg>
-    </pc:docChg>
-  </pc:docChgLst>
-  <pc:docChgLst>
-    <pc:chgData name="Khattab, Sherif" userId="c83b1e15-36f3-4f46-aceb-05aac24c545e" providerId="ADAL" clId="{D9395055-DE12-BC48-8F10-9F1A3F35F535}"/>
-    <pc:docChg chg="custSel modSld">
-      <pc:chgData name="Khattab, Sherif" userId="c83b1e15-36f3-4f46-aceb-05aac24c545e" providerId="ADAL" clId="{D9395055-DE12-BC48-8F10-9F1A3F35F535}" dt="2021-09-01T05:38:03.723" v="10" actId="478"/>
-      <pc:docMkLst>
-        <pc:docMk/>
-      </pc:docMkLst>
-      <pc:sldChg chg="delSp modSp mod">
-        <pc:chgData name="Khattab, Sherif" userId="c83b1e15-36f3-4f46-aceb-05aac24c545e" providerId="ADAL" clId="{D9395055-DE12-BC48-8F10-9F1A3F35F535}" dt="2021-09-01T05:38:03.723" v="10" actId="478"/>
-        <pc:sldMkLst>
-          <pc:docMk/>
-          <pc:sldMk cId="1894775455" sldId="405"/>
-        </pc:sldMkLst>
-        <pc:spChg chg="mod">
-          <ac:chgData name="Khattab, Sherif" userId="c83b1e15-36f3-4f46-aceb-05aac24c545e" providerId="ADAL" clId="{D9395055-DE12-BC48-8F10-9F1A3F35F535}" dt="2021-09-01T05:37:56.576" v="8" actId="20577"/>
-          <ac:spMkLst>
-            <pc:docMk/>
-            <pc:sldMk cId="1894775455" sldId="405"/>
-            <ac:spMk id="3" creationId="{00000000-0000-0000-0000-000000000000}"/>
-          </ac:spMkLst>
-        </pc:spChg>
-        <pc:spChg chg="del mod">
-          <ac:chgData name="Khattab, Sherif" userId="c83b1e15-36f3-4f46-aceb-05aac24c545e" providerId="ADAL" clId="{D9395055-DE12-BC48-8F10-9F1A3F35F535}" dt="2021-09-01T05:38:03.723" v="10" actId="478"/>
-          <ac:spMkLst>
-            <pc:docMk/>
-            <pc:sldMk cId="1894775455" sldId="405"/>
-            <ac:spMk id="5" creationId="{76645EC5-A991-419C-860F-C4BB509A507B}"/>
-          </ac:spMkLst>
-        </pc:spChg>
-      </pc:sldChg>
-    </pc:docChg>
-  </pc:docChgLst>
-  <pc:docChgLst>
-    <pc:chgData name="Khattab, Sherif" userId="c83b1e15-36f3-4f46-aceb-05aac24c545e" providerId="ADAL" clId="{E67F4250-9C3E-D640-A95D-DA79C2837899}"/>
-    <pc:docChg chg="delSld">
-      <pc:chgData name="Khattab, Sherif" userId="c83b1e15-36f3-4f46-aceb-05aac24c545e" providerId="ADAL" clId="{E67F4250-9C3E-D640-A95D-DA79C2837899}" dt="2022-01-24T19:06:24.181" v="0" actId="2696"/>
-      <pc:docMkLst>
-        <pc:docMk/>
-      </pc:docMkLst>
-      <pc:sldChg chg="del">
-        <pc:chgData name="Khattab, Sherif" userId="c83b1e15-36f3-4f46-aceb-05aac24c545e" providerId="ADAL" clId="{E67F4250-9C3E-D640-A95D-DA79C2837899}" dt="2022-01-24T19:06:24.181" v="0" actId="2696"/>
-        <pc:sldMkLst>
-          <pc:docMk/>
-          <pc:sldMk cId="1662342598" sldId="1870"/>
-        </pc:sldMkLst>
-      </pc:sldChg>
-      <pc:sldChg chg="del">
-        <pc:chgData name="Khattab, Sherif" userId="c83b1e15-36f3-4f46-aceb-05aac24c545e" providerId="ADAL" clId="{E67F4250-9C3E-D640-A95D-DA79C2837899}" dt="2022-01-24T19:06:24.181" v="0" actId="2696"/>
-        <pc:sldMkLst>
-          <pc:docMk/>
-          <pc:sldMk cId="551485046" sldId="1873"/>
-        </pc:sldMkLst>
-      </pc:sldChg>
-      <pc:sldChg chg="del">
-        <pc:chgData name="Khattab, Sherif" userId="c83b1e15-36f3-4f46-aceb-05aac24c545e" providerId="ADAL" clId="{E67F4250-9C3E-D640-A95D-DA79C2837899}" dt="2022-01-24T19:06:24.181" v="0" actId="2696"/>
-        <pc:sldMkLst>
-          <pc:docMk/>
-          <pc:sldMk cId="868200480" sldId="1874"/>
+        <pc:chgData name="Khattab, Sherif" userId="c83b1e15-36f3-4f46-aceb-05aac24c545e" providerId="ADAL" clId="{D639D9AC-2645-5840-A06B-951E41DBCC5A}" dt="2021-02-08T04:10:02.367" v="229" actId="2696"/>
+        <pc:sldMkLst>
+          <pc:docMk/>
+          <pc:sldMk cId="2873396926" sldId="1871"/>
         </pc:sldMkLst>
       </pc:sldChg>
     </pc:docChg>
@@ -2579,7 +2573,7 @@
           <a:p>
             <a:fld id="{A845D111-13B1-6540-9222-8BA23A0A1AF2}" type="datetimeFigureOut">
               <a:rPr lang="en-US" smtClean="0"/>
-              <a:t>1/24/22</a:t>
+              <a:t>1/26/22</a:t>
             </a:fld>
             <a:endParaRPr lang="en-US"/>
           </a:p>
@@ -3362,7 +3356,7 @@
                 <a:tabLst/>
                 <a:defRPr/>
               </a:pPr>
-              <a:t>11</a:t>
+              <a:t>5</a:t>
             </a:fld>
             <a:endParaRPr kumimoji="0" lang="en-US" sz="1200" b="0" i="0" u="none" strike="noStrike" kern="1200" cap="none" spc="0" normalizeH="0" baseline="0" noProof="0">
               <a:ln>
@@ -4630,7 +4624,7 @@
             <a:fld id="{049DC8E1-D369-0F48-9062-BB068AFD07CE}" type="datetime1">
               <a:rPr lang="en-US" smtClean="0"/>
               <a:pPr/>
-              <a:t>1/24/22</a:t>
+              <a:t>1/26/22</a:t>
             </a:fld>
             <a:endParaRPr lang="en-US"/>
           </a:p>
@@ -8807,466 +8801,6 @@
 </p:sld>
 </file>
 
-<file path=ppt/slides/slide10.xml><?xml version="1.0" encoding="utf-8"?>
-<p:sld xmlns:a="http://schemas.openxmlformats.org/drawingml/2006/main" xmlns:r="http://schemas.openxmlformats.org/officeDocument/2006/relationships" xmlns:p="http://schemas.openxmlformats.org/presentationml/2006/main">
-  <p:cSld>
-    <p:spTree>
-      <p:nvGrpSpPr>
-        <p:cNvPr id="1" name=""/>
-        <p:cNvGrpSpPr/>
-        <p:nvPr/>
-      </p:nvGrpSpPr>
-      <p:grpSpPr>
-        <a:xfrm>
-          <a:off x="0" y="0"/>
-          <a:ext cx="0" cy="0"/>
-          <a:chOff x="0" y="0"/>
-          <a:chExt cx="0" cy="0"/>
-        </a:xfrm>
-      </p:grpSpPr>
-      <p:sp>
-        <p:nvSpPr>
-          <p:cNvPr id="2" name="Title 1">
-            <a:extLst>
-              <a:ext uri="{FF2B5EF4-FFF2-40B4-BE49-F238E27FC236}">
-                <a16:creationId xmlns:a16="http://schemas.microsoft.com/office/drawing/2014/main" id="{06A3663B-1BCB-460C-A7AF-44C18D2F5799}"/>
-              </a:ext>
-            </a:extLst>
-          </p:cNvPr>
-          <p:cNvSpPr>
-            <a:spLocks noGrp="1"/>
-          </p:cNvSpPr>
-          <p:nvPr>
-            <p:ph type="title"/>
-          </p:nvPr>
-        </p:nvSpPr>
-        <p:spPr/>
-        <p:txBody>
-          <a:bodyPr/>
-          <a:lstStyle/>
-          <a:p>
-            <a:r>
-              <a:rPr lang="en-US" err="1"/>
-              <a:t>privateBuildTree</a:t>
-            </a:r>
-            <a:r>
-              <a:rPr lang="en-US"/>
-              <a:t> Method</a:t>
-            </a:r>
-          </a:p>
-        </p:txBody>
-      </p:sp>
-      <p:sp>
-        <p:nvSpPr>
-          <p:cNvPr id="4" name="Footer Placeholder 3">
-            <a:extLst>
-              <a:ext uri="{FF2B5EF4-FFF2-40B4-BE49-F238E27FC236}">
-                <a16:creationId xmlns:a16="http://schemas.microsoft.com/office/drawing/2014/main" id="{96CFD46E-CA81-4F04-8FDC-A36AB1F9476B}"/>
-              </a:ext>
-            </a:extLst>
-          </p:cNvPr>
-          <p:cNvSpPr>
-            <a:spLocks noGrp="1"/>
-          </p:cNvSpPr>
-          <p:nvPr>
-            <p:ph type="ftr" idx="11"/>
-          </p:nvPr>
-        </p:nvSpPr>
-        <p:spPr/>
-        <p:txBody>
-          <a:bodyPr/>
-          <a:lstStyle/>
-          <a:p>
-            <a:pPr>
-              <a:defRPr/>
-            </a:pPr>
-            <a:r>
-              <a:rPr lang="en-US">
-                <a:latin typeface="+mn-lt"/>
-              </a:rPr>
-              <a:t>CS 1501 – Algorithms &amp; Data Structures 2 – Sherif Khattab</a:t>
-            </a:r>
-            <a:endParaRPr lang="en-GB"/>
-          </a:p>
-        </p:txBody>
-      </p:sp>
-      <p:sp>
-        <p:nvSpPr>
-          <p:cNvPr id="5" name="Slide Number Placeholder 4">
-            <a:extLst>
-              <a:ext uri="{FF2B5EF4-FFF2-40B4-BE49-F238E27FC236}">
-                <a16:creationId xmlns:a16="http://schemas.microsoft.com/office/drawing/2014/main" id="{3AADC464-32DB-441C-9EA3-7F3F31E0A3AC}"/>
-              </a:ext>
-            </a:extLst>
-          </p:cNvPr>
-          <p:cNvSpPr>
-            <a:spLocks noGrp="1"/>
-          </p:cNvSpPr>
-          <p:nvPr>
-            <p:ph type="sldNum" idx="12"/>
-          </p:nvPr>
-        </p:nvSpPr>
-        <p:spPr/>
-        <p:txBody>
-          <a:bodyPr/>
-          <a:lstStyle/>
-          <a:p>
-            <a:fld id="{65E435D9-63B0-4660-8D04-E83F5E2CA2AE}" type="slidenum">
-              <a:rPr lang="en-GB" altLang="en-US" smtClean="0"/>
-              <a:pPr/>
-              <a:t>10</a:t>
-            </a:fld>
-            <a:endParaRPr lang="en-GB" altLang="en-US"/>
-          </a:p>
-        </p:txBody>
-      </p:sp>
-      <p:pic>
-        <p:nvPicPr>
-          <p:cNvPr id="7" name="Picture 6">
-            <a:extLst>
-              <a:ext uri="{FF2B5EF4-FFF2-40B4-BE49-F238E27FC236}">
-                <a16:creationId xmlns:a16="http://schemas.microsoft.com/office/drawing/2014/main" id="{A4D7DA1F-AAB4-4C1A-8C9D-658ECA4B7F97}"/>
-              </a:ext>
-            </a:extLst>
-          </p:cNvPr>
-          <p:cNvPicPr>
-            <a:picLocks noChangeAspect="1"/>
-          </p:cNvPicPr>
-          <p:nvPr/>
-        </p:nvPicPr>
-        <p:blipFill>
-          <a:blip r:embed="rId2"/>
-          <a:stretch>
-            <a:fillRect/>
-          </a:stretch>
-        </p:blipFill>
-        <p:spPr>
-          <a:xfrm>
-            <a:off x="277473" y="805501"/>
-            <a:ext cx="9635885" cy="6425209"/>
-          </a:xfrm>
-          <a:prstGeom prst="rect">
-            <a:avLst/>
-          </a:prstGeom>
-        </p:spPr>
-      </p:pic>
-    </p:spTree>
-    <p:extLst>
-      <p:ext uri="{BB962C8B-B14F-4D97-AF65-F5344CB8AC3E}">
-        <p14:creationId xmlns:p14="http://schemas.microsoft.com/office/powerpoint/2010/main" val="264922787"/>
-      </p:ext>
-    </p:extLst>
-  </p:cSld>
-  <p:clrMapOvr>
-    <a:masterClrMapping/>
-  </p:clrMapOvr>
-</p:sld>
-</file>
-
-<file path=ppt/slides/slide11.xml><?xml version="1.0" encoding="utf-8"?>
-<p:sld xmlns:a="http://schemas.openxmlformats.org/drawingml/2006/main" xmlns:r="http://schemas.openxmlformats.org/officeDocument/2006/relationships" xmlns:p="http://schemas.openxmlformats.org/presentationml/2006/main">
-  <p:cSld>
-    <p:spTree>
-      <p:nvGrpSpPr>
-        <p:cNvPr id="1" name=""/>
-        <p:cNvGrpSpPr/>
-        <p:nvPr/>
-      </p:nvGrpSpPr>
-      <p:grpSpPr>
-        <a:xfrm>
-          <a:off x="0" y="0"/>
-          <a:ext cx="0" cy="0"/>
-          <a:chOff x="0" y="0"/>
-          <a:chExt cx="0" cy="0"/>
-        </a:xfrm>
-      </p:grpSpPr>
-      <p:sp>
-        <p:nvSpPr>
-          <p:cNvPr id="6" name="Slide Number">
-            <a:extLst>
-              <a:ext uri="{FF2B5EF4-FFF2-40B4-BE49-F238E27FC236}">
-                <a16:creationId xmlns:a16="http://schemas.microsoft.com/office/drawing/2014/main" id="{A84C6658-392F-6A4D-984C-531AB221C723}"/>
-              </a:ext>
-            </a:extLst>
-          </p:cNvPr>
-          <p:cNvSpPr>
-            <a:spLocks noGrp="1"/>
-          </p:cNvSpPr>
-          <p:nvPr>
-            <p:ph type="sldNum" sz="quarter" idx="12"/>
-          </p:nvPr>
-        </p:nvSpPr>
-        <p:spPr/>
-        <p:txBody>
-          <a:bodyPr/>
-          <a:lstStyle/>
-          <a:p>
-            <a:pPr defTabSz="377922">
-              <a:defRPr/>
-            </a:pPr>
-            <a:fld id="{8A7A6979-0714-4377-B894-6BE4C2D6E202}" type="slidenum">
-              <a:rPr lang="en-US">
-                <a:solidFill>
-                  <a:srgbClr val="FFFFFF"/>
-                </a:solidFill>
-              </a:rPr>
-              <a:pPr defTabSz="377922">
-                <a:defRPr/>
-              </a:pPr>
-              <a:t>11</a:t>
-            </a:fld>
-            <a:endParaRPr lang="en-US">
-              <a:solidFill>
-                <a:srgbClr val="FFFFFF"/>
-              </a:solidFill>
-            </a:endParaRPr>
-          </a:p>
-        </p:txBody>
-      </p:sp>
-      <p:sp>
-        <p:nvSpPr>
-          <p:cNvPr id="4" name="Title 1">
-            <a:extLst>
-              <a:ext uri="{FF2B5EF4-FFF2-40B4-BE49-F238E27FC236}">
-                <a16:creationId xmlns:a16="http://schemas.microsoft.com/office/drawing/2014/main" id="{845E174E-D032-44D5-9B3B-60F9C54B9084}"/>
-              </a:ext>
-            </a:extLst>
-          </p:cNvPr>
-          <p:cNvSpPr txBox="1">
-            <a:spLocks/>
-          </p:cNvSpPr>
-          <p:nvPr/>
-        </p:nvSpPr>
-        <p:spPr bwMode="blackWhite">
-          <a:xfrm>
-            <a:off x="505293" y="1533558"/>
-            <a:ext cx="8731166" cy="2060949"/>
-          </a:xfrm>
-          <a:prstGeom prst="rect">
-            <a:avLst/>
-          </a:prstGeom>
-          <a:noFill/>
-          <a:ln w="38100" cap="sq">
-            <a:noFill/>
-            <a:miter lim="800000"/>
-          </a:ln>
-        </p:spPr>
-        <p:txBody>
-          <a:bodyPr vert="horz" wrap="square" lIns="0" tIns="0" rIns="0" bIns="0" rtlCol="0" anchor="t" anchorCtr="0">
-            <a:spAutoFit/>
-          </a:bodyPr>
-          <a:lstStyle>
-            <a:lvl1pPr algn="ctr" defTabSz="914400" rtl="0" eaLnBrk="1" latinLnBrk="0" hangingPunct="1">
-              <a:lnSpc>
-                <a:spcPct val="90000"/>
-              </a:lnSpc>
-              <a:spcBef>
-                <a:spcPct val="0"/>
-              </a:spcBef>
-              <a:buNone/>
-              <a:defRPr sz="8600" b="0" i="0" kern="1200" cap="none" spc="300" baseline="0">
-                <a:solidFill>
-                  <a:schemeClr val="accent2"/>
-                </a:solidFill>
-                <a:latin typeface="United Sans Cond Medium" pitchFamily="2" charset="77"/>
-                <a:ea typeface="+mj-ea"/>
-                <a:cs typeface="+mj-cs"/>
-              </a:defRPr>
-            </a:lvl1pPr>
-          </a:lstStyle>
-          <a:p>
-            <a:pPr defTabSz="755843">
-              <a:defRPr/>
-            </a:pPr>
-            <a:r>
-              <a:rPr lang="en-US" sz="4960" b="1" spc="248">
-                <a:solidFill>
-                  <a:srgbClr val="002060"/>
-                </a:solidFill>
-                <a:latin typeface="Acumin Pro ExtraCondensed" panose="020B0604020202020204" charset="0"/>
-                <a:cs typeface="United Sans Cond Medium" panose="020B0604020202020204" charset="0"/>
-              </a:rPr>
-              <a:t>Please submit your reflections by using the </a:t>
-            </a:r>
-            <a:r>
-              <a:rPr lang="en-US" sz="4960" b="1" spc="248" err="1">
-                <a:solidFill>
-                  <a:srgbClr val="002060"/>
-                </a:solidFill>
-                <a:latin typeface="Acumin Pro ExtraCondensed" panose="020B0604020202020204" charset="0"/>
-                <a:cs typeface="United Sans Cond Medium" panose="020B0604020202020204" charset="0"/>
-              </a:rPr>
-              <a:t>CourseMIRROR</a:t>
-            </a:r>
-            <a:r>
-              <a:rPr lang="en-US" sz="4960" b="1" spc="248">
-                <a:solidFill>
-                  <a:srgbClr val="002060"/>
-                </a:solidFill>
-                <a:latin typeface="Acumin Pro ExtraCondensed" panose="020B0604020202020204" charset="0"/>
-                <a:cs typeface="United Sans Cond Medium" panose="020B0604020202020204" charset="0"/>
-              </a:rPr>
-              <a:t> App</a:t>
-            </a:r>
-          </a:p>
-        </p:txBody>
-      </p:sp>
-      <p:sp>
-        <p:nvSpPr>
-          <p:cNvPr id="5" name="Date Placeholder 3">
-            <a:extLst>
-              <a:ext uri="{FF2B5EF4-FFF2-40B4-BE49-F238E27FC236}">
-                <a16:creationId xmlns:a16="http://schemas.microsoft.com/office/drawing/2014/main" id="{6C566CCB-EA83-4CF7-9EDD-EAD8BA08143B}"/>
-              </a:ext>
-            </a:extLst>
-          </p:cNvPr>
-          <p:cNvSpPr>
-            <a:spLocks noGrp="1"/>
-          </p:cNvSpPr>
-          <p:nvPr>
-            <p:ph type="dt" sz="half" idx="10"/>
-          </p:nvPr>
-        </p:nvSpPr>
-        <p:spPr>
-          <a:xfrm>
-            <a:off x="8292304" y="6073629"/>
-            <a:ext cx="944155" cy="267780"/>
-          </a:xfrm>
-        </p:spPr>
-        <p:txBody>
-          <a:bodyPr/>
-          <a:lstStyle/>
-          <a:p>
-            <a:pPr defTabSz="377922">
-              <a:defRPr/>
-            </a:pPr>
-            <a:fld id="{049DC8E1-D369-0F48-9062-BB068AFD07CE}" type="datetime1">
-              <a:rPr lang="en-US">
-                <a:solidFill>
-                  <a:srgbClr val="FFFFFF">
-                    <a:alpha val="70000"/>
-                  </a:srgbClr>
-                </a:solidFill>
-              </a:rPr>
-              <a:pPr defTabSz="377922">
-                <a:defRPr/>
-              </a:pPr>
-              <a:t>1/24/22</a:t>
-            </a:fld>
-            <a:endParaRPr lang="en-US">
-              <a:solidFill>
-                <a:srgbClr val="FFFFFF">
-                  <a:alpha val="70000"/>
-                </a:srgbClr>
-              </a:solidFill>
-            </a:endParaRPr>
-          </a:p>
-        </p:txBody>
-      </p:sp>
-      <p:sp>
-        <p:nvSpPr>
-          <p:cNvPr id="2" name="TextBox 1">
-            <a:extLst>
-              <a:ext uri="{FF2B5EF4-FFF2-40B4-BE49-F238E27FC236}">
-                <a16:creationId xmlns:a16="http://schemas.microsoft.com/office/drawing/2014/main" id="{1F35FF62-3694-9144-A69E-A1580D1534C9}"/>
-              </a:ext>
-            </a:extLst>
-          </p:cNvPr>
-          <p:cNvSpPr txBox="1"/>
-          <p:nvPr/>
-        </p:nvSpPr>
-        <p:spPr>
-          <a:xfrm>
-            <a:off x="1157123" y="4632545"/>
-            <a:ext cx="7557758" cy="652230"/>
-          </a:xfrm>
-          <a:prstGeom prst="rect">
-            <a:avLst/>
-          </a:prstGeom>
-          <a:noFill/>
-        </p:spPr>
-        <p:txBody>
-          <a:bodyPr wrap="square" rtlCol="0">
-            <a:spAutoFit/>
-          </a:bodyPr>
-          <a:lstStyle/>
-          <a:p>
-            <a:pPr defTabSz="377922">
-              <a:defRPr/>
-            </a:pPr>
-            <a:r>
-              <a:rPr lang="en-US" sz="1819" b="1">
-                <a:solidFill>
-                  <a:srgbClr val="000000"/>
-                </a:solidFill>
-                <a:latin typeface="Times New Roman" panose="02020603050405020304" pitchFamily="18" charset="0"/>
-                <a:cs typeface="Times New Roman" panose="02020603050405020304" pitchFamily="18" charset="0"/>
-              </a:rPr>
-              <a:t>If you are having a problem with </a:t>
-            </a:r>
-            <a:r>
-              <a:rPr lang="en-US" sz="1819" b="1" err="1">
-                <a:solidFill>
-                  <a:srgbClr val="000000"/>
-                </a:solidFill>
-                <a:latin typeface="Times New Roman" panose="02020603050405020304" pitchFamily="18" charset="0"/>
-                <a:cs typeface="Times New Roman" panose="02020603050405020304" pitchFamily="18" charset="0"/>
-              </a:rPr>
-              <a:t>CourseMIRROR</a:t>
-            </a:r>
-            <a:r>
-              <a:rPr lang="en-US" sz="1819" b="1">
-                <a:solidFill>
-                  <a:srgbClr val="000000"/>
-                </a:solidFill>
-                <a:latin typeface="Times New Roman" panose="02020603050405020304" pitchFamily="18" charset="0"/>
-                <a:cs typeface="Times New Roman" panose="02020603050405020304" pitchFamily="18" charset="0"/>
-              </a:rPr>
-              <a:t>, please send an email to </a:t>
-            </a:r>
-            <a:r>
-              <a:rPr lang="en-US" sz="1819" b="1">
-                <a:solidFill>
-                  <a:srgbClr val="0000FF"/>
-                </a:solidFill>
-                <a:latin typeface="Times New Roman" panose="02020603050405020304" pitchFamily="18" charset="0"/>
-                <a:cs typeface="Times New Roman" panose="02020603050405020304" pitchFamily="18" charset="0"/>
-                <a:hlinkClick r:id="rId3">
-                  <a:extLst>
-                    <a:ext uri="{A12FA001-AC4F-418D-AE19-62706E023703}">
-                      <ahyp:hlinkClr xmlns:ahyp="http://schemas.microsoft.com/office/drawing/2018/hyperlinkcolor" val="tx"/>
-                    </a:ext>
-                  </a:extLst>
-                </a:hlinkClick>
-              </a:rPr>
-              <a:t>coursemirror.development@gmail.com</a:t>
-            </a:r>
-            <a:r>
-              <a:rPr lang="en-US" sz="1819" b="1">
-                <a:solidFill>
-                  <a:srgbClr val="0000FF"/>
-                </a:solidFill>
-                <a:latin typeface="Times New Roman" panose="02020603050405020304" pitchFamily="18" charset="0"/>
-                <a:cs typeface="Times New Roman" panose="02020603050405020304" pitchFamily="18" charset="0"/>
-              </a:rPr>
-              <a:t> </a:t>
-            </a:r>
-          </a:p>
-        </p:txBody>
-      </p:sp>
-    </p:spTree>
-    <p:extLst>
-      <p:ext uri="{BB962C8B-B14F-4D97-AF65-F5344CB8AC3E}">
-        <p14:creationId xmlns:p14="http://schemas.microsoft.com/office/powerpoint/2010/main" val="737806260"/>
-      </p:ext>
-    </p:extLst>
-  </p:cSld>
-  <p:clrMapOvr>
-    <a:masterClrMapping/>
-  </p:clrMapOvr>
-</p:sld>
-</file>
-
 <file path=ppt/slides/slide2.xml><?xml version="1.0" encoding="utf-8"?>
 <p:sld xmlns:a="http://schemas.openxmlformats.org/drawingml/2006/main" xmlns:r="http://schemas.openxmlformats.org/officeDocument/2006/relationships" xmlns:p="http://schemas.openxmlformats.org/presentationml/2006/main">
   <p:cSld>
@@ -9912,10 +9446,10 @@
       </p:grpSpPr>
       <p:sp>
         <p:nvSpPr>
-          <p:cNvPr id="2" name="Title 1">
+          <p:cNvPr id="6" name="Slide Number">
             <a:extLst>
               <a:ext uri="{FF2B5EF4-FFF2-40B4-BE49-F238E27FC236}">
-                <a16:creationId xmlns:a16="http://schemas.microsoft.com/office/drawing/2014/main" id="{DF5041EA-2DD5-456B-AB1E-0FD0B5D9A593}"/>
+                <a16:creationId xmlns:a16="http://schemas.microsoft.com/office/drawing/2014/main" id="{A84C6658-392F-6A4D-984C-531AB221C723}"/>
               </a:ext>
             </a:extLst>
           </p:cNvPr>
@@ -9923,7 +9457,7 @@
             <a:spLocks noGrp="1"/>
           </p:cNvSpPr>
           <p:nvPr>
-            <p:ph type="title"/>
+            <p:ph type="sldNum" sz="quarter" idx="12"/>
           </p:nvPr>
         </p:nvSpPr>
         <p:spPr/>
@@ -9931,20 +9465,122 @@
           <a:bodyPr/>
           <a:lstStyle/>
           <a:p>
-            <a:r>
-              <a:rPr lang="en-US" err="1"/>
-              <a:t>BinaryNode</a:t>
-            </a:r>
-            <a:endParaRPr lang="en-US"/>
-          </a:p>
-        </p:txBody>
-      </p:sp>
-      <p:sp>
-        <p:nvSpPr>
-          <p:cNvPr id="3" name="Content Placeholder 2">
+            <a:pPr defTabSz="377922">
+              <a:defRPr/>
+            </a:pPr>
+            <a:fld id="{8A7A6979-0714-4377-B894-6BE4C2D6E202}" type="slidenum">
+              <a:rPr lang="en-US">
+                <a:solidFill>
+                  <a:srgbClr val="FFFFFF"/>
+                </a:solidFill>
+              </a:rPr>
+              <a:pPr defTabSz="377922">
+                <a:defRPr/>
+              </a:pPr>
+              <a:t>5</a:t>
+            </a:fld>
+            <a:endParaRPr lang="en-US">
+              <a:solidFill>
+                <a:srgbClr val="FFFFFF"/>
+              </a:solidFill>
+            </a:endParaRPr>
+          </a:p>
+        </p:txBody>
+      </p:sp>
+      <p:sp>
+        <p:nvSpPr>
+          <p:cNvPr id="4" name="Title 1">
             <a:extLst>
               <a:ext uri="{FF2B5EF4-FFF2-40B4-BE49-F238E27FC236}">
-                <a16:creationId xmlns:a16="http://schemas.microsoft.com/office/drawing/2014/main" id="{A63E7BA2-DEEB-40CC-8411-2C5515C0E39C}"/>
+                <a16:creationId xmlns:a16="http://schemas.microsoft.com/office/drawing/2014/main" id="{845E174E-D032-44D5-9B3B-60F9C54B9084}"/>
+              </a:ext>
+            </a:extLst>
+          </p:cNvPr>
+          <p:cNvSpPr txBox="1">
+            <a:spLocks/>
+          </p:cNvSpPr>
+          <p:nvPr/>
+        </p:nvSpPr>
+        <p:spPr bwMode="blackWhite">
+          <a:xfrm>
+            <a:off x="505293" y="1533558"/>
+            <a:ext cx="8731166" cy="2060949"/>
+          </a:xfrm>
+          <a:prstGeom prst="rect">
+            <a:avLst/>
+          </a:prstGeom>
+          <a:noFill/>
+          <a:ln w="38100" cap="sq">
+            <a:noFill/>
+            <a:miter lim="800000"/>
+          </a:ln>
+        </p:spPr>
+        <p:txBody>
+          <a:bodyPr vert="horz" wrap="square" lIns="0" tIns="0" rIns="0" bIns="0" rtlCol="0" anchor="t" anchorCtr="0">
+            <a:spAutoFit/>
+          </a:bodyPr>
+          <a:lstStyle>
+            <a:lvl1pPr algn="ctr" defTabSz="914400" rtl="0" eaLnBrk="1" latinLnBrk="0" hangingPunct="1">
+              <a:lnSpc>
+                <a:spcPct val="90000"/>
+              </a:lnSpc>
+              <a:spcBef>
+                <a:spcPct val="0"/>
+              </a:spcBef>
+              <a:buNone/>
+              <a:defRPr sz="8600" b="0" i="0" kern="1200" cap="none" spc="300" baseline="0">
+                <a:solidFill>
+                  <a:schemeClr val="accent2"/>
+                </a:solidFill>
+                <a:latin typeface="United Sans Cond Medium" pitchFamily="2" charset="77"/>
+                <a:ea typeface="+mj-ea"/>
+                <a:cs typeface="+mj-cs"/>
+              </a:defRPr>
+            </a:lvl1pPr>
+          </a:lstStyle>
+          <a:p>
+            <a:pPr defTabSz="755843">
+              <a:defRPr/>
+            </a:pPr>
+            <a:r>
+              <a:rPr lang="en-US" sz="4960" b="1" spc="248">
+                <a:solidFill>
+                  <a:srgbClr val="002060"/>
+                </a:solidFill>
+                <a:latin typeface="Acumin Pro ExtraCondensed" panose="020B0604020202020204" charset="0"/>
+                <a:cs typeface="United Sans Cond Medium" panose="020B0604020202020204" charset="0"/>
+              </a:rPr>
+              <a:t>Please submit your reflections by using the </a:t>
+            </a:r>
+            <a:r>
+              <a:rPr lang="en-US" sz="4960" b="1" spc="248" err="1">
+                <a:solidFill>
+                  <a:srgbClr val="002060"/>
+                </a:solidFill>
+                <a:latin typeface="Acumin Pro ExtraCondensed" panose="020B0604020202020204" charset="0"/>
+                <a:cs typeface="United Sans Cond Medium" panose="020B0604020202020204" charset="0"/>
+              </a:rPr>
+              <a:t>CourseMIRROR</a:t>
+            </a:r>
+            <a:r>
+              <a:rPr lang="en-US" sz="4960" b="1" spc="248">
+                <a:solidFill>
+                  <a:srgbClr val="002060"/>
+                </a:solidFill>
+                <a:latin typeface="Acumin Pro ExtraCondensed" panose="020B0604020202020204" charset="0"/>
+                <a:cs typeface="United Sans Cond Medium" panose="020B0604020202020204" charset="0"/>
+              </a:rPr>
+              <a:t> App</a:t>
+            </a:r>
+          </a:p>
+        </p:txBody>
+      </p:sp>
+      <p:sp>
+        <p:nvSpPr>
+          <p:cNvPr id="5" name="Date Placeholder 3">
+            <a:extLst>
+              <a:ext uri="{FF2B5EF4-FFF2-40B4-BE49-F238E27FC236}">
+                <a16:creationId xmlns:a16="http://schemas.microsoft.com/office/drawing/2014/main" id="{6C566CCB-EA83-4CF7-9EDD-EAD8BA08143B}"/>
               </a:ext>
             </a:extLst>
           </p:cNvPr>
@@ -9952,827 +9588,140 @@
             <a:spLocks noGrp="1"/>
           </p:cNvSpPr>
           <p:nvPr>
-            <p:ph idx="1"/>
+            <p:ph type="dt" sz="half" idx="10"/>
           </p:nvPr>
         </p:nvSpPr>
-        <p:spPr/>
+        <p:spPr>
+          <a:xfrm>
+            <a:off x="8292304" y="6073629"/>
+            <a:ext cx="944155" cy="267780"/>
+          </a:xfrm>
+        </p:spPr>
         <p:txBody>
           <a:bodyPr/>
           <a:lstStyle/>
           <a:p>
-            <a:endParaRPr lang="en-US"/>
-          </a:p>
-        </p:txBody>
-      </p:sp>
-      <p:sp>
-        <p:nvSpPr>
-          <p:cNvPr id="4" name="Footer Placeholder 3">
+            <a:pPr defTabSz="377922">
+              <a:defRPr/>
+            </a:pPr>
+            <a:fld id="{049DC8E1-D369-0F48-9062-BB068AFD07CE}" type="datetime1">
+              <a:rPr lang="en-US">
+                <a:solidFill>
+                  <a:srgbClr val="FFFFFF">
+                    <a:alpha val="70000"/>
+                  </a:srgbClr>
+                </a:solidFill>
+              </a:rPr>
+              <a:pPr defTabSz="377922">
+                <a:defRPr/>
+              </a:pPr>
+              <a:t>1/26/22</a:t>
+            </a:fld>
+            <a:endParaRPr lang="en-US">
+              <a:solidFill>
+                <a:srgbClr val="FFFFFF">
+                  <a:alpha val="70000"/>
+                </a:srgbClr>
+              </a:solidFill>
+            </a:endParaRPr>
+          </a:p>
+        </p:txBody>
+      </p:sp>
+      <p:sp>
+        <p:nvSpPr>
+          <p:cNvPr id="2" name="TextBox 1">
             <a:extLst>
               <a:ext uri="{FF2B5EF4-FFF2-40B4-BE49-F238E27FC236}">
-                <a16:creationId xmlns:a16="http://schemas.microsoft.com/office/drawing/2014/main" id="{486642C5-7A2E-4251-8440-806154E78C28}"/>
+                <a16:creationId xmlns:a16="http://schemas.microsoft.com/office/drawing/2014/main" id="{1F35FF62-3694-9144-A69E-A1580D1534C9}"/>
               </a:ext>
             </a:extLst>
           </p:cNvPr>
-          <p:cNvSpPr>
-            <a:spLocks noGrp="1"/>
-          </p:cNvSpPr>
-          <p:nvPr>
-            <p:ph type="ftr" idx="11"/>
-          </p:nvPr>
-        </p:nvSpPr>
-        <p:spPr/>
-        <p:txBody>
-          <a:bodyPr/>
-          <a:lstStyle/>
-          <a:p>
-            <a:pPr>
-              <a:defRPr/>
-            </a:pPr>
-            <a:r>
-              <a:rPr lang="en-US">
-                <a:latin typeface="+mn-lt"/>
-              </a:rPr>
-              <a:t>CS 1501 – Algorithms &amp; Data Structures 2 – Sherif Khattab</a:t>
-            </a:r>
-            <a:endParaRPr lang="en-GB"/>
-          </a:p>
-        </p:txBody>
-      </p:sp>
-      <p:sp>
-        <p:nvSpPr>
-          <p:cNvPr id="5" name="Slide Number Placeholder 4">
-            <a:extLst>
-              <a:ext uri="{FF2B5EF4-FFF2-40B4-BE49-F238E27FC236}">
-                <a16:creationId xmlns:a16="http://schemas.microsoft.com/office/drawing/2014/main" id="{D366DD1B-53BA-42C7-8892-8DF9510C549B}"/>
-              </a:ext>
-            </a:extLst>
-          </p:cNvPr>
-          <p:cNvSpPr>
-            <a:spLocks noGrp="1"/>
-          </p:cNvSpPr>
-          <p:nvPr>
-            <p:ph type="sldNum" idx="12"/>
-          </p:nvPr>
-        </p:nvSpPr>
-        <p:spPr/>
-        <p:txBody>
-          <a:bodyPr/>
-          <a:lstStyle/>
-          <a:p>
-            <a:fld id="{65E435D9-63B0-4660-8D04-E83F5E2CA2AE}" type="slidenum">
-              <a:rPr lang="en-GB" altLang="en-US" smtClean="0"/>
-              <a:pPr/>
-              <a:t>5</a:t>
-            </a:fld>
-            <a:endParaRPr lang="en-GB" altLang="en-US"/>
-          </a:p>
-        </p:txBody>
-      </p:sp>
-      <p:pic>
-        <p:nvPicPr>
-          <p:cNvPr id="7" name="Picture 6">
-            <a:extLst>
-              <a:ext uri="{FF2B5EF4-FFF2-40B4-BE49-F238E27FC236}">
-                <a16:creationId xmlns:a16="http://schemas.microsoft.com/office/drawing/2014/main" id="{989CF90F-86C2-4449-8588-23F8F9FD52CE}"/>
-              </a:ext>
-            </a:extLst>
-          </p:cNvPr>
-          <p:cNvPicPr>
-            <a:picLocks noChangeAspect="1"/>
-          </p:cNvPicPr>
+          <p:cNvSpPr txBox="1"/>
           <p:nvPr/>
-        </p:nvPicPr>
-        <p:blipFill>
-          <a:blip r:embed="rId2"/>
-          <a:stretch>
-            <a:fillRect/>
-          </a:stretch>
-        </p:blipFill>
+        </p:nvSpPr>
         <p:spPr>
           <a:xfrm>
-            <a:off x="466658" y="1332012"/>
-            <a:ext cx="8475673" cy="5651579"/>
+            <a:off x="1157123" y="4632545"/>
+            <a:ext cx="7557758" cy="652230"/>
           </a:xfrm>
           <a:prstGeom prst="rect">
             <a:avLst/>
           </a:prstGeom>
+          <a:noFill/>
         </p:spPr>
-      </p:pic>
+        <p:txBody>
+          <a:bodyPr wrap="square" rtlCol="0">
+            <a:spAutoFit/>
+          </a:bodyPr>
+          <a:lstStyle/>
+          <a:p>
+            <a:pPr defTabSz="377922">
+              <a:defRPr/>
+            </a:pPr>
+            <a:r>
+              <a:rPr lang="en-US" sz="1819" b="1">
+                <a:solidFill>
+                  <a:srgbClr val="000000"/>
+                </a:solidFill>
+                <a:latin typeface="Times New Roman" panose="02020603050405020304" pitchFamily="18" charset="0"/>
+                <a:cs typeface="Times New Roman" panose="02020603050405020304" pitchFamily="18" charset="0"/>
+              </a:rPr>
+              <a:t>If you are having a problem with </a:t>
+            </a:r>
+            <a:r>
+              <a:rPr lang="en-US" sz="1819" b="1" err="1">
+                <a:solidFill>
+                  <a:srgbClr val="000000"/>
+                </a:solidFill>
+                <a:latin typeface="Times New Roman" panose="02020603050405020304" pitchFamily="18" charset="0"/>
+                <a:cs typeface="Times New Roman" panose="02020603050405020304" pitchFamily="18" charset="0"/>
+              </a:rPr>
+              <a:t>CourseMIRROR</a:t>
+            </a:r>
+            <a:r>
+              <a:rPr lang="en-US" sz="1819" b="1">
+                <a:solidFill>
+                  <a:srgbClr val="000000"/>
+                </a:solidFill>
+                <a:latin typeface="Times New Roman" panose="02020603050405020304" pitchFamily="18" charset="0"/>
+                <a:cs typeface="Times New Roman" panose="02020603050405020304" pitchFamily="18" charset="0"/>
+              </a:rPr>
+              <a:t>, please send an email to </a:t>
+            </a:r>
+            <a:r>
+              <a:rPr lang="en-US" sz="1819" b="1">
+                <a:solidFill>
+                  <a:srgbClr val="0000FF"/>
+                </a:solidFill>
+                <a:latin typeface="Times New Roman" panose="02020603050405020304" pitchFamily="18" charset="0"/>
+                <a:cs typeface="Times New Roman" panose="02020603050405020304" pitchFamily="18" charset="0"/>
+                <a:hlinkClick r:id="rId3">
+                  <a:extLst>
+                    <a:ext uri="{A12FA001-AC4F-418D-AE19-62706E023703}">
+                      <ahyp:hlinkClr xmlns:ahyp="http://schemas.microsoft.com/office/drawing/2018/hyperlinkcolor" val="tx"/>
+                    </a:ext>
+                  </a:extLst>
+                </a:hlinkClick>
+              </a:rPr>
+              <a:t>coursemirror.development@gmail.com</a:t>
+            </a:r>
+            <a:r>
+              <a:rPr lang="en-US" sz="1819" b="1">
+                <a:solidFill>
+                  <a:srgbClr val="0000FF"/>
+                </a:solidFill>
+                <a:latin typeface="Times New Roman" panose="02020603050405020304" pitchFamily="18" charset="0"/>
+                <a:cs typeface="Times New Roman" panose="02020603050405020304" pitchFamily="18" charset="0"/>
+              </a:rPr>
+              <a:t> </a:t>
+            </a:r>
+          </a:p>
+        </p:txBody>
+      </p:sp>
     </p:spTree>
     <p:extLst>
       <p:ext uri="{BB962C8B-B14F-4D97-AF65-F5344CB8AC3E}">
-        <p14:creationId xmlns:p14="http://schemas.microsoft.com/office/powerpoint/2010/main" val="532154242"/>
-      </p:ext>
-    </p:extLst>
-  </p:cSld>
-  <p:clrMapOvr>
-    <a:masterClrMapping/>
-  </p:clrMapOvr>
-</p:sld>
-</file>
-
-<file path=ppt/slides/slide6.xml><?xml version="1.0" encoding="utf-8"?>
-<p:sld xmlns:a="http://schemas.openxmlformats.org/drawingml/2006/main" xmlns:r="http://schemas.openxmlformats.org/officeDocument/2006/relationships" xmlns:p="http://schemas.openxmlformats.org/presentationml/2006/main">
-  <p:cSld>
-    <p:spTree>
-      <p:nvGrpSpPr>
-        <p:cNvPr id="1" name=""/>
-        <p:cNvGrpSpPr/>
-        <p:nvPr/>
-      </p:nvGrpSpPr>
-      <p:grpSpPr>
-        <a:xfrm>
-          <a:off x="0" y="0"/>
-          <a:ext cx="0" cy="0"/>
-          <a:chOff x="0" y="0"/>
-          <a:chExt cx="0" cy="0"/>
-        </a:xfrm>
-      </p:grpSpPr>
-      <p:sp>
-        <p:nvSpPr>
-          <p:cNvPr id="2" name="Title 1">
-            <a:extLst>
-              <a:ext uri="{FF2B5EF4-FFF2-40B4-BE49-F238E27FC236}">
-                <a16:creationId xmlns:a16="http://schemas.microsoft.com/office/drawing/2014/main" id="{9D5EF159-613A-48A2-8E13-719516ECD324}"/>
-              </a:ext>
-            </a:extLst>
-          </p:cNvPr>
-          <p:cNvSpPr>
-            <a:spLocks noGrp="1"/>
-          </p:cNvSpPr>
-          <p:nvPr>
-            <p:ph type="title"/>
-          </p:nvPr>
-        </p:nvSpPr>
-        <p:spPr/>
-        <p:txBody>
-          <a:bodyPr/>
-          <a:lstStyle/>
-          <a:p>
-            <a:r>
-              <a:rPr lang="en-US" err="1"/>
-              <a:t>BinaryNode</a:t>
-            </a:r>
-            <a:endParaRPr lang="en-US"/>
-          </a:p>
-        </p:txBody>
-      </p:sp>
-      <p:sp>
-        <p:nvSpPr>
-          <p:cNvPr id="3" name="Content Placeholder 2">
-            <a:extLst>
-              <a:ext uri="{FF2B5EF4-FFF2-40B4-BE49-F238E27FC236}">
-                <a16:creationId xmlns:a16="http://schemas.microsoft.com/office/drawing/2014/main" id="{9630B23B-EDF8-46F5-8C87-C49355EBFABD}"/>
-              </a:ext>
-            </a:extLst>
-          </p:cNvPr>
-          <p:cNvSpPr>
-            <a:spLocks noGrp="1"/>
-          </p:cNvSpPr>
-          <p:nvPr>
-            <p:ph idx="1"/>
-          </p:nvPr>
-        </p:nvSpPr>
-        <p:spPr/>
-        <p:txBody>
-          <a:bodyPr/>
-          <a:lstStyle/>
-          <a:p>
-            <a:endParaRPr lang="en-US"/>
-          </a:p>
-        </p:txBody>
-      </p:sp>
-      <p:sp>
-        <p:nvSpPr>
-          <p:cNvPr id="4" name="Footer Placeholder 3">
-            <a:extLst>
-              <a:ext uri="{FF2B5EF4-FFF2-40B4-BE49-F238E27FC236}">
-                <a16:creationId xmlns:a16="http://schemas.microsoft.com/office/drawing/2014/main" id="{FF0A7A47-C50F-4E4F-B7C7-461AED7BF871}"/>
-              </a:ext>
-            </a:extLst>
-          </p:cNvPr>
-          <p:cNvSpPr>
-            <a:spLocks noGrp="1"/>
-          </p:cNvSpPr>
-          <p:nvPr>
-            <p:ph type="ftr" idx="11"/>
-          </p:nvPr>
-        </p:nvSpPr>
-        <p:spPr/>
-        <p:txBody>
-          <a:bodyPr/>
-          <a:lstStyle/>
-          <a:p>
-            <a:pPr>
-              <a:defRPr/>
-            </a:pPr>
-            <a:r>
-              <a:rPr lang="en-US">
-                <a:latin typeface="+mn-lt"/>
-              </a:rPr>
-              <a:t>CS 1501 – Algorithms &amp; Data Structures 2 – Sherif Khattab</a:t>
-            </a:r>
-            <a:endParaRPr lang="en-GB"/>
-          </a:p>
-        </p:txBody>
-      </p:sp>
-      <p:sp>
-        <p:nvSpPr>
-          <p:cNvPr id="5" name="Slide Number Placeholder 4">
-            <a:extLst>
-              <a:ext uri="{FF2B5EF4-FFF2-40B4-BE49-F238E27FC236}">
-                <a16:creationId xmlns:a16="http://schemas.microsoft.com/office/drawing/2014/main" id="{6E334EAA-08F0-4FED-B329-BC5EB922D661}"/>
-              </a:ext>
-            </a:extLst>
-          </p:cNvPr>
-          <p:cNvSpPr>
-            <a:spLocks noGrp="1"/>
-          </p:cNvSpPr>
-          <p:nvPr>
-            <p:ph type="sldNum" idx="12"/>
-          </p:nvPr>
-        </p:nvSpPr>
-        <p:spPr/>
-        <p:txBody>
-          <a:bodyPr/>
-          <a:lstStyle/>
-          <a:p>
-            <a:fld id="{65E435D9-63B0-4660-8D04-E83F5E2CA2AE}" type="slidenum">
-              <a:rPr lang="en-GB" altLang="en-US" smtClean="0"/>
-              <a:pPr/>
-              <a:t>6</a:t>
-            </a:fld>
-            <a:endParaRPr lang="en-GB" altLang="en-US"/>
-          </a:p>
-        </p:txBody>
-      </p:sp>
-      <p:pic>
-        <p:nvPicPr>
-          <p:cNvPr id="7" name="Picture 6">
-            <a:extLst>
-              <a:ext uri="{FF2B5EF4-FFF2-40B4-BE49-F238E27FC236}">
-                <a16:creationId xmlns:a16="http://schemas.microsoft.com/office/drawing/2014/main" id="{E7C7C68C-77D1-4458-907B-0AFFC59FA628}"/>
-              </a:ext>
-            </a:extLst>
-          </p:cNvPr>
-          <p:cNvPicPr>
-            <a:picLocks noChangeAspect="1"/>
-          </p:cNvPicPr>
-          <p:nvPr/>
-        </p:nvPicPr>
-        <p:blipFill>
-          <a:blip r:embed="rId2"/>
-          <a:stretch>
-            <a:fillRect/>
-          </a:stretch>
-        </p:blipFill>
-        <p:spPr>
-          <a:xfrm>
-            <a:off x="1069911" y="1398523"/>
-            <a:ext cx="7707474" cy="5139344"/>
-          </a:xfrm>
-          <a:prstGeom prst="rect">
-            <a:avLst/>
-          </a:prstGeom>
-        </p:spPr>
-      </p:pic>
-    </p:spTree>
-    <p:extLst>
-      <p:ext uri="{BB962C8B-B14F-4D97-AF65-F5344CB8AC3E}">
-        <p14:creationId xmlns:p14="http://schemas.microsoft.com/office/powerpoint/2010/main" val="1803803003"/>
-      </p:ext>
-    </p:extLst>
-  </p:cSld>
-  <p:clrMapOvr>
-    <a:masterClrMapping/>
-  </p:clrMapOvr>
-</p:sld>
-</file>
-
-<file path=ppt/slides/slide7.xml><?xml version="1.0" encoding="utf-8"?>
-<p:sld xmlns:a="http://schemas.openxmlformats.org/drawingml/2006/main" xmlns:r="http://schemas.openxmlformats.org/officeDocument/2006/relationships" xmlns:p="http://schemas.openxmlformats.org/presentationml/2006/main">
-  <p:cSld>
-    <p:spTree>
-      <p:nvGrpSpPr>
-        <p:cNvPr id="1" name=""/>
-        <p:cNvGrpSpPr/>
-        <p:nvPr/>
-      </p:nvGrpSpPr>
-      <p:grpSpPr>
-        <a:xfrm>
-          <a:off x="0" y="0"/>
-          <a:ext cx="0" cy="0"/>
-          <a:chOff x="0" y="0"/>
-          <a:chExt cx="0" cy="0"/>
-        </a:xfrm>
-      </p:grpSpPr>
-      <p:sp>
-        <p:nvSpPr>
-          <p:cNvPr id="2" name="Title 1">
-            <a:extLst>
-              <a:ext uri="{FF2B5EF4-FFF2-40B4-BE49-F238E27FC236}">
-                <a16:creationId xmlns:a16="http://schemas.microsoft.com/office/drawing/2014/main" id="{0DF8298F-D8C7-41B6-8B7B-1AA6659DE9A9}"/>
-              </a:ext>
-            </a:extLst>
-          </p:cNvPr>
-          <p:cNvSpPr>
-            <a:spLocks noGrp="1"/>
-          </p:cNvSpPr>
-          <p:nvPr>
-            <p:ph type="title"/>
-          </p:nvPr>
-        </p:nvSpPr>
-        <p:spPr/>
-        <p:txBody>
-          <a:bodyPr/>
-          <a:lstStyle/>
-          <a:p>
-            <a:r>
-              <a:rPr lang="en-US"/>
-              <a:t>Tree Height</a:t>
-            </a:r>
-          </a:p>
-        </p:txBody>
-      </p:sp>
-      <p:sp>
-        <p:nvSpPr>
-          <p:cNvPr id="3" name="Content Placeholder 2">
-            <a:extLst>
-              <a:ext uri="{FF2B5EF4-FFF2-40B4-BE49-F238E27FC236}">
-                <a16:creationId xmlns:a16="http://schemas.microsoft.com/office/drawing/2014/main" id="{C787EE7A-9CA7-4D76-83C6-1688F47ED992}"/>
-              </a:ext>
-            </a:extLst>
-          </p:cNvPr>
-          <p:cNvSpPr>
-            <a:spLocks noGrp="1"/>
-          </p:cNvSpPr>
-          <p:nvPr>
-            <p:ph idx="1"/>
-          </p:nvPr>
-        </p:nvSpPr>
-        <p:spPr/>
-        <p:txBody>
-          <a:bodyPr/>
-          <a:lstStyle/>
-          <a:p>
-            <a:endParaRPr lang="en-US"/>
-          </a:p>
-        </p:txBody>
-      </p:sp>
-      <p:sp>
-        <p:nvSpPr>
-          <p:cNvPr id="4" name="Footer Placeholder 3">
-            <a:extLst>
-              <a:ext uri="{FF2B5EF4-FFF2-40B4-BE49-F238E27FC236}">
-                <a16:creationId xmlns:a16="http://schemas.microsoft.com/office/drawing/2014/main" id="{33E4C018-8DAF-41D4-A2B0-9F9956610092}"/>
-              </a:ext>
-            </a:extLst>
-          </p:cNvPr>
-          <p:cNvSpPr>
-            <a:spLocks noGrp="1"/>
-          </p:cNvSpPr>
-          <p:nvPr>
-            <p:ph type="ftr" idx="11"/>
-          </p:nvPr>
-        </p:nvSpPr>
-        <p:spPr/>
-        <p:txBody>
-          <a:bodyPr/>
-          <a:lstStyle/>
-          <a:p>
-            <a:pPr>
-              <a:defRPr/>
-            </a:pPr>
-            <a:r>
-              <a:rPr lang="en-US">
-                <a:latin typeface="+mn-lt"/>
-              </a:rPr>
-              <a:t>CS 1501 – Algorithms &amp; Data Structures 2 – Sherif Khattab</a:t>
-            </a:r>
-            <a:endParaRPr lang="en-GB"/>
-          </a:p>
-        </p:txBody>
-      </p:sp>
-      <p:sp>
-        <p:nvSpPr>
-          <p:cNvPr id="5" name="Slide Number Placeholder 4">
-            <a:extLst>
-              <a:ext uri="{FF2B5EF4-FFF2-40B4-BE49-F238E27FC236}">
-                <a16:creationId xmlns:a16="http://schemas.microsoft.com/office/drawing/2014/main" id="{874DFA87-12D0-4AA1-94A0-D719F9234270}"/>
-              </a:ext>
-            </a:extLst>
-          </p:cNvPr>
-          <p:cNvSpPr>
-            <a:spLocks noGrp="1"/>
-          </p:cNvSpPr>
-          <p:nvPr>
-            <p:ph type="sldNum" idx="12"/>
-          </p:nvPr>
-        </p:nvSpPr>
-        <p:spPr/>
-        <p:txBody>
-          <a:bodyPr/>
-          <a:lstStyle/>
-          <a:p>
-            <a:fld id="{65E435D9-63B0-4660-8D04-E83F5E2CA2AE}" type="slidenum">
-              <a:rPr lang="en-GB" altLang="en-US" smtClean="0"/>
-              <a:pPr/>
-              <a:t>7</a:t>
-            </a:fld>
-            <a:endParaRPr lang="en-GB" altLang="en-US"/>
-          </a:p>
-        </p:txBody>
-      </p:sp>
-      <p:pic>
-        <p:nvPicPr>
-          <p:cNvPr id="7" name="Picture 6">
-            <a:extLst>
-              <a:ext uri="{FF2B5EF4-FFF2-40B4-BE49-F238E27FC236}">
-                <a16:creationId xmlns:a16="http://schemas.microsoft.com/office/drawing/2014/main" id="{B40C9F38-9D09-4D07-94EB-2427563DC128}"/>
-              </a:ext>
-            </a:extLst>
-          </p:cNvPr>
-          <p:cNvPicPr>
-            <a:picLocks noChangeAspect="1"/>
-          </p:cNvPicPr>
-          <p:nvPr/>
-        </p:nvPicPr>
-        <p:blipFill>
-          <a:blip r:embed="rId2"/>
-          <a:stretch>
-            <a:fillRect/>
-          </a:stretch>
-        </p:blipFill>
-        <p:spPr>
-          <a:xfrm>
-            <a:off x="681069" y="1464511"/>
-            <a:ext cx="7964871" cy="5310976"/>
-          </a:xfrm>
-          <a:prstGeom prst="rect">
-            <a:avLst/>
-          </a:prstGeom>
-        </p:spPr>
-      </p:pic>
-    </p:spTree>
-    <p:extLst>
-      <p:ext uri="{BB962C8B-B14F-4D97-AF65-F5344CB8AC3E}">
-        <p14:creationId xmlns:p14="http://schemas.microsoft.com/office/powerpoint/2010/main" val="1323836943"/>
-      </p:ext>
-    </p:extLst>
-  </p:cSld>
-  <p:clrMapOvr>
-    <a:masterClrMapping/>
-  </p:clrMapOvr>
-</p:sld>
-</file>
-
-<file path=ppt/slides/slide8.xml><?xml version="1.0" encoding="utf-8"?>
-<p:sld xmlns:a="http://schemas.openxmlformats.org/drawingml/2006/main" xmlns:r="http://schemas.openxmlformats.org/officeDocument/2006/relationships" xmlns:p="http://schemas.openxmlformats.org/presentationml/2006/main">
-  <p:cSld>
-    <p:spTree>
-      <p:nvGrpSpPr>
-        <p:cNvPr id="1" name=""/>
-        <p:cNvGrpSpPr/>
-        <p:nvPr/>
-      </p:nvGrpSpPr>
-      <p:grpSpPr>
-        <a:xfrm>
-          <a:off x="0" y="0"/>
-          <a:ext cx="0" cy="0"/>
-          <a:chOff x="0" y="0"/>
-          <a:chExt cx="0" cy="0"/>
-        </a:xfrm>
-      </p:grpSpPr>
-      <p:sp>
-        <p:nvSpPr>
-          <p:cNvPr id="2" name="Title 1">
-            <a:extLst>
-              <a:ext uri="{FF2B5EF4-FFF2-40B4-BE49-F238E27FC236}">
-                <a16:creationId xmlns:a16="http://schemas.microsoft.com/office/drawing/2014/main" id="{B85703BB-0C2C-440E-97CB-D0AAD5594168}"/>
-              </a:ext>
-            </a:extLst>
-          </p:cNvPr>
-          <p:cNvSpPr>
-            <a:spLocks noGrp="1"/>
-          </p:cNvSpPr>
-          <p:nvPr>
-            <p:ph type="title"/>
-          </p:nvPr>
-        </p:nvSpPr>
-        <p:spPr/>
-        <p:txBody>
-          <a:bodyPr/>
-          <a:lstStyle/>
-          <a:p>
-            <a:r>
-              <a:rPr lang="en-US" err="1"/>
-              <a:t>getHeight</a:t>
-            </a:r>
-            <a:endParaRPr lang="en-US"/>
-          </a:p>
-        </p:txBody>
-      </p:sp>
-      <p:sp>
-        <p:nvSpPr>
-          <p:cNvPr id="3" name="Content Placeholder 2">
-            <a:extLst>
-              <a:ext uri="{FF2B5EF4-FFF2-40B4-BE49-F238E27FC236}">
-                <a16:creationId xmlns:a16="http://schemas.microsoft.com/office/drawing/2014/main" id="{35C6173D-4BB3-4BE2-A40F-AD385CA2D14F}"/>
-              </a:ext>
-            </a:extLst>
-          </p:cNvPr>
-          <p:cNvSpPr>
-            <a:spLocks noGrp="1"/>
-          </p:cNvSpPr>
-          <p:nvPr>
-            <p:ph idx="1"/>
-          </p:nvPr>
-        </p:nvSpPr>
-        <p:spPr/>
-        <p:txBody>
-          <a:bodyPr/>
-          <a:lstStyle/>
-          <a:p>
-            <a:endParaRPr lang="en-US"/>
-          </a:p>
-        </p:txBody>
-      </p:sp>
-      <p:sp>
-        <p:nvSpPr>
-          <p:cNvPr id="4" name="Footer Placeholder 3">
-            <a:extLst>
-              <a:ext uri="{FF2B5EF4-FFF2-40B4-BE49-F238E27FC236}">
-                <a16:creationId xmlns:a16="http://schemas.microsoft.com/office/drawing/2014/main" id="{51E384B6-425E-4E42-8136-8E9D223A5BB2}"/>
-              </a:ext>
-            </a:extLst>
-          </p:cNvPr>
-          <p:cNvSpPr>
-            <a:spLocks noGrp="1"/>
-          </p:cNvSpPr>
-          <p:nvPr>
-            <p:ph type="ftr" idx="11"/>
-          </p:nvPr>
-        </p:nvSpPr>
-        <p:spPr/>
-        <p:txBody>
-          <a:bodyPr/>
-          <a:lstStyle/>
-          <a:p>
-            <a:pPr>
-              <a:defRPr/>
-            </a:pPr>
-            <a:r>
-              <a:rPr lang="en-US">
-                <a:latin typeface="+mn-lt"/>
-              </a:rPr>
-              <a:t>CS 1501 – Algorithms &amp; Data Structures 2 – Sherif Khattab</a:t>
-            </a:r>
-            <a:endParaRPr lang="en-GB"/>
-          </a:p>
-        </p:txBody>
-      </p:sp>
-      <p:sp>
-        <p:nvSpPr>
-          <p:cNvPr id="5" name="Slide Number Placeholder 4">
-            <a:extLst>
-              <a:ext uri="{FF2B5EF4-FFF2-40B4-BE49-F238E27FC236}">
-                <a16:creationId xmlns:a16="http://schemas.microsoft.com/office/drawing/2014/main" id="{07C594F6-8FDD-4A86-BD3E-CBAEB641E52C}"/>
-              </a:ext>
-            </a:extLst>
-          </p:cNvPr>
-          <p:cNvSpPr>
-            <a:spLocks noGrp="1"/>
-          </p:cNvSpPr>
-          <p:nvPr>
-            <p:ph type="sldNum" idx="12"/>
-          </p:nvPr>
-        </p:nvSpPr>
-        <p:spPr/>
-        <p:txBody>
-          <a:bodyPr/>
-          <a:lstStyle/>
-          <a:p>
-            <a:fld id="{65E435D9-63B0-4660-8D04-E83F5E2CA2AE}" type="slidenum">
-              <a:rPr lang="en-GB" altLang="en-US" smtClean="0"/>
-              <a:pPr/>
-              <a:t>8</a:t>
-            </a:fld>
-            <a:endParaRPr lang="en-GB" altLang="en-US"/>
-          </a:p>
-        </p:txBody>
-      </p:sp>
-      <p:pic>
-        <p:nvPicPr>
-          <p:cNvPr id="7" name="Picture 6">
-            <a:extLst>
-              <a:ext uri="{FF2B5EF4-FFF2-40B4-BE49-F238E27FC236}">
-                <a16:creationId xmlns:a16="http://schemas.microsoft.com/office/drawing/2014/main" id="{94B8E0FC-8E9F-47F8-97F4-40484260D97A}"/>
-              </a:ext>
-            </a:extLst>
-          </p:cNvPr>
-          <p:cNvPicPr>
-            <a:picLocks noChangeAspect="1"/>
-          </p:cNvPicPr>
-          <p:nvPr/>
-        </p:nvPicPr>
-        <p:blipFill>
-          <a:blip r:embed="rId2"/>
-          <a:stretch>
-            <a:fillRect/>
-          </a:stretch>
-        </p:blipFill>
-        <p:spPr>
-          <a:xfrm>
-            <a:off x="690465" y="882048"/>
-            <a:ext cx="9069744" cy="6047706"/>
-          </a:xfrm>
-          <a:prstGeom prst="rect">
-            <a:avLst/>
-          </a:prstGeom>
-        </p:spPr>
-      </p:pic>
-    </p:spTree>
-    <p:extLst>
-      <p:ext uri="{BB962C8B-B14F-4D97-AF65-F5344CB8AC3E}">
-        <p14:creationId xmlns:p14="http://schemas.microsoft.com/office/powerpoint/2010/main" val="2477686467"/>
-      </p:ext>
-    </p:extLst>
-  </p:cSld>
-  <p:clrMapOvr>
-    <a:masterClrMapping/>
-  </p:clrMapOvr>
-</p:sld>
-</file>
-
-<file path=ppt/slides/slide9.xml><?xml version="1.0" encoding="utf-8"?>
-<p:sld xmlns:a="http://schemas.openxmlformats.org/drawingml/2006/main" xmlns:r="http://schemas.openxmlformats.org/officeDocument/2006/relationships" xmlns:p="http://schemas.openxmlformats.org/presentationml/2006/main">
-  <p:cSld>
-    <p:spTree>
-      <p:nvGrpSpPr>
-        <p:cNvPr id="1" name=""/>
-        <p:cNvGrpSpPr/>
-        <p:nvPr/>
-      </p:nvGrpSpPr>
-      <p:grpSpPr>
-        <a:xfrm>
-          <a:off x="0" y="0"/>
-          <a:ext cx="0" cy="0"/>
-          <a:chOff x="0" y="0"/>
-          <a:chExt cx="0" cy="0"/>
-        </a:xfrm>
-      </p:grpSpPr>
-      <p:sp>
-        <p:nvSpPr>
-          <p:cNvPr id="2" name="Title 1">
-            <a:extLst>
-              <a:ext uri="{FF2B5EF4-FFF2-40B4-BE49-F238E27FC236}">
-                <a16:creationId xmlns:a16="http://schemas.microsoft.com/office/drawing/2014/main" id="{AAC90A03-0A0D-4037-B378-D74A22F2D742}"/>
-              </a:ext>
-            </a:extLst>
-          </p:cNvPr>
-          <p:cNvSpPr>
-            <a:spLocks noGrp="1"/>
-          </p:cNvSpPr>
-          <p:nvPr>
-            <p:ph type="title"/>
-          </p:nvPr>
-        </p:nvSpPr>
-        <p:spPr/>
-        <p:txBody>
-          <a:bodyPr/>
-          <a:lstStyle/>
-          <a:p>
-            <a:r>
-              <a:rPr lang="en-US" err="1"/>
-              <a:t>BinaryNode.copy</a:t>
-            </a:r>
-            <a:endParaRPr lang="en-US"/>
-          </a:p>
-        </p:txBody>
-      </p:sp>
-      <p:sp>
-        <p:nvSpPr>
-          <p:cNvPr id="3" name="Content Placeholder 2">
-            <a:extLst>
-              <a:ext uri="{FF2B5EF4-FFF2-40B4-BE49-F238E27FC236}">
-                <a16:creationId xmlns:a16="http://schemas.microsoft.com/office/drawing/2014/main" id="{41DA49B3-3AE6-46B4-84AF-85DB8F0AF1F0}"/>
-              </a:ext>
-            </a:extLst>
-          </p:cNvPr>
-          <p:cNvSpPr>
-            <a:spLocks noGrp="1"/>
-          </p:cNvSpPr>
-          <p:nvPr>
-            <p:ph idx="1"/>
-          </p:nvPr>
-        </p:nvSpPr>
-        <p:spPr/>
-        <p:txBody>
-          <a:bodyPr/>
-          <a:lstStyle/>
-          <a:p>
-            <a:endParaRPr lang="en-US"/>
-          </a:p>
-        </p:txBody>
-      </p:sp>
-      <p:sp>
-        <p:nvSpPr>
-          <p:cNvPr id="4" name="Footer Placeholder 3">
-            <a:extLst>
-              <a:ext uri="{FF2B5EF4-FFF2-40B4-BE49-F238E27FC236}">
-                <a16:creationId xmlns:a16="http://schemas.microsoft.com/office/drawing/2014/main" id="{59AB51E9-29B5-4BFC-B524-0F74ABFB4D93}"/>
-              </a:ext>
-            </a:extLst>
-          </p:cNvPr>
-          <p:cNvSpPr>
-            <a:spLocks noGrp="1"/>
-          </p:cNvSpPr>
-          <p:nvPr>
-            <p:ph type="ftr" idx="11"/>
-          </p:nvPr>
-        </p:nvSpPr>
-        <p:spPr/>
-        <p:txBody>
-          <a:bodyPr/>
-          <a:lstStyle/>
-          <a:p>
-            <a:pPr>
-              <a:defRPr/>
-            </a:pPr>
-            <a:r>
-              <a:rPr lang="en-US">
-                <a:latin typeface="+mn-lt"/>
-              </a:rPr>
-              <a:t>CS 1501 – Algorithms &amp; Data Structures 2 – Sherif Khattab</a:t>
-            </a:r>
-            <a:endParaRPr lang="en-GB"/>
-          </a:p>
-        </p:txBody>
-      </p:sp>
-      <p:sp>
-        <p:nvSpPr>
-          <p:cNvPr id="5" name="Slide Number Placeholder 4">
-            <a:extLst>
-              <a:ext uri="{FF2B5EF4-FFF2-40B4-BE49-F238E27FC236}">
-                <a16:creationId xmlns:a16="http://schemas.microsoft.com/office/drawing/2014/main" id="{2EBCE3FB-F067-4F3D-AA2E-0D7576BC3206}"/>
-              </a:ext>
-            </a:extLst>
-          </p:cNvPr>
-          <p:cNvSpPr>
-            <a:spLocks noGrp="1"/>
-          </p:cNvSpPr>
-          <p:nvPr>
-            <p:ph type="sldNum" idx="12"/>
-          </p:nvPr>
-        </p:nvSpPr>
-        <p:spPr/>
-        <p:txBody>
-          <a:bodyPr/>
-          <a:lstStyle/>
-          <a:p>
-            <a:fld id="{65E435D9-63B0-4660-8D04-E83F5E2CA2AE}" type="slidenum">
-              <a:rPr lang="en-GB" altLang="en-US" smtClean="0"/>
-              <a:pPr/>
-              <a:t>9</a:t>
-            </a:fld>
-            <a:endParaRPr lang="en-GB" altLang="en-US"/>
-          </a:p>
-        </p:txBody>
-      </p:sp>
-      <p:pic>
-        <p:nvPicPr>
-          <p:cNvPr id="7" name="Picture 6">
-            <a:extLst>
-              <a:ext uri="{FF2B5EF4-FFF2-40B4-BE49-F238E27FC236}">
-                <a16:creationId xmlns:a16="http://schemas.microsoft.com/office/drawing/2014/main" id="{1031BFBB-9F42-44A3-B07F-E2B7B4F9F252}"/>
-              </a:ext>
-            </a:extLst>
-          </p:cNvPr>
-          <p:cNvPicPr>
-            <a:picLocks noChangeAspect="1"/>
-          </p:cNvPicPr>
-          <p:nvPr/>
-        </p:nvPicPr>
-        <p:blipFill>
-          <a:blip r:embed="rId2"/>
-          <a:stretch>
-            <a:fillRect/>
-          </a:stretch>
-        </p:blipFill>
-        <p:spPr>
-          <a:xfrm>
-            <a:off x="591157" y="1047995"/>
-            <a:ext cx="8910802" cy="5941723"/>
-          </a:xfrm>
-          <a:prstGeom prst="rect">
-            <a:avLst/>
-          </a:prstGeom>
-        </p:spPr>
-      </p:pic>
-    </p:spTree>
-    <p:extLst>
-      <p:ext uri="{BB962C8B-B14F-4D97-AF65-F5344CB8AC3E}">
-        <p14:creationId xmlns:p14="http://schemas.microsoft.com/office/powerpoint/2010/main" val="1370532791"/>
+        <p14:creationId xmlns:p14="http://schemas.microsoft.com/office/powerpoint/2010/main" val="737806260"/>
       </p:ext>
     </p:extLst>
   </p:cSld>

--- a/DraftSlides/Lecture5.pptx
+++ b/DraftSlides/Lecture5.pptx
@@ -10030,7 +10030,19 @@
               <a:rPr lang="en-US" dirty="0">
                 <a:hlinkClick r:id="rId2"/>
               </a:rPr>
-              <a:t>https://cs1501-2221.github.io/handouts/CodeHandouts/TreeADT/Slides</a:t>
+              <a:t>https</a:t>
+            </a:r>
+            <a:r>
+              <a:rPr lang="en-US">
+                <a:hlinkClick r:id="rId2"/>
+              </a:rPr>
+              <a:t>://cs1501-2224.</a:t>
+            </a:r>
+            <a:r>
+              <a:rPr lang="en-US" dirty="0">
+                <a:hlinkClick r:id="rId2"/>
+              </a:rPr>
+              <a:t>github.io/handouts/CodeHandouts/TreeADT/Slides</a:t>
             </a:r>
             <a:endParaRPr lang="en-US" dirty="0"/>
           </a:p>
@@ -10063,19 +10075,7 @@
               <a:rPr lang="en-US" dirty="0">
                 <a:hlinkClick r:id="rId3"/>
               </a:rPr>
-              <a:t>https://github.com</a:t>
-            </a:r>
-            <a:r>
-              <a:rPr lang="en-US">
-                <a:hlinkClick r:id="rId3"/>
-              </a:rPr>
-              <a:t>/cs1501-2224/</a:t>
-            </a:r>
-            <a:r>
-              <a:rPr lang="en-US" dirty="0">
-                <a:hlinkClick r:id="rId3"/>
-              </a:rPr>
-              <a:t>handouts</a:t>
+              <a:t>https://github.com/cs1501-2224/handouts</a:t>
             </a:r>
             <a:endParaRPr lang="en-US" dirty="0"/>
           </a:p>
